--- a/week3/CSharp-3.pptx
+++ b/week3/CSharp-3.pptx
@@ -191,7 +191,7 @@
           <inkml:channelProperty channel="T" name="resolution" value="1" units="1/dev"/>
         </inkml:channelProperties>
       </inkml:inkSource>
-      <inkml:timestamp xml:id="ts0" timeString="2018-05-22T22:31:47.809"/>
+      <inkml:timestamp xml:id="ts0" timeString="2018-05-22T22:34:43.175"/>
     </inkml:context>
     <inkml:brush xml:id="br0">
       <inkml:brushProperty name="width" value="0.05292" units="cm"/>
@@ -199,15 +199,11 @@
       <inkml:brushProperty name="color" value="#FF0000"/>
     </inkml:brush>
   </inkml:definitions>
-  <inkml:trace contextRef="#ctx0" brushRef="#br0">6661 6858 0,'80'0'172,"-40"0"-156,0 0-1,1 0-15,-1 0 16,0 0-1,0 0 1,0 0-16,0 0 16,0 0-1,0 0 1,1 0-16,39 0 16,-40 0-1,0 0 1,0 0-1,0 0 1,1 0 0,-1 0-1,0 0 1,0 0-16,0 0 16,40 0-1,-40 0 1,1 0-16,-1 0 15,0 0-15,40 0 16,-40 0-16,0 0 16,0 0-1,1 0-15,-1 0 16,0 0 0,0 0-16,0 0 15,0 0-15,40 0 16,-39 0-1,39 0-15,-40 0 16,0 0 0,0 0-16,0 0 15,41 0 1,-41 0-16,0 0 16,0 0-16,80 0 15,-80 0 1,1 0-1,-1 0 1,0 0-16,0 0 16,0 0-1,0 40-15,0-40 16,0 0-16,1 0 16,39 0-16,-40 0 15,40 0 1,-40 0-16,0 0 15,1 0-15,39 0 16,-40 0-16,0 0 16,40 0-16,-40 0 15,1 0-15,-1 0 16,40 0-16,-40 0 16,40 0-16,-40 0 15,1 0-15,-1 0 16,0 40-16,0-40 15,0 0-15,0 0 16,0 0-16,0 0 16,41 0-16,-41 0 15,0 0-15,0 0 16,0 0-16,0 0 16,1 0-1,-1 0 1,40 0-16,-40 0 15,0 0 1,0 0-16,0 0 16,41 0-1,-41 0 1,40 0 0,-40 0-1,0 0 1,41 0-1,-41 0 1,0 0 0,0 0-1,0 0-15,0 0 16,0 0 15,0 0 0,1 0-15,-1 0 15,0 0 1,0 0-17,0 0 1,0 0 31</inkml:trace>
-  <inkml:trace contextRef="#ctx0" brushRef="#br0" timeOffset="26248.097">8065 8623 0,'41'0'93,"79"0"-77,-40 0-16,0 0 16,-39 0-16,39 0 15,0 0-15,-40 0 16,0 0-16,0 0 16,41 0-16,-41 0 15,40 0 1,-40 0-16,0 0 15,41 0-15,-41 0 16,0 0 15,0 0 1,0 0-17,0 0 1,0 0-1,0 0 1,1 0 0,-1 0-1,0 0 1,0 0-16,0 0 16,0 0 15,0 40-16,0-40-15,1 0 16,-1 0 0,0 0-1,0 0-15,0 0 16,0 0 0,0 0-1,0 0-15,1 0 16,-1 0 15,0 0-15,0 0-1,0 0 48</inkml:trace>
-  <inkml:trace contextRef="#ctx0" brushRef="#br0" timeOffset="40143.383">10995 10066 0,'40'0'171,"0"0"-139,0 0-32</inkml:trace>
-  <inkml:trace contextRef="#ctx0" brushRef="#br0" timeOffset="41696.165">11155 10066 0,'80'0'63,"-39"0"-47,39 0-16,0 0 15,0 0-15,1 0 16,39 0-16,-40 0 15,0 0-15,1 0 16,-1 0-16,0 0 16,81 0-1,-81 0-15,-40 0 16,40 0-16,1 0 16,-1 0-16,40 0 15,-40 0-15,1 0 16,-1 40-1,0-40-15,41 0 16,-1 0-16,-40 0 16,41 0-16,-41 0 15,40 0-15,-40 0 16,1 0-16,-1 0 16,-40 0-16,40 0 15,1 0-15,-41 0 16,0 0-16,40 0 15,-40 0-15,0 0 16,41 0-16,-41 0 16,80 0-16,-80 0 15,41 0-15,-41 0 16,40 0-16,40 0 16,-39 0-16,-1 0 15,0 0-15,-40 0 16,40 0-16,-39 0 15,-1 0-15,0 0 16,0 0 0,-40 41-1</inkml:trace>
-  <inkml:trace contextRef="#ctx0" brushRef="#br0" timeOffset="63735.717">10674 18087 0,'40'0'156,"0"0"-156,0 0 16,40 0-1,1 0-15,39 0 16,-40 0-16,0 0 16,1 0-16,-1 0 15,-40 0-15,40 0 16,1 0-16,-41 0 16,0 0-16,0 0 15,0 0-15,0 0 16,40 0-16,-39 0 15,39 0 1,-40 0-16,0 0 16,40 0-16,-40 0 15,1 0-15,-1 0 16,40 0-16,0 0 16,-40 0-16,41 0 15,-1 0 1,-40 0-16,0 0 15,0 0-15,40 0 16,-39 0 0,-1 0 15,0 0 0,0 0-15,0 0-1,0 0 1,0 0 0,0 0-1,1 0 1,-1 0-16,0 0 16,0 0-16,0 0 15,0 0 1,0 0-1,0 0 17,1 0-17,-1 0 1,0 0 0,0 0-1,0 0-15,40 0 16,-40 0-16,41 0 15,-41 0-15,80 0 16,-40 0-16,1 0 16,-1 0-16,0 0 15,0 40-15,41-40 16,-41 0-16,0 0 16,1 0-16,-1 0 15,0 0-15,-40 0 16,81 0-16,-41 0 15,-40 0-15,40 0 16,41 0-16,-41 0 16,40 0-16,41 0 15,-41 0-15,1 0 16,-41 0-16,40 0 16,-80 0-16,0 0 15,1 0-15,39 0 16,-40 0-16,0 0 15,0 0-15,40 0 32,-39 0-32,-1 0 15,40 0-15,0 0 16,0 0-16,1 0 16,-1 0-16,-40 0 15,40 0-15,-40 0 16,1 0-16,39 0 15,-40 0 1,0 0 0,0 0 15,0 0-15,0 0-1,1 0 1,39 41-1,-40-41 1,0 0-16,0 0 16,0 0-1,0 0 17,1 0-1,-1 0 0,0 0 0,0 0-15,0 0 0,0 0-16,0 0 15,1 0 1,-1 0 15,0 0 0,0 0 1,0 0-17,0 0-15,40 0 16,-39 0-16,39 0 15,0 0-15,40 0 16,-39 0-16,39 0 16,-40 0-16,1 0 15,39 0-15,-80 0 16,0 0 0,0 0-16,0 0 15,1 0 1,-1 0-1,0 0 1,0 0-16,40 0 16,0 0-16,1 0 15,-1 0-15,40 0 16,1 0-16,39 0 16,1 0-16,-41 0 15,0 0-15,41 0 16,-41 0-16,-39 0 15,39 0-15,-40 0 16,-40 0-16,0 0 16,41 0-16,-41 0 15,0 0-15,0 0 16,0 0-16,0 0 16,0 0-16,81 0 15,-41 0-15,0 0 16,-39 0-16,-1 0 15,40 0-15,-40 0 32,0 0-32,0 0 15,0 0 1,1 0 15,-1 0-15,0 0-16,0 0 31,0 0-15,0 0 15,0 0-31</inkml:trace>
+  <inkml:trace contextRef="#ctx0" brushRef="#br0">10473 13596 0,'40'0'0,"0"0"31,0 0-31,0 0 16,1 0-1,-1 0-15,0 0 16,0 0-16,40 0 16,-40 0-1,1 0-15,-1 0 16,80 0-16,-80 0 15,40 0-15,-39 0 16,39 0-16,-40 0 16,0 0-16,40 0 15,1 0-15,39 0 16,-40 0 0,0 0-16,1 0 15,-41 0-15,40 0 16,0 0-16,-40 0 15,1 0-15,-1 0 16,0 0 0</inkml:trace>
 </inkml:ink>
 </file>
 
-<file path=ppt/ink/ink10.xml><?xml version="1.0" encoding="utf-8"?>
+<file path=ppt/ink/ink2.xml><?xml version="1.0" encoding="utf-8"?>
 <inkml:ink xmlns:inkml="http://www.w3.org/2003/InkML">
   <inkml:definitions>
     <inkml:context xml:id="ctx0">
@@ -238,7 +234,7 @@
 </inkml:ink>
 </file>
 
-<file path=ppt/ink/ink11.xml><?xml version="1.0" encoding="utf-8"?>
+<file path=ppt/ink/ink3.xml><?xml version="1.0" encoding="utf-8"?>
 <inkml:ink xmlns:inkml="http://www.w3.org/2003/InkML">
   <inkml:definitions>
     <inkml:context xml:id="ctx0">
@@ -269,7 +265,7 @@
 </inkml:ink>
 </file>
 
-<file path=ppt/ink/ink12.xml><?xml version="1.0" encoding="utf-8"?>
+<file path=ppt/ink/ink4.xml><?xml version="1.0" encoding="utf-8"?>
 <inkml:ink xmlns:inkml="http://www.w3.org/2003/InkML">
   <inkml:definitions>
     <inkml:context xml:id="ctx0">
@@ -300,7 +296,7 @@
 </inkml:ink>
 </file>
 
-<file path=ppt/ink/ink13.xml><?xml version="1.0" encoding="utf-8"?>
+<file path=ppt/ink/ink5.xml><?xml version="1.0" encoding="utf-8"?>
 <inkml:ink xmlns:inkml="http://www.w3.org/2003/InkML">
   <inkml:definitions>
     <inkml:context xml:id="ctx0">
@@ -331,7 +327,7 @@
 </inkml:ink>
 </file>
 
-<file path=ppt/ink/ink14.xml><?xml version="1.0" encoding="utf-8"?>
+<file path=ppt/ink/ink6.xml><?xml version="1.0" encoding="utf-8"?>
 <inkml:ink xmlns:inkml="http://www.w3.org/2003/InkML">
   <inkml:definitions>
     <inkml:context xml:id="ctx0">
@@ -362,7 +358,7 @@
 </inkml:ink>
 </file>
 
-<file path=ppt/ink/ink15.xml><?xml version="1.0" encoding="utf-8"?>
+<file path=ppt/ink/ink7.xml><?xml version="1.0" encoding="utf-8"?>
 <inkml:ink xmlns:inkml="http://www.w3.org/2003/InkML">
   <inkml:definitions>
     <inkml:context xml:id="ctx0">
@@ -393,7 +389,7 @@
 </inkml:ink>
 </file>
 
-<file path=ppt/ink/ink16.xml><?xml version="1.0" encoding="utf-8"?>
+<file path=ppt/ink/ink8.xml><?xml version="1.0" encoding="utf-8"?>
 <inkml:ink xmlns:inkml="http://www.w3.org/2003/InkML">
   <inkml:definitions>
     <inkml:context xml:id="ctx0">
@@ -421,1639 +417,6 @@
     </inkml:brush>
   </inkml:definitions>
   <inkml:trace contextRef="#ctx0" brushRef="#br0">0 0 0,'121'0'47,"0"0"-47,40 0 16,81 0-16,80 0 15,81 40-15,-40-40 16,-40 0-16,-41 0 15,-121 40-15,-80-40 16,40 0 0</inkml:trace>
-</inkml:ink>
-</file>
-
-<file path=ppt/ink/ink17.xml><?xml version="1.0" encoding="utf-8"?>
-<inkml:ink xmlns:inkml="http://www.w3.org/2003/InkML">
-  <inkml:definitions>
-    <inkml:context xml:id="ctx0">
-      <inkml:inkSource xml:id="inkSrc0">
-        <inkml:traceFormat>
-          <inkml:channel name="X" type="integer" max="2646" units="cm"/>
-          <inkml:channel name="Y" type="integer" max="768" units="cm"/>
-          <inkml:channel name="T" type="integer" max="2.14748E9" units="dev"/>
-        </inkml:traceFormat>
-        <inkml:channelProperties>
-          <inkml:channelProperty channel="X" name="resolution" value="76.9186" units="1/cm"/>
-          <inkml:channelProperty channel="Y" name="resolution" value="39.79275" units="1/cm"/>
-          <inkml:channelProperty channel="T" name="resolution" value="1" units="1/dev"/>
-        </inkml:channelProperties>
-      </inkml:inkSource>
-      <inkml:timestamp xml:id="ts0" timeString="2018-05-22T22:45:20.887"/>
-    </inkml:context>
-    <inkml:brush xml:id="br0">
-      <inkml:brushProperty name="width" value="0.05292" units="cm"/>
-      <inkml:brushProperty name="height" value="0.05292" units="cm"/>
-      <inkml:brushProperty name="color" value="#FF0000"/>
-    </inkml:brush>
-  </inkml:definitions>
-  <inkml:trace contextRef="#ctx0" brushRef="#br0">5658 13555 0,'40'0'0,"0"0"15,40 0 1,-40 0 0,41 0-16,-1 0 15,-40 0 1,0 0-1,40 0 1,-39 0-16,39 0 16,0 0-16,0 0 15,1 0-15,-1 0 16,-40 0-16,40 0 16,0 0-16,41 0 15,-1 0 1,-40 0-16,41 41 0,80-41 15,-81 0 1,0 0-16,1 0 16,-41 0-16,0 0 15,0 0-15,1 0 16,-1 0-16,0 0 16,41 0-16,-41 0 15,0 0-15,-40 0 16,40 40-16,1-40 15,39 0-15,-80 0 16,40 0-16,1 0 16,-1 0-16,0 0 15,41 0-15,-41 0 16,0 0-16,0 0 16,1 0-16,-1 40 15,0-40-15,-40 0 16,40 0-1,-39 0 1</inkml:trace>
-  <inkml:trace contextRef="#ctx0" brushRef="#br0" timeOffset="1696.172">5337 15521 0,'40'0'0,"0"0"16,0 0-1,0 0-15,0 0 16,1 0-16,-1 0 15,40 0-15,-40 0 16,40 0-16,1 0 16,-41 0-16,80 0 15,-80 0-15,40 0 16,-39 0-16,39 0 16,0 0-16,0 0 15,-40 0-15,41 0 16,-41 0-16,80 0 15,-80 0-15,41 0 16,-41 0-16,40 0 16,-40 0-1,0 0-15,0 0 16,81 0-16,-41 0 16,0 0-16,41 0 15,-41 0-15,40 0 16,1 0-16,-1 0 15,-40 0-15,1 0 16,-1 0-16,0 0 16,40 0-16,-79 0 15,39 0-15,0 0 16,0 0-16,1 0 16,-1 0-16,0 0 15,-40 0-15,40 0 16,1 40-16,-41-40 15,0 0-15,40 0 16,-40 0-16,0 0 16,1 0-16,-1 40 15,0-40-15,0 0 16,0 0-16,0 0 16,0 0-1</inkml:trace>
-  <inkml:trace contextRef="#ctx0" brushRef="#br0" timeOffset="3095.219">5417 16483 0,'40'0'0,"0"0"15,0 0 1,41 0-16,-41 0 16,0 0-16,40 0 15,41 0-15,-1 0 16,-40 0-16,0 0 16,1 0-16,-41 0 15,80 0-15,-40 0 16,41 0-16,-41 0 15,40 0-15,1 0 16,-1 0-16,-40 0 16,1 0-16,39 0 15,-80 0-15,41 0 16,-1 0-16,0 0 16,0 0-1,1 0-15,-1 0 16,40 0-1,-40 0-15,1 0 16,-1 0-16,-40 0 16,40 0-16,1 0 15,-1 0-15,0 0 16,0 0-16,1 40 16,-1-40-16,0 0 15,0 0-15,-40 40 16,41-40-16,-1 0 15,0 0-15,0 40 16,-39-40-16,39 0 16,40 0-16,-40 0 15,-39 41-15,39-41 16,-40 0-16,40 0 16,-40 0-16,0 0 15,1 0-15,-1 0 16,0 0-1,0 0 1,0 0 140</inkml:trace>
-  <inkml:trace contextRef="#ctx0" brushRef="#br0" timeOffset="5256.063">17254 11550 0,'40'0'0,"1"0"16,-1 0-16,80 0 16,-40 0-16,41 0 15,-1 0-15,81 0 16,-41 0-16,41 0 16,40 0-1,-81 0-15,41 0 16,40 0-16,-121 0 15,0 0-15,1-40 16,39 40-16,-39 0 16,-1 0-16,0 0 15,1 0-15,-41 0 16,40 0-16,-39 0 16,39 0-16,-40 0 15,0 0-15,41 0 16,-41 0-16,-40 0 15,0 0-15,41 0 16,-41 0-16,0 0 16,0 0-1</inkml:trace>
-  <inkml:trace contextRef="#ctx0" brushRef="#br0" timeOffset="7231.913">15609 13997 0,'40'0'47,"0"0"-47,1 0 16,-1 0-16,0 0 15,40 0-15,-40 0 16,0 0-16,0 0 16,41 0-16,-41 0 15,0 0-15,40 0 16,-40 0-16,0 0 16,1 0-16,-1 0 15,0 0-15,0 0 16,0 0-1,0 0-15,0 0 32,0 40-17,41-40 1,-41 0 0,0 0-1,0 0-15,0 0 16,0 0-16,0 0 15,1 40-15,-1-40 32,0 0-32,0 0 15,0 0-15,0 0 32,0 0-32,0 0 15,41 0 1,-41 0-16,0 0 15,0 0 1,0 40-16,0-40 16,0 0-1,1 0-15,-1 0 16,0 0 0,0 0-16,0 0 15,0 0 1,0 0-1,0 0 1,1 0 0,-1 0-16,0 0 15,0 0-15,0 0 16,40 0 0,-39 0-16,-1 0 15,0 0-15,80 0 16,-80 0-1,0 0-15,1 0 16,39 0-16,-40 0 16,0 0-16,0 0 15,40 0 1,-39 0 0,-1 0-16,0 0 15,0 0-15,40 0 16,-40 0-1,0 0 1,1 40-16,-1-40 16,0 0-16,0 0 15,0 0-15,40 0 16,-40 0-16,41 0 16,-41 0-16,0 0 15,0 0-15,0 0 16,40 0-16,1 0 15,-41 0 1,0 0 0,0 0-16,0 0 15,0 0-15,0 0 16,1 0 0,39 0-1,-40 0-15,0 0 16,0 0-16,0 0 15,0 0 1,1 0-16,-1 0 31,0 0-15</inkml:trace>
-  <inkml:trace contextRef="#ctx0" brushRef="#br0" timeOffset="8303.846">18900 14077 0</inkml:trace>
-  <inkml:trace contextRef="#ctx0" brushRef="#br0" timeOffset="9991.795">18779 13997 0,'0'40'110,"0"0"-95,0 0 1,0 0-1,0 0-15,0 0 16</inkml:trace>
-</inkml:ink>
-</file>
-
-<file path=ppt/ink/ink18.xml><?xml version="1.0" encoding="utf-8"?>
-<inkml:ink xmlns:inkml="http://www.w3.org/2003/InkML">
-  <inkml:definitions>
-    <inkml:context xml:id="ctx0">
-      <inkml:inkSource xml:id="inkSrc0">
-        <inkml:traceFormat>
-          <inkml:channel name="X" type="integer" max="1366" units="cm"/>
-          <inkml:channel name="Y" type="integer" max="768" units="cm"/>
-          <inkml:channel name="T" type="integer" max="2.14748E9" units="dev"/>
-        </inkml:traceFormat>
-        <inkml:channelProperties>
-          <inkml:channelProperty channel="X" name="resolution" value="39.7093" units="1/cm"/>
-          <inkml:channelProperty channel="Y" name="resolution" value="39.79275" units="1/cm"/>
-          <inkml:channelProperty channel="T" name="resolution" value="1" units="1/dev"/>
-        </inkml:channelProperties>
-      </inkml:inkSource>
-      <inkml:timestamp xml:id="ts0" timeString="2018-02-04T23:13:11.295"/>
-    </inkml:context>
-    <inkml:brush xml:id="br0">
-      <inkml:brushProperty name="width" value="0.2" units="cm"/>
-      <inkml:brushProperty name="height" value="0.4" units="cm"/>
-      <inkml:brushProperty name="color" value="#FFFF00"/>
-      <inkml:brushProperty name="tip" value="rectangle"/>
-      <inkml:brushProperty name="rasterOp" value="maskPen"/>
-      <inkml:brushProperty name="fitToCurve" value="1"/>
-    </inkml:brush>
-  </inkml:definitions>
-  <inkml:trace contextRef="#ctx0" brushRef="#br0">0 161 0,'53'0'125,"-1"0"-125,1 0 31,0 0-31,0 0 16,0 0-16,0 0 16,0-53-16,0 53 15,53 0 1,0 0-1,-54 0 1,54 0-16,-53 0 16,53 0-1,-53 0 1,0 0 0,0 0-16,0 0 31,0 0-31,0 0 31,-1 0-31,1 0 16,0 0-1,0 0 1,0 0 15,0 0-15,0 0-1,53 0 1,-53 0 0,0 0-1,0 0 1,-1 0-16,1 0 16,0 0-1,0 0 16,0 0-31,0 0 47,0 0-47,0 0 16,0 0 0,0 0-1,0 0 16,0 0-15,-1 0-16,1 0 16,0 0 15,0 0-15,0 0-16,0 0 31,0 0 0,0 53 0,0-53-31,0 0 16,0 0 31,0 0-16,-1 0-15,-104 0 62</inkml:trace>
-</inkml:ink>
-</file>
-
-<file path=ppt/ink/ink19.xml><?xml version="1.0" encoding="utf-8"?>
-<inkml:ink xmlns:inkml="http://www.w3.org/2003/InkML">
-  <inkml:definitions>
-    <inkml:context xml:id="ctx0">
-      <inkml:inkSource xml:id="inkSrc0">
-        <inkml:traceFormat>
-          <inkml:channel name="X" type="integer" max="1366" units="cm"/>
-          <inkml:channel name="Y" type="integer" max="768" units="cm"/>
-          <inkml:channel name="T" type="integer" max="2.14748E9" units="dev"/>
-        </inkml:traceFormat>
-        <inkml:channelProperties>
-          <inkml:channelProperty channel="X" name="resolution" value="39.7093" units="1/cm"/>
-          <inkml:channelProperty channel="Y" name="resolution" value="39.79275" units="1/cm"/>
-          <inkml:channelProperty channel="T" name="resolution" value="1" units="1/dev"/>
-        </inkml:channelProperties>
-      </inkml:inkSource>
-      <inkml:timestamp xml:id="ts0" timeString="2018-02-04T23:13:15.352"/>
-    </inkml:context>
-    <inkml:brush xml:id="br0">
-      <inkml:brushProperty name="width" value="0.2" units="cm"/>
-      <inkml:brushProperty name="height" value="0.4" units="cm"/>
-      <inkml:brushProperty name="color" value="#FFFF00"/>
-      <inkml:brushProperty name="tip" value="rectangle"/>
-      <inkml:brushProperty name="rasterOp" value="maskPen"/>
-      <inkml:brushProperty name="fitToCurve" value="1"/>
-    </inkml:brush>
-  </inkml:definitions>
-  <inkml:trace contextRef="#ctx0" brushRef="#br0">0 245 0,'39'0'79,"40"0"-64,-1 0 1,0 0-1,0 0-15,0 0 16,39 0-16,-38 0 16,-40 0-16,78 0 15,-39 0-15,0 0 16,0 39 0,-39-39-16,40 0 15,-40 0-15,0 0 16,0 0-16,0 0 15,0 0-15,0 0 16,0 0 0,0 0-1,0 0 1,0 0-16,0 0 16,1 0-1,-1 0 1,0 0-1,0 0-15,0 0 16,-39 39-16,39-39 16,0 0-1,0 0-15,0 0 16,0 0 0,0 0-1,0 39-15,0-39 31,1 0-31,38 0 32,-39 0-32,39 0 15,0 39 1,-39-39 0,-39 39-1,39-39-15,0 0 16,0 0-16,0 0 15,40 0 1,-40 0 0,0 0-1,-39 39 17,78-39-32,-39 0 15,0 0 1,0 0-1,0 0 1,0 0 15,0 0 157,-39-39-157,0 0 0,0 0-15,-39 39-16,39-39 16,-39 39-1,39-39-15,-39 39 16,0 0 15,0-39-15,0-1-1,0 40 1,0 0 0,0 0-16,0-39 15,0 39-15,-1-39 16,1 39-16,0 0 15,0 0 1,0 0-16,0 0 16,0 0-1,0 0-15,0 0 16,-39 0 0,39 0-1,-40-39 1,40 39-1,-39 0 1,39 0-16,-39 0 0,39 0 16,-39 0-16,0 0 15,-1 0 1,1 0-16,39-39 16,-39 39 15,39 0-31,-39 0 15,39 0-15,-78 0 0,77 0 16,1 0-16,0 0 16,0 0-1,0 0 1,-39 0 0,39 0-1,0 0 1,0 0-16,0 0 15,0 0 1,0 0 0,-1 0 31,1 0-47,39-39 0,-39 39 15,0 0 16,0 0 32,0 0 124,0 0-171,0 0 0,0 0-1,0 0 1,0 0 15</inkml:trace>
-</inkml:ink>
-</file>
-
-<file path=ppt/ink/ink2.xml><?xml version="1.0" encoding="utf-8"?>
-<inkml:ink xmlns:inkml="http://www.w3.org/2003/InkML">
-  <inkml:definitions>
-    <inkml:context xml:id="ctx0">
-      <inkml:inkSource xml:id="inkSrc0">
-        <inkml:traceFormat>
-          <inkml:channel name="X" type="integer" max="1366" units="cm"/>
-          <inkml:channel name="Y" type="integer" max="768" units="cm"/>
-          <inkml:channel name="T" type="integer" max="2.14748E9" units="dev"/>
-        </inkml:traceFormat>
-        <inkml:channelProperties>
-          <inkml:channelProperty channel="X" name="resolution" value="39.7093" units="1/cm"/>
-          <inkml:channelProperty channel="Y" name="resolution" value="39.79275" units="1/cm"/>
-          <inkml:channelProperty channel="T" name="resolution" value="1" units="1/dev"/>
-        </inkml:channelProperties>
-      </inkml:inkSource>
-      <inkml:timestamp xml:id="ts0" timeString="2018-02-04T18:07:29.307"/>
-    </inkml:context>
-    <inkml:brush xml:id="br0">
-      <inkml:brushProperty name="width" value="0.05" units="cm"/>
-      <inkml:brushProperty name="height" value="0.05" units="cm"/>
-      <inkml:brushProperty name="fitToCurve" value="1"/>
-    </inkml:brush>
-    <inkml:brush xml:id="br1">
-      <inkml:brushProperty name="width" value="0.035" units="cm"/>
-      <inkml:brushProperty name="height" value="0.035" units="cm"/>
-      <inkml:brushProperty name="color" value="#ED1C24"/>
-      <inkml:brushProperty name="fitToCurve" value="1"/>
-    </inkml:brush>
-  </inkml:definitions>
-  <inkml:traceGroup>
-    <inkml:annotationXML>
-      <emma:emma xmlns:emma="http://www.w3.org/2003/04/emma" version="1.0">
-        <emma:interpretation id="{287D4405-5450-4A45-8EF5-1C9A49A4B169}" emma:medium="tactile" emma:mode="ink">
-          <msink:context xmlns:msink="http://schemas.microsoft.com/ink/2010/main" type="inkDrawing" rotatedBoundingBox="8742,9840 16685,10501 16561,11991 8618,11330" hotPoints="14925,10270 16477,11476 10147,11421 8595,10215" semanticType="enclosure" shapeName="Parallelogram"/>
-        </emma:interpretation>
-      </emma:emma>
-    </inkml:annotationXML>
-    <inkml:trace contextRef="#ctx0" brushRef="#br0">0 156 0,'3752'-156'734</inkml:trace>
-    <inkml:trace contextRef="#ctx0" brushRef="#br1" timeOffset="13392.2">-2501-938 0,'-39'0'0,"0"0"16,0 0-1,0 0-15,0 39 0,-39-39 16,39 39-16,-78-39 16,38 78-16,40-39 15,-39 0-15,0 0 16,39 40-16,0-40 15,0 39-15,0 0 32,39-39-32,0 0 15,0 39-15,39-39 16,0 39-16,0 1 16,39-40-16,0 39 15,0-39 1,79 39-16,-40-39 15,-39 0-15,118 39 0,-1-39 16,-78-39-16,79 0 16,-157 0-16,156 0 15,-39 0-15,-38 0 16,38 0-16,-39 0 16,39 0-16,1 0 15,-1 0 1,-39 0-16,40 0 15,-1 0-15,-39 0 16,118 0-16,-79 0 16,39 0-1,1 0-15,38 0 16,40 0 0,77 0-16,40 0 15,-274 0 1,40 0-16,38 0 15,-39 0-15,1 0 16,77 0-16,-117 0 16,79 0-16,-79 0 15,39 0-15,1 0 0,-1 0 16,-39 0-16,-39 0 16,0 0-16,40 0 15,-79 0-15,0 0 16,0 0-1,-39-39 48,0 0-47,0 0-1,0 0-15,0 0 16,-39-39-1,39 39-15,0 0 32,-39 0-32,0-39 0,0 38 15,-1 1-15,-77 0 16,78-78-16,-39 117 16,-78-78-16,-1 0 15,-77-39 1,117 117-16,-118-40 15,40 1-15,-1 0 16,1 39-16,-39-39 16,38 39-16,1 0 15,-40 0-15,-390 0 32,-235-39-17,548 0 1,38 39-16,40 0 0,-40 0 15,40 0-15,38-39 16,40 39-16,-78 0 16,77 0-1,40 0-15,0 0 0,-39 0 16,38 0-16,1 0 16,0 0-16,0 0 15,-40 0-15,1 0 16,39 0-16,0 0 15,38 0-15,40 0 32,0 0-32</inkml:trace>
-    <inkml:trace contextRef="#ctx0" brushRef="#br0" timeOffset="-1000.606">-3048 117 0,'2736'39'641,"-2658"-39"-625,-39 0-1,0 0-15,0 0 31,0 0-31</inkml:trace>
-  </inkml:traceGroup>
-</inkml:ink>
-</file>
-
-<file path=ppt/ink/ink20.xml><?xml version="1.0" encoding="utf-8"?>
-<inkml:ink xmlns:inkml="http://www.w3.org/2003/InkML">
-  <inkml:definitions>
-    <inkml:context xml:id="ctx0">
-      <inkml:inkSource xml:id="inkSrc0">
-        <inkml:traceFormat>
-          <inkml:channel name="X" type="integer" max="1366" units="cm"/>
-          <inkml:channel name="Y" type="integer" max="768" units="cm"/>
-          <inkml:channel name="T" type="integer" max="2.14748E9" units="dev"/>
-        </inkml:traceFormat>
-        <inkml:channelProperties>
-          <inkml:channelProperty channel="X" name="resolution" value="39.7093" units="1/cm"/>
-          <inkml:channelProperty channel="Y" name="resolution" value="39.79275" units="1/cm"/>
-          <inkml:channelProperty channel="T" name="resolution" value="1" units="1/dev"/>
-        </inkml:channelProperties>
-      </inkml:inkSource>
-      <inkml:timestamp xml:id="ts0" timeString="2018-02-04T23:13:17.587"/>
-    </inkml:context>
-    <inkml:brush xml:id="br0">
-      <inkml:brushProperty name="width" value="0.2" units="cm"/>
-      <inkml:brushProperty name="height" value="0.4" units="cm"/>
-      <inkml:brushProperty name="color" value="#FFFF00"/>
-      <inkml:brushProperty name="tip" value="rectangle"/>
-      <inkml:brushProperty name="rasterOp" value="maskPen"/>
-      <inkml:brushProperty name="fitToCurve" value="1"/>
-    </inkml:brush>
-  </inkml:definitions>
-  <inkml:trace contextRef="#ctx0" brushRef="#br0">0 0 0,'39'0'94,"39"39"-79,40 0 1,-1-39-16,-39 0 16,-39 0-16,0 39 15,78 0-15,-77-39 0,-1 0 16,39 39-16,-39 0 16,0-39-1,0 0-15,0 39 16,39-39-1,-39 0-15,0 0 32,0 0-32,40 39 15,-40-39 1,0 0 0,0 0-1,0 0-15,0 0 16,0 0-1,-39 39-15,39-39 16,0 0-16,-39 39 16,39-39-1,0 0 1,0 0 0,1 0-16,-1 0 15,0 0 1,0 0-1,0 0 1,0 0 0,0 0-1,0 0 17,0 0-32,0 0 15,0 0 16,39 0-31,-38 0 32,38 0-32,-39 0 15,0 0 1,0 0 0,0 0-1,0 0 1,0 0-1,0 0 1,0 0 0,0 0 31,0 0 156,1 0-188,-1 0 17,0 0-32,0 0 31,0 0-16,0 0 1,0 0 0,0 0 77</inkml:trace>
-</inkml:ink>
-</file>
-
-<file path=ppt/ink/ink21.xml><?xml version="1.0" encoding="utf-8"?>
-<inkml:ink xmlns:inkml="http://www.w3.org/2003/InkML">
-  <inkml:definitions>
-    <inkml:context xml:id="ctx0">
-      <inkml:inkSource xml:id="inkSrc0">
-        <inkml:traceFormat>
-          <inkml:channel name="X" type="integer" max="1366" units="cm"/>
-          <inkml:channel name="Y" type="integer" max="768" units="cm"/>
-          <inkml:channel name="T" type="integer" max="2.14748E9" units="dev"/>
-        </inkml:traceFormat>
-        <inkml:channelProperties>
-          <inkml:channelProperty channel="X" name="resolution" value="39.7093" units="1/cm"/>
-          <inkml:channelProperty channel="Y" name="resolution" value="39.79275" units="1/cm"/>
-          <inkml:channelProperty channel="T" name="resolution" value="1" units="1/dev"/>
-        </inkml:channelProperties>
-      </inkml:inkSource>
-      <inkml:timestamp xml:id="ts0" timeString="2018-02-04T23:36:00.801"/>
-    </inkml:context>
-    <inkml:brush xml:id="br0">
-      <inkml:brushProperty name="width" value="0.2" units="cm"/>
-      <inkml:brushProperty name="height" value="0.4" units="cm"/>
-      <inkml:brushProperty name="color" value="#FFFF00"/>
-      <inkml:brushProperty name="tip" value="rectangle"/>
-      <inkml:brushProperty name="rasterOp" value="maskPen"/>
-      <inkml:brushProperty name="fitToCurve" value="1"/>
-    </inkml:brush>
-  </inkml:definitions>
-  <inkml:trace contextRef="#ctx0" brushRef="#br0">0 0 0,'39'0'93,"0"0"-77,0 0 0,0 0-16,39 0 15,-39 0-15,79 0 16,-79 0-16,0 0 0,0 0 15,0 0-15,0 0 16,0 0 0,0 0-16,0 0 15,0 0 1,0 0 0,40 0-1,-40 0-15,39 0 16,-39 0-16,0 0 15,0 0-15,0 0 16,39 0-16,-39 0 16,0 0 15,1 0-31,-1 0 16,0 0-1,0 0-15,0 0 16,0 0-1,0 0 1,0 0 0,0 0-1,0 0 1,0 0 0</inkml:trace>
-</inkml:ink>
-</file>
-
-<file path=ppt/ink/ink22.xml><?xml version="1.0" encoding="utf-8"?>
-<inkml:ink xmlns:inkml="http://www.w3.org/2003/InkML">
-  <inkml:definitions>
-    <inkml:context xml:id="ctx0">
-      <inkml:inkSource xml:id="inkSrc0">
-        <inkml:traceFormat>
-          <inkml:channel name="X" type="integer" max="1366" units="cm"/>
-          <inkml:channel name="Y" type="integer" max="768" units="cm"/>
-          <inkml:channel name="T" type="integer" max="2.14748E9" units="dev"/>
-        </inkml:traceFormat>
-        <inkml:channelProperties>
-          <inkml:channelProperty channel="X" name="resolution" value="39.7093" units="1/cm"/>
-          <inkml:channelProperty channel="Y" name="resolution" value="39.79275" units="1/cm"/>
-          <inkml:channelProperty channel="T" name="resolution" value="1" units="1/dev"/>
-        </inkml:channelProperties>
-      </inkml:inkSource>
-      <inkml:timestamp xml:id="ts0" timeString="2018-02-04T23:36:06.561"/>
-    </inkml:context>
-    <inkml:brush xml:id="br0">
-      <inkml:brushProperty name="width" value="0.2" units="cm"/>
-      <inkml:brushProperty name="height" value="0.4" units="cm"/>
-      <inkml:brushProperty name="color" value="#FFFF00"/>
-      <inkml:brushProperty name="tip" value="rectangle"/>
-      <inkml:brushProperty name="rasterOp" value="maskPen"/>
-      <inkml:brushProperty name="fitToCurve" value="1"/>
-    </inkml:brush>
-  </inkml:definitions>
-  <inkml:trace contextRef="#ctx0" brushRef="#br0">0 0 0,'39'0'109,"0"0"-93,0 0 0,1 0-16,-1 0 15,0 0-15,0 0 16,0 0-16,39 0 16,-39 0-1,0 0 1,0 0-16,0 0 15,0 0 1,40 0 0,-40 0 15,0 0-15,0 0-16,0 0 15,0 0 1,0 0-16,0 0 15,39 0 1,-39 0 0,0 0-16,0 0 15,1 0-15,-1 0 16,0 0 15,0 0-31,0 0 16,0 0-16,0 0 15,0 0-15,0 0 0,39 0 32,-39 0-17,0 0 1,1 0-16,-1 0 16,0 0-1,0 0 1,0 0-1,0 0-15,0 0 16,0 0 0,0 0-16,0 0 15,0 0 1,0 0 0,0 0-1,1 0 16,-1 0 16,0 0-15,0 0-17,0 0 1,0 0 15,0 0-15,0 0-1,0 0 1</inkml:trace>
-</inkml:ink>
-</file>
-
-<file path=ppt/ink/ink23.xml><?xml version="1.0" encoding="utf-8"?>
-<inkml:ink xmlns:inkml="http://www.w3.org/2003/InkML">
-  <inkml:definitions>
-    <inkml:context xml:id="ctx0">
-      <inkml:inkSource xml:id="inkSrc0">
-        <inkml:traceFormat>
-          <inkml:channel name="X" type="integer" max="1366" units="cm"/>
-          <inkml:channel name="Y" type="integer" max="768" units="cm"/>
-          <inkml:channel name="T" type="integer" max="2.14748E9" units="dev"/>
-        </inkml:traceFormat>
-        <inkml:channelProperties>
-          <inkml:channelProperty channel="X" name="resolution" value="39.7093" units="1/cm"/>
-          <inkml:channelProperty channel="Y" name="resolution" value="39.79275" units="1/cm"/>
-          <inkml:channelProperty channel="T" name="resolution" value="1" units="1/dev"/>
-        </inkml:channelProperties>
-      </inkml:inkSource>
-      <inkml:timestamp xml:id="ts0" timeString="2018-02-04T23:36:11.195"/>
-    </inkml:context>
-    <inkml:brush xml:id="br0">
-      <inkml:brushProperty name="width" value="0.2" units="cm"/>
-      <inkml:brushProperty name="height" value="0.4" units="cm"/>
-      <inkml:brushProperty name="color" value="#FFFF00"/>
-      <inkml:brushProperty name="tip" value="rectangle"/>
-      <inkml:brushProperty name="rasterOp" value="maskPen"/>
-      <inkml:brushProperty name="fitToCurve" value="1"/>
-    </inkml:brush>
-  </inkml:definitions>
-  <inkml:trace contextRef="#ctx0" brushRef="#br0">0 0 0,'39'0'94,"0"0"-79,0 0 1,0 0 0,1 0-16,-1 0 0,0 0 15,0 0 1,0 0-16,0 0 16,0 0-16,0 0 15,0 0 1,0 0 15,0 0-15,0 0-1,0 0 1,1 0-16,-1 0 16,0 0-1,0 0 1,0 0-1,0 0 1,0 0 0,0 0-1,0 0 1,0 0 0,0 0-16,0 0 31,0 0-16,1 0 1,-1 0-16,0 0 31,0 0-15,0 0 15,0 0-15,0 0-1,0 0 17,0 0-17,0 0 1,0 0 0,0 0 15</inkml:trace>
-</inkml:ink>
-</file>
-
-<file path=ppt/ink/ink24.xml><?xml version="1.0" encoding="utf-8"?>
-<inkml:ink xmlns:inkml="http://www.w3.org/2003/InkML">
-  <inkml:definitions>
-    <inkml:context xml:id="ctx0">
-      <inkml:inkSource xml:id="inkSrc0">
-        <inkml:traceFormat>
-          <inkml:channel name="X" type="integer" max="1366" units="cm"/>
-          <inkml:channel name="Y" type="integer" max="768" units="cm"/>
-          <inkml:channel name="T" type="integer" max="2.14748E9" units="dev"/>
-        </inkml:traceFormat>
-        <inkml:channelProperties>
-          <inkml:channelProperty channel="X" name="resolution" value="39.7093" units="1/cm"/>
-          <inkml:channelProperty channel="Y" name="resolution" value="39.79275" units="1/cm"/>
-          <inkml:channelProperty channel="T" name="resolution" value="1" units="1/dev"/>
-        </inkml:channelProperties>
-      </inkml:inkSource>
-      <inkml:timestamp xml:id="ts0" timeString="2018-02-04T23:36:42.777"/>
-    </inkml:context>
-    <inkml:brush xml:id="br0">
-      <inkml:brushProperty name="width" value="0.2" units="cm"/>
-      <inkml:brushProperty name="height" value="0.4" units="cm"/>
-      <inkml:brushProperty name="color" value="#FFFF00"/>
-      <inkml:brushProperty name="tip" value="rectangle"/>
-      <inkml:brushProperty name="rasterOp" value="maskPen"/>
-      <inkml:brushProperty name="fitToCurve" value="1"/>
-    </inkml:brush>
-  </inkml:definitions>
-  <inkml:trace contextRef="#ctx0" brushRef="#br0">0 20 0,'40'0'78,"-1"0"-62,0 0 0,0 0-16,0 0 15,0 0 1,0 0 0,0 0-1,0 0-15,0 0 16,39 0 15,-39 0-15,40 0-1,-40 0 1,0 0 0,0 0-1,0 0 1,0 0-16,0 0 15,0 0-15,0 0 32,0 0-32,0 0 15,0 0 1,1 0 15,-1 39-31,0-39 16,0 0-1,0 0 1,0 0 0,0 0-16,0 0 15,0 0 1,0 0-16,0 0 16,0 0-1,0 0 1,1 0 31,-1 0 93,0 0-93,-39 39-31,39-39-1,0 0 1,0 0 0,-39 39 15,39-39 0</inkml:trace>
-</inkml:ink>
-</file>
-
-<file path=ppt/ink/ink25.xml><?xml version="1.0" encoding="utf-8"?>
-<inkml:ink xmlns:inkml="http://www.w3.org/2003/InkML">
-  <inkml:definitions>
-    <inkml:context xml:id="ctx0">
-      <inkml:inkSource xml:id="inkSrc0">
-        <inkml:traceFormat>
-          <inkml:channel name="X" type="integer" max="1366" units="cm"/>
-          <inkml:channel name="Y" type="integer" max="768" units="cm"/>
-          <inkml:channel name="T" type="integer" max="2.14748E9" units="dev"/>
-        </inkml:traceFormat>
-        <inkml:channelProperties>
-          <inkml:channelProperty channel="X" name="resolution" value="39.7093" units="1/cm"/>
-          <inkml:channelProperty channel="Y" name="resolution" value="39.79275" units="1/cm"/>
-          <inkml:channelProperty channel="T" name="resolution" value="1" units="1/dev"/>
-        </inkml:channelProperties>
-      </inkml:inkSource>
-      <inkml:timestamp xml:id="ts0" timeString="2018-02-04T23:36:44.563"/>
-    </inkml:context>
-    <inkml:brush xml:id="br0">
-      <inkml:brushProperty name="width" value="0.2" units="cm"/>
-      <inkml:brushProperty name="height" value="0.4" units="cm"/>
-      <inkml:brushProperty name="color" value="#FFFF00"/>
-      <inkml:brushProperty name="tip" value="rectangle"/>
-      <inkml:brushProperty name="rasterOp" value="maskPen"/>
-      <inkml:brushProperty name="fitToCurve" value="1"/>
-    </inkml:brush>
-  </inkml:definitions>
-  <inkml:trace contextRef="#ctx0" brushRef="#br0">0 0 0,'39'0'78,"0"0"-63,0 0 1,39 0 0,-38 0-1,38 0-15,-39 0 16,39 0 0,-39 0-1,0 0 1,0 0-1,0 0 1,0 0 0,-39 39-1,39-39-15,0 0 16,1 0 0,-1 0-1,0 0 1,0 0-1,0 0 1,0 0 0,0 0-16,0 0 15,0 0 1,0 40 15,0-40-15,0 0-16,0 0 31,1 0-15,-1 0 15,0 0 0,0 0-15,0 0 15,0 0 0,0 0-31,0 0 16,0 0 0,0 0 15,0 0 0,0 0 63</inkml:trace>
-</inkml:ink>
-</file>
-
-<file path=ppt/ink/ink26.xml><?xml version="1.0" encoding="utf-8"?>
-<inkml:ink xmlns:inkml="http://www.w3.org/2003/InkML">
-  <inkml:definitions>
-    <inkml:context xml:id="ctx0">
-      <inkml:inkSource xml:id="inkSrc0">
-        <inkml:traceFormat>
-          <inkml:channel name="X" type="integer" max="1366" units="cm"/>
-          <inkml:channel name="Y" type="integer" max="768" units="cm"/>
-          <inkml:channel name="T" type="integer" max="2.14748E9" units="dev"/>
-        </inkml:traceFormat>
-        <inkml:channelProperties>
-          <inkml:channelProperty channel="X" name="resolution" value="39.7093" units="1/cm"/>
-          <inkml:channelProperty channel="Y" name="resolution" value="39.79275" units="1/cm"/>
-          <inkml:channelProperty channel="T" name="resolution" value="1" units="1/dev"/>
-        </inkml:channelProperties>
-      </inkml:inkSource>
-      <inkml:timestamp xml:id="ts0" timeString="2018-02-04T23:31:33.006"/>
-    </inkml:context>
-    <inkml:brush xml:id="br0">
-      <inkml:brushProperty name="width" value="0.10583" units="cm"/>
-      <inkml:brushProperty name="height" value="0.21167" units="cm"/>
-      <inkml:brushProperty name="color" value="#FFFF00"/>
-      <inkml:brushProperty name="tip" value="rectangle"/>
-      <inkml:brushProperty name="rasterOp" value="maskPen"/>
-      <inkml:brushProperty name="fitToCurve" value="1"/>
-    </inkml:brush>
-  </inkml:definitions>
-  <inkml:trace contextRef="#ctx0" brushRef="#br0">0 63 0,'53'0'62,"52"0"-62,1 0 16,106 0-16,53 0 16,-1 0-16,107 0 15,-1 0-15,53 0 16,54 0-16,-107 0 15,-105 0-15,52 0 16,-105 53-16,-106-53 0,52 53 16,-158 0-1,53-53 63,0 0-62,0 0 0,0 0-16,106 0 15,-53 0-15,-1 53 16,1-53 0,0 53-16,-53-53 15,106 0-15,-106 0 16,52 0-16,-52 0 15,0 0-15,0 0 16,0 0 0,0 0-1,0 0-15,0 0 16,0 0 0,0 0-16,0 0 15,0 0-15,-1 0 16,1 0-1,-53 53 1,53-53-16,53 0 1156,-53 0-1156,0 0 16,53 0-16,53 0 16,-54 0-16,1 0 15,0 0-15,0 0 16,0 0-1,0 0-15,-1 0 16,1 0-16,0 0 16,0 0-16,0 0 15,0 0-15,-1 0 16,54 0-16,-53 0 16,0 0-16,-53 0 15,53 0-15,-1 0 16,54 0-16,-53 0 15,0 0-15,0 0 16,-1 0-16,1 0 16,0 0-16,0 0 15,53 0-15,-53 0 16,-1 0-16,54 0 16,53 0-16,-53 53 15,-1-53-15,1 0 16,-53-53-16,53 53 15,-54 0 1,1 0-16,0 0 16,-53 0-16,0 0 15,53 0-15,-53 0 0,53 0 16,-1-53 0,1 53-1,-53 0-15,53 0 16,-53 0-1,0 0 1,53 0 0,-53 0-1,105 0 1,-105 0-16,0 0 16,0 0-16,0 0 15,0 0-15,0 0 16,0 0-1,0 0 1,0 0-16,-1 0 16,1 0-1,0 0 1,0 0-16,0 0 16,0 0 30,0 0-30</inkml:trace>
-</inkml:ink>
-</file>
-
-<file path=ppt/ink/ink27.xml><?xml version="1.0" encoding="utf-8"?>
-<inkml:ink xmlns:inkml="http://www.w3.org/2003/InkML">
-  <inkml:definitions>
-    <inkml:context xml:id="ctx0">
-      <inkml:inkSource xml:id="inkSrc0">
-        <inkml:traceFormat>
-          <inkml:channel name="X" type="integer" max="1366" units="cm"/>
-          <inkml:channel name="Y" type="integer" max="768" units="cm"/>
-          <inkml:channel name="T" type="integer" max="2.14748E9" units="dev"/>
-        </inkml:traceFormat>
-        <inkml:channelProperties>
-          <inkml:channelProperty channel="X" name="resolution" value="39.7093" units="1/cm"/>
-          <inkml:channelProperty channel="Y" name="resolution" value="39.79275" units="1/cm"/>
-          <inkml:channelProperty channel="T" name="resolution" value="1" units="1/dev"/>
-        </inkml:channelProperties>
-      </inkml:inkSource>
-      <inkml:timestamp xml:id="ts0" timeString="2018-02-04T23:31:37.762"/>
-    </inkml:context>
-    <inkml:brush xml:id="br0">
-      <inkml:brushProperty name="width" value="0.10583" units="cm"/>
-      <inkml:brushProperty name="height" value="0.21167" units="cm"/>
-      <inkml:brushProperty name="color" value="#FFFF00"/>
-      <inkml:brushProperty name="tip" value="rectangle"/>
-      <inkml:brushProperty name="rasterOp" value="maskPen"/>
-      <inkml:brushProperty name="fitToCurve" value="1"/>
-    </inkml:brush>
-  </inkml:definitions>
-  <inkml:trace contextRef="#ctx0" brushRef="#br0">0 53 0,'39'0'62,"40"0"-62,-1 0 16,0 0-16,0 0 31,39 0-31,1 0 16,-1 0-16,0 0 15,0 0-15,0 0 16,-38 0-16,38 0 15,-39 0-15,0 0 16,0 0-16,-39 0 16,40 0-16,-40 0 0,39 0 15,-39 0-15,39 0 16,39 0-16,-39 0 16,1 0-16,-1 0 15,-39 0-15,0 0 16,39 0-16,-39 0 15,0 0-15,0 0 16,39 0-16,-39 0 16,40 0-16,38 0 15,-78 0-15,39 0 16,0 0-16,-39 0 16,79 0-16,-40 0 31,-39 0-31,0 0 0,39 0 15,0 0-15,39 0 16,-38 0-16,-40 0 16,39 0-16,0 0 15,0 0-15,-39 0 16,0 0-16,0 0 16,39 0-16,-38 0 0,-1 0 15,39 0 1,0 0-16,-39 0 15,0 0-15,0 0 16,39 0-16,-39 0 16,0 0-16,40 0 15,-40 0 1,39 0-16,-39 0 16,0 0-16,39 0 15,0 0 1,-39 39-1,0-39 1,1 0 0,-1 0-16,0 0 15,0 0 1,39 0 0,-39 0-1,0 0 1,0 0-16,0 0 15,0 0 1,0 0-16,40 0 16,-40 0-1,39 0-15,-39 0 32,39 0-17,-39 0 1,0 0-16,0 0 15,0 0 1,0 0 0,0 0-1,1 0 1,-1 0 0,0 0-1,0 0-15,0 0 31</inkml:trace>
-</inkml:ink>
-</file>
-
-<file path=ppt/ink/ink28.xml><?xml version="1.0" encoding="utf-8"?>
-<inkml:ink xmlns:inkml="http://www.w3.org/2003/InkML">
-  <inkml:definitions>
-    <inkml:context xml:id="ctx0">
-      <inkml:inkSource xml:id="inkSrc0">
-        <inkml:traceFormat>
-          <inkml:channel name="X" type="integer" max="1366" units="cm"/>
-          <inkml:channel name="Y" type="integer" max="768" units="cm"/>
-          <inkml:channel name="T" type="integer" max="2.14748E9" units="dev"/>
-        </inkml:traceFormat>
-        <inkml:channelProperties>
-          <inkml:channelProperty channel="X" name="resolution" value="39.7093" units="1/cm"/>
-          <inkml:channelProperty channel="Y" name="resolution" value="39.79275" units="1/cm"/>
-          <inkml:channelProperty channel="T" name="resolution" value="1" units="1/dev"/>
-        </inkml:channelProperties>
-      </inkml:inkSource>
-      <inkml:timestamp xml:id="ts0" timeString="2018-02-04T23:31:41.981"/>
-    </inkml:context>
-    <inkml:brush xml:id="br0">
-      <inkml:brushProperty name="width" value="0.10583" units="cm"/>
-      <inkml:brushProperty name="height" value="0.21167" units="cm"/>
-      <inkml:brushProperty name="color" value="#FFFF00"/>
-      <inkml:brushProperty name="tip" value="rectangle"/>
-      <inkml:brushProperty name="rasterOp" value="maskPen"/>
-      <inkml:brushProperty name="fitToCurve" value="1"/>
-    </inkml:brush>
-  </inkml:definitions>
-  <inkml:trace contextRef="#ctx0" brushRef="#br0">0 0 0,'39'0'109,"0"0"-109,0 0 16,0 0-16,0 0 31,39 0-31,-38 0 16,38 0-16,-39 0 15,0 0 1,0 0-16,0 0 16,0 0-1,0 0 1,0 0-16,39 0 0,1 0 15,-1 0-15,0 0 16,0 0-16,-39 0 16,0 0-16,0 0 15,0 0-15,0 0 16,40 0 15,-40 0-15,0 0-16,39 0 15,-39 0 1,39 0-16,-39 0 16,0 0-1,0 0 1,0 0-16,0 0 16,1 0-16,-1 0 15,0 0 1,0 0-16,0 0 15,0 0 1,0 0 15,0 0 1,0 0-17,0 0 1,0 0 15</inkml:trace>
-</inkml:ink>
-</file>
-
-<file path=ppt/ink/ink29.xml><?xml version="1.0" encoding="utf-8"?>
-<inkml:ink xmlns:inkml="http://www.w3.org/2003/InkML">
-  <inkml:definitions>
-    <inkml:context xml:id="ctx0">
-      <inkml:inkSource xml:id="inkSrc0">
-        <inkml:traceFormat>
-          <inkml:channel name="X" type="integer" max="1366" units="cm"/>
-          <inkml:channel name="Y" type="integer" max="768" units="cm"/>
-          <inkml:channel name="T" type="integer" max="2.14748E9" units="dev"/>
-        </inkml:traceFormat>
-        <inkml:channelProperties>
-          <inkml:channelProperty channel="X" name="resolution" value="39.7093" units="1/cm"/>
-          <inkml:channelProperty channel="Y" name="resolution" value="39.79275" units="1/cm"/>
-          <inkml:channelProperty channel="T" name="resolution" value="1" units="1/dev"/>
-        </inkml:channelProperties>
-      </inkml:inkSource>
-      <inkml:timestamp xml:id="ts0" timeString="2018-02-04T23:31:43.437"/>
-    </inkml:context>
-    <inkml:brush xml:id="br0">
-      <inkml:brushProperty name="width" value="0.10583" units="cm"/>
-      <inkml:brushProperty name="height" value="0.21167" units="cm"/>
-      <inkml:brushProperty name="color" value="#FFFF00"/>
-      <inkml:brushProperty name="tip" value="rectangle"/>
-      <inkml:brushProperty name="rasterOp" value="maskPen"/>
-      <inkml:brushProperty name="fitToCurve" value="1"/>
-    </inkml:brush>
-  </inkml:definitions>
-  <inkml:trace contextRef="#ctx0" brushRef="#br0">0 0 0,'39'0'109,"1"0"-109,-1 0 16,39 39-1,-39-39 1,0 0-16,0 0 16,0 0-16,0 0 15,0 0 1,0 0-16,0 0 16,0 0-1,1 0 1,-1 0 15,0 0-31,0 0 16,0 0 15,0 0 0,0 0-31,0 0 16,0 0-1,0 0 1,0 0 0,0 0-16,0 0 15,1 0 1,-1 0 0,0 0-1,0 0 1,0 0 31,0 0-32,0 0 17,0 0-1,-39 39 47,39-39-62,0 0-1</inkml:trace>
-</inkml:ink>
-</file>
-
-<file path=ppt/ink/ink3.xml><?xml version="1.0" encoding="utf-8"?>
-<inkml:ink xmlns:inkml="http://www.w3.org/2003/InkML">
-  <inkml:definitions>
-    <inkml:context xml:id="ctx0">
-      <inkml:inkSource xml:id="inkSrc0">
-        <inkml:traceFormat>
-          <inkml:channel name="X" type="integer" max="1366" units="cm"/>
-          <inkml:channel name="Y" type="integer" max="768" units="cm"/>
-          <inkml:channel name="T" type="integer" max="2.14748E9" units="dev"/>
-        </inkml:traceFormat>
-        <inkml:channelProperties>
-          <inkml:channelProperty channel="X" name="resolution" value="39.7093" units="1/cm"/>
-          <inkml:channelProperty channel="Y" name="resolution" value="39.79275" units="1/cm"/>
-          <inkml:channelProperty channel="T" name="resolution" value="1" units="1/dev"/>
-        </inkml:channelProperties>
-      </inkml:inkSource>
-      <inkml:timestamp xml:id="ts0" timeString="2018-02-04T18:07:35.479"/>
-    </inkml:context>
-    <inkml:brush xml:id="br0">
-      <inkml:brushProperty name="width" value="0.05" units="cm"/>
-      <inkml:brushProperty name="height" value="0.05" units="cm"/>
-      <inkml:brushProperty name="fitToCurve" value="1"/>
-    </inkml:brush>
-    <inkml:brush xml:id="br1">
-      <inkml:brushProperty name="width" value="0.035" units="cm"/>
-      <inkml:brushProperty name="height" value="0.035" units="cm"/>
-      <inkml:brushProperty name="color" value="#ED1C24"/>
-      <inkml:brushProperty name="fitToCurve" value="1"/>
-    </inkml:brush>
-  </inkml:definitions>
-  <inkml:traceGroup>
-    <inkml:annotationXML>
-      <emma:emma xmlns:emma="http://www.w3.org/2003/04/emma" version="1.0">
-        <emma:interpretation id="{64BA9578-0880-4023-A914-AFE1465EEBFA}" emma:medium="tactile" emma:mode="ink">
-          <msink:context xmlns:msink="http://schemas.microsoft.com/ink/2010/main" type="inkDrawing" rotatedBoundingBox="8797,14579 16287,14896 16234,16161 8743,15844" hotPoints="15304,14025 15555,15022 9225,16617 8974,15620" semanticType="enclosure" shapeName="Rectangle"/>
-        </emma:interpretation>
-      </emma:emma>
-    </inkml:annotationXML>
-    <inkml:trace contextRef="#ctx0" brushRef="#br0">743 182 0,'-39'0'47,"-39"0"-31,39 39-16,-40-39 16,79 78-16,-78-78 15,39 79-15,0-40 16,0 0-16,0-39 15,39 78-15,-78-39 16,78 0-16,-39 0 16,0 0-16,39 0 15,0 0-15,0 0 16,0 1 0,0-1-1,0 0 1,0 0-1,0 0 1,39-39 0,0 39-16,0-39 15,0 39-15,0-39 0,39 0 32,-39 78-32,0-78 15,0 0 1,79 0-16,-40 0 15,0 0-15,39 0 16,-39 0-16,40 0 0,-40 0 16,39 0-16,-39 0 15,39 0-15,1 0 16,-1 0-16,39 0 16,-39 0-16,1 0 15,-1 0-15,0 0 31,0 0-31,1 0 0,38 0 16,-39 0 0,0 0-16,40 0 15,-1 0-15,0 0 16,1 0-16,38 0 16,-39 0-16,1 0 15,-40 0-15,39 0 0,-39 0 16,40 0-16,-1 0 15,-39 0-15,0 0 16,40 0-16,-40 0 16,0 0-16,39 0 15,-38 0-15,38 0 32,0 0-32,1 0 0,-40 0 15,39 0 1,0 0-16,-38 0 15,-1 0-15,0 0 16,0 0-16,-78 0 16,79 0-16,-79 0 15,0 0-15,0 0 16,0 0 0,-39-39-16,0 0 15,0-39 16,0 39-15,0 0 0,0 0-16,-39-40 15,39 40 1,0 0 0,-39 0 15,39 0-16,-39 39-15,39-39 16,-39 39-16,39-39 16,-39 0-16,0 0 15,-1 0 1,1 39 15,0-39-31,0 0 0,-39 39 0,39-39 16,-78-1-16,39 40 15,-40-39 1,1 0-16,39 0 16,-39 39-16,-40 0 15,40 0-15,-39-39 16,39 39 0,-40 0-16,40 0 15,-78-39-15,78 39 16,-118 0-16,79 0 15,-40-39-15,1 39 16,78 0-16,0 0 16,38 0-16,-38 0 15,0 0-15,0 0 0,-1 0 16,1-39-16,0 39 16,-39 0-16,-1 0 15,-38 0 1,-39 0-16,38 0 15,-38 0-15,77 0 16,40 0 0,-39 0-16,39 0 15,-1 0-15,1 0 16,0 0-16,0 0 16,-1 0-16,40 0 15,-39 0-15,0 0 16,78 0-16,-78 0 15,38 0-15,40 0 0,-39 0 16,0 0-16,0 0 16,39 0-16,-39 0 31,39 0-15,-1 0-1,40 39 1,0 0 374,0 0-390,40 39 32,-40-39-32,0 0 15,0 1 1,0-1 15,0 0-15,0 0 31,0 0-16</inkml:trace>
-    <inkml:trace contextRef="#ctx0" brushRef="#br1" timeOffset="5419.876">977 104 0,'-39'0'31,"0"0"-31,0 0 16,0 0 0,-78 0-16,39 0 15,39 0-15,-40 0 16,40 0-16,-39 39 16,78 0-16,-78-39 15,78 78-15,-78-78 0,78 39 16,-39-39-1,0 40-15,0-1 16,0-39-16,39 39 16,0 0-1,0 0 32,0 0-16,0 0-15,0 0 0,39-39-1,0 0-15,-39 39 16,39 0-16,0 0 16,0-39-1,0 39-15,0 0 16,0-39-16,39 0 15,1 40-15,-40-40 32,0 39-32,78-39 15,-78 0 1,39 39-16,0-39 16,0 0-16,1 39 15,-1-39-15,0 0 16,0 0-16,0 0 15,39 0-15,-38 0 0,-1 0 16,0 0-16,0 0 16,0 0-16,-39 0 15,39 39-15,-38-39 16,-1 0-16,78 0 16,-39 0-16,-39 0 15,39 0-15,39 39 16,-77-39-16,77 0 15,-39 0-15,0 0 16,0 0-16,0 0 16,1 0-16,-1 0 15,0 0-15,-39 0 32,39 0-32,-39 0 15,0 0-15,39 0 16,1 0-16,-1 0 15,0 0-15,-39 0 16,39 0-16,39 39 16,-78-39-16,40 0 15,-1 0-15,0 0 16,39 0-16,78 0 16,-38 0-16,38 0 15,-39 0-15,1 0 16,-79 0-16,39 0 15,0 0-15,1 0 16,-1 0 0,0 0-16,0 0 15,40 0-15,-1 0 16,-78 0-16,39 0 16,1 0-16,-40 0 15,39 0-15,0 0 16,0 0-16,-38 0 15,38 0-15,-78 0 16,39 0 0,-78-39-16,39 0 15,-39 0-15,39 39 16,-39-39-16,0 0 31,0 0-31,0-1 0,-39-38 16,39 39-1,0 0 1,-39 39 15,0-39 1,-39 0-17,39 39 1,0-39-16,0 0 15,-1 39-15,-38 0 16,0-39-16,-78-39 16,78 78-16,-79 0 15,40-79-15,-39 79 0,-79 0 16,79-39-16,0 39 16,78 0-16,-79 0 15,40 0-15,0 0 16,39 0-16,-40 0 15,1 0-15,-39 0 32,-39-39-32,-1 39 15,-38 0-15,77 0 16,1 0-16,39 0 16,0 0-16,-1 0 15,1 0-15,0 0 16,0 0-16,-1-39 15,-116 39-15,39 0 0,-1 0 16,40 0-16,-39 0 16,116 0-16,-38 0 15,-39 0-15,78 0 16,-79 0-16,40 0 16,0 0-16,-39 0 31,-1 0-31,40 0 0,0 0 15,0 0 1,78 0-16,-1 0 16,-38 0-16,39 0 15,39-39 1,-39 0 0,0 39-1</inkml:trace>
-  </inkml:traceGroup>
-</inkml:ink>
-</file>
-
-<file path=ppt/ink/ink30.xml><?xml version="1.0" encoding="utf-8"?>
-<inkml:ink xmlns:inkml="http://www.w3.org/2003/InkML">
-  <inkml:definitions>
-    <inkml:context xml:id="ctx0">
-      <inkml:inkSource xml:id="inkSrc0">
-        <inkml:traceFormat>
-          <inkml:channel name="X" type="integer" max="1366" units="cm"/>
-          <inkml:channel name="Y" type="integer" max="768" units="cm"/>
-          <inkml:channel name="T" type="integer" max="2.14748E9" units="dev"/>
-        </inkml:traceFormat>
-        <inkml:channelProperties>
-          <inkml:channelProperty channel="X" name="resolution" value="39.7093" units="1/cm"/>
-          <inkml:channelProperty channel="Y" name="resolution" value="39.79275" units="1/cm"/>
-          <inkml:channelProperty channel="T" name="resolution" value="1" units="1/dev"/>
-        </inkml:channelProperties>
-      </inkml:inkSource>
-      <inkml:timestamp xml:id="ts0" timeString="2018-02-05T01:03:35.512"/>
-    </inkml:context>
-    <inkml:brush xml:id="br0">
-      <inkml:brushProperty name="width" value="0.2" units="cm"/>
-      <inkml:brushProperty name="height" value="0.4" units="cm"/>
-      <inkml:brushProperty name="color" value="#FFFF00"/>
-      <inkml:brushProperty name="tip" value="rectangle"/>
-      <inkml:brushProperty name="rasterOp" value="maskPen"/>
-      <inkml:brushProperty name="fitToCurve" value="1"/>
-    </inkml:brush>
-  </inkml:definitions>
-  <inkml:trace contextRef="#ctx0" brushRef="#br0">0 0 0,'39'0'109,"0"40"-93,0-40-16,39 0 15,0 0-15,40 39 16,-40-39-16,0 0 16,0 0-16,0 0 15,0 0-15,1 0 16,38 0-16,-39 0 15,0 0-15,0 0 16,0 0-16,1 0 16,-1 0-16,39 0 15,-78 39-15,39-39 16,0 0-16,0 0 16,1 0-16,38 0 15,-78 0-15,39 0 0,-39 0 31,39 0-31,0 0 16,1 0-16,-40 0 16,0 0-16,39 0 15,-39 39-15,39-39 16,0 0-16,0 0 16,-38 0-16,38 0 15,0 0-15,0 0 16,39 0-16,-78 0 15,39 0-15,1 0 16,-1 0-16,0 0 16,39 0-16,-78 0 15,39 39-15,-39-39 0,40 0 16,-40 0-16,0 0 16,0 0-1,0 0-15,0 39 31,0-39 1,0 0-1,0 0 31</inkml:trace>
-</inkml:ink>
-</file>
-
-<file path=ppt/ink/ink31.xml><?xml version="1.0" encoding="utf-8"?>
-<inkml:ink xmlns:inkml="http://www.w3.org/2003/InkML">
-  <inkml:definitions>
-    <inkml:context xml:id="ctx0">
-      <inkml:inkSource xml:id="inkSrc0">
-        <inkml:traceFormat>
-          <inkml:channel name="X" type="integer" max="1366" units="cm"/>
-          <inkml:channel name="Y" type="integer" max="768" units="cm"/>
-          <inkml:channel name="T" type="integer" max="2.14748E9" units="dev"/>
-        </inkml:traceFormat>
-        <inkml:channelProperties>
-          <inkml:channelProperty channel="X" name="resolution" value="39.7093" units="1/cm"/>
-          <inkml:channelProperty channel="Y" name="resolution" value="39.79275" units="1/cm"/>
-          <inkml:channelProperty channel="T" name="resolution" value="1" units="1/dev"/>
-        </inkml:channelProperties>
-      </inkml:inkSource>
-      <inkml:timestamp xml:id="ts0" timeString="2018-02-05T01:03:38.818"/>
-    </inkml:context>
-    <inkml:brush xml:id="br0">
-      <inkml:brushProperty name="width" value="0.2" units="cm"/>
-      <inkml:brushProperty name="height" value="0.4" units="cm"/>
-      <inkml:brushProperty name="color" value="#FFFF00"/>
-      <inkml:brushProperty name="tip" value="rectangle"/>
-      <inkml:brushProperty name="rasterOp" value="maskPen"/>
-      <inkml:brushProperty name="fitToCurve" value="1"/>
-    </inkml:brush>
-  </inkml:definitions>
-  <inkml:trace contextRef="#ctx0" brushRef="#br0">0 49 0,'39'0'31,"0"0"-15,0 0 0,0 0-1,39 0-15,0 0 16,1 0-16,-1 0 15,0 0 1,0 0-16,39 0 16,-39 0-16,1 0 15,-1 0-15,0 0 0,-39 0 16,39 0-16,0 0 16,-39 0-16,0 0 15,79 0-15,-40 0 16,0 0-16,0 0 15,0 0-15,0 0 32,1 0-32,-1 0 0,0 0 15,-39 0-15,39 0 16,0 0-16,-39 0 16,39 0-1,40 0-15,-79 0 16,39 0-16,0 0 15,39 0-15,-39 0 0,1 0 16,-1 0-16,0 0 16,0 0-16,0 39 15,0-39-15,-39 0 16,1 0-16,38 0 16,-39 0-16,0 0 31,39 0-31,-39 0 0,0 39 15,0-39-15,39 0 16,-39 0-16,1 0 16,-1 0-1,0 0-15,0 0 16,0 0 0,0 0-16,0 0 15</inkml:trace>
-</inkml:ink>
-</file>
-
-<file path=ppt/ink/ink32.xml><?xml version="1.0" encoding="utf-8"?>
-<inkml:ink xmlns:inkml="http://www.w3.org/2003/InkML">
-  <inkml:definitions>
-    <inkml:context xml:id="ctx0">
-      <inkml:inkSource xml:id="inkSrc0">
-        <inkml:traceFormat>
-          <inkml:channel name="X" type="integer" max="1366" units="cm"/>
-          <inkml:channel name="Y" type="integer" max="768" units="cm"/>
-          <inkml:channel name="T" type="integer" max="2.14748E9" units="dev"/>
-        </inkml:traceFormat>
-        <inkml:channelProperties>
-          <inkml:channelProperty channel="X" name="resolution" value="39.7093" units="1/cm"/>
-          <inkml:channelProperty channel="Y" name="resolution" value="39.79275" units="1/cm"/>
-          <inkml:channelProperty channel="T" name="resolution" value="1" units="1/dev"/>
-        </inkml:channelProperties>
-      </inkml:inkSource>
-      <inkml:timestamp xml:id="ts0" timeString="2018-02-05T01:03:44.350"/>
-    </inkml:context>
-    <inkml:brush xml:id="br0">
-      <inkml:brushProperty name="width" value="0.2" units="cm"/>
-      <inkml:brushProperty name="height" value="0.4" units="cm"/>
-      <inkml:brushProperty name="color" value="#FFFF00"/>
-      <inkml:brushProperty name="tip" value="rectangle"/>
-      <inkml:brushProperty name="rasterOp" value="maskPen"/>
-      <inkml:brushProperty name="fitToCurve" value="1"/>
-    </inkml:brush>
-  </inkml:definitions>
-  <inkml:trace contextRef="#ctx0" brushRef="#br0">0 8 0,'39'0'109,"0"0"-109,0 0 16,1 0 0,38 0-16,-39 0 0,78 0 15,-39 0-15,0 0 16,0 0-16,1 0 16,-1 0-16,0 0 15,0 0-15,0 0 16,0 0-16,-39 0 15,1 0-15,-1 40 16,0-40-16,0 0 16,39 0-1,-39 0-15,0 0 16,0 0-16,39 0 16,0 0-16,1 0 31,-40 0-31,0 0 15,0 0 1,0 0-16,39 0 16,-39 0-1,39 0 1,40 0-16,-79 0 16,39 0-16,-39 0 15,39 0-15,-39 0 16,0 0-16,0 0 15,39 0 1,-39 0-16,1 0 16,38 0-1,-39 0 1,0 0 0,0 0-16,0 0 0,0 0 15,0 0-15,0 0 16,0 0-1,0 0 1,-39 39-16,39-39 16,1 0-1,-1 0 17,0 0-17,0 0 95,0 0-32,0 0-47,0 0 0,-39 39-31,39-39 31</inkml:trace>
-</inkml:ink>
-</file>
-
-<file path=ppt/ink/ink33.xml><?xml version="1.0" encoding="utf-8"?>
-<inkml:ink xmlns:inkml="http://www.w3.org/2003/InkML">
-  <inkml:definitions>
-    <inkml:context xml:id="ctx0">
-      <inkml:inkSource xml:id="inkSrc0">
-        <inkml:traceFormat>
-          <inkml:channel name="X" type="integer" max="1366" units="cm"/>
-          <inkml:channel name="Y" type="integer" max="768" units="cm"/>
-          <inkml:channel name="T" type="integer" max="2.14748E9" units="dev"/>
-        </inkml:traceFormat>
-        <inkml:channelProperties>
-          <inkml:channelProperty channel="X" name="resolution" value="39.7093" units="1/cm"/>
-          <inkml:channelProperty channel="Y" name="resolution" value="39.79275" units="1/cm"/>
-          <inkml:channelProperty channel="T" name="resolution" value="1" units="1/dev"/>
-        </inkml:channelProperties>
-      </inkml:inkSource>
-      <inkml:timestamp xml:id="ts0" timeString="2018-02-05T01:03:47.304"/>
-    </inkml:context>
-    <inkml:brush xml:id="br0">
-      <inkml:brushProperty name="width" value="0.2" units="cm"/>
-      <inkml:brushProperty name="height" value="0.4" units="cm"/>
-      <inkml:brushProperty name="color" value="#FFFF00"/>
-      <inkml:brushProperty name="tip" value="rectangle"/>
-      <inkml:brushProperty name="rasterOp" value="maskPen"/>
-      <inkml:brushProperty name="fitToCurve" value="1"/>
-    </inkml:brush>
-  </inkml:definitions>
-  <inkml:trace contextRef="#ctx0" brushRef="#br0">0 0 0,'39'0'62,"0"0"-46,40 39-1,-40-39 1,39 0-16,39 0 16,0 0-16,1 39 15,-1-39-15,78 39 16,-39-39-16,-38 0 16,-1 0-16,39 39 15,-39-39 1,-38 0-16,-40 0 0,39 0 15,0 0-15,0 39 16,39-39-16,-38 0 16,-40 0-16,39 0 15,0 0-15,39 0 16,-39 0-16,0 0 16,1 0-16,-1 0 0,0 0 15,0 0-15,39 0 16,-78 0-16,40 0 15,-40 0-15,39 0 16,0 0-16,0 0 16,0 0-1,0 0 1,1 0-16,-1 0 16,39 0-16,-39 0 0,0 0 15,0 0-15,1 0 16,-1 0-16,0 0 15,0 0-15,0 0 16,0 0-16,0 0 16,1 0-16,-1 0 15,0 0-15,-39 0 16,39 0-16,0 0 16,-39 0-16,40 0 15,-1 0-15,-39 0 16,0 0-16,39 0 31,-39 0-31,0 0 16,0 0-16,0 0 15,0 0-15,0 0 16,1 0-16,-1 0 16,39 0-16,-39 0 15,39 0 1,-39 0-16,0 0 0,0 0 15,0 0 1,0 0 15</inkml:trace>
-</inkml:ink>
-</file>
-
-<file path=ppt/ink/ink34.xml><?xml version="1.0" encoding="utf-8"?>
-<inkml:ink xmlns:inkml="http://www.w3.org/2003/InkML">
-  <inkml:definitions>
-    <inkml:context xml:id="ctx0">
-      <inkml:inkSource xml:id="inkSrc0">
-        <inkml:traceFormat>
-          <inkml:channel name="X" type="integer" max="2646" units="cm"/>
-          <inkml:channel name="Y" type="integer" max="768" units="cm"/>
-          <inkml:channel name="T" type="integer" max="2.14748E9" units="dev"/>
-        </inkml:traceFormat>
-        <inkml:channelProperties>
-          <inkml:channelProperty channel="X" name="resolution" value="76.9186" units="1/cm"/>
-          <inkml:channelProperty channel="Y" name="resolution" value="39.79275" units="1/cm"/>
-          <inkml:channelProperty channel="T" name="resolution" value="1" units="1/dev"/>
-        </inkml:channelProperties>
-      </inkml:inkSource>
-      <inkml:timestamp xml:id="ts0" timeString="2018-05-22T23:31:52.293"/>
-    </inkml:context>
-    <inkml:brush xml:id="br0">
-      <inkml:brushProperty name="width" value="0.05292" units="cm"/>
-      <inkml:brushProperty name="height" value="0.05292" units="cm"/>
-      <inkml:brushProperty name="color" value="#FF0000"/>
-    </inkml:brush>
-  </inkml:definitions>
-  <inkml:trace contextRef="#ctx0" brushRef="#br0">2608 11029 0,'40'-40'78,"81"0"-62,39 0-16,241-161 47,-360 161-47,-41 0 16,40 40 30,-80 80 111,-1-40-142,1 80-15,-40 1 16,40 39-16,-40-40 16,40-39-16,-1-1 15,41 0-15,0-40 16,41-40 62,-1 0-47,0 0-31,0 0 16,80-40-16,-80 40 15,-40-40-15,81 40 16,-81-40-16,40 0 16,0 40-1,0-40 1</inkml:trace>
-  <inkml:trace contextRef="#ctx0" brushRef="#br0" timeOffset="734.374">3250 9946 0,'40'0'16,"41"0"0,-41 0-1</inkml:trace>
-  <inkml:trace contextRef="#ctx0" brushRef="#br0" timeOffset="1375.057">3652 10507 0,'0'41'32,"0"-1"-17,0 0-15,0 0 16,0 0-16,0 40 16,0 0-16,0-39 15,0 39-15,0 0 16,-41 0-16,41-40 15,0 0-15,-40-40 16,40 40-16,0 1 31,0-1 32,0 0-48,0 0 17,0-80 46,0 0-78</inkml:trace>
-  <inkml:trace contextRef="#ctx0" brushRef="#br0" timeOffset="2015.712">3772 10668 0,'0'0'0,"40"0"15,0 0 1,0 0-16,0-40 16,1 0 30,-1 40-30,0 0 15,0 0 1,-40 40-32,0 0 15,40-40 1,-40 80-16,0-40 15,0 40 1,0 1-16,0-1 16,0-40-1,0 0-15,0 0 16,0 0 0,0 0-16,0 0 15,0 1 16,40-41-31,0 0 16,0 0 0,1 0 62</inkml:trace>
-  <inkml:trace contextRef="#ctx0" brushRef="#br0" timeOffset="2703.216">5096 10026 0,'0'40'62,"0"41"-62,0 39 16,-40-40-16,0 40 16,40 1-16,-80-1 15,39-40-15,1 41 16,40-41-16,0-40 15,0 0-15,0 40 16,0-40 0,0 0-16,0 0 15,0 1-15,81-1 16,-41 0 0,40-40 15,-80 40-31,40-40 15,0 0 1,0 0-16</inkml:trace>
-  <inkml:trace contextRef="#ctx0" brushRef="#br0" timeOffset="3203.268">4294 10708 0,'40'0'47,"40"0"-31,40 0-16,81 0 16,-41 0-16,-39 0 15,-41 0-15,0 0 16,-40 0-16,1 0 31,-1 0-15,0 0-1,0 0 1,0 0-16,0 0 16,0 0-1,0 0-15,1 0 16,-1 0-1</inkml:trace>
-  <inkml:trace contextRef="#ctx0" brushRef="#br0" timeOffset="3968.904">6300 10868 0,'80'0'47,"-40"-40"-32,40 40-15,1-40 16,39 40-16,-80-40 16,0 40-1,0 0 1,1 0-16,-1 0 31,-40 40 63,0 0-78,0 41-16,-40-1 15,40 0-15,-41 0 16,-39 0-16,80 41 15,-40-81-15,40 0 16,0 0-16,0 0 16,0 0-1,40-40 1,0 40 0,41-40-16,-1 0 15,0 0-15,0 0 16,1 0-16,-1 0 15,-40 0-15,0 0 32</inkml:trace>
-  <inkml:trace contextRef="#ctx0" brushRef="#br0" timeOffset="4359.573">6942 10347 0,'40'0'46,"0"0"-46,0 0 16</inkml:trace>
-  <inkml:trace contextRef="#ctx0" brushRef="#br0" timeOffset="4843.956">7865 10828 0,'0'0'0,"40"0"31,0 0-31,0 0 16,40 0-16,-39 0 16,-1 0-16,0 0 15,40 0-15,-40 0 16,0 0-16,0 0 15,1 0 1,-1 0 0,0 0-1,-40 40-15</inkml:trace>
-  <inkml:trace contextRef="#ctx0" brushRef="#br0" timeOffset="5328.362">7905 11269 0,'40'0'46,"0"0"-30,40 0-16,1 0 16,-1 0-16,0 0 15,41 0-15,-81 0 16,0 0-16,0 0 16,40 0-16,-40 0 31,-40 41 47</inkml:trace>
-  <inkml:trace contextRef="#ctx0" brushRef="#br0" timeOffset="6609.676">9550 10548 0,'0'40'47,"0"0"-47,0 0 16,0 40-16,0 0 15,0 1-15,0 39 16,0-40-16,0 40 16,-40 1-16,0 79 15,40-160-15,-40 0 16,40 41-16,0-41 15,-40-40-15</inkml:trace>
-  <inkml:trace contextRef="#ctx0" brushRef="#br0" timeOffset="7734.704">10232 11911 0,'0'40'125,"0"0"-109,0 0-16,0 1 15,0-1-15,-40 0 16,40 40-1,-80-80-15,40 40 16,0 0-16,-1 0 16,1 0-16,-40-40 15,80 41-15,-40-41 16,0 0-16,0 0 16</inkml:trace>
-  <inkml:trace contextRef="#ctx0" brushRef="#br0" timeOffset="8250.386">10272 11550 0,'40'0'31,"41"0"-15,-41 0-1,0 40-15,0 0 16,0-40-16,0 41 16</inkml:trace>
-  <inkml:trace contextRef="#ctx0" brushRef="#br0" timeOffset="9937.96">2809 14358 0,'40'0'109,"40"0"-109,-40-41 16,41 1-16,-1 0 15,40 0-15,-40 0 16,-39 0-16,-1 40 16,-40-40-16,-40 40 203,40 40-188,0 0 1,-41 0 0,1 0-16,40 0 15,-40 81-15,-40-41 16,80 0-16,-40-40 16,0 81-16,0-41 15,40-40-15,-41 40 16,41-40-16,0 0 15,-40 0-15,40 0 16,0 1-16,0-1 47,0 0 15</inkml:trace>
-  <inkml:trace contextRef="#ctx0" brushRef="#br0" timeOffset="10641.09">3451 13756 0,'40'0'141,"40"0"-125,-40 0-1,1 40-15,-1-40 16</inkml:trace>
-  <inkml:trace contextRef="#ctx0" brushRef="#br0" timeOffset="11375.528">3973 14277 0,'0'40'47,"0"41"-31,-41-41-16,41 0 15,-40 80-15,0-80 16,40 0-16,-40 41 16,0-41-16,40 0 15,0 40-15,0-40 16,-40-40-1,40 40-15,0 0 16</inkml:trace>
-  <inkml:trace contextRef="#ctx0" brushRef="#br0" timeOffset="12141.184">4253 14277 0,'0'0'0,"0"-40"16,41 40-16,-1 0 31,0 0-15,0 0 62,-40 40-31,0 0-32,0 41-15,-40-41 16,0 0-16,0 0 16,40 40-16,-41 0 15,1-39-15,40 39 16,-40-40-16,40 0 15,-40 40-15,40-40 16,-40 40 0,40-39-1,0-1 1,0 0 0,40 0 30,40-40-30,-40 0 0</inkml:trace>
-  <inkml:trace contextRef="#ctx0" brushRef="#br0" timeOffset="13094.361">5417 13796 0,'0'40'94,"0"0"-94,0 0 15,-40 41-15,0-41 16,40 0-16,-40 40 16,0 40-16,-1-39 15,41-41-15,-40 40 16,0 0-16,40-40 15,-40 40-15,-40-39 16,80 39-16,0-40 16,-40 0-16,40 0 15,0 0-15,0 40 16,0-40-16,0 1 16,0-1-1,0 0 1,0 0-16,0 0 31,0 0-15,40-40-1,0 0 1,0 0-16,40 0 16,-40 0-16,1 0 15,-1 0 1</inkml:trace>
-  <inkml:trace contextRef="#ctx0" brushRef="#br0" timeOffset="13703.734">5056 14317 0,'80'0'62,"0"0"-62,1 0 16,39 0-16,0 0 15,-39 0-15,-41 0 16,0 0-16,0 0 31</inkml:trace>
-  <inkml:trace contextRef="#ctx0" brushRef="#br0" timeOffset="14500.672">4013 14237 0,'40'0'79,"40"0"-64,0 0-15,1 0 16,39 0-16,0 0 15,-80 0-15,1 0 16,-1 0 15</inkml:trace>
-  <inkml:trace contextRef="#ctx0" brushRef="#br0" timeOffset="15703.831">6541 13796 0,'40'-40'47,"0"40"-31,0 0 0,0-40-16,0 40 15,40-40-15,1 40 16,-41 0-16,0 0 15,0 0-15,0 0 16,0 0 0,0 0-1,1 0 1,-1 0 0,0 40-16,0 0 15,-40 0 1,0 0-16,40 0 15,-40 0-15,0 1 16,0 39-16,0-40 16,0 40-1,-40 0 1,-40-80 0,40 80-16,-1-39 15,-39-1-15,40 0 16,-40-40-16,-41 40 15,81 0-15,0-40 16,-40 0-16,40 40 16,0-40-16,-41 40 15,41-40-15,0 0 16,40 40 0,-40-40-16,40 40 15,0 1 1,-40-41-16,40 40 15,0 0 1,0 0 0,0 0-16,0 0 15,0 0 1,0 0 31</inkml:trace>
-  <inkml:trace contextRef="#ctx0" brushRef="#br0" timeOffset="16110.13">6019 16002 0,'0'40'16</inkml:trace>
-  <inkml:trace contextRef="#ctx0" brushRef="#br0" timeOffset="17578.937">6179 16042 0,'0'40'63,"0"0"-32,41-40-15,-1 0 46,-40-40-46,0-40-1,0 40 17,-40 40 61,-1 40-93,41 0 16,0 0 0,0 0-16,0 0 15,0 0 1,41-40 15,-1 0 16,-40-40-31,40 40-16,-40-40 15,0 0-15,0 0 16,0 0 15,-40 40 16,0 0-16,-1 0-15,1 0-16,0 0 16,0 40-16,0-40 15,0 0-15,40 40 16,-40-40-16</inkml:trace>
-  <inkml:trace contextRef="#ctx0" brushRef="#br0" timeOffset="18422.733">8948 14799 0,'0'80'63,"0"0"-48,0 0-15,-40 1 16,40-1-16,0 40 16,-40-40-16,40 1 15,-40-1-15,0 0 16,40 40-16,-40 1 15,-1 39-15,1-80 16,40 0-16,-40 1 16,40-41-16,0 0 15,-40-40 1,40 40-16,-40-40 31,0 0-15,0 0-1,-41 0-15,41 0 16,-40 0-16,40 0 16</inkml:trace>
-  <inkml:trace contextRef="#ctx0" brushRef="#br0" timeOffset="19094.641">9189 14277 0,'40'0'78,"0"0"-78,-40 40 16,40-40-1</inkml:trace>
-  <inkml:trace contextRef="#ctx0" brushRef="#br0" timeOffset="20610.319">10674 15922 0,'0'40'31,"0"0"-31,0 0 16,0 0-1,0 0-15,-41 0 16,1 0-16,0 1 16,0 39-16,-80-40 15,39 0-15,41 0 16,-80-40-16,-41 40 16,41-40-16,0 0 15,-1 0-15</inkml:trace>
-  <inkml:trace contextRef="#ctx0" brushRef="#br0" timeOffset="21969.778">10754 15400 0,'0'-40'156,"0"80"-46,0 0-79</inkml:trace>
-</inkml:ink>
-</file>
-
-<file path=ppt/ink/ink35.xml><?xml version="1.0" encoding="utf-8"?>
-<inkml:ink xmlns:inkml="http://www.w3.org/2003/InkML">
-  <inkml:definitions>
-    <inkml:context xml:id="ctx0">
-      <inkml:inkSource xml:id="inkSrc0">
-        <inkml:traceFormat>
-          <inkml:channel name="X" type="integer" max="2646" units="cm"/>
-          <inkml:channel name="Y" type="integer" max="768" units="cm"/>
-          <inkml:channel name="T" type="integer" max="2.14748E9" units="dev"/>
-        </inkml:traceFormat>
-        <inkml:channelProperties>
-          <inkml:channelProperty channel="X" name="resolution" value="76.9186" units="1/cm"/>
-          <inkml:channelProperty channel="Y" name="resolution" value="39.79275" units="1/cm"/>
-          <inkml:channelProperty channel="T" name="resolution" value="1" units="1/dev"/>
-        </inkml:channelProperties>
-      </inkml:inkSource>
-      <inkml:timestamp xml:id="ts0" timeString="2018-05-22T23:33:33.753"/>
-    </inkml:context>
-    <inkml:brush xml:id="br0">
-      <inkml:brushProperty name="width" value="0.05292" units="cm"/>
-      <inkml:brushProperty name="height" value="0.05292" units="cm"/>
-      <inkml:brushProperty name="color" value="#FF0000"/>
-    </inkml:brush>
-  </inkml:definitions>
-  <inkml:trace contextRef="#ctx0" brushRef="#br0">4815 9184 0,'40'0'109,"0"0"-109,1 0 16,-1 0-1,0 0-15,0 0 47,0 0-15,0 0 61,0 0-93,0 0 47</inkml:trace>
-  <inkml:trace contextRef="#ctx0" brushRef="#br0" timeOffset="875.013">4655 9304 0,'40'0'79,"0"0"-64,0 0-15,0 0 16,0 0-1,0 0-15,1 0 32,-41-40-1,40 40-31,0 0 47,0 0-32,0 0 1,0 0 0,-40-40-1</inkml:trace>
-  <inkml:trace contextRef="#ctx0" brushRef="#br0" timeOffset="4234.565">8707 8903 0,'81'0'94,"-81"-40"-79,40 0-15,0 40 16,0-40 46,0 40-30,-40-40-1,0 80 234,0 40-249,0 0 0,-40-80-16,40 40 15,0 1-15,-40-41 16,40 40-16,0 0 16,-40 0-1,80-40 110,0 0-94,0 0 16</inkml:trace>
-  <inkml:trace contextRef="#ctx0" brushRef="#br0" timeOffset="5203.369">8948 8302 0,'40'0'32,"0"0"-17,1 0 1</inkml:trace>
-  <inkml:trace contextRef="#ctx0" brushRef="#br0" timeOffset="5984.647">9229 8703 0,'0'40'31,"0"0"-15,0 0-1,0 0-15,0 0 16,0 0 0,-40 0-1,40-80 79,0 0-78,0 0-1,0 0 1,0 0-16,0 0 16,0 0 30,40 40 1</inkml:trace>
-  <inkml:trace contextRef="#ctx0" brushRef="#br0" timeOffset="12047.441">5618 9184 0,'40'0'78,"0"0"-78,0 0 16,-40-40-16,40 40 15,-40-40 1,40 0-1,-40 0 1,40 40-16,1-41 16,-1 1-1,-40 0-15,0 0 16,40 40 0,-40-40-16,0 0 31,0 0-16,0 0 1,40 40 0,-40-40-16,0 0 15,0-1 1,0 1 0,0 0 15,0 0-16,-40 0 17,40 0-32,-40 0 15,0 0 32,-1 0-47,1 40 31,40-41-15,-40 41 0,0 0-1,0 0-15,40-40 16,-40 40 15,0 0 63,0 0-32,40 40-46,-41-40 0,41 41 15,0-1-31,0 0 47,0 0-32,0 0 1,0 0 0,0 0-1,0 0-15,0 0 16,0 1 0,0-1-1,0 0-15,-40 0 16,40 0-1,0 0 1,0 40 0,0-40 15,0 0-15,0 1-1,0-1 1,0 0-1,0 0 1,0 0 0,0 0-1,0 0 1,0 0 15,0 0 0</inkml:trace>
-  <inkml:trace contextRef="#ctx0" brushRef="#br0" timeOffset="19375.913">3531 10828 0,'40'0'94,"0"0"-94,41 0 15,-41 0 1,0 0-1,0 0-15,0 0 16,0 0 31,0 0-31,1 0 15,-1 0-16,0 0 17,0 0-17,0 0 1,0 0-16,0 0 16,0 0-1,1 0 1,-1 0-1,0 0 1,0 0 0,0 0-1,0 0 1,0 0 15,0 0 0,1 0 1,-1 0-32,0 0 15,40 0 1,-40 0 0,0 0-1,0 0 1,1 0-16,-1 0 15,0 0 1,0 0-16,0 0 16,0 0-1,0 0-15,0 0 16,1 0 0,-1 0-1,40 0 1,-40 0-1,0 0 1,0 0-16,0 0 16,41 0-1,-41 0 1,0 0-16,40 0 16,-80 40-1,40-40-15,41 41 16,-41-41-16,0 0 15,0 0-15,0 0 16,0 0 0,0 0-16,0 0 15,1 0-15,-1 0 16,40 0 0,-40 0-1,40 0 1,-40 0-1,1 0 1,-1 0-16,40 40 16,-40-40-16,0 0 15,40 0-15,1 0 16,-41 0-16,0 0 16,0 0-16,40 0 15,-40 0-15,1 0 16,-1 0-16,0 0 15,0 0-15,0 0 16,0 0 31,0 0-31,1 0 15,-1 0 0,0 0-15,0 0-1,-40 40 17</inkml:trace>
-  <inkml:trace contextRef="#ctx0" brushRef="#br0" timeOffset="26970.013">13964 10307 0,'0'-40'110,"40"40"-95,40-40-15,1 0 16,-41 0-16,40-1 16,40 1-16,-80 0 15,1 0-15,-1 40 16,0-40-16,0 0 15,-40 0 1,40 40 0,-40-40-1,40 40-15,0 0 16,-40-40 0,0 80 93,0 0-93,0 40-16,0 0 15,0 41-15,-40-41 16,-40 40-16,40 40 15,0-39-15,0-81 16,-1 40-16,41 0 16,0-40-16,41-40 125</inkml:trace>
-  <inkml:trace contextRef="#ctx0" brushRef="#br0" timeOffset="27485.661">14686 9104 0,'40'0'16,"41"40"0,-41 0-16,0 0 15,0 0-15,0 0 16,-40 0-16,40-40 15</inkml:trace>
-  <inkml:trace contextRef="#ctx0" brushRef="#br0" timeOffset="27985.685">15047 10066 0,'0'40'15,"0"1"16,0-1-31,0 0 16,0 0 0,0 0-16,0 40 15,0-40 1,0 0 0,0 0-16,0 1 15,0-1 1,0 0 15,-40-40-15</inkml:trace>
-  <inkml:trace contextRef="#ctx0" brushRef="#br0" timeOffset="28985.732">15409 10147 0,'0'0'0,"40"0"16,0 0-16,0 0 15,0-41 1,-40 1 0,40 40-16,-40 40 156,0 1-141,0-1 1,0 40-16,0-40 16,0 40-16,0 0 15,0 1 1,0-1 0,0-40-1,0 0 16,0 0 63,40-40-94,0 0 16,1 0-16,39 0 15,-40 0 1,0 0 0,0 0-1,0 0 1,0 0 0,1 0 15</inkml:trace>
-  <inkml:trace contextRef="#ctx0" brushRef="#br0" timeOffset="29688.894">16572 9465 0,'0'40'63,"0"40"-48,0 0 1,0 0-16,0 1 16,-40-1-16,40 0 15,0 40-15,-40-39 16,40-1-16,0-40 15,0 0-15,0 0 16,0 0 0,0 0-1,40-40 32,-40 40-47,40-40 16,40 0-16,1 0 15,-41 0 1,0 0 0</inkml:trace>
-  <inkml:trace contextRef="#ctx0" brushRef="#br0" timeOffset="30188.922">16051 10066 0,'80'0'47,"0"0"-47,0 0 15,81 0-15,-41 0 16,41 0-16,-81 0 15,0 0-15,-40 0 16,0 0-16</inkml:trace>
-  <inkml:trace contextRef="#ctx0" brushRef="#br0" timeOffset="31876.493">19221 10147 0,'0'40'47,"40"-40"-32,-40 80-15,0-40 16,0 40 0,0 0-16,0 1 15,0-41 1,0 0-16,0 0 16,0 40-16,0-40 15,0 0-15,0 0 16,0-80 78</inkml:trace>
-  <inkml:trace contextRef="#ctx0" brushRef="#br0" timeOffset="32267.121">19140 9425 0,'40'0'16,"41"0"-1,-41 80 1,0-80-16,40 40 15,-40 0-15,0-40 16,-40 40 0</inkml:trace>
-  <inkml:trace contextRef="#ctx0" brushRef="#br0" timeOffset="32814.036">20946 10187 0,'40'0'31,"80"0"-16,-39 0-15,39 0 16,0 0-16,1 0 16,39 0-16,-79 0 15,-1 0-15,-40 0 16,0 0-16,0 0 16</inkml:trace>
-  <inkml:trace contextRef="#ctx0" brushRef="#br0" timeOffset="33235.911">21106 10588 0,'41'0'47,"39"0"-31,40 0-16,41 0 15,-1 0-15,-39 0 16,-41 0-16,40 0 16,-80 0-1,-40 40 79</inkml:trace>
-  <inkml:trace contextRef="#ctx0" brushRef="#br0" timeOffset="34220.358">23354 10147 0,'0'40'78,"-41"40"-62,41 0-1,-40-40-15,40 40 16,0 1-16,0-1 16,0 40-16,0-40 15,0 1-15,0-41 16,0 40-16,0-40 16,40 0-16,1 40 15,-1-80-15,0 40 16,0-40-1,0 0-15,0 0 16,40 0-16,-39-40 16,39 0-16,0 0 15,-80 0-15,80-40 16,-40 40-16,1 0 16,-41-41-16,40 41 15,-40 0-15,0-40 16,0 0-16,0 40 15,0-1-15,0-39 16,0 0 0,0 40-16,0 0 15,-40-40-15,40-1 16,-41 81 0,1-40-16,0 40 15,0-40 1,0 40-16,0 0 15,40-40-15,-40 40 16,-41 0-16,1 0 16,0 0-1,40 0-15,-40 0 16,39 0-16,1 0 16</inkml:trace>
-  <inkml:trace contextRef="#ctx0" brushRef="#br0" timeOffset="34782.867">26443 11149 0,'40'40'47,"1"0"-31,-41 41-16,40-1 15,-40-40-15,40 0 16,-40 40-16,0 0 15,0-39-15,0-1 16,0 40-16,-40-40 16,0 0-16,-1 0 15,41 0-15,-40-40 16,0 0 0,0 0-1,0 0-15,0 0 16</inkml:trace>
-  <inkml:trace contextRef="#ctx0" brushRef="#br0" timeOffset="35298.512">26403 10748 0,'40'0'31,"0"0"-31,41 40 15,-1-40-15,-40 0 16,0 0-16,0 0 16</inkml:trace>
-  <inkml:trace contextRef="#ctx0" brushRef="#br0" timeOffset="43361.405">13723 12031 0,'40'0'47,"0"0"-47,41 0 15,-1 0 1,40 0-16,1 0 16,-1 0-16,0 0 15,1 0-15,-1 0 16,1 0-16,-1 0 16,0 0-16,41 0 15,-41 0-15,81 0 16,0 0-16,39 0 15,-79 0-15,39 0 16,41 0-16,-40 0 16,40 0-16,-41 0 15,1 0-15,40 0 16,-81 0-16,1 0 16,79 0-16,-39 0 15,0 0-15,39 0 16,-39 0-16,40 0 15,0 0-15,-1 0 16,41 0-16,-80 0 16,-1 0-16,41 0 15,-40 0-15,40 0 16,-41 0-16,1 0 16,-1 0-16,-39 0 15,0 0 1,-1 0-16,1 0 15,-1 0-15,-40 0 16,81 0-16,-40 0 16,79 0-16,-39 0 15,40 0-15,-41 0 16,41 0-16,-40 0 16,-41 0-16,81-40 15,-81 40-15,1 0 16,-1 0-16,-39 0 15,-1 0-15,1 0 16,-1 0-16,-40 0 16,41 0-16,-41 0 15,0 0-15,0 0 16,-39 0-16,39 0 16,0 0-16,0 0 15,41 0-15,-41 0 16,0 0-16,0 0 15,1 0-15,-41 0 16,40 0-16,40 0 16,-39 0-1,-1 0-15,-40 0 16,0 0-16,81 0 16,-81 0-16,0 0 15,0 0-15,40 0 16,-40 0-1,0 0 1,1 0 125</inkml:trace>
-</inkml:ink>
-</file>
-
-<file path=ppt/ink/ink36.xml><?xml version="1.0" encoding="utf-8"?>
-<inkml:ink xmlns:inkml="http://www.w3.org/2003/InkML">
-  <inkml:definitions>
-    <inkml:context xml:id="ctx0">
-      <inkml:inkSource xml:id="inkSrc0">
-        <inkml:traceFormat>
-          <inkml:channel name="X" type="integer" max="1366" units="cm"/>
-          <inkml:channel name="Y" type="integer" max="768" units="cm"/>
-          <inkml:channel name="T" type="integer" max="2.14748E9" units="dev"/>
-        </inkml:traceFormat>
-        <inkml:channelProperties>
-          <inkml:channelProperty channel="X" name="resolution" value="39.7093" units="1/cm"/>
-          <inkml:channelProperty channel="Y" name="resolution" value="39.79275" units="1/cm"/>
-          <inkml:channelProperty channel="T" name="resolution" value="1" units="1/dev"/>
-        </inkml:channelProperties>
-      </inkml:inkSource>
-      <inkml:timestamp xml:id="ts0" timeString="2018-02-05T01:30:09.616"/>
-    </inkml:context>
-    <inkml:brush xml:id="br0">
-      <inkml:brushProperty name="width" value="0.2" units="cm"/>
-      <inkml:brushProperty name="height" value="0.4" units="cm"/>
-      <inkml:brushProperty name="color" value="#FFFF00"/>
-      <inkml:brushProperty name="tip" value="rectangle"/>
-      <inkml:brushProperty name="rasterOp" value="maskPen"/>
-      <inkml:brushProperty name="fitToCurve" value="1"/>
-    </inkml:brush>
-  </inkml:definitions>
-  <inkml:trace contextRef="#ctx0" brushRef="#br0">0 0 0,'39'39'141,"0"-39"-141,39 0 16,-39 0-1,39 0-15,-39 0 16,79 0-16,-1 0 16,-39 0-16,0 0 15,117 40-15,-116-40 0,77 0 16,-39 0-16,0 0 15,1 0-15,-1 0 16,0 0-16,0 39 16,1-39-16,-40 0 15,39 0-15,0 0 16,0 0-16,1 0 0,38 39 16,39-39-16,1 0 15,-1 0 1,40 0-16,-1 0 15,0 0-15,40 39 16,0-39-16,-40 0 31,0 0-31,-38 0 0,38 0 16,1 0-16,-1 0 16,79 0-16,-79 0 15,40 0-15,38 0 16,1 0-16,-78 0 15,-40 0-15,78 0 16,-77 0-16,77 0 0,-38 0 16,77 0-16,-77 0 15,38 0-15,40 0 16,0 0-16,-1 0 16,-38 0-1,-1 0-15,-38 0 16,77 0-1,-38 0-15,0 0 16,-79 0-16,39 0 16,1 0-16,-1 0 15,-38 0-15,-40 0 16,0 0-16,40 0 16,-40 0-16,0 0 15,1 0-15,-1 0 0,-39 0 16,0 0-16,1 0 15,-1 0-15,0 0 16,0 0-16,1 0 16,-40 0-16,0 0 15,0 0 1,0 0 0,0 0-16,0 0 0,-38 0 15,38 0-15,0 0 16,0 0-16,-39 0 15,0 0-15,0 0 16,0-39 0,0 39-1,0 0-15,1 0 16,-1 0 15,0 0 0,0 0 157,0 0-172,39 0-1,-39 0-15,0 0 0,39 0 16,0 0-16,40 0 15,-40 0-15,-39 0 16,39 0-16,0 0 16,0 0-16,40 0 15,-40 0-15,0 0 16,0 0 0,0 0-16,0 0 15,1 0-15,38 39 16,-39-39-16,0 0 15,0 0-15,-39 0 16,39 0-16,-38 0 16,-1 0-16,0 0 15,78 0-15,-39 0 16,0 0-16,0 0 16,1 0-16,-1 0 15,0 0-15,0 0 16,-39 0-1,0 0-15,0 0 16,0 0-16,0 0 0,0 0 16,40 0-16,-1 0 15,-39 0 1,39 0-16,-39 0 16,0 0-1,0 0-15,0 0 31,0 0-15,0 0 0,1 0-16,-1 0 15,0 0 1,39 0 15,-39 0-31,0 0 16,0 0-16,0 0 15,39 0 1,-39 0 0,0 0-16,40 0 15,-40 0 17,0 0-32,0 0 15,0 0-15,0 0 31,0 0-15,0 0 15,0 0-15,0 0 31,0 0-32,0 0 17,1 0-1,-1 0 0,0 0 0,0 0-31,0 0 16,0 0-16,0 0 16,0 0-1,0 0-15,0 0 16,39 0-16,1 0 16,-40 0-1,0 0-15,0 0 0,78 0 16,-78 0-1,39 0-15,-39 0 16,0 0-16,40 0 16,-1 0-16,-39 0 15,39 0-15,0 0 16,0 0 0,0 0-16,40 0 15,-40 0-15,0 0 16,0 0-16,0 0 15,0 0-15,1 0 16,38 0-16,-39 0 16,0 0-1,39 0-15,1 0 0,38 0 16,-39 0-16,39 0 16,-38 0-16,38 0 15,-39 0-15,39 0 16,-38 0-16,-1 0 15,78 0 1,-77 0-16,-40 0 0,39 0 16,-39 0-16,0 0 15,0 0-15,40 0 16,-40 39-16,0-39 16,-39 0-16,0 0 15,39 0-15,-39 0 31,0 0-31,0 0 16,1 0 0,-1 0-16,0 0 15</inkml:trace>
-</inkml:ink>
-</file>
-
-<file path=ppt/ink/ink37.xml><?xml version="1.0" encoding="utf-8"?>
-<inkml:ink xmlns:inkml="http://www.w3.org/2003/InkML">
-  <inkml:definitions>
-    <inkml:context xml:id="ctx0">
-      <inkml:inkSource xml:id="inkSrc0">
-        <inkml:traceFormat>
-          <inkml:channel name="X" type="integer" max="2646" units="cm"/>
-          <inkml:channel name="Y" type="integer" max="768" units="cm"/>
-          <inkml:channel name="T" type="integer" max="2.14748E9" units="dev"/>
-        </inkml:traceFormat>
-        <inkml:channelProperties>
-          <inkml:channelProperty channel="X" name="resolution" value="76.9186" units="1/cm"/>
-          <inkml:channelProperty channel="Y" name="resolution" value="39.79275" units="1/cm"/>
-          <inkml:channelProperty channel="T" name="resolution" value="1" units="1/dev"/>
-        </inkml:channelProperties>
-      </inkml:inkSource>
-      <inkml:timestamp xml:id="ts0" timeString="2018-05-22T23:34:48.413"/>
-    </inkml:context>
-    <inkml:brush xml:id="br0">
-      <inkml:brushProperty name="width" value="0.05292" units="cm"/>
-      <inkml:brushProperty name="height" value="0.05292" units="cm"/>
-      <inkml:brushProperty name="color" value="#FF0000"/>
-    </inkml:brush>
-  </inkml:definitions>
-  <inkml:trace contextRef="#ctx0" brushRef="#br0">16572 8903 0,'40'0'125,"0"0"-109,1 0-16,-1 0 16,40 0-16,-40 0 15,40 0 1,-40 0-1,1 0 1,-1 0-16,0 0 16,0 0-1,0 0-15,0 0 16,0 0-16,0 0 16,1 0-16,39 0 15,0 0 1,-40 0-1,0 0 1,0 0 0,1 0-1,-1 0 17,0 0-17,0 0 16,0 0 1,0 0-32,0 0 15,0 0 1,1 0 0,-1 0-1,0 0 1,0 0-16,0 0 15,0 0 1,41-40-16,-41 40 16,0 0-1,0 0-15,40 0 16,-40 0 0,41 0-16,-41 0 15,0 0-15,0 0 16,0 0-16,0 0 15,40 0-15,-39 0 32,-1 0-1,0 0-15,0 0-1,0 0-15,-40-40 16,40 40-16,40 0 15,-39 0-15,-1 0 16,40 0-16,0 0 16,0 0-16,1 0 15,-1 0-15,-40 0 16,40 0-16,1 0 16,-41 0-16,0 0 15,0 0-15,0 0 16,0 0-16,0 0 15,41 0 1,-41 0 0,0 0-1,0 0 1,0 0 0,0 0-1,0 0 1,0 0-1,1 0 17,-1 0-17,0 0 17</inkml:trace>
-  <inkml:trace contextRef="#ctx0" brushRef="#br0" timeOffset="1656.313">18177 8863 0,'40'0'140,"1"0"-140,39 0 31,-40 0-15</inkml:trace>
-  <inkml:trace contextRef="#ctx0" brushRef="#br0" timeOffset="9953.584">17174 10066 0,'40'0'32,"0"0"-17,41 0 1,-1 0-16,40 0 15,-40 0-15,41 0 16,-41 0 0,40 0-16,-39 0 15,-1 0-15,-40 0 16,81 0-16,-81 0 16,0 0-16,0 0 15,40 0-15,-40 0 16,0 0-16,41 0 15,-41 0 1,40 0-16,-40 0 16,0 0-16,0 0 15,1 0-15,-1 0 16,40 0-16,-40 0 16,40 0-1,-40 0 1,1 0-16,-1 0 15,0 0 1,0 0 15,0 0 1,0 0-32,0 0 31,0 0-16,1 0 1,-1 0 0</inkml:trace>
-  <inkml:trace contextRef="#ctx0" brushRef="#br0" timeOffset="19469.66">9751 12914 0</inkml:trace>
-  <inkml:trace contextRef="#ctx0" brushRef="#br0" timeOffset="25360.542">4735 13876 0,'40'0'47,"0"0"-32,0 0-15,0 0 16,1 0 0,-1 0-16,0 0 15,0 0 1,0 0 0,0 0-16,0 0 15,0 0 1,1 0-16,-1 0 15,0 0 1,0 0 0,0 0-16,40 0 15,-40 0-15,1 0 16,-1 0-16,40 0 16,-40 0-16,40 0 15,-40 0 1,41 0-1,-41 0 1,0 0 0,0 0-16,0 0 15,0 0-15,0 0 16,1 0 0,-1 0-16,0 0 15,0 0 1,0 0-16,40 0 15,-40 0 1,1 0-16,-1 0 16,80 0-16,-80 0 15,0 0-15,0 0 16,41 0-16,-1 0 16,0 0-1,0 0 1,-39 0-16,-1 0 15,0 0-15,40 0 16,-40 0-16,0 0 16,41 0-16,-41 0 15,0 0-15,0 0 16,40 0-16,-40 0 16,1 0-16,39 0 15,-40 0-15,0 0 16,0 0-1,0 0-15,0 0 16,1 0-16,-1 0 16,40 0-16,0 0 15,-40 0-15,41 0 16,-1 0-16,40 0 16,-80 0-16,0 0 15,1 0-15,-1 0 16,0 0-16,0 0 15,0 0-15,0 0 16,81 0-16,-81 40 16,0-40-16,40 0 15,0 0 1,41 41-16,-41-41 16,0 0-1,-40 0-15,0 0 16,1 0-16,79 0 15,-40 0 1,0 0-16,1 0 16,-1 0-16,40 0 15,1 0 1,-41 0 0,80 0-1,-119 0-15,39 0 0,0 0 16,0 0-1,1 0-15,39 0 16,-80 0-16,40 0 16,1 0-1,-41 0-15,0 0 16,0 0-16,40 0 16,1 0-16,-41 0 15,40 0-15,0 0 16,-40 0-16,0 0 15,41 40-15,-41-40 16,40 40-16,40-40 16,-39 0-1,-1 0-15,0 0 16,0 0-16,-39 0 16,79 0-16,-80 0 15,0 0-15,40 40 16,1-40-16,-1 0 15,0 40-15,-40-40 16,41 0-16,39 0 16,-40 0-16,0 0 15,1 0-15,-1 0 16,-40 0-16,40 0 16,41 0-16,-41 0 15,0 0-15,-40 0 16,41 0-16,39 0 15,-40 0-15,0 0 16,1 0 0,39 0-16,-40 0 0,41 0 15,-1 0-15,41 0 16,-41 0 0,0 0-16,-39 0 15,39 0-15,-40 40 16,1-40-16,39 0 15,0 0-15,1 0 16,-1 0-16,-40 40 16,41-40-16,-41 0 15,0 0-15,0 0 16,1 0-16,-1 0 16,40 0-16,-39 0 15,-1 0-15,0 0 16,-40 0-16,40 0 15,1 0-15,-41 0 16,0 0-16,40 0 16,-40 0-16,0 0 15,1 0-15</inkml:trace>
-  <inkml:trace contextRef="#ctx0" brushRef="#br0" timeOffset="33860.969">4775 12834 0,'40'0'157,"0"0"-157,0 0 15,1 0 1,-1 0-1,0 0 1,0-41 0,40 41-1,-80-40 1,40 40-16,0 0 16,41 0-1,-41 0 1,40 0-1,-40 0 1,0 0-16,0 0 16,1 0-16,-1 0 15,0 0-15,0 0 16,0 0-16,0 0 16,40 0-1,-39 0 1,-1 0-1,0 0-15,0 0 16,0 0-16,40 0 16,-40 0-1,1 0 1,-1 0-16,0 0 16,0 0-16,0 0 15,40 0-15,-40 0 16,1 0-16,-1 0 15,0 0 1,-40 40 0,40-40-16,0 0 15,0 0-15,40 0 16,-80 41 0,41-41-16,-1 0 15,40 0-15,-40 40 16,40-40-16,1 0 15,-41 0-15,40 0 16,-40 0-16,40 0 16,1 40-16,-41-40 15,0 0-15,40 0 16,-40 0-16,0 0 16,1 0-1,-1 0-15,40 0 16,0 0-16,0 0 15,41 0-15,-41 0 16,0 0-16,41 0 16,-1 0-16,-40 0 15,41 0-15,-1 0 16,-40 0-16,1 0 16,39 0-16,-40 0 15,0 0-15,81 40 16,-81-40-16,41 0 15,-41 40-15,0-40 16,81 0-16,-81 0 16,40 0-16,1 0 15,39 0-15,-80 0 16,41 0-16,-41 0 16,0 0-16,41 0 15,-41 0-15,0 0 16,-40 0-16,41 0 15,-1 0-15,0 0 16,40 0-16,-39 0 16,39 0-16,0 0 15,-39 0 1,39 0-16,0 0 16,-39 0-16,-1 0 15,0 0-15,0 0 16,1 0-16,-41 0 15,40 0-15,0 0 16,1 0-16,39 0 16,-40 0-16,0 0 15,41 0-15,-41 0 16,0 0-16,41 0 16,-41 0-16,0 0 15,41 0-15,-1 0 16,-40 0-16,0 0 15,1 0-15,-1 0 16,-40 0-16,0 0 16,0 0-16,41 0 15,-1 0-15,40 40 16,-80-40-16,41 0 16,-41 0-16,40 0 15,0 0-15,1 0 16,-41 0-16,0 40 15,80-40 1,-40 0-16,-39 0 16,-1 0-16,40 0 15,-40 0-15,0 0 16,0 0-16,0 0 16,1 0-16,-1 0 15,0 0-15,0 0 16,0 0-1,0 0-15,0 0 16,0 0 0,1 0-16,-1 0 15,0 0-15,40 0 16,-40 0-16,0 0 16,41 0-16,-1 0 15,40 0-15,-40 0 16,41 0-16,-41 0 15,40 0-15,41 0 16,-81 40-16,41-40 16,-1 0-16,0 0 15,-39 0-15,-1 0 16,0 0-16,0 0 16,-40 0-1,1 0-15,-1 0 16,0 0-1,0 0 17,0 0-17,-40 40 1,40-40 0,0 0 15</inkml:trace>
-</inkml:ink>
-</file>
-
-<file path=ppt/ink/ink38.xml><?xml version="1.0" encoding="utf-8"?>
-<inkml:ink xmlns:inkml="http://www.w3.org/2003/InkML">
-  <inkml:definitions>
-    <inkml:context xml:id="ctx0">
-      <inkml:inkSource xml:id="inkSrc0">
-        <inkml:traceFormat>
-          <inkml:channel name="X" type="integer" max="1366" units="cm"/>
-          <inkml:channel name="Y" type="integer" max="768" units="cm"/>
-          <inkml:channel name="T" type="integer" max="2.14748E9" units="dev"/>
-        </inkml:traceFormat>
-        <inkml:channelProperties>
-          <inkml:channelProperty channel="X" name="resolution" value="39.7093" units="1/cm"/>
-          <inkml:channelProperty channel="Y" name="resolution" value="39.79275" units="1/cm"/>
-          <inkml:channelProperty channel="T" name="resolution" value="1" units="1/dev"/>
-        </inkml:channelProperties>
-      </inkml:inkSource>
-      <inkml:timestamp xml:id="ts0" timeString="2018-02-05T02:16:43.221"/>
-    </inkml:context>
-    <inkml:brush xml:id="br0">
-      <inkml:brushProperty name="width" value="0.2" units="cm"/>
-      <inkml:brushProperty name="height" value="0.4" units="cm"/>
-      <inkml:brushProperty name="color" value="#FFFF00"/>
-      <inkml:brushProperty name="tip" value="rectangle"/>
-      <inkml:brushProperty name="rasterOp" value="maskPen"/>
-      <inkml:brushProperty name="fitToCurve" value="1"/>
-    </inkml:brush>
-  </inkml:definitions>
-  <inkml:trace contextRef="#ctx0" brushRef="#br0">0 10 0,'39'0'125,"0"0"-125,0 0 15,0 0-15,0 0 16,0 0-16,39 0 16,0 0-1,-39 0-15,0 0 16,1 0-16,38 0 15,-39 0-15,0 0 16,39 0-16,-39 0 16,0 0-1,0 0-15,0 0 16,0 0 0,40 39-1,-40-39 1,39 0-1,-39 0 1,39 0 0,0 0-1,-39 0 1,0 0-16,39 0 16,-38 0-1,-1 0 1,0 0-16,0 0 15,0 0 1,0 0-16,0 0 16,0 0-16,0 0 15,0 0 1,0 0 0,0 0 15,0 0-16,1 0 1</inkml:trace>
-</inkml:ink>
-</file>
-
-<file path=ppt/ink/ink39.xml><?xml version="1.0" encoding="utf-8"?>
-<inkml:ink xmlns:inkml="http://www.w3.org/2003/InkML">
-  <inkml:definitions>
-    <inkml:context xml:id="ctx0">
-      <inkml:inkSource xml:id="inkSrc0">
-        <inkml:traceFormat>
-          <inkml:channel name="X" type="integer" max="1366" units="cm"/>
-          <inkml:channel name="Y" type="integer" max="768" units="cm"/>
-          <inkml:channel name="T" type="integer" max="2.14748E9" units="dev"/>
-        </inkml:traceFormat>
-        <inkml:channelProperties>
-          <inkml:channelProperty channel="X" name="resolution" value="39.7093" units="1/cm"/>
-          <inkml:channelProperty channel="Y" name="resolution" value="39.79275" units="1/cm"/>
-          <inkml:channelProperty channel="T" name="resolution" value="1" units="1/dev"/>
-        </inkml:channelProperties>
-      </inkml:inkSource>
-      <inkml:timestamp xml:id="ts0" timeString="2018-02-05T02:16:44.605"/>
-    </inkml:context>
-    <inkml:brush xml:id="br0">
-      <inkml:brushProperty name="width" value="0.2" units="cm"/>
-      <inkml:brushProperty name="height" value="0.4" units="cm"/>
-      <inkml:brushProperty name="color" value="#FFFF00"/>
-      <inkml:brushProperty name="tip" value="rectangle"/>
-      <inkml:brushProperty name="rasterOp" value="maskPen"/>
-      <inkml:brushProperty name="fitToCurve" value="1"/>
-    </inkml:brush>
-  </inkml:definitions>
-  <inkml:trace contextRef="#ctx0" brushRef="#br0">0 0 0,'39'39'62,"0"-39"-62,0 0 16,0 0-16,39 0 16,0 0-16,0 0 15,40 0-15,-79 0 16,39 0-1,0 0-15,-39 0 0,39 0 16,0 0-16,-39 0 16,1 0-1,38 0-15,0 0 16,-39 0 0,0 0-1,39 40-15,-39-40 16,0 0-16,0 0 15,0 0 1,1 0 0,-1 0-1,0 0 1,39 0 0,-39 0-1,0 0 16,0 0-15,0 0 0,0 0-1,0 0 1,0 0 0,0 0-1,1 0 1,-1 0-1,0 0 17,0 0-32</inkml:trace>
-</inkml:ink>
-</file>
-
-<file path=ppt/ink/ink4.xml><?xml version="1.0" encoding="utf-8"?>
-<inkml:ink xmlns:inkml="http://www.w3.org/2003/InkML">
-  <inkml:definitions>
-    <inkml:context xml:id="ctx0">
-      <inkml:inkSource xml:id="inkSrc0">
-        <inkml:traceFormat>
-          <inkml:channel name="X" type="integer" max="1366" units="cm"/>
-          <inkml:channel name="Y" type="integer" max="768" units="cm"/>
-          <inkml:channel name="T" type="integer" max="2.14748E9" units="dev"/>
-        </inkml:traceFormat>
-        <inkml:channelProperties>
-          <inkml:channelProperty channel="X" name="resolution" value="39.7093" units="1/cm"/>
-          <inkml:channelProperty channel="Y" name="resolution" value="39.79275" units="1/cm"/>
-          <inkml:channelProperty channel="T" name="resolution" value="1" units="1/dev"/>
-        </inkml:channelProperties>
-      </inkml:inkSource>
-      <inkml:timestamp xml:id="ts0" timeString="2018-02-04T18:11:16.975"/>
-    </inkml:context>
-    <inkml:brush xml:id="br0">
-      <inkml:brushProperty name="width" value="0.035" units="cm"/>
-      <inkml:brushProperty name="height" value="0.035" units="cm"/>
-      <inkml:brushProperty name="color" value="#ED1C24"/>
-      <inkml:brushProperty name="fitToCurve" value="1"/>
-    </inkml:brush>
-  </inkml:definitions>
-  <inkml:traceGroup>
-    <inkml:annotationXML>
-      <emma:emma xmlns:emma="http://www.w3.org/2003/04/emma" version="1.0">
-        <emma:interpretation id="{EE92E976-CF25-4AF0-AD59-85995C84977E}" emma:medium="tactile" emma:mode="ink">
-          <msink:context xmlns:msink="http://schemas.microsoft.com/ink/2010/main" type="inkDrawing" rotatedBoundingBox="26688,10746 30361,10744 30362,11644 26689,11647" hotPoints="27032,10882 30100,10809 30119,11608 27052,11681" semanticType="enclosure" shapeName="Rectangle"/>
-        </emma:interpretation>
-      </emma:emma>
-    </inkml:annotationXML>
-    <inkml:trace contextRef="#ctx0" brushRef="#br0">0 931 0,'39'0'78,"0"0"-63,0 0-15,0 0 16,0 0 0,0 0-1,0 0 1,0 0 0,0 0-1,0 0 1,1 0-1,-1 0 1,0 0 15,0 0-15,0 0-16,0 0 16,0 0-1,0 0 16,0 0-31,0 0 32,0 0-17,0 0 17,0 0-17,1 0 1,-1 0-16,0 0 15,0 0 1,0 0 0,39 0-1,-39 0-15,0 0 16,39 0 0,-39 0-16,0 0 15,1 0-15,-1 0 16,0 0-1,0 0 17,0 0-32,0 0 15,0 0 1,0 0-16,0 0 16,0 0-1,0 0-15,0 0 16,0 0-1,1 0-15,-1 0 0,0 0 16,0 0 0,0 0-16,0 0 15,39 0 1,-39 0-16,0 0 16,0 0-1,0 0 1,40 0-1,-40 0-15,39 0 32,-39 0-32,0 0 0,0 0 15,0 0-15,39 0 32,0 0-32,-39 0 15,40 0 1,-40 0-16,0 0 15,0 0-15,0 0 16,0 0-16,39 0 16,-39 0-16,0 0 15,0 0-15,0 0 0,1 0 16,-1 0 0,0 0-1,-39-40 1,39 40-16,0-39 15,0 39 17,-39-39-32,0 0 47,0 0-47,0 0 15,0 0 16,0 0-31,0 0 16,-39 39 0,39-39-16,-39 39 15,39-39 1,-39 39 0,39-39-1,-39 39 1,39-39-16,-79-1 15,79 1 1,-39 39 0,-39-78-1,39 78-15,0-39 16,0 39-16,0 0 16,0-39-16,-78 39 0,78-39 15,-1 39-15,1 0 16,0 0-16,0 0 15,-78 0-15,117-39 16,-39 39-16,0 0 16,-39 0-1,39 0-15,-40 0 0,1 0 16,0 0-16,39-78 16,0 78-16,-78 0 15,39 0-15,-1 0 16,40 0-16,-39 0 15,39 0-15,-39 0 32,0 0-32,39 0 0,0 0 15,-79 0-15,79 0 16,-78 0 0,39 39-16,0-39 15,-39 0-15,38 0 16,40 0-16,0 39 15,-39-39-15,39 0 16,0 0-16,-39 0 16,39 0-16,0 39 15,0-39-15,0 0 16,-1 39-16,1-39 16,0 39 15,0-39-16,0 0 1,39 39 0,0 0-16,-39-39 15,0 0-15,39 39 32,-39 0-17,39 1 1,0-1-16,-39-39 15,39 39 1,0 0 0,0 0-1,0 0 1,0 0 0,0 0 15,0 0 16,0 0-47,39 0 62,-39 0-31,39-39-15,-39 39 15,0 1 32,39-40 15</inkml:trace>
-  </inkml:traceGroup>
-</inkml:ink>
-</file>
-
-<file path=ppt/ink/ink40.xml><?xml version="1.0" encoding="utf-8"?>
-<inkml:ink xmlns:inkml="http://www.w3.org/2003/InkML">
-  <inkml:definitions>
-    <inkml:context xml:id="ctx0">
-      <inkml:inkSource xml:id="inkSrc0">
-        <inkml:traceFormat>
-          <inkml:channel name="X" type="integer" max="1366" units="cm"/>
-          <inkml:channel name="Y" type="integer" max="768" units="cm"/>
-          <inkml:channel name="T" type="integer" max="2.14748E9" units="dev"/>
-        </inkml:traceFormat>
-        <inkml:channelProperties>
-          <inkml:channelProperty channel="X" name="resolution" value="39.7093" units="1/cm"/>
-          <inkml:channelProperty channel="Y" name="resolution" value="39.79275" units="1/cm"/>
-          <inkml:channelProperty channel="T" name="resolution" value="1" units="1/dev"/>
-        </inkml:channelProperties>
-      </inkml:inkSource>
-      <inkml:timestamp xml:id="ts0" timeString="2018-02-05T03:05:05.944"/>
-    </inkml:context>
-    <inkml:brush xml:id="br0">
-      <inkml:brushProperty name="width" value="0.2" units="cm"/>
-      <inkml:brushProperty name="height" value="0.4" units="cm"/>
-      <inkml:brushProperty name="color" value="#FFFF00"/>
-      <inkml:brushProperty name="tip" value="rectangle"/>
-      <inkml:brushProperty name="rasterOp" value="maskPen"/>
-      <inkml:brushProperty name="fitToCurve" value="1"/>
-    </inkml:brush>
-  </inkml:definitions>
-  <inkml:trace contextRef="#ctx0" brushRef="#br0">0 8 0,'39'0'78,"0"0"-62,39 0 0,-39 0-1,0 0-15,0 0 16,1 0-16,38 0 16,-39 0-16,0 0 15,39 0-15,-39 0 16,0 0-16,39 0 15,0 0-15,1 0 16,-40 0-16,39 0 16,0 0-16,0 0 15,-39 0-15,0 0 16,39 0-16,40 0 16,-40 0-16,-39 0 15,39 0-15,0 0 16,0 0-16,40 0 15,-40 0-15,0 0 16,0 0-16,0 0 16,-39 0-16,79 40 15,-40-40-15,0 0 16,0 0-16,0 0 16,0 0-16,0 0 15,1 0-15,38 0 16,-39 0-16,0 0 15,-39 0 1,39 0-16,1 0 16,38 0-16,-39 0 15,0 0-15,0 0 16,0 0-16,1 0 16,-1 0-16,0 0 15,0 0-15,0 0 16,0 0-16,0 0 15,1 0-15,-1 0 16,39 0-16,-39 0 16,0 0-16,0 0 15,-38 0-15,77 0 16,-78 0-16,39 0 16,0 0-16,-39 0 15,39 0-15,40 0 16,-79 0-16,39 0 15,-39 0-15,39 0 16,0 0-16,0 0 16,1 0 15,-40 0-31,0 0 16,0 0-1,0 39-15,0-39 16,0 0-16,0 0 15,0 0-15,0 0 16,0 0 0,0 0-16,0 0 15,1 0 1,-1 0-16,0 0 16,0 0-1,0 0 16,0 0-15,0 0 15,0 0 1,0 0-17,0 0 1,0 0 15,0 0-15,0 0-1,1 0 1,-1 0 0,0 0-1,0 0 1,0 0-1,0 0-15,0 0 16,0 0 0,0 0-1,0 0 1,0 0 0,0 0 15</inkml:trace>
-</inkml:ink>
-</file>
-
-<file path=ppt/ink/ink41.xml><?xml version="1.0" encoding="utf-8"?>
-<inkml:ink xmlns:inkml="http://www.w3.org/2003/InkML">
-  <inkml:definitions>
-    <inkml:context xml:id="ctx0">
-      <inkml:inkSource xml:id="inkSrc0">
-        <inkml:traceFormat>
-          <inkml:channel name="X" type="integer" max="1366" units="cm"/>
-          <inkml:channel name="Y" type="integer" max="768" units="cm"/>
-          <inkml:channel name="T" type="integer" max="2.14748E9" units="dev"/>
-        </inkml:traceFormat>
-        <inkml:channelProperties>
-          <inkml:channelProperty channel="X" name="resolution" value="39.7093" units="1/cm"/>
-          <inkml:channelProperty channel="Y" name="resolution" value="39.79275" units="1/cm"/>
-          <inkml:channelProperty channel="T" name="resolution" value="1" units="1/dev"/>
-        </inkml:channelProperties>
-      </inkml:inkSource>
-      <inkml:timestamp xml:id="ts0" timeString="2018-02-05T03:05:25.056"/>
-    </inkml:context>
-    <inkml:brush xml:id="br0">
-      <inkml:brushProperty name="width" value="0.2" units="cm"/>
-      <inkml:brushProperty name="height" value="0.4" units="cm"/>
-      <inkml:brushProperty name="color" value="#FFFF00"/>
-      <inkml:brushProperty name="tip" value="rectangle"/>
-      <inkml:brushProperty name="rasterOp" value="maskPen"/>
-      <inkml:brushProperty name="fitToCurve" value="1"/>
-    </inkml:brush>
-  </inkml:definitions>
-  <inkml:trace contextRef="#ctx0" brushRef="#br0">0 16 0,'39'0'141,"0"0"-126,0 0-15,39 0 16,1 0 0,-40 0-1,39 0-15,-39 0 16,0 0-16,0 0 15,39 0-15,0 0 16,-39 0 0,1 0-16,38 0 15,-39 0-15,39 0 16,0 0-16,0 0 16,-39 0-16,39 0 15,1 0-15,-40 0 16,0 0-16,39 0 15,0 0-15,39 0 16,-39 0-16,1 0 16,-1 0-16,-39 0 15,39 0 1,39 0-16,-78 0 16,39 0-16,-38 0 15,38 0-15,-39 0 16,0 0-16,0 0 15,39 0-15,-39 0 16,0 0-16,39 0 16,1 0-16,-40 0 15,0 0-15,0 0 16,78 0-16,-78 0 16,39 0-1,-39 0-15,0 0 16,40 0-16,-40 0 15,0 0-15,0 0 16,0 0-16,39 0 16,-39 0-1,0 0 1,0 0-16,39 0 16,-39 0-1,1 0-15,38 0 16,-39 0-1,0 0-15,0 0 32,0 0-32,0 0 15,0 0-15,0 0 16,0 0-16,0 0 16,0 0-16,1 0 15,-1 0-15,39 0 16,-39 0-1,39 0 1,-39 0 0,0 0-16,0 0 15,39 0-15,-39 0 16,1 0-16,-1 40 16,39-40-16,-39 0 15,0 0-15,39 0 16,-39 0-16,39 0 15,-39 0 1,0 0-16,1 0 16,-1 0-16,0 0 15,0 0-15,0 0 16,0 0-16,39 0 16,-39 0-16,0 0 15,0 0 1,0 0-16,0 0 15,1 0-15,-1 0 16,39 0 0,-39 0-1,0 0-15,0 0 16,0 0-16,0 0 16,0 0-16,0 0 15,0 0-15,0 0 16,1 0-1,-1 0-15,0 0 16,0 0 0,0 0-16,0 0 15,0 0 1,0 0 0,0 0-16,0 0 15,0 0-15,0 0 16,40 0-1,-40 0 17,0 0-17,0 0 17,0 0-17,0 0 595,39 0-595,-39 0 1,0 0-1,39 0-15,1 0 16,-1 0-16,0 0 16,0 0-16,0 0 15,0 0-15,0 0 16,1 0-16,38 0 16,-39 0-16,0 0 15,-39 0-15,39 0 16,1 0-16,38 0 15,-39 0-15,0 0 16,0 0-16,0 0 16,1 0-16,-1 0 15,39 0-15,-39 0 16,39 0-16,-39 0 16,1 0-16,-1 0 15,0 0-15,0 0 16,0 0-16,39 0 15,-38 0-15,38 0 16,-39 39-16,0-39 16,0 0-16,0 0 15,1 0 1,38 0-16,-39 0 16,0 0-16,0 0 15,0 0-15,1 0 16,-1 0-16,39 0 15,-39 0-15,0 0 16,0 0-16,1 0 16,-1 0-16,0 0 15,0 0-15,0 0 16,0 0-16,-39 0 16,40 0-16,-1 0 15,0 39-15,-39-39 16,39 0-16,-39 0 15,39 0-15,-39 0 16,40 0 0,-40 0-16,0 0 15,39 0-15,-39 0 16,0 0-16,0 0 16,39 0-16,-39 0 15,0 0-15,1 0 16,-1 0-16,0 0 15,39 0-15,-39 0 16,39 0 0,-39 0-1,0 0 1,0 0-16,0 0 16,0 0-1,1 0-15,-1 0 16,0 0-1,0 0 1,0 0-16,0 0 16,0 0-1,0 0-15,0 0 16,0 0 0,0 0-1,0 0-15</inkml:trace>
-</inkml:ink>
-</file>
-
-<file path=ppt/ink/ink42.xml><?xml version="1.0" encoding="utf-8"?>
-<inkml:ink xmlns:inkml="http://www.w3.org/2003/InkML">
-  <inkml:definitions>
-    <inkml:context xml:id="ctx0">
-      <inkml:inkSource xml:id="inkSrc0">
-        <inkml:traceFormat>
-          <inkml:channel name="X" type="integer" max="1366" units="cm"/>
-          <inkml:channel name="Y" type="integer" max="768" units="cm"/>
-          <inkml:channel name="T" type="integer" max="2.14748E9" units="dev"/>
-        </inkml:traceFormat>
-        <inkml:channelProperties>
-          <inkml:channelProperty channel="X" name="resolution" value="39.7093" units="1/cm"/>
-          <inkml:channelProperty channel="Y" name="resolution" value="39.79275" units="1/cm"/>
-          <inkml:channelProperty channel="T" name="resolution" value="1" units="1/dev"/>
-        </inkml:channelProperties>
-      </inkml:inkSource>
-      <inkml:timestamp xml:id="ts0" timeString="2018-02-05T03:05:28.752"/>
-    </inkml:context>
-    <inkml:brush xml:id="br0">
-      <inkml:brushProperty name="width" value="0.2" units="cm"/>
-      <inkml:brushProperty name="height" value="0.4" units="cm"/>
-      <inkml:brushProperty name="color" value="#FFFF00"/>
-      <inkml:brushProperty name="tip" value="rectangle"/>
-      <inkml:brushProperty name="rasterOp" value="maskPen"/>
-      <inkml:brushProperty name="fitToCurve" value="1"/>
-    </inkml:brush>
-  </inkml:definitions>
-  <inkml:trace contextRef="#ctx0" brushRef="#br0">0 37 0,'39'0'78,"40"0"-62,-40 0-1,0 0-15,0 0 16,78 0-16,-39 0 16,0 0-16,0 0 15,1 0 1,-1 0-16,39 0 15,0 0-15,0 0 16,-38 0-16,38 0 16,-39 0-16,0 0 15,0 0-15,0 0 16,-38 0-16,38 0 16,0 0-16,-39 0 15,0 0-15,39 0 16,0 0-16,-39 0 15,0 0-15,40 0 16,-40 0-16,0 0 16,0 0-16,0 39 15,0-39-15,0 0 16,39 0-16,0 0 16,-39 0-1,1 0-15,-1 0 16,39 0-16,-39 0 15,0 0 1,0 0 0,0 0-1,0 0 1,-39 39-16,39-39 31,0 0 16,0 0-31,0 0 31,1 0-16,-1 0-16,0 0 1,0 0 0,0 0-1,0 0 1,0 0 0,0 0 15,0 0-16,0 0 32,0 0 94</inkml:trace>
-</inkml:ink>
-</file>
-
-<file path=ppt/ink/ink43.xml><?xml version="1.0" encoding="utf-8"?>
-<inkml:ink xmlns:inkml="http://www.w3.org/2003/InkML">
-  <inkml:definitions>
-    <inkml:context xml:id="ctx0">
-      <inkml:inkSource xml:id="inkSrc0">
-        <inkml:traceFormat>
-          <inkml:channel name="X" type="integer" max="1366" units="cm"/>
-          <inkml:channel name="Y" type="integer" max="768" units="cm"/>
-          <inkml:channel name="T" type="integer" max="2.14748E9" units="dev"/>
-        </inkml:traceFormat>
-        <inkml:channelProperties>
-          <inkml:channelProperty channel="X" name="resolution" value="39.7093" units="1/cm"/>
-          <inkml:channelProperty channel="Y" name="resolution" value="39.79275" units="1/cm"/>
-          <inkml:channelProperty channel="T" name="resolution" value="1" units="1/dev"/>
-        </inkml:channelProperties>
-      </inkml:inkSource>
-      <inkml:timestamp xml:id="ts0" timeString="2018-02-05T03:05:30"/>
-    </inkml:context>
-    <inkml:brush xml:id="br0">
-      <inkml:brushProperty name="width" value="0.2" units="cm"/>
-      <inkml:brushProperty name="height" value="0.4" units="cm"/>
-      <inkml:brushProperty name="color" value="#FFFF00"/>
-      <inkml:brushProperty name="tip" value="rectangle"/>
-      <inkml:brushProperty name="rasterOp" value="maskPen"/>
-      <inkml:brushProperty name="fitToCurve" value="1"/>
-    </inkml:brush>
-  </inkml:definitions>
-  <inkml:trace contextRef="#ctx0" brushRef="#br0">0 0 0,'0'39'31,"78"-39"0,-39 0-31,0 0 16,40 0 0,-40 0-16,39 0 15,-39 39-15,39-39 16,39 0-16,-39 0 16,1 0-16,-1 0 15,0 0-15,0 0 16,0 0-16,39 0 15,-38 0-15,-1 0 16,0 0-16,0 0 16,39 0-16,-39 0 15,-38 0-15,38 0 16,0 0-16,-39 0 16,39 0-16,0 0 15,0 0-15,-39 0 16,1 0-16,38 0 15,-39 0-15,0 0 16,0 0-16,0 0 16,0 0-16,39 0 15,-39 0-15,0 0 16,0 0-16,79 0 16,-79 0-1,39 0-15,-39 0 16,39 0-1,-39 0 1,0 0 15,0 0-15,0 0 0,1 0-1,-1 0 16</inkml:trace>
-</inkml:ink>
-</file>
-
-<file path=ppt/ink/ink44.xml><?xml version="1.0" encoding="utf-8"?>
-<inkml:ink xmlns:inkml="http://www.w3.org/2003/InkML">
-  <inkml:definitions>
-    <inkml:context xml:id="ctx0">
-      <inkml:inkSource xml:id="inkSrc0">
-        <inkml:traceFormat>
-          <inkml:channel name="X" type="integer" max="1366" units="cm"/>
-          <inkml:channel name="Y" type="integer" max="768" units="cm"/>
-          <inkml:channel name="T" type="integer" max="2.14748E9" units="dev"/>
-        </inkml:traceFormat>
-        <inkml:channelProperties>
-          <inkml:channelProperty channel="X" name="resolution" value="39.7093" units="1/cm"/>
-          <inkml:channelProperty channel="Y" name="resolution" value="39.79275" units="1/cm"/>
-          <inkml:channelProperty channel="T" name="resolution" value="1" units="1/dev"/>
-        </inkml:channelProperties>
-      </inkml:inkSource>
-      <inkml:timestamp xml:id="ts0" timeString="2018-02-05T03:05:31.152"/>
-    </inkml:context>
-    <inkml:brush xml:id="br0">
-      <inkml:brushProperty name="width" value="0.2" units="cm"/>
-      <inkml:brushProperty name="height" value="0.4" units="cm"/>
-      <inkml:brushProperty name="color" value="#FFFF00"/>
-      <inkml:brushProperty name="tip" value="rectangle"/>
-      <inkml:brushProperty name="rasterOp" value="maskPen"/>
-      <inkml:brushProperty name="fitToCurve" value="1"/>
-    </inkml:brush>
-  </inkml:definitions>
-  <inkml:trace contextRef="#ctx0" brushRef="#br0">0 0 0,'39'0'31,"0"0"-31,0 0 16,40 0-16,-40 0 16,39 0-16,39 0 15,0 0-15,-39 0 16,40 0-16,-40 0 15,0 0-15,0 0 16,0 0-16,0 0 16,40 0-16,-40 0 15,0 0-15,0 0 16,0 0-16,0 0 16,1 0-16,38 0 15,-39 0-15,0 0 16,0 0-16,0 0 15,1 0 1,-40 0-16,78 0 16,-78 0-16,0 0 15,39 0-15,0 0 16,40 0-16,-79 0 16,39 0-16,0 0 15,-39 0-15,78 0 16,-78 0-16,0 0 15,40 0-15,-1 0 16,-39 0-16,39 0 16,-39 0-1,0 0-15,0 0 16,0 0 0,0 0-1,0 0 1</inkml:trace>
-</inkml:ink>
-</file>
-
-<file path=ppt/ink/ink45.xml><?xml version="1.0" encoding="utf-8"?>
-<inkml:ink xmlns:inkml="http://www.w3.org/2003/InkML">
-  <inkml:definitions>
-    <inkml:context xml:id="ctx0">
-      <inkml:inkSource xml:id="inkSrc0">
-        <inkml:traceFormat>
-          <inkml:channel name="X" type="integer" max="1366" units="cm"/>
-          <inkml:channel name="Y" type="integer" max="768" units="cm"/>
-          <inkml:channel name="T" type="integer" max="2.14748E9" units="dev"/>
-        </inkml:traceFormat>
-        <inkml:channelProperties>
-          <inkml:channelProperty channel="X" name="resolution" value="39.7093" units="1/cm"/>
-          <inkml:channelProperty channel="Y" name="resolution" value="39.79275" units="1/cm"/>
-          <inkml:channelProperty channel="T" name="resolution" value="1" units="1/dev"/>
-        </inkml:channelProperties>
-      </inkml:inkSource>
-      <inkml:timestamp xml:id="ts0" timeString="2018-02-05T03:05:32.608"/>
-    </inkml:context>
-    <inkml:brush xml:id="br0">
-      <inkml:brushProperty name="width" value="0.2" units="cm"/>
-      <inkml:brushProperty name="height" value="0.4" units="cm"/>
-      <inkml:brushProperty name="color" value="#FFFF00"/>
-      <inkml:brushProperty name="tip" value="rectangle"/>
-      <inkml:brushProperty name="rasterOp" value="maskPen"/>
-      <inkml:brushProperty name="fitToCurve" value="1"/>
-    </inkml:brush>
-  </inkml:definitions>
-  <inkml:trace contextRef="#ctx0" brushRef="#br0">0 30 0,'78'0'31,"-39"0"-15,0 0-16,39 0 16,39 0-16,-39 0 15,40 0 1,-1 0-16,39 0 15,-39 0-15,40 0 16,-40 0-16,0 0 16,-39 0-16,0 0 15,1 0-15,-1 0 16,-39 0-16,39 0 16,-39 0-16,0 0 15,0 0-15,39 0 16,1 0-16,-1 0 15,-39 0 1,39 0 0,-39 0-16,0 0 15,39 0-15,-39 0 16,0 39-16,40-39 16,-1 0-16,39 0 15,-39 0-15,0 0 16,0 0-16,1 0 15,-1 0-15,0 0 16,-39 0-16,0 0 16,0 0-16,0 0 15,0 0 1,0 0-16,0 0 0,0 0 16,1 0-1,-1 0 1,39 0-1,-39 0 1,0 0 0,0 0 15,0 0-15,0 0 15,0 0 0,0 0 16</inkml:trace>
-</inkml:ink>
-</file>
-
-<file path=ppt/ink/ink46.xml><?xml version="1.0" encoding="utf-8"?>
-<inkml:ink xmlns:inkml="http://www.w3.org/2003/InkML">
-  <inkml:definitions>
-    <inkml:context xml:id="ctx0">
-      <inkml:inkSource xml:id="inkSrc0">
-        <inkml:traceFormat>
-          <inkml:channel name="X" type="integer" max="1366" units="cm"/>
-          <inkml:channel name="Y" type="integer" max="768" units="cm"/>
-          <inkml:channel name="T" type="integer" max="2.14748E9" units="dev"/>
-        </inkml:traceFormat>
-        <inkml:channelProperties>
-          <inkml:channelProperty channel="X" name="resolution" value="39.7093" units="1/cm"/>
-          <inkml:channelProperty channel="Y" name="resolution" value="39.79275" units="1/cm"/>
-          <inkml:channelProperty channel="T" name="resolution" value="1" units="1/dev"/>
-        </inkml:channelProperties>
-      </inkml:inkSource>
-      <inkml:timestamp xml:id="ts0" timeString="2018-02-05T03:06:34.423"/>
-    </inkml:context>
-    <inkml:brush xml:id="br0">
-      <inkml:brushProperty name="width" value="0.2" units="cm"/>
-      <inkml:brushProperty name="height" value="0.4" units="cm"/>
-      <inkml:brushProperty name="color" value="#FFFF00"/>
-      <inkml:brushProperty name="tip" value="rectangle"/>
-      <inkml:brushProperty name="rasterOp" value="maskPen"/>
-      <inkml:brushProperty name="fitToCurve" value="1"/>
-    </inkml:brush>
-  </inkml:definitions>
-  <inkml:trace contextRef="#ctx0" brushRef="#br0">0 1 0,'39'0'46,"39"0"-30,0 0-16,40 0 16,-1 0-16,39 0 15,-39 0-15,40 0 16,-40 0-16,39 0 16,1 0-16,-79 0 15,39 0-15,0 0 16,-39 0-16,40 39 15,-40-39-15,0 0 16,0 0-16,0 0 16,0 0-16,1 0 15,-1 0-15,-39 0 16,39 0-16,-39 0 16,78 0-16,-78 0 15,39 0-15,-38 0 16,38 0-16,0 0 15,-39 0 1,0 0-16,39 0 16,0 39-16,-39-39 15,0 0-15,40 0 16,-1 0-16,-39 0 16,0 0-16,39 39 15,39-39-15,-78 0 16,40 0-16,-40 0 15,0 0-15,0 0 16,0 0-16,39 0 16,-39 0-16,39 0 15,-39 0 1,0 0-16,40 0 16,-40 0-1,39 0-15,-39 0 16,39 39-1,-39-39 1,0 0 0,0 0-16,0 0 15,0 0 17,0 0-17,1 0 1,-1 0 15,0 0-15,39 0-1,-39 0 1,0 0 0,0 0-16,0 0 15,0 0 1,0 0-16,0 0 15,0 0 1,1 0 0,-1 0-16,0 0 15,0 0 1,0 0 0,0 0-16,0 0 15,39 0 1,-39 0-16,0 0 15,0 0-15,79 0 16,-79 0-16,39 0 16,-39 0-16,39 0 15,0 0 1,0 39-16,-39-39 16,40 0-16,-1 0 15,0 0-15,-39 0 16,39 0-16,-39 0 15,0 0-15,0 0 16,0 0-16,40 0 16,-40 0-16,0 0 15,39 0-15,-39 0 16,0 0-16,0 0 16,39 0-16,-39 0 15,40 0 1,-40 0-1,0 0 1,0 0-16,0 0 16,0 0-1,0 0 1,0 0 0,0 0-1,0 39 16,0-39-15,0 0 0,0 0 15,1 0 0,-1 0 0</inkml:trace>
-</inkml:ink>
-</file>
-
-<file path=ppt/ink/ink47.xml><?xml version="1.0" encoding="utf-8"?>
-<inkml:ink xmlns:inkml="http://www.w3.org/2003/InkML">
-  <inkml:definitions>
-    <inkml:context xml:id="ctx0">
-      <inkml:inkSource xml:id="inkSrc0">
-        <inkml:traceFormat>
-          <inkml:channel name="X" type="integer" max="1366" units="cm"/>
-          <inkml:channel name="Y" type="integer" max="768" units="cm"/>
-          <inkml:channel name="T" type="integer" max="2.14748E9" units="dev"/>
-        </inkml:traceFormat>
-        <inkml:channelProperties>
-          <inkml:channelProperty channel="X" name="resolution" value="39.7093" units="1/cm"/>
-          <inkml:channelProperty channel="Y" name="resolution" value="39.79275" units="1/cm"/>
-          <inkml:channelProperty channel="T" name="resolution" value="1" units="1/dev"/>
-        </inkml:channelProperties>
-      </inkml:inkSource>
-      <inkml:timestamp xml:id="ts0" timeString="2018-02-05T03:06:36.192"/>
-    </inkml:context>
-    <inkml:brush xml:id="br0">
-      <inkml:brushProperty name="width" value="0.2" units="cm"/>
-      <inkml:brushProperty name="height" value="0.4" units="cm"/>
-      <inkml:brushProperty name="color" value="#FFFF00"/>
-      <inkml:brushProperty name="tip" value="rectangle"/>
-      <inkml:brushProperty name="rasterOp" value="maskPen"/>
-      <inkml:brushProperty name="fitToCurve" value="1"/>
-    </inkml:brush>
-  </inkml:definitions>
-  <inkml:trace contextRef="#ctx0" brushRef="#br0">0 0 0,'39'0'78,"39"0"-63,-39 0 17,0 0-32,0 0 0,1 0 15,-1 0-15,0 0 16,39 0-1,-39 0-15,39 0 16,0 39-16,0-39 16,-39 0-1,40 0-15,-40 0 16,0 0-16,0 0 16,39 0-16,-39 0 15,39 0 1,0 39-1,-39-39-15,40 0 16,-40 0 0,39 0-1,-39 0-15,0 0 16,39 0-16,-39 0 16,39 0-1,-39 0 1,1 0-16,-1 0 15,0 0-15,0 0 16,0 0-16,0 0 16,0 0-16,0 0 15,0 0-15,0 0 16,0 0-16,0 0 16,0 0-1,1 0 16,-1 0-31,0 0 47,0 0 0,0 0-16,0 0-15,0 0 0,0 0 15</inkml:trace>
-</inkml:ink>
-</file>
-
-<file path=ppt/ink/ink48.xml><?xml version="1.0" encoding="utf-8"?>
-<inkml:ink xmlns:inkml="http://www.w3.org/2003/InkML">
-  <inkml:definitions>
-    <inkml:context xml:id="ctx0">
-      <inkml:inkSource xml:id="inkSrc0">
-        <inkml:traceFormat>
-          <inkml:channel name="X" type="integer" max="1366" units="cm"/>
-          <inkml:channel name="Y" type="integer" max="768" units="cm"/>
-          <inkml:channel name="T" type="integer" max="2.14748E9" units="dev"/>
-        </inkml:traceFormat>
-        <inkml:channelProperties>
-          <inkml:channelProperty channel="X" name="resolution" value="39.7093" units="1/cm"/>
-          <inkml:channelProperty channel="Y" name="resolution" value="39.79275" units="1/cm"/>
-          <inkml:channelProperty channel="T" name="resolution" value="1" units="1/dev"/>
-        </inkml:channelProperties>
-      </inkml:inkSource>
-      <inkml:timestamp xml:id="ts0" timeString="2018-02-05T03:06:56.871"/>
-    </inkml:context>
-    <inkml:brush xml:id="br0">
-      <inkml:brushProperty name="width" value="0.2" units="cm"/>
-      <inkml:brushProperty name="height" value="0.4" units="cm"/>
-      <inkml:brushProperty name="color" value="#FFFF00"/>
-      <inkml:brushProperty name="tip" value="rectangle"/>
-      <inkml:brushProperty name="rasterOp" value="maskPen"/>
-      <inkml:brushProperty name="fitToCurve" value="1"/>
-    </inkml:brush>
-  </inkml:definitions>
-  <inkml:trace contextRef="#ctx0" brushRef="#br0">161 295 0,'41'0'125,"39"0"-109,-39 0 0,-1 0-16,41 0 15,-41 0-15,41 0 16,-1 41-16,1-41 15,40 0-15,-41 0 16,-39 0-16,39 0 16,1 0-16,-41 0 15,41 0-15,40 0 16,-40 0-16,-41 40 16,40-40-16,41 0 15,0 0-15,0 0 16,0 0-16,0 0 15,0 0-15,0 0 16,0 0 0,0 40-16,0-40 15,40 0-15,1 0 16,-1 0-16,40 0 16,41 0-16,-80 0 15,-1 0-15,40 0 16,1 0-16,-81 0 15,81 0-15,-41 0 16,-81 41-16,82-41 16,-1 0-16,41 0 15,-41 0-15,-40 0 16,40 0-16,-40 0 16,40 0-16,-40 40 15,0-40-15,0 0 16,0 0-16,0 0 15,-40 0-15,40 0 16,0 0-16,0 0 16,-1 0-16,-39 0 15,0 0-15,40 0 16,-41 0-16,1 0 16,40 0-1,-40 0-15,-1 0 16,1 0-16,-1 0 15,1 0-15,0 0 16,-1 0-16,1 0 16,0 0-16,-1 0 15,1 0-15,-41 0 16,81 0-16,-40 0 16,-1 0-16,1 0 15,0 0-15,-1 0 16,1 0-16,40 40 15,0-40-15,-81 0 16,41 0-16,-1 0 16,1 0-16,0 0 15,40 0-15,-41 0 16,1 0-16,0 0 16,-41 0-16,41 0 15,-1 0-15,1 0 16,-41 0-16,41 0 15,-41 0-15,41 0 16,-41 0-16,0 0 16,41 0-1,-41 0-15,1 0 16,-1 0-16,41 0 16,-41 0-1,41 0 1,-41 0-1,0 0 1,1 0-16,-1 0 31,0 0-15,0 0-16,1 0 16,-1 0-1,0 0 32,1 0 47,-41-40-79,0 0 17,40 40-32,-40-41 15,0 1 1,0 0 46,0-1-15,0 1 110,-40 40-142,-1 0 1,1 0-1,0 0 1,-1 0-16,1 0 16,0 0-16,0 0 15,-1 0-15,1 0 16,0 0-16,-1 0 16,1 0-16,-41 0 15,-40-40-15,81-1 16,-41 41-16,1 0 15,-1 0-15,0 0 16,-39 0-16,39 0 16,0 0-16,1 0 15,-1 0-15,0 0 16,1 0-16,-1 0 16,0 0-16,1 0 15,-1 0-15,1 0 16,-1 0-16,-40 0 15,40 0-15,1 0 16,-1 0-16,0 0 16,1 0-16,-1 0 15,1 0 1,-41 0-16,40 0 16,0 0-16,1 0 15,-1 0-15,0 0 16,1 0-16,-41 0 15,40 0-15,1 0 16,-41 0-16,40 0 16,0 0-16,1 0 15,-1 0-15,-40 0 16,40 0-16,1 0 16,-1 0-16,-40 0 15,0 0-15,41 0 16,-82 0-16,41 0 15,0 0-15,1 0 16,39 0-16,-40 0 16,0 0-16,40 0 15,-40 0-15,0 0 16,-80 0-16,80 0 16,0 0-16,0 0 15,0 0-15,-40 0 16,40 0-16,0 0 15,0 0 1,0 0-16,0 0 16,81 0-16,-81 0 15,40 0-15,0-40 16,-39 40-16,39 0 16,-40 0-16,0 0 15,0 0-15,40 0 16,1 0-16,-1 0 15,0 0-15,1 0 16,-1 0-16,1 0 16,-41 0-16,80 0 15,-39 0-15,-1 0 16,41 0-16,-81 0 16,80 0-16,-39 0 15,39 0-15,-39 0 16,-1 0-16,41 0 15,-41 0-15,41 0 16,-81 0-16,81 0 16,-41 0-16,41 0 15,-1 0-15,-39 0 16,-1 0 0,41 0-1,0 0-15,-41 0 16,41 0-1,-41 0-15,41 0 16,-41 0 0,41-40-1,-1 40 1,1 0-16,0 0 16,-1 0-1,1 0 1,0 0-16,-1 0 15,1 0 17,0 0-17,40-40 1,-41 40-16,1 0 16,40-41-1,-40 41 1,-41 0-1,41 0 1,0 0 0,-1 0-16,1 0 31,0 0-15,-1 0-1,1 0-15,0 0 31,-1 0-31,1 0 16,0 0 0,-1 0 15,1 0 16,40 41-16,0-1 0,0 0-15,0 0 0,0 1-1,0-1 1,0 0 15,0 1-15,0-1-1,0 0 17,0 1-17,40-41 16,-40 40-15,0 0 47,41-40-48,-1 0 16,-40 41-15,40-41-16,1 0 16,39 0-1,-39 0 1,-1 0-16,0 0 16,41 0-16,-81 40 15,40-40 1,41 0-16,-41 0 15,0 0-15,1 0 16,39 0-16,1 0 16,-41 0-1,1 0-15,-1 0 16,0 0-16,1 0 16,-1 0-16,0 0 15,1 0-15,-1 0 16,0 0-16,1 0 15,39 0-15,-39 0 16,-1 0-16,0 0 16,0 0-16,1 0 15,39 0-15,41 0 16,-80 0-16,39 0 16,1 0-16,-41 0 15,41 0-15,0 0 16,-41 0-16,0 0 15,41 0-15,40 0 16,-41 0-16,-39 0 16,39 0-16,41 0 15,-40 0 1,0 0-16,40 0 16,-81 0-16,40 0 15,-39 0-15,39 0 16,41 0-16,-80 0 15,39 40-15,-39-40 16,80 0-16,-81 0 16,41 0-16,-1 0 15,-39 0-15,39 0 16,41 0-16,-40 0 16,-1 0-16,1 0 15,0 41-15,-1-41 16,1 0-16,0 0 15,-41 0-15,0 0 16,41 0-16,-1 0 16,-39 0-16,-1 0 15,41 0-15,-1 0 16,-39 0-16,39 0 16,1 0-16,0 40 15,40-40-15,-41 0 16,-40 0-16,41 0 15,0 0 1,-1 0-16,41 0 16,-40 0-16,0 0 15,-1 0-15,1 0 16,0 0-16,39 0 16,-39 0-16,0 0 15,40 0-15,-41 0 16,1 0-16,0 0 15,40 0-15,-41 0 16,1 0-16,-1 0 16,41 0-16,0 0 15,-40 0-15,0 0 16,-1 0-16,1 0 16,0 0-16,-1 0 15,41 0-15,-40 0 16,-1 0-16,1 0 15,0 0-15,-1 0 16,1 0-16,0 0 16,40 0-16,-41 0 15,1 0-15,-1 0 16,1 0-16,0 0 16,-1 0-16,41 0 15,-40 0 1,0 0-16,-1 0 15,1 0-15,-1 0 16,1 0-16,0 0 16,40 0-16,-41 0 15,1 0-15,0 0 16,-1 0-16,1 0 16,-1 0-16,41 0 15,-80 0-15,39 0 16,-39 0-16,39 0 15,1 0-15,-41 0 16,1 0-16,39 0 16,-39 0-16,39 0 15,-39 0-15,-1 0 16,0 0 0,0 0-16,1 0 15,-1 0 1,0 0-16,1 0 31,-1 0-15,0 0-1,1 0 17,-1 0-17,0 0 48</inkml:trace>
-</inkml:ink>
-</file>
-
-<file path=ppt/ink/ink49.xml><?xml version="1.0" encoding="utf-8"?>
-<inkml:ink xmlns:inkml="http://www.w3.org/2003/InkML">
-  <inkml:definitions>
-    <inkml:context xml:id="ctx0">
-      <inkml:inkSource xml:id="inkSrc0">
-        <inkml:traceFormat>
-          <inkml:channel name="X" type="integer" max="1366" units="cm"/>
-          <inkml:channel name="Y" type="integer" max="768" units="cm"/>
-          <inkml:channel name="T" type="integer" max="2.14748E9" units="dev"/>
-        </inkml:traceFormat>
-        <inkml:channelProperties>
-          <inkml:channelProperty channel="X" name="resolution" value="39.7093" units="1/cm"/>
-          <inkml:channelProperty channel="Y" name="resolution" value="39.79275" units="1/cm"/>
-          <inkml:channelProperty channel="T" name="resolution" value="1" units="1/dev"/>
-        </inkml:channelProperties>
-      </inkml:inkSource>
-      <inkml:timestamp xml:id="ts0" timeString="2018-02-05T03:07:11.983"/>
-    </inkml:context>
-    <inkml:brush xml:id="br0">
-      <inkml:brushProperty name="width" value="0.2" units="cm"/>
-      <inkml:brushProperty name="height" value="0.4" units="cm"/>
-      <inkml:brushProperty name="color" value="#FFFF00"/>
-      <inkml:brushProperty name="tip" value="rectangle"/>
-      <inkml:brushProperty name="rasterOp" value="maskPen"/>
-      <inkml:brushProperty name="fitToCurve" value="1"/>
-    </inkml:brush>
-  </inkml:definitions>
-  <inkml:trace contextRef="#ctx0" brushRef="#br0">0 286 0,'41'0'94,"-1"0"-94,0 40 16,0-40-1,1 0-15,39 0 16,1 0 0,-41 0-1,1 0-15,-1 0 16,0 0-16,1 0 16,-1 0-16,0 0 15,41 0 1,-41 0-1,1 0-15,-1 0 16,0 0 0,1 0-16,-1 0 15,0 0-15,0 0 16,1 0-16,-1 0 16,0 0-16,1 0 15,-1 0-15,0 0 16,1 0-16,39 0 15,1 0-15,0 0 16,-1 0-16,-39 0 16,39 0-16,41 40 15,-40-40-15,-1 0 16,41 0 0,0 41-16,0-41 0,81 0 15,-41 0 1,-40 0-16,0 0 15,0 0-15,40 0 16,-40 0-16,40 0 16,1 0-16,80 0 15,-41 0-15,1 0 16,-1 0-16,-39 0 16,-41 40-16,0-40 15,0 0-15,80 0 16,-40 0-16,1 0 15,80 0-15,-81 0 16,40 40-16,1-40 16,-81 0-16,0 0 15,40 0-15,-80 0 16,80 0-16,41 0 16,-81 0-16,80 41 15,-40-41-15,1 0 16,39 0-16,-80 0 15,41 0-15,39 0 16,-40 0-16,1 0 16,-1 0-16,0 0 15,81 0 1,-40 0-16,40 0 16,-41 0-16,81 0 15,-40 0-15,0 0 16,40 0-16,-80 0 15,0 0-15,40 0 16,40 0-16,-40 0 16,161 0-16,-81 0 15,1 0-15,-1 0 16,1 0-16,0 0 16,-1 0-16,-80 0 15,40 0-15,-40 0 16,-40 0-16,-1 0 15,82 0-15,-122 0 16,81 0-16,0 0 16,0 0-16,-81 0 15,121-41-15,-80 41 16,80 0-16,-121 0 16,81 0-16,-40 0 15,-1 0-15,41 0 16,-40 0-16,-41 0 15,81 0-15,-41 0 16,-39 0 0,39 0-16,1 0 15,-1 0-15,1 0 16,0 0-16,-1 0 16,-40 0-16,81 0 15,-80 0-15,-1 0 16,0 0-16,0 0 15,41 0-15,0 0 16,-81 0-16,40 0 16,-81 0-16,41 0 15,0 0-15,41 0 16,-82 0-16,41 0 16,0 0-16,-40 0 15,-1 0-15,-39 0 16,-1 0-16,0 0 15,1 0 64,-41-40-48,0 0 16,-41-1-32,82 41 1,-41-40-16,-41 40 16,1 0-1,0 0 1,-1 0-16,-39-81 15,40 81-15,-1 0 16,1 0-16,-41 0 16,41-40-1,0 0-15,-1 40 16,-39 0-16,39 0 16,1 0-16,-41 0 15,1 0 1,39 0-16,1 0 15,0 0-15,-41 0 16,41-41-16,0 41 16,-41 0-16,0 0 15,41 0-15,0 0 16,-41 0-16,41 0 16,-1 0-1,1 0-15,-41 0 16,41 0-16,-41 0 15,41 0-15,-40 0 16,-1 0-16,41 0 16,-41-40-16,0 40 15,1 0-15,-1 0 16,0 0-16,-120 0 16,80 0-16,-40 0 15,-1 0-15,-80 0 16,41 0-16,-1 0 15,-80 0-15,0 0 16,-41 0-16,1 0 16,-1 0-16,122 0 15,-162 0-15,40 0 16,81 0-16,-40 40 16,0-40-16,-41 0 15,162 0-15,-121-40 16,80 40-16,-40 0 15,41 0-15,-41 0 16,40 0 0,-40 0-16,41 0 15,80 0-15,0 0 16,0-40-16,0 40 16,0 0-16,0 0 15,0 0-15,40 0 16,-80 0-16,40 0 15,41 0-15,-82 0 16,82 0-16,-41 0 16,0 0-16,0 0 15,-40 0-15,80 0 16,-40 0-16,0 0 16,0 0-16,0 0 15,-40 0-15,-41 0 16,81 0-16,-80 0 15,-1 0-15,41 0 16,-81 0-16,40 0 16,41 0-16,-81 0 15,81 0-15,80 0 16,-40 0-16,0 0 16,0-41-16,41 41 15,-41 0 1,40 0-16,1 0 15,-82 0-15,41 0 16,0 0-16,0 0 16,0 0-16,41 0 15,-41 0-15,40 0 16,-40 0-16,41 0 16,-1 0-16,0 0 15,-40 0-15,41 0 16,-41 0-16,0 0 15,0 0-15,0 0 16,-40 0-16,40 0 16,-40 0-16,40 0 15,-41 0-15,41 0 16,0 0-16,-40 0 16,40 0-16,-40 0 15,-81 0-15,81 0 16,40 0-16,-81 0 15,41 0-15,40 0 16,-40 0-16,40 0 16,40 0-16,-40 0 15,0 0 1,81 0-16,0 0 16,-41 0-16,41 0 15,-81 0-15,40 0 16,41 0-16,-41 0 15,41 0-15,-81 0 16,40 0-16,1 0 16,-1 0-16,0 0 15,1 0-15,-1 0 16,-40 0-16,0 0 16,81 0-16,-41 0 15,-40 0-15,41 0 16,-1 0-16,0 0 15,1 0-15,-41 0 16,40 0-16,41 0 16,-41 0-16,0 0 15,1 0-15,40 0 16,-1 0-16,1 0 16,-41 0-16,41 0 15,-41 0 1,41 0-16,0 0 15,-1 0-15,-39 0 32,39 0-17,-39 0-15,39 0 16,1 0-16,0 0 16,-41 0-16,1 0 15,39 0 1,1 0-16,-41 0 15,1 0-15,39 0 16,1 0-16,0 0 16,-1 0-1,-39 0 1,39 0-16,1 0 16,0 0-16,-41 0 15,41 0-15,-1 0 16,1 0-1,80 0 157,1 0-172,-1 0 16,0 0-16,41 0 16,0 0-16,-41 0 15,0 0-15,41 0 16,-41 0-16,41 0 15,-41 0-15,41 0 16,40 0-16,-41 0 16,1 0-16,0 0 15,80 0-15,-80 0 16,40 0-16,-41 0 16,41 0-16,0 0 15,0 0-15,0 0 16,0 0-16,40 0 15,-80 0-15,40 0 16,0 0-16,-41 0 16,41 0-16,0 0 15,0 0-15,0 0 16,0 0 0,-40 0-16,-1 0 15,1 0-15,0 0 16,-41 0-16,81 0 15,-40 0-15,-1 0 16,-39 0-16,39 0 16,1 41-16,0-41 15,-41 0-15,40 0 16,1 0-16,0 0 16,-1 0-16,-39 0 15,39 40-15,1-40 16,-41 0-16,41 0 15,-41 0-15,1 0 16,79 0-16,-39 0 16,0 0-16,-41 0 15,0 0-15,81 0 16,-40 40-16,0-40 16,-41 0-16,41 0 15,-1 0-15,1 0 16,-1 0-16,1 0 15,-41 0-15,41 0 16,0 0 0,-41 0-16,0 0 15,41 0-15,-41 0 16,1 0-16,-1 0 16,41 0-16,-41 0 15,0 0-15,1 0 16,-1 0-1,0 0-15,0 0 16,-40 41-16,41-41 16,39 0-1,-39 0 1,39 0-16,1 40 16,-41-40-1,1 0 1,-1 0-1,0 0-15,41 0 16,-41 0 0,1 0-1,39 0 1,-40 0 15,1 0-31,-1 0 16,0 40-1,41-40-15,-41 0 16,41 0-16,-41 0 16,41 0-16,40 0 15,-40 0-15,-41 0 16,41 0-16,-1 0 16,41 0-16,-40 0 15,40 0-15,-41 0 16,41 0-16,0 0 15,-40 0-15,80 0 16,-40 0-16,0 0 16,0 0-16,0 41 15,-40-41-15,-1 0 16,41 0-16,0 0 16,-40 0-16,40 0 15,0 0-15,0 0 16,0 0-16,-41 0 15,81 0-15,-80 0 16,40 0-16,0 0 16,0 0-16,-40 0 15,-1 0 1,1 0-16,0 0 16,-1 0-16,1 0 15,-1 0-15,41 0 16,-40 0-16,0 0 15,-41 0-15,41 0 16,-1 0-16,1 0 16,-1 0-16,-39 0 15,39 0-15,1 0 16,40 0-16,-40 0 16,-1 0-16,1 0 15,0 40-15,-1-40 16,1 0-16,-1 0 15,1 0-15,-41 0 16,41 0-16,0 0 16,40 0-16,-81 0 15,41 0-15,-41 0 16,41 0-16,-1 0 16,1 0-16,-1 0 15,-39 0-15,-1 0 16,41 0-16,-41 0 15,0 0 1,41 0-16,-41 0 16,41 0-1,0 0-15,-41 0 16,0 0 0,1 0-16,-1 0 15,0 0 16,0 40-31,1-40 16,-1 0 0</inkml:trace>
-</inkml:ink>
-</file>
-
-<file path=ppt/ink/ink5.xml><?xml version="1.0" encoding="utf-8"?>
-<inkml:ink xmlns:inkml="http://www.w3.org/2003/InkML">
-  <inkml:definitions>
-    <inkml:context xml:id="ctx0">
-      <inkml:inkSource xml:id="inkSrc0">
-        <inkml:traceFormat>
-          <inkml:channel name="X" type="integer" max="1366" units="cm"/>
-          <inkml:channel name="Y" type="integer" max="768" units="cm"/>
-          <inkml:channel name="T" type="integer" max="2.14748E9" units="dev"/>
-        </inkml:traceFormat>
-        <inkml:channelProperties>
-          <inkml:channelProperty channel="X" name="resolution" value="39.7093" units="1/cm"/>
-          <inkml:channelProperty channel="Y" name="resolution" value="39.79275" units="1/cm"/>
-          <inkml:channelProperty channel="T" name="resolution" value="1" units="1/dev"/>
-        </inkml:channelProperties>
-      </inkml:inkSource>
-      <inkml:timestamp xml:id="ts0" timeString="2018-02-04T18:11:23.364"/>
-    </inkml:context>
-    <inkml:brush xml:id="br0">
-      <inkml:brushProperty name="width" value="0.035" units="cm"/>
-      <inkml:brushProperty name="height" value="0.035" units="cm"/>
-      <inkml:brushProperty name="color" value="#ED1C24"/>
-      <inkml:brushProperty name="fitToCurve" value="1"/>
-    </inkml:brush>
-  </inkml:definitions>
-  <inkml:traceGroup>
-    <inkml:annotationXML>
-      <emma:emma xmlns:emma="http://www.w3.org/2003/04/emma" version="1.0">
-        <emma:interpretation id="{289C1EC2-D393-48A9-BF42-61D1BC88A12B}" emma:medium="tactile" emma:mode="ink">
-          <msink:context xmlns:msink="http://schemas.microsoft.com/ink/2010/main" type="inkDrawing" rotatedBoundingBox="6305,10979 14371,11341 14319,12494 6253,12132" hotPoints="15106,11790 10069,12203 5051,11605 10088,11192" semanticType="enclosure" shapeName="Ellipse"/>
-        </emma:interpretation>
-      </emma:emma>
-    </inkml:annotationXML>
-    <inkml:trace contextRef="#ctx0" brushRef="#br0">859 48 0,'0'-39'94,"-39"39"-78,0 0-1,0 0-15,0 0 16,0 0-16,-39 0 15,39 0 1,0 0-16,-40 0 16,40 0-16,0 0 15,0 0-15,0 0 16,0 39-16,0 0 16,0-39 15,0 0-16,0 39-15,39 0 16,-39-39 0,39 39-16,0 0 15,0 0 17,0 0-17,0 0 1,0 0-1,0 0-15,0 0 16,78 1 0,-78-1-16,39 0 15,0-39-15,0 39 0,0 0 32,0-39-17,0 39-15,-39 0 16,39-39-16,0 39 15,0-39-15,40 39 16,-40 0 0,0-39-16,39 0 0,-39 39 15,39 39 1,-39-78-16,0 0 16,39 0-16,-38 0 15,38 0-15,0 40 16,-39-40-16,39 39 15,0-39-15,-39 0 0,39 0 16,1 0-16,-1 0 16,39 0-16,0 0 15,0 0-15,1 0 16,-40 0-16,39 0 16,-39 0-16,39 0 31,-38 0-31,38 0 0,-39 39 15,39-39-15,-39 0 16,40 0 0,-1 0-16,0 0 15,-39 0-15,39 0 16,1 0-16,-1 0 16,0 0-16,0 0 0,1 0 15,-1 0-15,0 0 16,0 0-16,1 0 15,-1 0-15,0 0 16,0 0-16,0 0 16,1 0-16,-40 0 31,0 0-31,0 0 0,0 0 16,40 0-16,-1 0 15,0 0 1,-39 0-16,39 0 15,40 0-15,-40 0 16,0 0-16,0 0 16,1 0-16,-1 0 0,0 0 15,0 0-15,1 0 16,-1 0-16,0 0 16,-39 0-16,39 0 15,-38 0-15,-1 0 16,-39 0-16,0-39 15,39 39-15,-78-39 0,39-1 16,0 1-16,0 39 16,0-39-16,0 39 15,-39-78-15,0 39 32,0 0-32,0 0 31,0 0-16,-39 39 1,39-39-16,0 0 16,-39 39-16,39-39 15,-78 0 1,39 39 15,0 0-15,0-40-16,0 1 15,0 39-15,0 0 16,0-39-16,-1 0 16,-38 39-1,39-39 1,0 0-16,-39 39 16,39 0-16,-39-39 15,0 0-15,-1 39 16,-38 0-16,39 0 15,0 0-15,-39 0 16,39 0-16,-1 0 16,1 0-16,0 0 0,0-39 15,39 39-15,0 0 16,-39-39-16,-1 39 16,1 0-16,-39 0 15,39 0-15,0 0 16,-39 0-1,77 0-15,-77 0 0,0 0 16,0 0-16,39 0 16,-40 0-16,1 0 15,0 0-15,0 0 16,-40 0-16,1 0 16,39 0-16,-39 0 31,-1 0-31,1 0 0,39 0 15,-1 0-15,-38 0 16,39 0-16,0 0 16,-1 0-16,1 0 15,39 0-15,-39 0 16,0 0-16,38 0 16,-38 0-16,39 0 15,0 0-15,0 0 16,39 0-16,-79 0 15,40 0-15,39 0 16,-39 0-16,39 0 16,-39 0-16,0 0 31,39 0-31,0 0 0,-1 0 16,-38 0-16,0 0 15,39 0-15,0 0 16,-78 0-16,78 0 15,-39 0-15,-1 0 16,40 0-16,-39 0 16,39 0-1,0 0-15,0 0 16,39 39-16,-78-39 0,39 0 16,-39 0-1,38 0 1,1 0-16,0 0 15,0 0 1,0 0-16,0 0 16,-39 0-1,39 0 1,0 0-16,0 0 16,0 0-1,0 0 32</inkml:trace>
-  </inkml:traceGroup>
-</inkml:ink>
-</file>
-
-<file path=ppt/ink/ink50.xml><?xml version="1.0" encoding="utf-8"?>
-<inkml:ink xmlns:inkml="http://www.w3.org/2003/InkML">
-  <inkml:definitions>
-    <inkml:context xml:id="ctx0">
-      <inkml:inkSource xml:id="inkSrc0">
-        <inkml:traceFormat>
-          <inkml:channel name="X" type="integer" max="1366" units="cm"/>
-          <inkml:channel name="Y" type="integer" max="768" units="cm"/>
-          <inkml:channel name="T" type="integer" max="2.14748E9" units="dev"/>
-        </inkml:traceFormat>
-        <inkml:channelProperties>
-          <inkml:channelProperty channel="X" name="resolution" value="39.7093" units="1/cm"/>
-          <inkml:channelProperty channel="Y" name="resolution" value="39.79275" units="1/cm"/>
-          <inkml:channelProperty channel="T" name="resolution" value="1" units="1/dev"/>
-        </inkml:channelProperties>
-      </inkml:inkSource>
-      <inkml:timestamp xml:id="ts0" timeString="2018-02-05T03:07:13.543"/>
-    </inkml:context>
-    <inkml:brush xml:id="br0">
-      <inkml:brushProperty name="width" value="0.2" units="cm"/>
-      <inkml:brushProperty name="height" value="0.4" units="cm"/>
-      <inkml:brushProperty name="color" value="#FFFF00"/>
-      <inkml:brushProperty name="tip" value="rectangle"/>
-      <inkml:brushProperty name="rasterOp" value="maskPen"/>
-      <inkml:brushProperty name="fitToCurve" value="1"/>
-    </inkml:brush>
-  </inkml:definitions>
-  <inkml:trace contextRef="#ctx0" brushRef="#br0">0 34 0,'40'0'32,"41"0"-17,0 0-15,39 0 16,42 0-16,39 0 15,41 0-15,81 0 16,-122 0-16,41 0 16,-40 0-16,-81 0 15,0 0-15,-81 0 16,41 0-16,-41 0 16,41 0-1,-41 0 1,-40 41-1,40-41-15,1 0 16,-1 0 0,0 0-1,1 0 1,-1 0 0,0 0-1,1 0-15</inkml:trace>
-</inkml:ink>
-</file>
-
-<file path=ppt/ink/ink51.xml><?xml version="1.0" encoding="utf-8"?>
-<inkml:ink xmlns:inkml="http://www.w3.org/2003/InkML">
-  <inkml:definitions>
-    <inkml:context xml:id="ctx0">
-      <inkml:inkSource xml:id="inkSrc0">
-        <inkml:traceFormat>
-          <inkml:channel name="X" type="integer" max="2646" units="cm"/>
-          <inkml:channel name="Y" type="integer" max="768" units="cm"/>
-          <inkml:channel name="T" type="integer" max="2.14748E9" units="dev"/>
-        </inkml:traceFormat>
-        <inkml:channelProperties>
-          <inkml:channelProperty channel="X" name="resolution" value="76.9186" units="1/cm"/>
-          <inkml:channelProperty channel="Y" name="resolution" value="39.79275" units="1/cm"/>
-          <inkml:channelProperty channel="T" name="resolution" value="1" units="1/dev"/>
-        </inkml:channelProperties>
-      </inkml:inkSource>
-      <inkml:timestamp xml:id="ts0" timeString="2018-05-23T23:40:08.231"/>
-    </inkml:context>
-    <inkml:brush xml:id="br0">
-      <inkml:brushProperty name="width" value="0.05292" units="cm"/>
-      <inkml:brushProperty name="height" value="0.05292" units="cm"/>
-      <inkml:brushProperty name="color" value="#FF0000"/>
-    </inkml:brush>
-  </inkml:definitions>
-  <inkml:trace contextRef="#ctx0" brushRef="#br0">1966 14839 0,'40'0'94,"41"0"-78,-41 0-16,40 0 15,1686-40 485</inkml:trace>
-  <inkml:trace contextRef="#ctx0" brushRef="#br0" timeOffset="1734.646">2127 15079 0,'80'0'78,"-160"0"-78,240 0 0,-80 0 16,1 41-16,-1-41 15,40 0-15,1 0 16,39 0-16,-80 0 15,41 0-15,-41 0 16,0 0-16,41 0 16,-41 0-16,-40 0 15,40 0-15,-39 0 16,-1 0-16,40 0 16,-40 0-16,0 0 15,40 0-15,1 0 16,-1 0-16,-40 0 15,0 0-15,0 0 16,41 0-16,-81 40 16,80-40-16,0 0 15,-40 0 1,40 0-16,1 0 16,-1 0-16,40 0 15,-39 0-15,39 0 16,0 0-16,41 0 15,-41 0-15,1 0 16,-41 0-16,0 0 16,-40 0-16,40 0 15,1 0-15,-1 0 16,-40 0-16,40 0 16,1 0-16,-1 0 15,40 0-15,-80 0 16,41 0-16,-1 0 15,0 0-15,0 0 16,1 0-16,39 0 16,0 0-16,1 0 15,-1 0-15,41 0 16,-41 0-16,41-40 16,-41 40-16,0 0 15,-39 0 1,39 0-16,-40 0 15,0 0-15,1 0 0,-1 0 16,0 0 0,0 0-16,1-41 15,39 41-15,-40 0 16,41 0-16,-1 0 16,0 0-16,1 0 15,79 0-15,-39 0 16,-41 0-16,1 0 15,-1 0-15,41 0 16,-1 0-16,-40 0 16,41 0-16,0 0 15,79 0-15,-79 0 16,-1 0-16,81 0 16,-40 0-16,-1 0 15,41 0-15,-80 0 16,-1 0-16,1 0 15,-41 0-15,0 0 16,1 0-16,39 0 16,41 0-16,-41 0 15,41 0-15,40-40 16,-81 40-16,1 0 16,-1 0-16,1 0 15,80 0 1,-81 0-16,1 0 15,-1 0-15,1 0 16,-1-40-16,81 40 16,-81 0-16,41 0 15,0 0-15,-1 0 16,-39 0-16,79 0 16,-39-40-16,40 40 15,-41 0-15,1 0 16,0 0-16,-41 0 15,-39 0-15,39 0 16,-80 0-16,41 0 16,39 0-16,1 0 15,39 0-15,-39 0 16,80 0-16,-41 0 16,41 0-16,-40-40 15,39 0-15,-39 40 16,40 0-16,-41 0 15,41 0-15,-120-40 16,39 40-16,1-40 16,-1 40-16,1 0 15,39 0 1,-79 0-16,39 0 16,1 0-16,-1 0 15,1 0-15,-41 0 16,0 0-16,1 0 15,-1 0-15,1 0 16,-41 0-16,40 0 16,1 0-16,-1 0 15,40 0-15,1 0 16,-41 0-16,41-40 16,-41 40-16,41 0 15,-41 0-15,1 0 16,-1 0-16,0 0 15,1 0-15,-1 0 16,-40 0-16,1 0 16,39 0-16,-80 0 15,0 0-15,0 0 16</inkml:trace>
-  <inkml:trace contextRef="#ctx0" brushRef="#br0" timeOffset="4334.713">14967 13636 0,'-40'40'94,"0"0"-79,0 0-15,40 0 16,-40-40-16,40 80 15,-40-80-15,40 40 16,-41 1-16,41-1 16,0 0-1,0 0-15,0 0 16,0 0-16,0 40 31,0-40-31,0 0 16,0 1-1,0-1-15,0 0 16,0 0-16,0 0 16,0 0-16,0 0 15,0 0-15,0 0 16,0 1-16,0-1 31,0 0-15,41 0-16,-1 0 15,0 0 1,0 0 15,-40 0-31,40-40 16,0 40-16,0 0 16,0 1-1,1-1 1,-1-40-16,40 40 15,-40-40-15,40 40 16,1-40-16,39 0 16,-40 0-16,0 0 15,1 0 1,-1 0-16,0 0 16,41 0-16,-41 0 15,40 0-15,-40 0 16,1 0-16,-41-40 15,40 40-15,-40-40 16,0 0-16,0 40 16,1 0-16,-1-81 15,0 81-15,0-80 16,0 40 0,0 0-1,0 0-15,-40 0 16,40 0-16,-40 0 15,41-1-15,-1 1 16,-40 0-16,0 0 16,0 0-1,40 0-15,-40 0 16,0-40 0,0-1-1,40 81-15,-40-40 16,0-40-16,40 40 15,-40 0 1,0 0-16,0 0 16,0 0-16,0-1 15,0 1 1,0-40 0,0 40-1,0 0 1,0 0-1,0 0 1,-40 40-16,0-40 16,40-1-1,-40 1 1,0 40 0,-41 0-1,81-40-15,-40 40 16,0 0-1,0 0-15,0 0 16,0 0 0,-41 0-1,41 0-15,-40 0 16,0 0-16,0 0 16,-41 0-1,41 0-15,40 0 16,-40 0-16,39 0 15,1 0-15,-40 0 16,40 0-16,-40 0 16,-41 0-16,41 0 15,-40 0-15,39 0 16,1 0-16,0 0 16,0 0-16,-1 0 15,-39 0-15,40 0 16,0 0-16,39 0 15,1 0-15,0 0 16,0 0 0,0 0-1</inkml:trace>
-  <inkml:trace contextRef="#ctx0" brushRef="#br0" timeOffset="7126.984">2849 13957 0,'0'40'141,"0"0"-110,0 0-31,0 0 16,0 0-1,0 0 1,0 0-16,0 0 15,0 0 1,0 1 0,0-1-1,0 0 1,0 0 0,0 0-1,0 0 1,0 0 15,0 0-15,0 0-1,40-40 17,0 0 155,0 0-187,41 41 16,-1-41-16,0 0 15,-40 0-15,0 0 16,0 0-16,1 0 16</inkml:trace>
-  <inkml:trace contextRef="#ctx0" brushRef="#br0" timeOffset="9030.648">3009 13957 0,'81'0'62,"-1"0"-46,-40 0-16,40 0 16,1 0-16,-1 0 15,-40 0-15,0 0 16,0 0 15,0 0 16,-40-41-16,0 82 204,0 39-220,0-40 1,0 0-1,0 0-15,0 0 16,0 0 0,0 0-1,0 0-15,0 1 16,0-1 0,0 0-1,0 0 16,0 0 1,-40-40 30,0 40 48,40 0-110,-40-40 31,40 40-16,-40-40 32,40 40-31,-40-40 0,0 0 15,-1 0 16,1 0 0,0 0-32,0 0 1,0 0-1,0 0 1,0 0 0,0 0-1,-1 0 1,1 0 0,0 0 15,0 0 0,0 0 0</inkml:trace>
-</inkml:ink>
-</file>
-
-<file path=ppt/ink/ink52.xml><?xml version="1.0" encoding="utf-8"?>
-<inkml:ink xmlns:inkml="http://www.w3.org/2003/InkML">
-  <inkml:definitions>
-    <inkml:context xml:id="ctx0">
-      <inkml:inkSource xml:id="inkSrc0">
-        <inkml:traceFormat>
-          <inkml:channel name="X" type="integer" max="1366" units="cm"/>
-          <inkml:channel name="Y" type="integer" max="768" units="cm"/>
-          <inkml:channel name="T" type="integer" max="2.14748E9" units="dev"/>
-        </inkml:traceFormat>
-        <inkml:channelProperties>
-          <inkml:channelProperty channel="X" name="resolution" value="39.7093" units="1/cm"/>
-          <inkml:channelProperty channel="Y" name="resolution" value="39.79275" units="1/cm"/>
-          <inkml:channelProperty channel="T" name="resolution" value="1" units="1/dev"/>
-        </inkml:channelProperties>
-      </inkml:inkSource>
-      <inkml:timestamp xml:id="ts0" timeString="2018-02-05T02:31:33.311"/>
-    </inkml:context>
-    <inkml:brush xml:id="br0">
-      <inkml:brushProperty name="width" value="0.2" units="cm"/>
-      <inkml:brushProperty name="height" value="0.4" units="cm"/>
-      <inkml:brushProperty name="color" value="#FFFF00"/>
-      <inkml:brushProperty name="tip" value="rectangle"/>
-      <inkml:brushProperty name="rasterOp" value="maskPen"/>
-      <inkml:brushProperty name="fitToCurve" value="1"/>
-    </inkml:brush>
-  </inkml:definitions>
-  <inkml:trace contextRef="#ctx0" brushRef="#br0">0 1 0,'43'0'78,"43"172"-62,-86 0-1,43-172-15,43 0 16,-43 0-16,43 0 16,0 0-16,-1 173 15,1-173-15,43 0 16,-43 0-16,-43 0 16,43 0-16,43 0 15,-86 0-15,42 172 16,1 0-16,-43-172 15,43 0-15,0 172 16,-43-172-16,43 0 16,0 0-1,-1 0-15,1 0 16,0 0-16,0 173 16,0-173-16,0 0 15,-43 0-15,0 0 16,43 0-16,-44 0 15,1 0-15,43 0 16,0 0-16,0 0 16,0 172-16,0-172 15,0 0-15,-43 0 16,-1 0-16,1 0 16,43 0-16,-43 0 15,43 0-15,-43 0 16,43 0-16,0 0 15,-43 0-15,0 0 16,42 0-16,-42 0 16,0 0-16,0 0 15,43 0-15,-43 0 16,43 0 0,0 0-16,-43 0 15,0 0-15,43 0 16,-44 0-1,1 0-15,0 0 16,43 0-16,-43 0 16,0 0-16,43 0 15,-43 0-15,0 0 16,43 0-16,-43 0 16,0 0-16,-1 0 15,1 0-15,0 0 16,0 0-16,0 0 15,0 0-15,0 0 16,43 0-16,-43 0 16,0 0-16,43 0 15,-43 0-15,0 0 16,-1 0-16,1 0 16,0 0-16,0 0 15,0 0-15,43 0 16,-43 0-16,0 0 15,0 0-15,0 0 16,43 0-16,-43 0 16,0 0-1,-1 0-15,1 0 16,0 0 0,0 0-16,0 0 15,0 0 1,0 0-1,0 0-15,0 0 16,0 0-16,0 0 16,0 0-1,0 0 1,0 0 0,0 0-16,0 0 15,-1 0 1,1 0-1,0 0 1,0 0 0,43 0-1,-43 0 1,0 0 0,0 0-1,0 0 1,0 0 31,0 0-16,-43-172-15,43 172 15,0 0-16,0 0 1,-1 0 0,1 0 15,0 0-15,0 0 46</inkml:trace>
-</inkml:ink>
-</file>
-
-<file path=ppt/ink/ink53.xml><?xml version="1.0" encoding="utf-8"?>
-<inkml:ink xmlns:inkml="http://www.w3.org/2003/InkML">
-  <inkml:definitions>
-    <inkml:context xml:id="ctx0">
-      <inkml:inkSource xml:id="inkSrc0">
-        <inkml:traceFormat>
-          <inkml:channel name="X" type="integer" max="1366" units="cm"/>
-          <inkml:channel name="Y" type="integer" max="768" units="cm"/>
-          <inkml:channel name="T" type="integer" max="2.14748E9" units="dev"/>
-        </inkml:traceFormat>
-        <inkml:channelProperties>
-          <inkml:channelProperty channel="X" name="resolution" value="39.7093" units="1/cm"/>
-          <inkml:channelProperty channel="Y" name="resolution" value="39.79275" units="1/cm"/>
-          <inkml:channelProperty channel="T" name="resolution" value="1" units="1/dev"/>
-        </inkml:channelProperties>
-      </inkml:inkSource>
-      <inkml:timestamp xml:id="ts0" timeString="2018-02-05T02:31:43.159"/>
-    </inkml:context>
-    <inkml:brush xml:id="br0">
-      <inkml:brushProperty name="width" value="0.2" units="cm"/>
-      <inkml:brushProperty name="height" value="0.4" units="cm"/>
-      <inkml:brushProperty name="color" value="#FFFF00"/>
-      <inkml:brushProperty name="tip" value="rectangle"/>
-      <inkml:brushProperty name="rasterOp" value="maskPen"/>
-      <inkml:brushProperty name="fitToCurve" value="1"/>
-    </inkml:brush>
-  </inkml:definitions>
-  <inkml:trace contextRef="#ctx0" brushRef="#br0">0 9 0,'79'0'78,"-1"0"-78,0 0 16,0 0-16,78 0 16,-38 0-16,38 0 15,0 0-15,1 0 16,77 0-16,-39 0 16,-38 0-16,77 0 15,-78 0-15,1 0 16,38 0-16,-39 0 15,40 0-15,-40 0 16,40 0-16,-40 0 16,-39 0-16,39 0 15,-38 0-15,38 0 16,-39 0-16,0 0 16,40 0-16,77 0 15,-78 0-15,1 0 16,-40 0-16,78 0 15,1 0-15,-1 0 16,-39 39-16,40-39 16,-1 0-16,-38 0 15,-1 0 1,78 39-16,-38-39 16,-40 0-16,78 0 15,40 0-15,-79 0 16,-38 0-16,-1 0 15,-39 0-15,79 40 16,-40-1-16,0-39 16,1 0-16,38 0 15,-39 0-15,1 0 16,-40 0-16,39 0 16,-39 0-16,1 0 15,-1 0-15,0 0 16,0 0-16,0 0 15,1 0-15,38 0 16,-39 0-16,0 0 16,-38 0-16,38 0 15,-39 0-15,0 0 16,39 0-16,1 0 16,-1 0-16,0 0 15,-39 0-15,39 0 16,-38 0-16,-1 0 15,0 0-15,39 0 16,-78 0 0,39 0-16,-39 0 0,40 0 15,-40 0 1,39 0-16,-39 0 16,0 0-16,0 0 15,0 0-15,0 0 16,0 0-1,0 39 1,0-39 0,1 0 15,-1 0 78</inkml:trace>
-</inkml:ink>
-</file>
-
-<file path=ppt/ink/ink54.xml><?xml version="1.0" encoding="utf-8"?>
-<inkml:ink xmlns:inkml="http://www.w3.org/2003/InkML">
-  <inkml:definitions>
-    <inkml:context xml:id="ctx0">
-      <inkml:inkSource xml:id="inkSrc0">
-        <inkml:traceFormat>
-          <inkml:channel name="X" type="integer" max="1366" units="cm"/>
-          <inkml:channel name="Y" type="integer" max="768" units="cm"/>
-          <inkml:channel name="T" type="integer" max="2.14748E9" units="dev"/>
-        </inkml:traceFormat>
-        <inkml:channelProperties>
-          <inkml:channelProperty channel="X" name="resolution" value="39.7093" units="1/cm"/>
-          <inkml:channelProperty channel="Y" name="resolution" value="39.79275" units="1/cm"/>
-          <inkml:channelProperty channel="T" name="resolution" value="1" units="1/dev"/>
-        </inkml:channelProperties>
-      </inkml:inkSource>
-      <inkml:timestamp xml:id="ts0" timeString="2018-02-05T02:31:52.607"/>
-    </inkml:context>
-    <inkml:brush xml:id="br0">
-      <inkml:brushProperty name="width" value="0.2" units="cm"/>
-      <inkml:brushProperty name="height" value="0.4" units="cm"/>
-      <inkml:brushProperty name="color" value="#FFFF00"/>
-      <inkml:brushProperty name="tip" value="rectangle"/>
-      <inkml:brushProperty name="rasterOp" value="maskPen"/>
-      <inkml:brushProperty name="fitToCurve" value="1"/>
-    </inkml:brush>
-  </inkml:definitions>
-  <inkml:trace contextRef="#ctx0" brushRef="#br0">0 58 0,'39'0'94,"0"0"-79,39 0-15,1 0 16,-1 0-16,39 0 15,-39 0-15,78 0 16,-38 0-16,-1 0 16,39 0-16,-39 0 15,1 0-15,38 0 16,-78 0-16,39 0 16,1 0-16,-40 0 15,0 0-15,0 0 16,39 0-16,-39 0 15,40 0-15,-40 0 16,0 0 0,0 0-16,0 0 15,0 0-15,40 0 16,-40 0-16,0 0 16,0 0-16,0 0 15,39 0-15,-38 0 16,-1 0-16,39 0 15,-39 0-15,0 0 16,0 0-16,1 0 16,38 0-16,-39 0 15,0 0-15,39 0 16,1 0-16,-40 0 16,0 0-16,39 0 15,0 0-15,1 0 16,-40 0-16,39 0 15,-39 0-15,39 0 16,1 0-16,-1 0 16,-39 0-16,0 0 15,39 0-15,-38 0 16,38 0-16,0 0 16,0 0-16,0 0 15,40 0-15,-40 0 16,39 0-1,-38 0-15,-1 0 16,0 0-16,-39 0 16,39 0-16,1 0 15,-1 0-15,39 0 16,-39 0-16,1 0 16,-1 0-16,39 0 15,-39 0-15,1 0 16,-40 0-16,39 0 15,-39 0-15,0 0 16,0 0-16,1 0 16,-1 0-16,0 0 15,39 0-15,0 0 16,-38 0-16,-1 0 16,39 0-16,-39 0 15,0 0-15,0 0 16,1 0-16,38 0 15,0 0-15,0 0 16,0 0-16,-38 0 16,38 0-16,0 0 15,-39 0-15,0 0 16,1 0 0,-1 0-16,0 0 15,39 0-15,-39 0 16,0 0-16,1 0 15,-1 0-15,0 0 16,0 0-16,0 0 16,39 0-16,-38 0 15,-1 0-15,0 0 16,0 0-16,0 0 16,0 0-16,40 0 15,-79 0-15,39 0 16,0 0-16,0 0 15,0 0-15,39 0 16,-38 0-16,-1 0 16,0 0-16,0 0 15,0 0-15,0 0 16,1 0-16,-1 0 16,39 0-16,-78 0 15,39 0-15,0 0 16,0 0-16,1 0 15,-40 0-15,39 0 16,-39 0 0,0 0-16,0 0 15,0 0-15,39 0 16,-39 0 0,40 0-1,-40 0 1,0 0-16,0 0 15,0 0-15,0 0 16,39 0 0,-39 0-1,0 0-15,0 0 16,0 0-16,40 0 16,-40 0-1,39 0 1,-39 0-1,0 0 1,0 0-16,0 0 16,0 0-1,39 0 1,-39 0 0,0 0-1,1 0 1,-1 0-1,0 0 1,0 0 0,0 0-1,0 0 1,0 0 0,0 0-1,0 0 1,0 0-1,0 0-15,39 0 16,-38 0 0,-1 0-1,0 0-15,0 0 16,0 0-16,0 0 16,39 0-16,-39 0 15,0 0-15,0 0 16,0 0-16,0 0 15,1 0-15,38 0 16,-39 0-16,39 0 16,0 0-16,-39 0 15,39 0 1,-39 0 0,40 0-1,-40 0 1,0 0-16,0 0 15,0 0-15,39 0 16,-39 0-16,0 0 16,39 0-16,0 0 15,1 0 1,-1 0-16,-39 0 16,39 0-16,0 0 15,0 0-15,40 0 16,-40 0-16,0 0 15,0 0-15,0 39 16,0-39-16,40 0 16,-40 0-16,39 0 15,-39 0-15,0 0 16,0 0-16,1 0 16,77 0-16,-39 0 15,39 0-15,-77 0 16,38 0-16,-39 0 15,0 0-15,39 0 16,-39 0-16,1 0 16,-1 0-1,0 0-15,39 0 16,39 0-16,-38 0 16,-1 0-16,0 0 15,-39 0-15,0 0 16,40 0-16,-1 0 15,0 0-15,0 0 16,-38 0-16,38 0 16,-39 0-16,0 0 15,0 0-15,39 0 16,-38 0-16,-1 0 16,39 0-16,-39 0 15,0 0-15,-39 0 16,40 0-16,-40 0 15,78 0-15,-78 0 16,0 0-16,39 0 16,0 0-16,0 0 15,1 0-15,-40 0 16,39 0-16,-39 0 16,0 0-16,0 0 15,39 0-15,-39 0 16,0 0-1,0 0 1,1 0-16,-1 0 16,0 0-1,0 0-15,0 0 16,0 0 0,0 0-1,0 0 1,0 0 31,0 0 0</inkml:trace>
-</inkml:ink>
-</file>
-
-<file path=ppt/ink/ink55.xml><?xml version="1.0" encoding="utf-8"?>
-<inkml:ink xmlns:inkml="http://www.w3.org/2003/InkML">
-  <inkml:definitions>
-    <inkml:context xml:id="ctx0">
-      <inkml:inkSource xml:id="inkSrc0">
-        <inkml:traceFormat>
-          <inkml:channel name="X" type="integer" max="2646" units="cm"/>
-          <inkml:channel name="Y" type="integer" max="768" units="cm"/>
-          <inkml:channel name="T" type="integer" max="2.14748E9" units="dev"/>
-        </inkml:traceFormat>
-        <inkml:channelProperties>
-          <inkml:channelProperty channel="X" name="resolution" value="76.9186" units="1/cm"/>
-          <inkml:channelProperty channel="Y" name="resolution" value="39.79275" units="1/cm"/>
-          <inkml:channelProperty channel="T" name="resolution" value="1" units="1/dev"/>
-        </inkml:channelProperties>
-      </inkml:inkSource>
-      <inkml:timestamp xml:id="ts0" timeString="2018-05-23T23:48:35.407"/>
-    </inkml:context>
-    <inkml:brush xml:id="br0">
-      <inkml:brushProperty name="width" value="0.05292" units="cm"/>
-      <inkml:brushProperty name="height" value="0.05292" units="cm"/>
-      <inkml:brushProperty name="color" value="#FF0000"/>
-    </inkml:brush>
-  </inkml:definitions>
-  <inkml:trace contextRef="#ctx0" brushRef="#br0">3892 7700 0,'40'0'187,"1"0"-171,-1 0-16,40 0 16,-40 0-1,0 0 1,0 0-16,0 0 15,1 0 1,-1 0 0,0 0-1,0 0 17,0 0-17,40 0 1,-40 0-1,1 0-15,-1 0 16,0 0 0,0 0-1,0 0 1,0 0 0,0 0 15,0 0 0,1 0 0</inkml:trace>
-  <inkml:trace contextRef="#ctx0" brushRef="#br0" timeOffset="7072.791">3772 9064 0,'40'0'125,"40"0"-125,-40 0 16,41 0-16,-1 0 15,0 0-15,0 0 16,1 0-16,-1 0 15,0 0-15,0 0 16,1 0-16,-1 0 16,40 0-1,1 0-15,-41 0 16,40 0-16,-80 0 16,41 0-16,-41 0 15,40 0-15,-40 0 16,0 0-16,0 0 15,1 0 1</inkml:trace>
-  <inkml:trace contextRef="#ctx0" brushRef="#br0" timeOffset="8224.188">3852 10708 0,'40'0'63,"0"0"-48,41 0 1,-1 0-16,0 0 15,0 0-15,1 0 16,-1 0-16,0 0 16,0 0-16,1 0 15,-1 0-15,0 0 16,0 0-16,1 0 16,39 0-16,-40 0 15,1 0-15,-1 0 16,-40 0-16,0 0 15,0 0 1,0 0-16,0 0 16,1 0-1,-1 0 1</inkml:trace>
-  <inkml:trace contextRef="#ctx0" brushRef="#br0" timeOffset="8936.669">3772 12312 0,'80'0'62,"0"0"-62,1 0 16,79 40-16,-39-40 15,39 0-15,1 0 16,39 0-16,41 0 16,-81 0-16,-39 0 15,-1 0-15,1 0 16,-81 0-1,40 0-15,0 0 16,0 0-16,1 0 16</inkml:trace>
-  <inkml:trace contextRef="#ctx0" brushRef="#br0" timeOffset="10648.46">5858 10828 0,'81'0'156,"-41"0"-141,0 0 32,0 0 31,0 0 110,0 0-79,0 0-15</inkml:trace>
-  <inkml:trace contextRef="#ctx0" brushRef="#br0" timeOffset="11688.208">6661 12473 0,'40'0'62,"0"0"-46,0 0-16,0 0 15,1 0-15,-1 0 32</inkml:trace>
-  <inkml:trace contextRef="#ctx0" brushRef="#br0" timeOffset="13424.492">5738 9425 0,'40'0'62,"-40"-40"-15,40-1-31,0 1-1,-40 0 1,41 40-16,-1-40 15,-40 0 1,0-40 0,40 80-16,-40-40 15,0 0 1,0-1-16,0 1 31,40 40-31,-40-40 16,0 0-16,0 0 15,40 0 1,-40 0-16,40 0 16,-40 0-1,0 0 1,0-1 15,0 1-31,40 40 16,-40-40-1,0 0 1,0 0 15,0 0-15,0 0 31,0 0-32,0 0 17,-40 40-1,40-41-31,-40 41 16,0 0-1,0 0 1,0 0-1,0 0 1,-1 0-16,1 0 31,0 0-15,40 41 15,-40-41 0,40 40-31,-40-40 16,40 40-16,0 0 16,0 0-1,0 40-15,0-40 16,0 41 0,0-1-16,0 0 15,0-40-15,0 0 16,0 40-16,0-40 15,0 1-15,0-1 16,0 0 0</inkml:trace>
-  <inkml:trace contextRef="#ctx0" brushRef="#br0" timeOffset="14208.343">6621 8221 0,'-40'0'0,"0"41"47,40-1-31,0 40-1,0-40 1,0 40 0,0-40-16,0 0 15,0 1-15,0-1 16,0 0-16,0 0 15,0 0-15,0 0 16,40-40-16,-40 40 16,40 0-16,-40 0 15,40-40-15,0 0 16,-40 40-16,40-40 16,0 0-1,0 0 1,1 0-16,-82 0 62</inkml:trace>
-  <inkml:trace contextRef="#ctx0" brushRef="#br0" timeOffset="14856.745">4735 7780 0,'0'0'0,"40"0"0,40 0 16,1 0 0,-41 0 15</inkml:trace>
-</inkml:ink>
-</file>
-
-<file path=ppt/ink/ink56.xml><?xml version="1.0" encoding="utf-8"?>
-<inkml:ink xmlns:inkml="http://www.w3.org/2003/InkML">
-  <inkml:definitions>
-    <inkml:context xml:id="ctx0">
-      <inkml:inkSource xml:id="inkSrc0">
-        <inkml:traceFormat>
-          <inkml:channel name="X" type="integer" max="2646" units="cm"/>
-          <inkml:channel name="Y" type="integer" max="768" units="cm"/>
-          <inkml:channel name="T" type="integer" max="2.14748E9" units="dev"/>
-        </inkml:traceFormat>
-        <inkml:channelProperties>
-          <inkml:channelProperty channel="X" name="resolution" value="76.9186" units="1/cm"/>
-          <inkml:channelProperty channel="Y" name="resolution" value="39.79275" units="1/cm"/>
-          <inkml:channelProperty channel="T" name="resolution" value="1" units="1/dev"/>
-        </inkml:channelProperties>
-      </inkml:inkSource>
-      <inkml:timestamp xml:id="ts0" timeString="2018-05-23T23:49:01.575"/>
-    </inkml:context>
-    <inkml:brush xml:id="br0">
-      <inkml:brushProperty name="width" value="0.05292" units="cm"/>
-      <inkml:brushProperty name="height" value="0.05292" units="cm"/>
-      <inkml:brushProperty name="color" value="#FF0000"/>
-    </inkml:brush>
-  </inkml:definitions>
-  <inkml:trace contextRef="#ctx0" brushRef="#br0">3009 7820 0,'41'0'78,"-1"0"-78,40 0 16,0 0-16,41 0 15,-41 0-15,0 0 16,0 0-16,-39 0 16,39 0-1,0 0-15,0 0 16,1 0-16,-41 0 16,40 0-16,40 0 15,-39 0-15,-1 0 16,0 0-16,-40 0 15,0 0-15,81 0 16,-41 0-16,-40 0 16,40 0-16,-40 0 15,81 0-15,-41 0 16,0 0-16,1 0 16,-1 0-16,0 0 15,0 0-15,41 0 16,-1 0-16,41 0 15,-41 0-15,40 0 16,-79 0 0,39 0-16,41 0 15,-81 0-15,40 0 16,-40 0-16,1 0 16,-1 0-16,0 0 15,41 0-15,-1 0 16,0 0-16,1 0 15,79 0-15,1 0 16,0 0-16,39 0 16,-39 0-16,80 0 15,-80 0-15,39 0 16,-39 0-16,40 0 16,-41 0-16,41 0 15,-40 0-15,-1 0 16,41 0-16,-40 0 15,-81 0-15,1 0 16,-41 0-16,40 0 16,1 0-16,-81 0 15,0 0-15,0 0 16,0 0-16,0 0 16</inkml:trace>
-  <inkml:trace contextRef="#ctx0" brushRef="#br0" timeOffset="1152.111">3772 9425 0,'40'0'15,"40"0"1,81 0-16,-1 0 16,121 0-16,80 0 15,0 0-15,-40 0 16,81 0-16,-162 0 16,1 0-16,-120 0 15,-41 0-15,-40 0 16,0 0-16,0 40 47</inkml:trace>
-  <inkml:trace contextRef="#ctx0" brushRef="#br0" timeOffset="2807.667">3290 11390 0,'40'0'31,"1"0"-16,-1-40-15,40 40 16,-40 0-16,81 0 16,39 0-16,-40 0 15,1 0-15,120 0 16,-41 0-16,1 0 16,-1 0-16,-39 0 15,-1 0-15,81 0 16,-40 0-16,-1 0 15,41 0-15,-40 0 16,-41 0-16,81 0 16,-40 0-16,39-40 15,82 40-15,-1 0 16,40 0-16,-40 0 16,0 0-16,-40 0 15,40 0-15,0 0 16,0 0-16,-41 0 15,-79 0 1,40 0-16,-81 0 16,1 0-16,-41 0 15,41 0-15,-41 0 16,1 0-16,-1 0 16,0 0-16,1 0 15,-41 0-15,40 0 16,-39 0-16,79 0 15,-80 0-15,1 0 16,39-41-16,0 41 16,41 0-16,-1 0 15,-39 0-15,-1 0 16,0 0-16,1 0 16,-1 0-16,-40 0 15,41 0-15,-41 0 16,0 0-16,41 0 15,-1 0-15,0 0 16,41 0-16,-81 0 16,41 0-16,39 0 15,-39 0-15,-41 0 16,40 0 0,1 0-16,-41 0 15,0 0-15,40 0 16,1 0-16,-1 0 15,1 0-15,-1 0 16,0 0-16,1 0 16,-41 0-16,40 0 15,-39 0-15,-1 0 16,40 0-16,-40 0 16,1 0-16,-1 0 15,40 0-15,1 0 16,-1 0-16,0 0 15,41 0-15,-41 0 16,41 0-16,-1 0 16,41 0-16,0 0 15,-41 0-15,1 0 16,79 0-16,-79 0 16,40 0-16,-41 0 15,41 0-15,-1 0 16,1 0-16,-41 0 15,81 0-15,0 0 16,-40 0 0,-1 0-16,41 0 15,-40 0-15,-41 0 16,81 41-16,-121-41 16,41 0-16,-81 0 15,40 0-15,1 0 16,-41 0-16,-40 0 15,40 0-15</inkml:trace>
-  <inkml:trace contextRef="#ctx0" brushRef="#br0" timeOffset="12087.472">12760 10788 0,'0'-40'125,"0"0"-94,0 0-15,40 0 0,0 0-16,1-41 15,-1 41 1,0 0 0,0 40-1,-40-40-15,40 0 16,0 40-1,0-40-15,41 0 16,-1 40-16,-40-80 16,40 80-16,41-40 15,-41-1-15,-40 1 16,40 40-16,41-40 16,-81 40-16,80-40 15,-40 0-15,1 40 16,39 0-16,0-40 15,-39 40-15,79-40 16,-39 40-16,39-40 16,-40 40-16,1 0 15,39 0-15,1 0 16,-1 0-16,1 0 16,39 0-16,-119 0 15,79 0-15,41 0 16,-81 0-16,41 0 15,-41 0-15,0 0 16,41 0-16,-1 0 16,-39 0-16,-1 0 15,1 0-15,-1 0 16,40 0 0,-79 0-16,79 0 15,-39 0-15,-1 0 16,-40 0-16,41 0 15,-41 0-15,40 0 16,-39 0-16,-1 0 16,0 0-16,-40 0 15,0 0-15,0 0 16,1 0-16,-1 0 16,0 0-16,0 0 15,0 0 16,0 40-31,0 0 32,-40 0-17,40 0 1,1 0 0,-41 0-16,0 41 15,40-81-15,-40 40 16,0 0-16,40 0 15,-40 0 1,40 0-16,-40 0 0,0 0 16,0 0-1,0 0 1,0 1 0,0-1-16,0 0 15,0 0 16,0 0-15,0 0 0,40 0-16,-40 0 15,0 0 1,0 41 0,0-41-1,0 0-15,0 0 16,0 0-1,0 0 1,0 0 0,0 0-16,-80-40 15,80 40-15,-40-40 16,0 0-16,-41 81 16,41-81-16,-80 40 15,80-40 1,-41 40-16,1-40 15,-40 40-15,-1-40 16,1 0-16,0 0 16,-1 40-16,41-40 15,-80 0-15,39 0 16,1 0-16,-41 0 16,-39 0-16,-41 0 15,40 0-15,1 0 16,-41 0-16,40 0 15,-40 0-15,41 0 16,39 0-16,-79 0 16,39 0-16,-40-40 15,81 40-15,-81-40 16,40 40-16,-40 0 16,41-40-16,79 0 15,1 40-15,40 0 16,-41-40-16,41-1 15,40 41-15,0 0 16,-40-40-16,-1 0 16,41 40-16,-40 0 15,40 0-15,0-40 16,-81 0 0,81 0-16,-40 0 15,0 0-15,40 0 16,0 0-16,-1 40 15,1-41-15,0 1 16,-40 0 0,80 0-16,-40 0 15,-40 0 1,39-40 0,1 40-1,0 40-15,40-41 16,0 1-1,0 0 1,0 0 15,0 0 1,40 40 139,-40-40-171,40 40 16,1 0-16,-1-40 16,0 40-1,0 0 17,0 0-1,0 0 16,0 0-47,0 0 31,1-40-15,-1 40 15,0 0-31,0 0 31</inkml:trace>
-</inkml:ink>
-</file>
-
-<file path=ppt/ink/ink57.xml><?xml version="1.0" encoding="utf-8"?>
-<inkml:ink xmlns:inkml="http://www.w3.org/2003/InkML">
-  <inkml:definitions>
-    <inkml:context xml:id="ctx0">
-      <inkml:inkSource xml:id="inkSrc0">
-        <inkml:traceFormat>
-          <inkml:channel name="X" type="integer" max="2646" units="cm"/>
-          <inkml:channel name="Y" type="integer" max="768" units="cm"/>
-          <inkml:channel name="T" type="integer" max="2.14748E9" units="dev"/>
-        </inkml:traceFormat>
-        <inkml:channelProperties>
-          <inkml:channelProperty channel="X" name="resolution" value="76.9186" units="1/cm"/>
-          <inkml:channelProperty channel="Y" name="resolution" value="39.79275" units="1/cm"/>
-          <inkml:channelProperty channel="T" name="resolution" value="1" units="1/dev"/>
-        </inkml:channelProperties>
-      </inkml:inkSource>
-      <inkml:timestamp xml:id="ts0" timeString="2018-05-23T23:53:20.853"/>
-    </inkml:context>
-    <inkml:brush xml:id="br0">
-      <inkml:brushProperty name="width" value="0.05292" units="cm"/>
-      <inkml:brushProperty name="height" value="0.05292" units="cm"/>
-      <inkml:brushProperty name="color" value="#FF0000"/>
-    </inkml:brush>
-  </inkml:definitions>
-  <inkml:trace contextRef="#ctx0" brushRef="#br0">3290 7620 0,'40'0'94,"1"0"-79,-1 0-15,0 0 16,0 0-16,40 0 16,-40 0-1,41 0-15,-41 0 16,40 0 0,-40 0-1,0 0-15,0 0 16,41 0-16,-41 0 15,0 0-15,0 0 16,0 0-16,0 0 16,41 0-16,-1 0 15,-40 0-15,0 0 16,40 0-16,1 0 16,39 0-16,-80 0 15,0 0-15,0 0 16,41 0-16,-41 0 15,40 0-15,0 0 16,0 0 0,1 0-16,-1 0 0,0 0 15,0 0-15,1 0 16,39 0 0,-40 0-16,41 0 15,-41 0-15,0 0 16,-40 0-16,41 0 15,-41 0-15,80 0 16,-40 0-16,1 0 16,39 0-16,-40 0 15,0 0-15,1 0 16,-1 0-16,40 0 16,-39 0-16,-1 0 15,0 0-15,0 0 16,1 0-16,-1 0 15,40 0-15,1 0 16,-41 0-16,40 0 16,-39 0-16,-1 0 15,0 0-15,0 0 16,1 0-16,-1 0 16,40-40-16,-80 40 15,0 0-15,1 0 16,39 0-16,-40 0 15,0 0-15,40 0 16,-40 0 0,41 0-1,-41 0-15,0 0 16,40 0-16,0 0 16,1 0-16,-1 0 15,0 0-15,0 0 16,1 0-16,-41 0 15,40 0-15,-40 0 16,0 0-16,0 0 16,1 0-16,-1 0 15,40 0-15,-40 0 16,40 0-16,-40 0 16,81 0-16,-41 0 15,-40 0-15,0 0 16,81 0-16,-41 0 15,40 0-15,-39 0 16,-1 0-16,0 0 16,-40 0-16,41 0 15,-1 0-15,-40 0 16,0 0-16,40 0 16,-40 0-16,1 0 15,-1 0-15,40 0 16,-40 0-16,0 0 15,0 0 1</inkml:trace>
-  <inkml:trace contextRef="#ctx0" brushRef="#br0" timeOffset="5983.079">10032 7620 0,'0'0'16,"-41"0"15,1 0 16,40 40 0,0 0-16,0 0 0,40-40-15,1 0 15,-1 0 32,-40-40 77,0 0-93,0 0 62,0 0-46</inkml:trace>
-  <inkml:trace contextRef="#ctx0" brushRef="#br0" timeOffset="7687.5">3371 9104 0,'40'0'141,"40"0"-125,-40 0-16,40 0 15,-39 0 1,-1 0-16,0 0 15,-40 40-15,40-40 16,0 0-16,0 0 16,0 0-16,41 0 15,-41 0 1,0 0-16,40 0 16,-40 0-16,40 0 15,1 0 1,-1 0-16,0 0 15,41 0-15,-41 0 16,0 0-16,0 0 16,1 0-16,-1 0 15,0 0-15,0 0 16,1-80-16,-41 80 16,40-81-16,-40 81 15,0-80-15,40 0 16,-80 40-1,41 0-15,-1 40 16,-40-40-16,0 0 16,40 0-16,-40-1 15,0 1 1,0 0-16,0 0 16,0 0-1,0 0 1,0 0 15</inkml:trace>
-  <inkml:trace contextRef="#ctx0" brushRef="#br0" timeOffset="10327.939">2969 12513 0,'40'0'94,"1"0"-94,-1 0 15,80 0-15,-40 0 16,41 0-16,-1 0 15,1 0-15,-41 0 16,0 0-16,0 0 16,-40 0-16,41 0 15,-41 0-15,0 0 16,0 0 0,0 0-1,0 0 1,0 0-16,41 40 15,-41-40-15,40 0 16,-40 0-16,81 0 16,-81 0-16,0 0 15,0 0-15,40 0 16,0 0-16,-39 0 16,39 0-16,0 0 15,40 0-15,-39 0 16,-1 0-16,0 0 15,0 0-15,-39 0 16,-1 0-16,0 0 16,0 0-16,0 0 15,0 40 1,0-40-16,0 0 16,41 0-1,-41 0-15,0 0 16,40 0-16,0 0 15,41 0-15,-41 0 16,0 0-16,1 0 16,-1 0-16,0 0 15,0 0-15,1 0 16,39 0 0,-40 0-16,-40 0 15,0 0-15,41 0 16,-41 0-16,0 0 15,0 0-15,0 0 16,0 0-16,1 0 16,-1 0-1,0 0 1,0 0-16</inkml:trace>
-</inkml:ink>
-</file>
-
-<file path=ppt/ink/ink6.xml><?xml version="1.0" encoding="utf-8"?>
-<inkml:ink xmlns:inkml="http://www.w3.org/2003/InkML">
-  <inkml:definitions>
-    <inkml:context xml:id="ctx0">
-      <inkml:inkSource xml:id="inkSrc0">
-        <inkml:traceFormat>
-          <inkml:channel name="X" type="integer" max="1366" units="cm"/>
-          <inkml:channel name="Y" type="integer" max="768" units="cm"/>
-          <inkml:channel name="T" type="integer" max="2.14748E9" units="dev"/>
-        </inkml:traceFormat>
-        <inkml:channelProperties>
-          <inkml:channelProperty channel="X" name="resolution" value="39.7093" units="1/cm"/>
-          <inkml:channelProperty channel="Y" name="resolution" value="39.79275" units="1/cm"/>
-          <inkml:channelProperty channel="T" name="resolution" value="1" units="1/dev"/>
-        </inkml:channelProperties>
-      </inkml:inkSource>
-      <inkml:timestamp xml:id="ts0" timeString="2018-02-04T18:11:26.731"/>
-    </inkml:context>
-    <inkml:brush xml:id="br0">
-      <inkml:brushProperty name="width" value="0.035" units="cm"/>
-      <inkml:brushProperty name="height" value="0.035" units="cm"/>
-      <inkml:brushProperty name="color" value="#ED1C24"/>
-      <inkml:brushProperty name="fitToCurve" value="1"/>
-    </inkml:brush>
-  </inkml:definitions>
-  <inkml:traceGroup>
-    <inkml:annotationXML>
-      <emma:emma xmlns:emma="http://www.w3.org/2003/04/emma" version="1.0">
-        <emma:interpretation id="{7FB17CF9-5051-48FF-A64A-431954AA8273}" emma:medium="tactile" emma:mode="ink">
-          <msink:context xmlns:msink="http://schemas.microsoft.com/ink/2010/main" type="inkDrawing" rotatedBoundingBox="7056,11750 10697,11916 10653,12881 7012,12714" hotPoints="10472,12068 10364,12927 7461,12562 7569,11703" semanticType="enclosure" shapeName="Rectangle"/>
-        </emma:interpretation>
-      </emma:emma>
-    </inkml:annotationXML>
-    <inkml:trace contextRef="#ctx0" brushRef="#br0">1018 25 0,'-39'0'78,"0"0"-63,-39 0 1,39 0-16,0 0 16,-40 39-16,1 0 0,0-39 15,0 78 1,39-39-16,0-39 16,-39 39-16,-1 0 15,79 1 1,-39-40-16,-39 39 15,78 0 1,-39-39-16,0 39 16,0-39-1,39 39-15,0 0 32,0 0-1,0 0-31,0 0 15,0 0 1,39-39 0,0 39-16,-39 0 15,39-39-15,0 39 16,39-39-16,-38 40 16,-1-1-16,39-39 15,-39 0 1,39 0-16,-78 39 15,39-39-15,39 0 16,0 0-16,-39 0 16,1 0-16,38 0 31,39 0-31,-39 0 0,0 0 16,0 0-16,1 0 15,-1 0-15,0 0 16,-39 0-1,0 0-15,0 0 16,0 0-16,0 0 16,0 0-16,39 0 0,1 0 15,-1 0-15,0 0 16,-39 0-16,78 0 16,-39 0-1,-39 0-15,40 0 16,-40 0-16,0 0 31,0 0-31,0 0 0,0 0 16,39 0-16,0 0 15,-39 0-15,0 0 16,40 0 0,38 0-16,-78 0 15,39 0-15,-39 0 16,0 0-16,0 0 0,0 0 15,0 0-15,1 0 16,-1 0-16,39-39 16,-39 39-16,0-39 15,39 39-15,-78-40 16,0 1-16,39 39 16,-39-39-1,0 0-15,0 0 16,0 0-1,0 0-15,0 0 16,0 0 0,0 0 15,-39-39-15,39 39 15,-39 39 0,39-40-15,-39 40-16,39-39 15,-39 39-15,0-39 16,-39 39-16,39 0 16,-40 0-16,-38 0 15,78 0-15,-39-39 16,0 0-16,39 39 31,-118-39-31,118 39 16,0 0-16,-39 0 15,0 0-15,39-39 16,0 39-16,-39 0 16,-40 0-16,40 0 15,0 0-15,0-39 16,39 39-16,-39 0 0,0 0 15,38 0 1,-77 0-16,78 0 16,0 0-16,-39 0 15,0 0-15,0 0 16,-1 0-16,40 0 31,0 0-31,0 0 16,0 0-16,0 0 15,0 0-15,0 0 16,0 0-16,0 0 16,0 0-1,0 0 1,0 0-16,-1 0 31,1 0-15,0 0-1,0 0 251</inkml:trace>
-  </inkml:traceGroup>
-</inkml:ink>
-</file>
-
-<file path=ppt/ink/ink7.xml><?xml version="1.0" encoding="utf-8"?>
-<inkml:ink xmlns:inkml="http://www.w3.org/2003/InkML">
-  <inkml:definitions>
-    <inkml:context xml:id="ctx0">
-      <inkml:inkSource xml:id="inkSrc0">
-        <inkml:traceFormat>
-          <inkml:channel name="X" type="integer" max="1366" units="cm"/>
-          <inkml:channel name="Y" type="integer" max="768" units="cm"/>
-          <inkml:channel name="T" type="integer" max="2.14748E9" units="dev"/>
-        </inkml:traceFormat>
-        <inkml:channelProperties>
-          <inkml:channelProperty channel="X" name="resolution" value="39.7093" units="1/cm"/>
-          <inkml:channelProperty channel="Y" name="resolution" value="39.79275" units="1/cm"/>
-          <inkml:channelProperty channel="T" name="resolution" value="1" units="1/dev"/>
-        </inkml:channelProperties>
-      </inkml:inkSource>
-      <inkml:timestamp xml:id="ts0" timeString="2018-02-04T18:11:37.736"/>
-    </inkml:context>
-    <inkml:brush xml:id="br0">
-      <inkml:brushProperty name="width" value="0.035" units="cm"/>
-      <inkml:brushProperty name="height" value="0.035" units="cm"/>
-      <inkml:brushProperty name="color" value="#ED1C24"/>
-      <inkml:brushProperty name="fitToCurve" value="1"/>
-    </inkml:brush>
-  </inkml:definitions>
-  <inkml:traceGroup>
-    <inkml:annotationXML>
-      <emma:emma xmlns:emma="http://www.w3.org/2003/04/emma" version="1.0">
-        <emma:interpretation id="{4C6BEDFB-19CA-4B84-843B-099DF212C838}" emma:medium="tactile" emma:mode="ink">
-          <msink:context xmlns:msink="http://schemas.microsoft.com/ink/2010/main" type="inkDrawing" rotatedBoundingBox="8167,13317 18835,13468 18833,13611 8165,13460" shapeName="Other">
-            <msink:destinationLink direction="with" ref="{B7620F3C-CF55-4453-901D-12718E556992}"/>
-          </msink:context>
-        </emma:interpretation>
-      </emma:emma>
-    </inkml:annotationXML>
-    <inkml:trace contextRef="#ctx0" brushRef="#br0">0 0 0,'39'0'94,"39"0"-94,1 0 15,-1 0-15,39 0 16,0 0-16,0 0 16,1 39-16,-1-39 15,-39 0-15,0 0 16,0 0-16,1 0 0,-40 0 16,39 0-16,39 0 15,-39 0-15,0 0 16,0 0-16,1 0 15,-1 0-15,0 0 16,39 0-16,-39 0 31,0 0-31,1 0 16,-1 0-16,0 0 16,39 0-16,-39 0 15,40 0-15,-1 0 16,0 0-16,0 0 15,-39 0-15,40 0 16,-1 0-16,0 0 0,0-39 16,1 39-16,-1 0 15,-39 0-15,0 0 16,39 0-16,1 0 16,38 0-16,0 0 15,40 0-15,38 0 16,-78 0-16,-78 0 15,40 0-15,-1 0 16,0 0 0,0 0-16,-78 0 0,79 0 15,-1 0-15,0 0 16,0 39-16,1-39 31,-1 0-31,-39 0 0,0 0 16,0 0-16,0 0 15,1 0-15,38 0 16,0 0-16,0 0 16,1 0-16,-1 0 15,-39 0-15,39 0 16,0 39-16,-38-39 0,-1 0 16,39 0-1,-39 0-15,39 0 16,1 0-16,38 0 15,0 0-15,-39 0 16,118 0-16,-118 39 16,0-39-1,1 39-15,-40-39 16,39 0-16,0 0 16,0 39-16,1-39 15,-1 0-15,0 0 16,0 0-16,-39 0 15,1 0-15,-1 0 16,0 0-16,-39 0 0,0 0 31,0 0-15,0 0 15</inkml:trace>
-  </inkml:traceGroup>
-</inkml:ink>
-</file>
-
-<file path=ppt/ink/ink8.xml><?xml version="1.0" encoding="utf-8"?>
-<inkml:ink xmlns:inkml="http://www.w3.org/2003/InkML">
-  <inkml:definitions>
-    <inkml:context xml:id="ctx0">
-      <inkml:inkSource xml:id="inkSrc0">
-        <inkml:traceFormat>
-          <inkml:channel name="X" type="integer" max="1366" units="cm"/>
-          <inkml:channel name="Y" type="integer" max="768" units="cm"/>
-          <inkml:channel name="T" type="integer" max="2.14748E9" units="dev"/>
-        </inkml:traceFormat>
-        <inkml:channelProperties>
-          <inkml:channelProperty channel="X" name="resolution" value="39.7093" units="1/cm"/>
-          <inkml:channelProperty channel="Y" name="resolution" value="39.79275" units="1/cm"/>
-          <inkml:channelProperty channel="T" name="resolution" value="1" units="1/dev"/>
-        </inkml:channelProperties>
-      </inkml:inkSource>
-      <inkml:timestamp xml:id="ts0" timeString="2018-02-04T18:12:10.362"/>
-    </inkml:context>
-    <inkml:brush xml:id="br0">
-      <inkml:brushProperty name="width" value="0.035" units="cm"/>
-      <inkml:brushProperty name="height" value="0.035" units="cm"/>
-      <inkml:brushProperty name="color" value="#ED1C24"/>
-      <inkml:brushProperty name="fitToCurve" value="1"/>
-    </inkml:brush>
-  </inkml:definitions>
-  <inkml:traceGroup>
-    <inkml:annotationXML>
-      <emma:emma xmlns:emma="http://www.w3.org/2003/04/emma" version="1.0">
-        <emma:interpretation id="{B7620F3C-CF55-4453-901D-12718E556992}" emma:medium="tactile" emma:mode="ink">
-          <msink:context xmlns:msink="http://schemas.microsoft.com/ink/2010/main" type="inkDrawing" rotatedBoundingBox="14946,12542 14967,13246 14929,13248 14908,12543" semanticType="callout" shapeName="Other">
-            <msink:sourceLink direction="with" ref="{4C6BEDFB-19CA-4B84-843B-099DF212C838}"/>
-          </msink:context>
-        </emma:interpretation>
-      </emma:emma>
-    </inkml:annotationXML>
-    <inkml:trace contextRef="#ctx0" brushRef="#br0">5 0 0,'0'39'219,"0"0"-219,0 1 31,0-1-31,0 0 0,0 0 16,0 0 0,0 0-1,0 0 1,0 0 0,0 0-16,0 0 31,0 0 0,0 0-15,0 0-1,0 1 17,39-1 14,-39 0-14</inkml:trace>
-  </inkml:traceGroup>
-</inkml:ink>
-</file>
-
-<file path=ppt/ink/ink9.xml><?xml version="1.0" encoding="utf-8"?>
-<inkml:ink xmlns:inkml="http://www.w3.org/2003/InkML">
-  <inkml:definitions>
-    <inkml:context xml:id="ctx0">
-      <inkml:inkSource xml:id="inkSrc0">
-        <inkml:traceFormat>
-          <inkml:channel name="X" type="integer" max="2646" units="cm"/>
-          <inkml:channel name="Y" type="integer" max="768" units="cm"/>
-          <inkml:channel name="T" type="integer" max="2.14748E9" units="dev"/>
-        </inkml:traceFormat>
-        <inkml:channelProperties>
-          <inkml:channelProperty channel="X" name="resolution" value="76.9186" units="1/cm"/>
-          <inkml:channelProperty channel="Y" name="resolution" value="39.79275" units="1/cm"/>
-          <inkml:channelProperty channel="T" name="resolution" value="1" units="1/dev"/>
-        </inkml:channelProperties>
-      </inkml:inkSource>
-      <inkml:timestamp xml:id="ts0" timeString="2018-05-22T22:34:43.175"/>
-    </inkml:context>
-    <inkml:brush xml:id="br0">
-      <inkml:brushProperty name="width" value="0.05292" units="cm"/>
-      <inkml:brushProperty name="height" value="0.05292" units="cm"/>
-      <inkml:brushProperty name="color" value="#FF0000"/>
-    </inkml:brush>
-  </inkml:definitions>
-  <inkml:trace contextRef="#ctx0" brushRef="#br0">10473 13596 0,'40'0'0,"0"0"31,0 0-31,0 0 16,1 0-1,-1 0-15,0 0 16,0 0-16,40 0 16,-40 0-1,1 0-15,-1 0 16,80 0-16,-80 0 15,40 0-15,-39 0 16,39 0-16,-40 0 16,0 0-16,40 0 15,1 0-15,39 0 16,-40 0 0,0 0-16,1 0 15,-41 0-15,40 0 16,0 0-16,-40 0 15,1 0-15,-1 0 16,0 0 0</inkml:trace>
 </inkml:ink>
 </file>
 
@@ -2139,7 +502,7 @@
           <a:p>
             <a:fld id="{CA09C5C8-AAA4-4629-88F9-B849B5252C7B}" type="datetimeFigureOut">
               <a:rPr lang="en-US"/>
-              <a:t>1/12/2020</a:t>
+              <a:t>6/9/20</a:t>
             </a:fld>
             <a:endParaRPr lang="en-US"/>
           </a:p>
@@ -2919,7 +1282,7 @@
           <a:noFill/>
           <a:extLst>
             <a:ext uri="{909E8E84-426E-40dd-AFC4-6F175D3DCCD1}">
-              <a14:hiddenFill xmlns:a14="http://schemas.microsoft.com/office/drawing/2010/main" xmlns="">
+              <a14:hiddenFill xmlns="" xmlns:a14="http://schemas.microsoft.com/office/drawing/2010/main">
                 <a:solidFill>
                   <a:srgbClr val="FFFFFF"/>
                 </a:solidFill>
@@ -2979,7 +1342,7 @@
             </a:ln>
             <a:extLst>
               <a:ext uri="{91240B29-F687-4f45-9708-019B960494DF}">
-                <a14:hiddenLine xmlns:a14="http://schemas.microsoft.com/office/drawing/2010/main" xmlns="" w="9525">
+                <a14:hiddenLine xmlns="" xmlns:a14="http://schemas.microsoft.com/office/drawing/2010/main" w="9525">
                   <a:solidFill>
                     <a:srgbClr val="000000"/>
                   </a:solidFill>
@@ -3069,7 +1432,7 @@
             </a:ln>
             <a:extLst>
               <a:ext uri="{91240B29-F687-4f45-9708-019B960494DF}">
-                <a14:hiddenLine xmlns:a14="http://schemas.microsoft.com/office/drawing/2010/main" xmlns="" w="9525">
+                <a14:hiddenLine xmlns="" xmlns:a14="http://schemas.microsoft.com/office/drawing/2010/main" w="9525">
                   <a:solidFill>
                     <a:srgbClr val="000000"/>
                   </a:solidFill>
@@ -3159,7 +1522,7 @@
             </a:ln>
             <a:extLst>
               <a:ext uri="{91240B29-F687-4f45-9708-019B960494DF}">
-                <a14:hiddenLine xmlns:a14="http://schemas.microsoft.com/office/drawing/2010/main" xmlns="" w="9525">
+                <a14:hiddenLine xmlns="" xmlns:a14="http://schemas.microsoft.com/office/drawing/2010/main" w="9525">
                   <a:solidFill>
                     <a:srgbClr val="000000"/>
                   </a:solidFill>
@@ -3193,7 +1556,7 @@
             </a:ln>
             <a:extLst>
               <a:ext uri="{91240B29-F687-4f45-9708-019B960494DF}">
-                <a14:hiddenLine xmlns:a14="http://schemas.microsoft.com/office/drawing/2010/main" xmlns="" w="9525">
+                <a14:hiddenLine xmlns="" xmlns:a14="http://schemas.microsoft.com/office/drawing/2010/main" w="9525">
                   <a:solidFill>
                     <a:srgbClr val="000000"/>
                   </a:solidFill>
@@ -3283,7 +1646,7 @@
             </a:ln>
             <a:extLst>
               <a:ext uri="{91240B29-F687-4f45-9708-019B960494DF}">
-                <a14:hiddenLine xmlns:a14="http://schemas.microsoft.com/office/drawing/2010/main" xmlns="" w="9525">
+                <a14:hiddenLine xmlns="" xmlns:a14="http://schemas.microsoft.com/office/drawing/2010/main" w="9525">
                   <a:solidFill>
                     <a:srgbClr val="000000"/>
                   </a:solidFill>
@@ -3345,7 +1708,7 @@
             </a:ln>
             <a:extLst>
               <a:ext uri="{91240B29-F687-4f45-9708-019B960494DF}">
-                <a14:hiddenLine xmlns:a14="http://schemas.microsoft.com/office/drawing/2010/main" xmlns="" w="9525">
+                <a14:hiddenLine xmlns="" xmlns:a14="http://schemas.microsoft.com/office/drawing/2010/main" w="9525">
                   <a:solidFill>
                     <a:srgbClr val="000000"/>
                   </a:solidFill>
@@ -3407,7 +1770,7 @@
             </a:ln>
             <a:extLst>
               <a:ext uri="{91240B29-F687-4f45-9708-019B960494DF}">
-                <a14:hiddenLine xmlns:a14="http://schemas.microsoft.com/office/drawing/2010/main" xmlns="" w="9525">
+                <a14:hiddenLine xmlns="" xmlns:a14="http://schemas.microsoft.com/office/drawing/2010/main" w="9525">
                   <a:solidFill>
                     <a:srgbClr val="000000"/>
                   </a:solidFill>
@@ -3497,7 +1860,7 @@
             </a:ln>
             <a:extLst>
               <a:ext uri="{91240B29-F687-4f45-9708-019B960494DF}">
-                <a14:hiddenLine xmlns:a14="http://schemas.microsoft.com/office/drawing/2010/main" xmlns="" w="9525">
+                <a14:hiddenLine xmlns="" xmlns:a14="http://schemas.microsoft.com/office/drawing/2010/main" w="9525">
                   <a:solidFill>
                     <a:srgbClr val="000000"/>
                   </a:solidFill>
@@ -3559,7 +1922,7 @@
             </a:ln>
             <a:extLst>
               <a:ext uri="{91240B29-F687-4f45-9708-019B960494DF}">
-                <a14:hiddenLine xmlns:a14="http://schemas.microsoft.com/office/drawing/2010/main" xmlns="" w="9525">
+                <a14:hiddenLine xmlns="" xmlns:a14="http://schemas.microsoft.com/office/drawing/2010/main" w="9525">
                   <a:solidFill>
                     <a:srgbClr val="000000"/>
                   </a:solidFill>
@@ -3621,7 +1984,7 @@
             </a:ln>
             <a:extLst>
               <a:ext uri="{91240B29-F687-4f45-9708-019B960494DF}">
-                <a14:hiddenLine xmlns:a14="http://schemas.microsoft.com/office/drawing/2010/main" xmlns="" w="9525">
+                <a14:hiddenLine xmlns="" xmlns:a14="http://schemas.microsoft.com/office/drawing/2010/main" w="9525">
                   <a:solidFill>
                     <a:srgbClr val="000000"/>
                   </a:solidFill>
@@ -3711,7 +2074,7 @@
             </a:ln>
             <a:extLst>
               <a:ext uri="{91240B29-F687-4f45-9708-019B960494DF}">
-                <a14:hiddenLine xmlns:a14="http://schemas.microsoft.com/office/drawing/2010/main" xmlns="" w="9525">
+                <a14:hiddenLine xmlns="" xmlns:a14="http://schemas.microsoft.com/office/drawing/2010/main" w="9525">
                   <a:solidFill>
                     <a:srgbClr val="000000"/>
                   </a:solidFill>
@@ -3801,7 +2164,7 @@
             </a:ln>
             <a:extLst>
               <a:ext uri="{91240B29-F687-4f45-9708-019B960494DF}">
-                <a14:hiddenLine xmlns:a14="http://schemas.microsoft.com/office/drawing/2010/main" xmlns="" w="9525">
+                <a14:hiddenLine xmlns="" xmlns:a14="http://schemas.microsoft.com/office/drawing/2010/main" w="9525">
                   <a:solidFill>
                     <a:srgbClr val="000000"/>
                   </a:solidFill>
@@ -3863,7 +2226,7 @@
             </a:ln>
             <a:extLst>
               <a:ext uri="{91240B29-F687-4f45-9708-019B960494DF}">
-                <a14:hiddenLine xmlns:a14="http://schemas.microsoft.com/office/drawing/2010/main" xmlns="" w="9525">
+                <a14:hiddenLine xmlns="" xmlns:a14="http://schemas.microsoft.com/office/drawing/2010/main" w="9525">
                   <a:solidFill>
                     <a:srgbClr val="000000"/>
                   </a:solidFill>
@@ -3973,7 +2336,7 @@
             </a:ln>
             <a:extLst>
               <a:ext uri="{91240B29-F687-4f45-9708-019B960494DF}">
-                <a14:hiddenLine xmlns:a14="http://schemas.microsoft.com/office/drawing/2010/main" xmlns="" w="9525">
+                <a14:hiddenLine xmlns="" xmlns:a14="http://schemas.microsoft.com/office/drawing/2010/main" w="9525">
                   <a:solidFill>
                     <a:srgbClr val="000000"/>
                   </a:solidFill>
@@ -4035,7 +2398,7 @@
             </a:ln>
             <a:extLst>
               <a:ext uri="{91240B29-F687-4f45-9708-019B960494DF}">
-                <a14:hiddenLine xmlns:a14="http://schemas.microsoft.com/office/drawing/2010/main" xmlns="" w="9525">
+                <a14:hiddenLine xmlns="" xmlns:a14="http://schemas.microsoft.com/office/drawing/2010/main" w="9525">
                   <a:solidFill>
                     <a:srgbClr val="000000"/>
                   </a:solidFill>
@@ -4125,7 +2488,7 @@
             </a:ln>
             <a:extLst>
               <a:ext uri="{91240B29-F687-4f45-9708-019B960494DF}">
-                <a14:hiddenLine xmlns:a14="http://schemas.microsoft.com/office/drawing/2010/main" xmlns="" w="9525">
+                <a14:hiddenLine xmlns="" xmlns:a14="http://schemas.microsoft.com/office/drawing/2010/main" w="9525">
                   <a:solidFill>
                     <a:srgbClr val="000000"/>
                   </a:solidFill>
@@ -4215,7 +2578,7 @@
             </a:ln>
             <a:extLst>
               <a:ext uri="{91240B29-F687-4f45-9708-019B960494DF}">
-                <a14:hiddenLine xmlns:a14="http://schemas.microsoft.com/office/drawing/2010/main" xmlns="" w="9525">
+                <a14:hiddenLine xmlns="" xmlns:a14="http://schemas.microsoft.com/office/drawing/2010/main" w="9525">
                   <a:solidFill>
                     <a:srgbClr val="000000"/>
                   </a:solidFill>
@@ -4277,7 +2640,7 @@
             </a:ln>
             <a:extLst>
               <a:ext uri="{91240B29-F687-4f45-9708-019B960494DF}">
-                <a14:hiddenLine xmlns:a14="http://schemas.microsoft.com/office/drawing/2010/main" xmlns="" w="9525">
+                <a14:hiddenLine xmlns="" xmlns:a14="http://schemas.microsoft.com/office/drawing/2010/main" w="9525">
                   <a:solidFill>
                     <a:srgbClr val="000000"/>
                   </a:solidFill>
@@ -4367,7 +2730,7 @@
             </a:ln>
             <a:extLst>
               <a:ext uri="{91240B29-F687-4f45-9708-019B960494DF}">
-                <a14:hiddenLine xmlns:a14="http://schemas.microsoft.com/office/drawing/2010/main" xmlns="" w="9525">
+                <a14:hiddenLine xmlns="" xmlns:a14="http://schemas.microsoft.com/office/drawing/2010/main" w="9525">
                   <a:solidFill>
                     <a:srgbClr val="000000"/>
                   </a:solidFill>
@@ -4457,7 +2820,7 @@
             </a:ln>
             <a:extLst>
               <a:ext uri="{91240B29-F687-4f45-9708-019B960494DF}">
-                <a14:hiddenLine xmlns:a14="http://schemas.microsoft.com/office/drawing/2010/main" xmlns="" w="9525">
+                <a14:hiddenLine xmlns="" xmlns:a14="http://schemas.microsoft.com/office/drawing/2010/main" w="9525">
                   <a:solidFill>
                     <a:srgbClr val="000000"/>
                   </a:solidFill>
@@ -4513,7 +2876,7 @@
             </a:ln>
             <a:extLst>
               <a:ext uri="{91240B29-F687-4f45-9708-019B960494DF}">
-                <a14:hiddenLine xmlns:a14="http://schemas.microsoft.com/office/drawing/2010/main" xmlns="" w="9525">
+                <a14:hiddenLine xmlns="" xmlns:a14="http://schemas.microsoft.com/office/drawing/2010/main" w="9525">
                   <a:solidFill>
                     <a:srgbClr val="000000"/>
                   </a:solidFill>
@@ -4603,7 +2966,7 @@
             </a:ln>
             <a:extLst>
               <a:ext uri="{91240B29-F687-4f45-9708-019B960494DF}">
-                <a14:hiddenLine xmlns:a14="http://schemas.microsoft.com/office/drawing/2010/main" xmlns="" w="9525">
+                <a14:hiddenLine xmlns="" xmlns:a14="http://schemas.microsoft.com/office/drawing/2010/main" w="9525">
                   <a:solidFill>
                     <a:srgbClr val="000000"/>
                   </a:solidFill>
@@ -4659,7 +3022,7 @@
             </a:ln>
             <a:extLst>
               <a:ext uri="{91240B29-F687-4f45-9708-019B960494DF}">
-                <a14:hiddenLine xmlns:a14="http://schemas.microsoft.com/office/drawing/2010/main" xmlns="" w="9525">
+                <a14:hiddenLine xmlns="" xmlns:a14="http://schemas.microsoft.com/office/drawing/2010/main" w="9525">
                   <a:solidFill>
                     <a:srgbClr val="000000"/>
                   </a:solidFill>
@@ -4749,7 +3112,7 @@
             </a:ln>
             <a:extLst>
               <a:ext uri="{91240B29-F687-4f45-9708-019B960494DF}">
-                <a14:hiddenLine xmlns:a14="http://schemas.microsoft.com/office/drawing/2010/main" xmlns="" w="9525">
+                <a14:hiddenLine xmlns="" xmlns:a14="http://schemas.microsoft.com/office/drawing/2010/main" w="9525">
                   <a:solidFill>
                     <a:srgbClr val="000000"/>
                   </a:solidFill>
@@ -4817,7 +3180,7 @@
             </a:ln>
             <a:extLst>
               <a:ext uri="{91240B29-F687-4f45-9708-019B960494DF}">
-                <a14:hiddenLine xmlns:a14="http://schemas.microsoft.com/office/drawing/2010/main" xmlns="" w="9525">
+                <a14:hiddenLine xmlns="" xmlns:a14="http://schemas.microsoft.com/office/drawing/2010/main" w="9525">
                   <a:solidFill>
                     <a:srgbClr val="000000"/>
                   </a:solidFill>
@@ -4907,7 +3270,7 @@
             </a:ln>
             <a:extLst>
               <a:ext uri="{91240B29-F687-4f45-9708-019B960494DF}">
-                <a14:hiddenLine xmlns:a14="http://schemas.microsoft.com/office/drawing/2010/main" xmlns="" w="9525">
+                <a14:hiddenLine xmlns="" xmlns:a14="http://schemas.microsoft.com/office/drawing/2010/main" w="9525">
                   <a:solidFill>
                     <a:srgbClr val="000000"/>
                   </a:solidFill>
@@ -4975,7 +3338,7 @@
             </a:ln>
             <a:extLst>
               <a:ext uri="{91240B29-F687-4f45-9708-019B960494DF}">
-                <a14:hiddenLine xmlns:a14="http://schemas.microsoft.com/office/drawing/2010/main" xmlns="" w="9525">
+                <a14:hiddenLine xmlns="" xmlns:a14="http://schemas.microsoft.com/office/drawing/2010/main" w="9525">
                   <a:solidFill>
                     <a:srgbClr val="000000"/>
                   </a:solidFill>
@@ -5065,7 +3428,7 @@
             </a:ln>
             <a:extLst>
               <a:ext uri="{91240B29-F687-4f45-9708-019B960494DF}">
-                <a14:hiddenLine xmlns:a14="http://schemas.microsoft.com/office/drawing/2010/main" xmlns="" w="9525">
+                <a14:hiddenLine xmlns="" xmlns:a14="http://schemas.microsoft.com/office/drawing/2010/main" w="9525">
                   <a:solidFill>
                     <a:srgbClr val="000000"/>
                   </a:solidFill>
@@ -5099,7 +3462,7 @@
             </a:ln>
             <a:extLst>
               <a:ext uri="{91240B29-F687-4f45-9708-019B960494DF}">
-                <a14:hiddenLine xmlns:a14="http://schemas.microsoft.com/office/drawing/2010/main" xmlns="" w="9525">
+                <a14:hiddenLine xmlns="" xmlns:a14="http://schemas.microsoft.com/office/drawing/2010/main" w="9525">
                   <a:solidFill>
                     <a:srgbClr val="000000"/>
                   </a:solidFill>
@@ -5189,7 +3552,7 @@
             </a:ln>
             <a:extLst>
               <a:ext uri="{91240B29-F687-4f45-9708-019B960494DF}">
-                <a14:hiddenLine xmlns:a14="http://schemas.microsoft.com/office/drawing/2010/main" xmlns="" w="9525">
+                <a14:hiddenLine xmlns="" xmlns:a14="http://schemas.microsoft.com/office/drawing/2010/main" w="9525">
                   <a:solidFill>
                     <a:srgbClr val="000000"/>
                   </a:solidFill>
@@ -5251,7 +3614,7 @@
             </a:ln>
             <a:extLst>
               <a:ext uri="{91240B29-F687-4f45-9708-019B960494DF}">
-                <a14:hiddenLine xmlns:a14="http://schemas.microsoft.com/office/drawing/2010/main" xmlns="" w="9525">
+                <a14:hiddenLine xmlns="" xmlns:a14="http://schemas.microsoft.com/office/drawing/2010/main" w="9525">
                   <a:solidFill>
                     <a:srgbClr val="000000"/>
                   </a:solidFill>
@@ -5313,7 +3676,7 @@
             </a:ln>
             <a:extLst>
               <a:ext uri="{91240B29-F687-4f45-9708-019B960494DF}">
-                <a14:hiddenLine xmlns:a14="http://schemas.microsoft.com/office/drawing/2010/main" xmlns="" w="9525">
+                <a14:hiddenLine xmlns="" xmlns:a14="http://schemas.microsoft.com/office/drawing/2010/main" w="9525">
                   <a:solidFill>
                     <a:srgbClr val="000000"/>
                   </a:solidFill>
@@ -5403,7 +3766,7 @@
             </a:ln>
             <a:extLst>
               <a:ext uri="{91240B29-F687-4f45-9708-019B960494DF}">
-                <a14:hiddenLine xmlns:a14="http://schemas.microsoft.com/office/drawing/2010/main" xmlns="" w="9525">
+                <a14:hiddenLine xmlns="" xmlns:a14="http://schemas.microsoft.com/office/drawing/2010/main" w="9525">
                   <a:solidFill>
                     <a:srgbClr val="000000"/>
                   </a:solidFill>
@@ -5471,7 +3834,7 @@
             </a:ln>
             <a:extLst>
               <a:ext uri="{91240B29-F687-4f45-9708-019B960494DF}">
-                <a14:hiddenLine xmlns:a14="http://schemas.microsoft.com/office/drawing/2010/main" xmlns="" w="9525">
+                <a14:hiddenLine xmlns="" xmlns:a14="http://schemas.microsoft.com/office/drawing/2010/main" w="9525">
                   <a:solidFill>
                     <a:srgbClr val="000000"/>
                   </a:solidFill>
@@ -5533,7 +3896,7 @@
             </a:ln>
             <a:extLst>
               <a:ext uri="{91240B29-F687-4f45-9708-019B960494DF}">
-                <a14:hiddenLine xmlns:a14="http://schemas.microsoft.com/office/drawing/2010/main" xmlns="" w="9525">
+                <a14:hiddenLine xmlns="" xmlns:a14="http://schemas.microsoft.com/office/drawing/2010/main" w="9525">
                   <a:solidFill>
                     <a:srgbClr val="000000"/>
                   </a:solidFill>
@@ -5623,7 +3986,7 @@
             </a:ln>
             <a:extLst>
               <a:ext uri="{91240B29-F687-4f45-9708-019B960494DF}">
-                <a14:hiddenLine xmlns:a14="http://schemas.microsoft.com/office/drawing/2010/main" xmlns="" w="9525">
+                <a14:hiddenLine xmlns="" xmlns:a14="http://schemas.microsoft.com/office/drawing/2010/main" w="9525">
                   <a:solidFill>
                     <a:srgbClr val="000000"/>
                   </a:solidFill>
@@ -5685,7 +4048,7 @@
             </a:ln>
             <a:extLst>
               <a:ext uri="{91240B29-F687-4f45-9708-019B960494DF}">
-                <a14:hiddenLine xmlns:a14="http://schemas.microsoft.com/office/drawing/2010/main" xmlns="" w="9525">
+                <a14:hiddenLine xmlns="" xmlns:a14="http://schemas.microsoft.com/office/drawing/2010/main" w="9525">
                   <a:solidFill>
                     <a:srgbClr val="000000"/>
                   </a:solidFill>
@@ -5775,7 +4138,7 @@
             </a:ln>
             <a:extLst>
               <a:ext uri="{91240B29-F687-4f45-9708-019B960494DF}">
-                <a14:hiddenLine xmlns:a14="http://schemas.microsoft.com/office/drawing/2010/main" xmlns="" w="9525">
+                <a14:hiddenLine xmlns="" xmlns:a14="http://schemas.microsoft.com/office/drawing/2010/main" w="9525">
                   <a:solidFill>
                     <a:srgbClr val="000000"/>
                   </a:solidFill>
@@ -5837,7 +4200,7 @@
             </a:ln>
             <a:extLst>
               <a:ext uri="{91240B29-F687-4f45-9708-019B960494DF}">
-                <a14:hiddenLine xmlns:a14="http://schemas.microsoft.com/office/drawing/2010/main" xmlns="" w="9525">
+                <a14:hiddenLine xmlns="" xmlns:a14="http://schemas.microsoft.com/office/drawing/2010/main" w="9525">
                   <a:solidFill>
                     <a:srgbClr val="000000"/>
                   </a:solidFill>
@@ -5927,7 +4290,7 @@
             </a:ln>
             <a:extLst>
               <a:ext uri="{91240B29-F687-4f45-9708-019B960494DF}">
-                <a14:hiddenLine xmlns:a14="http://schemas.microsoft.com/office/drawing/2010/main" xmlns="" w="9525">
+                <a14:hiddenLine xmlns="" xmlns:a14="http://schemas.microsoft.com/office/drawing/2010/main" w="9525">
                   <a:solidFill>
                     <a:srgbClr val="000000"/>
                   </a:solidFill>
@@ -5961,7 +4324,7 @@
             </a:ln>
             <a:extLst>
               <a:ext uri="{91240B29-F687-4f45-9708-019B960494DF}">
-                <a14:hiddenLine xmlns:a14="http://schemas.microsoft.com/office/drawing/2010/main" xmlns="" w="9525">
+                <a14:hiddenLine xmlns="" xmlns:a14="http://schemas.microsoft.com/office/drawing/2010/main" w="9525">
                   <a:solidFill>
                     <a:srgbClr val="000000"/>
                   </a:solidFill>
@@ -6026,7 +4389,7 @@
             </a:ln>
             <a:extLst>
               <a:ext uri="{91240B29-F687-4f45-9708-019B960494DF}">
-                <a14:hiddenLine xmlns:a14="http://schemas.microsoft.com/office/drawing/2010/main" xmlns="" w="9525">
+                <a14:hiddenLine xmlns="" xmlns:a14="http://schemas.microsoft.com/office/drawing/2010/main" w="9525">
                   <a:solidFill>
                     <a:srgbClr val="000000"/>
                   </a:solidFill>
@@ -6116,7 +4479,7 @@
             </a:ln>
             <a:extLst>
               <a:ext uri="{91240B29-F687-4f45-9708-019B960494DF}">
-                <a14:hiddenLine xmlns:a14="http://schemas.microsoft.com/office/drawing/2010/main" xmlns="" w="9525">
+                <a14:hiddenLine xmlns="" xmlns:a14="http://schemas.microsoft.com/office/drawing/2010/main" w="9525">
                   <a:solidFill>
                     <a:srgbClr val="000000"/>
                   </a:solidFill>
@@ -6178,7 +4541,7 @@
             </a:ln>
             <a:extLst>
               <a:ext uri="{91240B29-F687-4f45-9708-019B960494DF}">
-                <a14:hiddenLine xmlns:a14="http://schemas.microsoft.com/office/drawing/2010/main" xmlns="" w="9525">
+                <a14:hiddenLine xmlns="" xmlns:a14="http://schemas.microsoft.com/office/drawing/2010/main" w="9525">
                   <a:solidFill>
                     <a:srgbClr val="000000"/>
                   </a:solidFill>
@@ -6268,7 +4631,7 @@
             </a:ln>
             <a:extLst>
               <a:ext uri="{91240B29-F687-4f45-9708-019B960494DF}">
-                <a14:hiddenLine xmlns:a14="http://schemas.microsoft.com/office/drawing/2010/main" xmlns="" w="9525">
+                <a14:hiddenLine xmlns="" xmlns:a14="http://schemas.microsoft.com/office/drawing/2010/main" w="9525">
                   <a:solidFill>
                     <a:srgbClr val="000000"/>
                   </a:solidFill>
@@ -6358,7 +4721,7 @@
             </a:ln>
             <a:extLst>
               <a:ext uri="{91240B29-F687-4f45-9708-019B960494DF}">
-                <a14:hiddenLine xmlns:a14="http://schemas.microsoft.com/office/drawing/2010/main" xmlns="" w="9525">
+                <a14:hiddenLine xmlns="" xmlns:a14="http://schemas.microsoft.com/office/drawing/2010/main" w="9525">
                   <a:solidFill>
                     <a:srgbClr val="000000"/>
                   </a:solidFill>
@@ -6423,7 +4786,7 @@
             </a:ln>
             <a:extLst>
               <a:ext uri="{91240B29-F687-4f45-9708-019B960494DF}">
-                <a14:hiddenLine xmlns:a14="http://schemas.microsoft.com/office/drawing/2010/main" xmlns="" w="9525">
+                <a14:hiddenLine xmlns="" xmlns:a14="http://schemas.microsoft.com/office/drawing/2010/main" w="9525">
                   <a:solidFill>
                     <a:srgbClr val="000000"/>
                   </a:solidFill>
@@ -6485,7 +4848,7 @@
             </a:ln>
             <a:extLst>
               <a:ext uri="{91240B29-F687-4f45-9708-019B960494DF}">
-                <a14:hiddenLine xmlns:a14="http://schemas.microsoft.com/office/drawing/2010/main" xmlns="" w="9525">
+                <a14:hiddenLine xmlns="" xmlns:a14="http://schemas.microsoft.com/office/drawing/2010/main" w="9525">
                   <a:solidFill>
                     <a:srgbClr val="000000"/>
                   </a:solidFill>
@@ -6575,7 +4938,7 @@
             </a:ln>
             <a:extLst>
               <a:ext uri="{91240B29-F687-4f45-9708-019B960494DF}">
-                <a14:hiddenLine xmlns:a14="http://schemas.microsoft.com/office/drawing/2010/main" xmlns="" w="9525">
+                <a14:hiddenLine xmlns="" xmlns:a14="http://schemas.microsoft.com/office/drawing/2010/main" w="9525">
                   <a:solidFill>
                     <a:srgbClr val="000000"/>
                   </a:solidFill>
@@ -6665,7 +5028,7 @@
             </a:ln>
             <a:extLst>
               <a:ext uri="{91240B29-F687-4f45-9708-019B960494DF}">
-                <a14:hiddenLine xmlns:a14="http://schemas.microsoft.com/office/drawing/2010/main" xmlns="" w="9525">
+                <a14:hiddenLine xmlns="" xmlns:a14="http://schemas.microsoft.com/office/drawing/2010/main" w="9525">
                   <a:solidFill>
                     <a:srgbClr val="000000"/>
                   </a:solidFill>
@@ -6727,7 +5090,7 @@
             </a:ln>
             <a:extLst>
               <a:ext uri="{91240B29-F687-4f45-9708-019B960494DF}">
-                <a14:hiddenLine xmlns:a14="http://schemas.microsoft.com/office/drawing/2010/main" xmlns="" w="9525">
+                <a14:hiddenLine xmlns="" xmlns:a14="http://schemas.microsoft.com/office/drawing/2010/main" w="9525">
                   <a:solidFill>
                     <a:srgbClr val="000000"/>
                   </a:solidFill>
@@ -6847,7 +5210,7 @@
             </a:ln>
             <a:extLst>
               <a:ext uri="{91240B29-F687-4f45-9708-019B960494DF}">
-                <a14:hiddenLine xmlns:a14="http://schemas.microsoft.com/office/drawing/2010/main" xmlns="" w="9525">
+                <a14:hiddenLine xmlns="" xmlns:a14="http://schemas.microsoft.com/office/drawing/2010/main" w="9525">
                   <a:solidFill>
                     <a:srgbClr val="000000"/>
                   </a:solidFill>
@@ -6915,7 +5278,7 @@
             </a:ln>
             <a:extLst>
               <a:ext uri="{91240B29-F687-4f45-9708-019B960494DF}">
-                <a14:hiddenLine xmlns:a14="http://schemas.microsoft.com/office/drawing/2010/main" xmlns="" w="9525">
+                <a14:hiddenLine xmlns="" xmlns:a14="http://schemas.microsoft.com/office/drawing/2010/main" w="9525">
                   <a:solidFill>
                     <a:srgbClr val="000000"/>
                   </a:solidFill>
@@ -7005,7 +5368,7 @@
             </a:ln>
             <a:extLst>
               <a:ext uri="{91240B29-F687-4f45-9708-019B960494DF}">
-                <a14:hiddenLine xmlns:a14="http://schemas.microsoft.com/office/drawing/2010/main" xmlns="" w="9525">
+                <a14:hiddenLine xmlns="" xmlns:a14="http://schemas.microsoft.com/office/drawing/2010/main" w="9525">
                   <a:solidFill>
                     <a:srgbClr val="000000"/>
                   </a:solidFill>
@@ -7143,7 +5506,7 @@
           <a:p>
             <a:fld id="{48A87A34-81AB-432B-8DAE-1953F412C126}" type="datetimeFigureOut">
               <a:rPr lang="en-US" dirty="0"/>
-              <a:t>1/12/2020</a:t>
+              <a:t>6/9/20</a:t>
             </a:fld>
             <a:endParaRPr lang="en-US"/>
           </a:p>
@@ -7403,7 +5766,7 @@
           <a:p>
             <a:fld id="{48A87A34-81AB-432B-8DAE-1953F412C126}" type="datetimeFigureOut">
               <a:rPr lang="en-US" dirty="0"/>
-              <a:t>1/12/2020</a:t>
+              <a:t>6/9/20</a:t>
             </a:fld>
             <a:endParaRPr lang="en-US"/>
           </a:p>
@@ -7593,7 +5956,7 @@
           <a:p>
             <a:fld id="{48A87A34-81AB-432B-8DAE-1953F412C126}" type="datetimeFigureOut">
               <a:rPr lang="en-US" dirty="0"/>
-              <a:t>1/12/2020</a:t>
+              <a:t>6/9/20</a:t>
             </a:fld>
             <a:endParaRPr lang="en-US"/>
           </a:p>
@@ -7850,7 +6213,7 @@
           <a:p>
             <a:fld id="{48A87A34-81AB-432B-8DAE-1953F412C126}" type="datetimeFigureOut">
               <a:rPr lang="en-US" dirty="0"/>
-              <a:t>1/12/2020</a:t>
+              <a:t>6/9/20</a:t>
             </a:fld>
             <a:endParaRPr lang="en-US"/>
           </a:p>
@@ -8278,7 +6641,7 @@
           <a:p>
             <a:fld id="{48A87A34-81AB-432B-8DAE-1953F412C126}" type="datetimeFigureOut">
               <a:rPr lang="en-US" dirty="0"/>
-              <a:t>1/12/2020</a:t>
+              <a:t>6/9/20</a:t>
             </a:fld>
             <a:endParaRPr lang="en-US"/>
           </a:p>
@@ -8818,7 +7181,7 @@
           <a:p>
             <a:fld id="{48A87A34-81AB-432B-8DAE-1953F412C126}" type="datetimeFigureOut">
               <a:rPr lang="en-US" dirty="0"/>
-              <a:t>1/12/2020</a:t>
+              <a:t>6/9/20</a:t>
             </a:fld>
             <a:endParaRPr lang="en-US"/>
           </a:p>
@@ -9529,7 +7892,7 @@
           <a:p>
             <a:fld id="{48A87A34-81AB-432B-8DAE-1953F412C126}" type="datetimeFigureOut">
               <a:rPr lang="en-US" dirty="0"/>
-              <a:t>1/12/2020</a:t>
+              <a:t>6/9/20</a:t>
             </a:fld>
             <a:endParaRPr lang="en-US"/>
           </a:p>
@@ -9692,7 +8055,7 @@
           <a:p>
             <a:fld id="{48A87A34-81AB-432B-8DAE-1953F412C126}" type="datetimeFigureOut">
               <a:rPr lang="en-US" dirty="0"/>
-              <a:t>1/12/2020</a:t>
+              <a:t>6/9/20</a:t>
             </a:fld>
             <a:endParaRPr lang="en-US"/>
           </a:p>
@@ -9865,7 +8228,7 @@
           <a:p>
             <a:fld id="{48A87A34-81AB-432B-8DAE-1953F412C126}" type="datetimeFigureOut">
               <a:rPr lang="en-US" dirty="0"/>
-              <a:t>1/12/2020</a:t>
+              <a:t>6/9/20</a:t>
             </a:fld>
             <a:endParaRPr lang="en-US"/>
           </a:p>
@@ -10028,7 +8391,7 @@
           <a:p>
             <a:fld id="{48A87A34-81AB-432B-8DAE-1953F412C126}" type="datetimeFigureOut">
               <a:rPr lang="en-US" dirty="0"/>
-              <a:t>1/12/2020</a:t>
+              <a:t>6/9/20</a:t>
             </a:fld>
             <a:endParaRPr lang="en-US"/>
           </a:p>
@@ -10272,7 +8635,7 @@
           <a:p>
             <a:fld id="{48A87A34-81AB-432B-8DAE-1953F412C126}" type="datetimeFigureOut">
               <a:rPr lang="en-US" dirty="0"/>
-              <a:t>1/12/2020</a:t>
+              <a:t>6/9/20</a:t>
             </a:fld>
             <a:endParaRPr lang="en-US"/>
           </a:p>
@@ -10496,7 +8859,7 @@
           <a:p>
             <a:fld id="{48A87A34-81AB-432B-8DAE-1953F412C126}" type="datetimeFigureOut">
               <a:rPr lang="en-US" dirty="0"/>
-              <a:t>1/12/2020</a:t>
+              <a:t>6/9/20</a:t>
             </a:fld>
             <a:endParaRPr lang="en-US"/>
           </a:p>
@@ -10869,7 +9232,7 @@
           <a:p>
             <a:fld id="{48A87A34-81AB-432B-8DAE-1953F412C126}" type="datetimeFigureOut">
               <a:rPr lang="en-US" dirty="0"/>
-              <a:t>1/12/2020</a:t>
+              <a:t>6/9/20</a:t>
             </a:fld>
             <a:endParaRPr lang="en-US"/>
           </a:p>
@@ -10981,7 +9344,7 @@
           <a:p>
             <a:fld id="{48A87A34-81AB-432B-8DAE-1953F412C126}" type="datetimeFigureOut">
               <a:rPr lang="en-US" dirty="0"/>
-              <a:t>1/12/2020</a:t>
+              <a:t>6/9/20</a:t>
             </a:fld>
             <a:endParaRPr lang="en-US"/>
           </a:p>
@@ -11071,7 +9434,7 @@
           <a:p>
             <a:fld id="{48A87A34-81AB-432B-8DAE-1953F412C126}" type="datetimeFigureOut">
               <a:rPr lang="en-US" dirty="0"/>
-              <a:t>1/12/2020</a:t>
+              <a:t>6/9/20</a:t>
             </a:fld>
             <a:endParaRPr lang="en-US"/>
           </a:p>
@@ -11313,7 +9676,7 @@
           <a:p>
             <a:fld id="{48A87A34-81AB-432B-8DAE-1953F412C126}" type="datetimeFigureOut">
               <a:rPr lang="en-US" dirty="0"/>
-              <a:t>1/12/2020</a:t>
+              <a:t>6/9/20</a:t>
             </a:fld>
             <a:endParaRPr lang="en-US"/>
           </a:p>
@@ -11586,7 +9949,7 @@
           <a:p>
             <a:fld id="{48A87A34-81AB-432B-8DAE-1953F412C126}" type="datetimeFigureOut">
               <a:rPr lang="en-US" dirty="0"/>
-              <a:t>1/12/2020</a:t>
+              <a:t>6/9/20</a:t>
             </a:fld>
             <a:endParaRPr lang="en-US"/>
           </a:p>
@@ -11697,7 +10060,7 @@
           <a:noFill/>
           <a:extLst>
             <a:ext uri="{909E8E84-426E-40dd-AFC4-6F175D3DCCD1}">
-              <a14:hiddenFill xmlns:a14="http://schemas.microsoft.com/office/drawing/2010/main" xmlns="">
+              <a14:hiddenFill xmlns="" xmlns:a14="http://schemas.microsoft.com/office/drawing/2010/main">
                 <a:solidFill>
                   <a:srgbClr val="FFFFFF"/>
                 </a:solidFill>
@@ -11771,7 +10134,7 @@
               </a:ln>
               <a:extLst>
                 <a:ext uri="{91240B29-F687-4f45-9708-019B960494DF}">
-                  <a14:hiddenLine xmlns:a14="http://schemas.microsoft.com/office/drawing/2010/main" xmlns="" w="9525">
+                  <a14:hiddenLine xmlns="" xmlns:a14="http://schemas.microsoft.com/office/drawing/2010/main" w="9525">
                     <a:solidFill>
                       <a:srgbClr val="000000"/>
                     </a:solidFill>
@@ -11861,7 +10224,7 @@
               </a:ln>
               <a:extLst>
                 <a:ext uri="{91240B29-F687-4f45-9708-019B960494DF}">
-                  <a14:hiddenLine xmlns:a14="http://schemas.microsoft.com/office/drawing/2010/main" xmlns="" w="9525">
+                  <a14:hiddenLine xmlns="" xmlns:a14="http://schemas.microsoft.com/office/drawing/2010/main" w="9525">
                     <a:solidFill>
                       <a:srgbClr val="000000"/>
                     </a:solidFill>
@@ -11951,7 +10314,7 @@
               </a:ln>
               <a:extLst>
                 <a:ext uri="{91240B29-F687-4f45-9708-019B960494DF}">
-                  <a14:hiddenLine xmlns:a14="http://schemas.microsoft.com/office/drawing/2010/main" xmlns="" w="9525">
+                  <a14:hiddenLine xmlns="" xmlns:a14="http://schemas.microsoft.com/office/drawing/2010/main" w="9525">
                     <a:solidFill>
                       <a:srgbClr val="000000"/>
                     </a:solidFill>
@@ -12013,7 +10376,7 @@
               </a:ln>
               <a:extLst>
                 <a:ext uri="{91240B29-F687-4f45-9708-019B960494DF}">
-                  <a14:hiddenLine xmlns:a14="http://schemas.microsoft.com/office/drawing/2010/main" xmlns="" w="9525">
+                  <a14:hiddenLine xmlns="" xmlns:a14="http://schemas.microsoft.com/office/drawing/2010/main" w="9525">
                     <a:solidFill>
                       <a:srgbClr val="000000"/>
                     </a:solidFill>
@@ -12103,7 +10466,7 @@
               </a:ln>
               <a:extLst>
                 <a:ext uri="{91240B29-F687-4f45-9708-019B960494DF}">
-                  <a14:hiddenLine xmlns:a14="http://schemas.microsoft.com/office/drawing/2010/main" xmlns="" w="9525">
+                  <a14:hiddenLine xmlns="" xmlns:a14="http://schemas.microsoft.com/office/drawing/2010/main" w="9525">
                     <a:solidFill>
                       <a:srgbClr val="000000"/>
                     </a:solidFill>
@@ -12165,7 +10528,7 @@
               </a:ln>
               <a:extLst>
                 <a:ext uri="{91240B29-F687-4f45-9708-019B960494DF}">
-                  <a14:hiddenLine xmlns:a14="http://schemas.microsoft.com/office/drawing/2010/main" xmlns="" w="9525">
+                  <a14:hiddenLine xmlns="" xmlns:a14="http://schemas.microsoft.com/office/drawing/2010/main" w="9525">
                     <a:solidFill>
                       <a:srgbClr val="000000"/>
                     </a:solidFill>
@@ -12227,7 +10590,7 @@
               </a:ln>
               <a:extLst>
                 <a:ext uri="{91240B29-F687-4f45-9708-019B960494DF}">
-                  <a14:hiddenLine xmlns:a14="http://schemas.microsoft.com/office/drawing/2010/main" xmlns="" w="9525">
+                  <a14:hiddenLine xmlns="" xmlns:a14="http://schemas.microsoft.com/office/drawing/2010/main" w="9525">
                     <a:solidFill>
                       <a:srgbClr val="000000"/>
                     </a:solidFill>
@@ -12317,7 +10680,7 @@
               </a:ln>
               <a:extLst>
                 <a:ext uri="{91240B29-F687-4f45-9708-019B960494DF}">
-                  <a14:hiddenLine xmlns:a14="http://schemas.microsoft.com/office/drawing/2010/main" xmlns="" w="9525">
+                  <a14:hiddenLine xmlns="" xmlns:a14="http://schemas.microsoft.com/office/drawing/2010/main" w="9525">
                     <a:solidFill>
                       <a:srgbClr val="000000"/>
                     </a:solidFill>
@@ -12407,7 +10770,7 @@
               </a:ln>
               <a:extLst>
                 <a:ext uri="{91240B29-F687-4f45-9708-019B960494DF}">
-                  <a14:hiddenLine xmlns:a14="http://schemas.microsoft.com/office/drawing/2010/main" xmlns="" w="9525">
+                  <a14:hiddenLine xmlns="" xmlns:a14="http://schemas.microsoft.com/office/drawing/2010/main" w="9525">
                     <a:solidFill>
                       <a:srgbClr val="000000"/>
                     </a:solidFill>
@@ -12469,7 +10832,7 @@
               </a:ln>
               <a:extLst>
                 <a:ext uri="{91240B29-F687-4f45-9708-019B960494DF}">
-                  <a14:hiddenLine xmlns:a14="http://schemas.microsoft.com/office/drawing/2010/main" xmlns="" w="9525">
+                  <a14:hiddenLine xmlns="" xmlns:a14="http://schemas.microsoft.com/office/drawing/2010/main" w="9525">
                     <a:solidFill>
                       <a:srgbClr val="000000"/>
                     </a:solidFill>
@@ -12579,7 +10942,7 @@
               </a:ln>
               <a:extLst>
                 <a:ext uri="{91240B29-F687-4f45-9708-019B960494DF}">
-                  <a14:hiddenLine xmlns:a14="http://schemas.microsoft.com/office/drawing/2010/main" xmlns="" w="9525">
+                  <a14:hiddenLine xmlns="" xmlns:a14="http://schemas.microsoft.com/office/drawing/2010/main" w="9525">
                     <a:solidFill>
                       <a:srgbClr val="000000"/>
                     </a:solidFill>
@@ -12663,7 +11026,7 @@
               </a:ln>
               <a:extLst>
                 <a:ext uri="{91240B29-F687-4f45-9708-019B960494DF}">
-                  <a14:hiddenLine xmlns:a14="http://schemas.microsoft.com/office/drawing/2010/main" xmlns="" w="9525">
+                  <a14:hiddenLine xmlns="" xmlns:a14="http://schemas.microsoft.com/office/drawing/2010/main" w="9525">
                     <a:solidFill>
                       <a:srgbClr val="000000"/>
                     </a:solidFill>
@@ -12725,7 +11088,7 @@
               </a:ln>
               <a:extLst>
                 <a:ext uri="{91240B29-F687-4f45-9708-019B960494DF}">
-                  <a14:hiddenLine xmlns:a14="http://schemas.microsoft.com/office/drawing/2010/main" xmlns="" w="9525">
+                  <a14:hiddenLine xmlns="" xmlns:a14="http://schemas.microsoft.com/office/drawing/2010/main" w="9525">
                     <a:solidFill>
                       <a:srgbClr val="000000"/>
                     </a:solidFill>
@@ -12787,7 +11150,7 @@
               </a:ln>
               <a:extLst>
                 <a:ext uri="{91240B29-F687-4f45-9708-019B960494DF}">
-                  <a14:hiddenLine xmlns:a14="http://schemas.microsoft.com/office/drawing/2010/main" xmlns="" w="9525">
+                  <a14:hiddenLine xmlns="" xmlns:a14="http://schemas.microsoft.com/office/drawing/2010/main" w="9525">
                     <a:solidFill>
                       <a:srgbClr val="000000"/>
                     </a:solidFill>
@@ -12877,7 +11240,7 @@
               </a:ln>
               <a:extLst>
                 <a:ext uri="{91240B29-F687-4f45-9708-019B960494DF}">
-                  <a14:hiddenLine xmlns:a14="http://schemas.microsoft.com/office/drawing/2010/main" xmlns="" w="9525">
+                  <a14:hiddenLine xmlns="" xmlns:a14="http://schemas.microsoft.com/office/drawing/2010/main" w="9525">
                     <a:solidFill>
                       <a:srgbClr val="000000"/>
                     </a:solidFill>
@@ -12911,7 +11274,7 @@
               </a:ln>
               <a:extLst>
                 <a:ext uri="{91240B29-F687-4f45-9708-019B960494DF}">
-                  <a14:hiddenLine xmlns:a14="http://schemas.microsoft.com/office/drawing/2010/main" xmlns="" w="9525">
+                  <a14:hiddenLine xmlns="" xmlns:a14="http://schemas.microsoft.com/office/drawing/2010/main" w="9525">
                     <a:solidFill>
                       <a:srgbClr val="000000"/>
                     </a:solidFill>
@@ -12976,7 +11339,7 @@
               </a:ln>
               <a:extLst>
                 <a:ext uri="{91240B29-F687-4f45-9708-019B960494DF}">
-                  <a14:hiddenLine xmlns:a14="http://schemas.microsoft.com/office/drawing/2010/main" xmlns="" w="9525">
+                  <a14:hiddenLine xmlns="" xmlns:a14="http://schemas.microsoft.com/office/drawing/2010/main" w="9525">
                     <a:solidFill>
                       <a:srgbClr val="000000"/>
                     </a:solidFill>
@@ -13066,7 +11429,7 @@
               </a:ln>
               <a:extLst>
                 <a:ext uri="{91240B29-F687-4f45-9708-019B960494DF}">
-                  <a14:hiddenLine xmlns:a14="http://schemas.microsoft.com/office/drawing/2010/main" xmlns="" w="9525">
+                  <a14:hiddenLine xmlns="" xmlns:a14="http://schemas.microsoft.com/office/drawing/2010/main" w="9525">
                     <a:solidFill>
                       <a:srgbClr val="000000"/>
                     </a:solidFill>
@@ -13128,7 +11491,7 @@
               </a:ln>
               <a:extLst>
                 <a:ext uri="{91240B29-F687-4f45-9708-019B960494DF}">
-                  <a14:hiddenLine xmlns:a14="http://schemas.microsoft.com/office/drawing/2010/main" xmlns="" w="9525">
+                  <a14:hiddenLine xmlns="" xmlns:a14="http://schemas.microsoft.com/office/drawing/2010/main" w="9525">
                     <a:solidFill>
                       <a:srgbClr val="000000"/>
                     </a:solidFill>
@@ -13218,7 +11581,7 @@
               </a:ln>
               <a:extLst>
                 <a:ext uri="{91240B29-F687-4f45-9708-019B960494DF}">
-                  <a14:hiddenLine xmlns:a14="http://schemas.microsoft.com/office/drawing/2010/main" xmlns="" w="9525">
+                  <a14:hiddenLine xmlns="" xmlns:a14="http://schemas.microsoft.com/office/drawing/2010/main" w="9525">
                     <a:solidFill>
                       <a:srgbClr val="000000"/>
                     </a:solidFill>
@@ -13283,7 +11646,7 @@
               </a:ln>
               <a:extLst>
                 <a:ext uri="{91240B29-F687-4f45-9708-019B960494DF}">
-                  <a14:hiddenLine xmlns:a14="http://schemas.microsoft.com/office/drawing/2010/main" xmlns="" w="9525">
+                  <a14:hiddenLine xmlns="" xmlns:a14="http://schemas.microsoft.com/office/drawing/2010/main" w="9525">
                     <a:solidFill>
                       <a:srgbClr val="000000"/>
                     </a:solidFill>
@@ -13345,7 +11708,7 @@
               </a:ln>
               <a:extLst>
                 <a:ext uri="{91240B29-F687-4f45-9708-019B960494DF}">
-                  <a14:hiddenLine xmlns:a14="http://schemas.microsoft.com/office/drawing/2010/main" xmlns="" w="9525">
+                  <a14:hiddenLine xmlns="" xmlns:a14="http://schemas.microsoft.com/office/drawing/2010/main" w="9525">
                     <a:solidFill>
                       <a:srgbClr val="000000"/>
                     </a:solidFill>
@@ -13435,7 +11798,7 @@
               </a:ln>
               <a:extLst>
                 <a:ext uri="{91240B29-F687-4f45-9708-019B960494DF}">
-                  <a14:hiddenLine xmlns:a14="http://schemas.microsoft.com/office/drawing/2010/main" xmlns="" w="9525">
+                  <a14:hiddenLine xmlns="" xmlns:a14="http://schemas.microsoft.com/office/drawing/2010/main" w="9525">
                     <a:solidFill>
                       <a:srgbClr val="000000"/>
                     </a:solidFill>
@@ -13525,7 +11888,7 @@
               </a:ln>
               <a:extLst>
                 <a:ext uri="{91240B29-F687-4f45-9708-019B960494DF}">
-                  <a14:hiddenLine xmlns:a14="http://schemas.microsoft.com/office/drawing/2010/main" xmlns="" w="9525">
+                  <a14:hiddenLine xmlns="" xmlns:a14="http://schemas.microsoft.com/office/drawing/2010/main" w="9525">
                     <a:solidFill>
                       <a:srgbClr val="000000"/>
                     </a:solidFill>
@@ -13590,7 +11953,7 @@
               </a:ln>
               <a:extLst>
                 <a:ext uri="{91240B29-F687-4f45-9708-019B960494DF}">
-                  <a14:hiddenLine xmlns:a14="http://schemas.microsoft.com/office/drawing/2010/main" xmlns="" w="9525">
+                  <a14:hiddenLine xmlns="" xmlns:a14="http://schemas.microsoft.com/office/drawing/2010/main" w="9525">
                     <a:solidFill>
                       <a:srgbClr val="000000"/>
                     </a:solidFill>
@@ -13710,7 +12073,7 @@
               </a:ln>
               <a:extLst>
                 <a:ext uri="{91240B29-F687-4f45-9708-019B960494DF}">
-                  <a14:hiddenLine xmlns:a14="http://schemas.microsoft.com/office/drawing/2010/main" xmlns="" w="9525">
+                  <a14:hiddenLine xmlns="" xmlns:a14="http://schemas.microsoft.com/office/drawing/2010/main" w="9525">
                     <a:solidFill>
                       <a:srgbClr val="000000"/>
                     </a:solidFill>
@@ -13808,7 +12171,7 @@
               </a:ln>
               <a:extLst>
                 <a:ext uri="{91240B29-F687-4f45-9708-019B960494DF}">
-                  <a14:hiddenLine xmlns:a14="http://schemas.microsoft.com/office/drawing/2010/main" xmlns="" w="9525">
+                  <a14:hiddenLine xmlns="" xmlns:a14="http://schemas.microsoft.com/office/drawing/2010/main" w="9525">
                     <a:solidFill>
                       <a:srgbClr val="000000"/>
                     </a:solidFill>
@@ -13923,7 +12286,7 @@
               </a:ln>
               <a:extLst>
                 <a:ext uri="{91240B29-F687-4f45-9708-019B960494DF}">
-                  <a14:hiddenLine xmlns:a14="http://schemas.microsoft.com/office/drawing/2010/main" xmlns="" w="9525">
+                  <a14:hiddenLine xmlns="" xmlns:a14="http://schemas.microsoft.com/office/drawing/2010/main" w="9525">
                     <a:solidFill>
                       <a:srgbClr val="000000"/>
                     </a:solidFill>
@@ -14013,7 +12376,7 @@
               </a:ln>
               <a:extLst>
                 <a:ext uri="{91240B29-F687-4f45-9708-019B960494DF}">
-                  <a14:hiddenLine xmlns:a14="http://schemas.microsoft.com/office/drawing/2010/main" xmlns="" w="9525">
+                  <a14:hiddenLine xmlns="" xmlns:a14="http://schemas.microsoft.com/office/drawing/2010/main" w="9525">
                     <a:solidFill>
                       <a:srgbClr val="000000"/>
                     </a:solidFill>
@@ -14078,7 +12441,7 @@
               </a:ln>
               <a:extLst>
                 <a:ext uri="{91240B29-F687-4f45-9708-019B960494DF}">
-                  <a14:hiddenLine xmlns:a14="http://schemas.microsoft.com/office/drawing/2010/main" xmlns="" w="9525">
+                  <a14:hiddenLine xmlns="" xmlns:a14="http://schemas.microsoft.com/office/drawing/2010/main" w="9525">
                     <a:solidFill>
                       <a:srgbClr val="000000"/>
                     </a:solidFill>
@@ -14168,7 +12531,7 @@
               </a:ln>
               <a:extLst>
                 <a:ext uri="{91240B29-F687-4f45-9708-019B960494DF}">
-                  <a14:hiddenLine xmlns:a14="http://schemas.microsoft.com/office/drawing/2010/main" xmlns="" w="9525">
+                  <a14:hiddenLine xmlns="" xmlns:a14="http://schemas.microsoft.com/office/drawing/2010/main" w="9525">
                     <a:solidFill>
                       <a:srgbClr val="000000"/>
                     </a:solidFill>
@@ -14236,7 +12599,7 @@
               </a:ln>
               <a:extLst>
                 <a:ext uri="{91240B29-F687-4f45-9708-019B960494DF}">
-                  <a14:hiddenLine xmlns:a14="http://schemas.microsoft.com/office/drawing/2010/main" xmlns="" w="9525">
+                  <a14:hiddenLine xmlns="" xmlns:a14="http://schemas.microsoft.com/office/drawing/2010/main" w="9525">
                     <a:solidFill>
                       <a:srgbClr val="000000"/>
                     </a:solidFill>
@@ -14326,7 +12689,7 @@
               </a:ln>
               <a:extLst>
                 <a:ext uri="{91240B29-F687-4f45-9708-019B960494DF}">
-                  <a14:hiddenLine xmlns:a14="http://schemas.microsoft.com/office/drawing/2010/main" xmlns="" w="9525">
+                  <a14:hiddenLine xmlns="" xmlns:a14="http://schemas.microsoft.com/office/drawing/2010/main" w="9525">
                     <a:solidFill>
                       <a:srgbClr val="000000"/>
                     </a:solidFill>
@@ -14394,7 +12757,7 @@
               </a:ln>
               <a:extLst>
                 <a:ext uri="{91240B29-F687-4f45-9708-019B960494DF}">
-                  <a14:hiddenLine xmlns:a14="http://schemas.microsoft.com/office/drawing/2010/main" xmlns="" w="9525">
+                  <a14:hiddenLine xmlns="" xmlns:a14="http://schemas.microsoft.com/office/drawing/2010/main" w="9525">
                     <a:solidFill>
                       <a:srgbClr val="000000"/>
                     </a:solidFill>
@@ -14484,7 +12847,7 @@
               </a:ln>
               <a:extLst>
                 <a:ext uri="{91240B29-F687-4f45-9708-019B960494DF}">
-                  <a14:hiddenLine xmlns:a14="http://schemas.microsoft.com/office/drawing/2010/main" xmlns="" w="9525">
+                  <a14:hiddenLine xmlns="" xmlns:a14="http://schemas.microsoft.com/office/drawing/2010/main" w="9525">
                     <a:solidFill>
                       <a:srgbClr val="000000"/>
                     </a:solidFill>
@@ -14518,7 +12881,7 @@
               </a:ln>
               <a:extLst>
                 <a:ext uri="{91240B29-F687-4f45-9708-019B960494DF}">
-                  <a14:hiddenLine xmlns:a14="http://schemas.microsoft.com/office/drawing/2010/main" xmlns="" w="9525">
+                  <a14:hiddenLine xmlns="" xmlns:a14="http://schemas.microsoft.com/office/drawing/2010/main" w="9525">
                     <a:solidFill>
                       <a:srgbClr val="000000"/>
                     </a:solidFill>
@@ -14658,7 +13021,7 @@
             <a:fld id="{48A87A34-81AB-432B-8DAE-1953F412C126}" type="datetimeFigureOut">
               <a:rPr lang="en-US" dirty="0"/>
               <a:pPr/>
-              <a:t>1/12/2020</a:t>
+              <a:t>6/9/20</a:t>
             </a:fld>
             <a:endParaRPr lang="en-US"/>
           </a:p>
@@ -15301,57 +13664,6 @@
           </a:extLst>
         </p:spPr>
       </p:pic>
-      <mc:AlternateContent xmlns:mc="http://schemas.openxmlformats.org/markup-compatibility/2006" xmlns:p14="http://schemas.microsoft.com/office/powerpoint/2010/main">
-        <mc:Choice Requires="p14">
-          <p:contentPart p14:bwMode="auto" r:id="rId4">
-            <p14:nvContentPartPr>
-              <p14:cNvPr id="4" name="Ink 3">
-                <a:extLst>
-                  <a:ext uri="{FF2B5EF4-FFF2-40B4-BE49-F238E27FC236}">
-                    <a16:creationId xmlns:a16="http://schemas.microsoft.com/office/drawing/2014/main" id="{E9DAF4A5-5FF4-455B-AF86-4F740057FE5A}"/>
-                  </a:ext>
-                </a:extLst>
-              </p14:cNvPr>
-              <p14:cNvContentPartPr/>
-              <p14:nvPr/>
-            </p14:nvContentPartPr>
-            <p14:xfrm>
-              <a:off x="1921320" y="4143600"/>
-              <a:ext cx="5735160" cy="1848600"/>
-            </p14:xfrm>
-          </p:contentPart>
-        </mc:Choice>
-        <mc:Fallback xmlns="">
-          <p:pic>
-            <p:nvPicPr>
-              <p:cNvPr id="4" name="Ink 3">
-                <a:extLst>
-                  <a:ext uri="{FF2B5EF4-FFF2-40B4-BE49-F238E27FC236}">
-                    <a16:creationId xmlns:a16="http://schemas.microsoft.com/office/drawing/2014/main" id="{E9DAF4A5-5FF4-455B-AF86-4F740057FE5A}"/>
-                  </a:ext>
-                </a:extLst>
-              </p:cNvPr>
-              <p:cNvPicPr/>
-              <p:nvPr/>
-            </p:nvPicPr>
-            <p:blipFill>
-              <a:blip r:embed="rId5"/>
-              <a:stretch>
-                <a:fillRect/>
-              </a:stretch>
-            </p:blipFill>
-            <p:spPr>
-              <a:xfrm>
-                <a:off x="1911960" y="4134240"/>
-                <a:ext cx="5753880" cy="1867320"/>
-              </a:xfrm>
-              <a:prstGeom prst="rect">
-                <a:avLst/>
-              </a:prstGeom>
-            </p:spPr>
-          </p:pic>
-        </mc:Fallback>
-      </mc:AlternateContent>
     </p:spTree>
     <p:extLst>
       <p:ext uri="{BB962C8B-B14F-4D97-AF65-F5344CB8AC3E}">
@@ -16164,414 +14476,6 @@
           </a:p>
         </p:txBody>
       </p:sp>
-      <mc:AlternateContent xmlns:mc="http://schemas.openxmlformats.org/markup-compatibility/2006" xmlns:p14="http://schemas.microsoft.com/office/powerpoint/2010/main">
-        <mc:Choice Requires="p14">
-          <p:contentPart p14:bwMode="auto" r:id="rId4">
-            <p14:nvContentPartPr>
-              <p14:cNvPr id="7" name="Ink 6">
-                <a:extLst>
-                  <a:ext uri="{FF2B5EF4-FFF2-40B4-BE49-F238E27FC236}">
-                    <a16:creationId xmlns:a16="http://schemas.microsoft.com/office/drawing/2014/main" id="{8F920824-A036-414F-9C13-32FBABEA3AB1}"/>
-                  </a:ext>
-                </a:extLst>
-              </p14:cNvPr>
-              <p14:cNvContentPartPr/>
-              <p14:nvPr/>
-            </p14:nvContentPartPr>
-            <p14:xfrm>
-              <a:off x="4724520" y="3675720"/>
-              <a:ext cx="1173960" cy="60480"/>
-            </p14:xfrm>
-          </p:contentPart>
-        </mc:Choice>
-        <mc:Fallback xmlns="">
-          <p:pic>
-            <p:nvPicPr>
-              <p:cNvPr id="7" name="Ink 6">
-                <a:extLst>
-                  <a:ext uri="{FF2B5EF4-FFF2-40B4-BE49-F238E27FC236}">
-                    <a16:creationId xmlns:a16="http://schemas.microsoft.com/office/drawing/2014/main" id="{8F920824-A036-414F-9C13-32FBABEA3AB1}"/>
-                  </a:ext>
-                </a:extLst>
-              </p:cNvPr>
-              <p:cNvPicPr/>
-              <p:nvPr/>
-            </p:nvPicPr>
-            <p:blipFill>
-              <a:blip r:embed="rId5"/>
-              <a:stretch>
-                <a:fillRect/>
-              </a:stretch>
-            </p:blipFill>
-            <p:spPr>
-              <a:xfrm>
-                <a:off x="4688520" y="3603720"/>
-                <a:ext cx="1245600" cy="204120"/>
-              </a:xfrm>
-              <a:prstGeom prst="rect">
-                <a:avLst/>
-              </a:prstGeom>
-            </p:spPr>
-          </p:pic>
-        </mc:Fallback>
-      </mc:AlternateContent>
-      <mc:AlternateContent xmlns:mc="http://schemas.openxmlformats.org/markup-compatibility/2006" xmlns:p14="http://schemas.microsoft.com/office/powerpoint/2010/main">
-        <mc:Choice Requires="p14">
-          <p:contentPart p14:bwMode="auto" r:id="rId6">
-            <p14:nvContentPartPr>
-              <p14:cNvPr id="8" name="Ink 7">
-                <a:extLst>
-                  <a:ext uri="{FF2B5EF4-FFF2-40B4-BE49-F238E27FC236}">
-                    <a16:creationId xmlns:a16="http://schemas.microsoft.com/office/drawing/2014/main" id="{9CD8C604-49E3-4FE7-865A-2C87790152B8}"/>
-                  </a:ext>
-                </a:extLst>
-              </p14:cNvPr>
-              <p14:cNvContentPartPr/>
-              <p14:nvPr/>
-            </p14:nvContentPartPr>
-            <p14:xfrm>
-              <a:off x="4782877" y="3738378"/>
-              <a:ext cx="1097640" cy="175680"/>
-            </p14:xfrm>
-          </p:contentPart>
-        </mc:Choice>
-        <mc:Fallback xmlns="">
-          <p:pic>
-            <p:nvPicPr>
-              <p:cNvPr id="8" name="Ink 7">
-                <a:extLst>
-                  <a:ext uri="{FF2B5EF4-FFF2-40B4-BE49-F238E27FC236}">
-                    <a16:creationId xmlns:a16="http://schemas.microsoft.com/office/drawing/2014/main" id="{9CD8C604-49E3-4FE7-865A-2C87790152B8}"/>
-                  </a:ext>
-                </a:extLst>
-              </p:cNvPr>
-              <p:cNvPicPr/>
-              <p:nvPr/>
-            </p:nvPicPr>
-            <p:blipFill>
-              <a:blip r:embed="rId7"/>
-              <a:stretch>
-                <a:fillRect/>
-              </a:stretch>
-            </p:blipFill>
-            <p:spPr>
-              <a:xfrm>
-                <a:off x="4746877" y="3666378"/>
-                <a:ext cx="1169280" cy="319320"/>
-              </a:xfrm>
-              <a:prstGeom prst="rect">
-                <a:avLst/>
-              </a:prstGeom>
-            </p:spPr>
-          </p:pic>
-        </mc:Fallback>
-      </mc:AlternateContent>
-      <mc:AlternateContent xmlns:mc="http://schemas.openxmlformats.org/markup-compatibility/2006" xmlns:p14="http://schemas.microsoft.com/office/powerpoint/2010/main">
-        <mc:Choice Requires="p14">
-          <p:contentPart p14:bwMode="auto" r:id="rId8">
-            <p14:nvContentPartPr>
-              <p14:cNvPr id="9" name="Ink 8">
-                <a:extLst>
-                  <a:ext uri="{FF2B5EF4-FFF2-40B4-BE49-F238E27FC236}">
-                    <a16:creationId xmlns:a16="http://schemas.microsoft.com/office/drawing/2014/main" id="{69FAE7E0-A5E6-4475-96EB-832D930F9054}"/>
-                  </a:ext>
-                </a:extLst>
-              </p14:cNvPr>
-              <p14:cNvContentPartPr/>
-              <p14:nvPr/>
-            </p14:nvContentPartPr>
-            <p14:xfrm>
-              <a:off x="4754797" y="3840618"/>
-              <a:ext cx="1069560" cy="144720"/>
-            </p14:xfrm>
-          </p:contentPart>
-        </mc:Choice>
-        <mc:Fallback xmlns="">
-          <p:pic>
-            <p:nvPicPr>
-              <p:cNvPr id="9" name="Ink 8">
-                <a:extLst>
-                  <a:ext uri="{FF2B5EF4-FFF2-40B4-BE49-F238E27FC236}">
-                    <a16:creationId xmlns:a16="http://schemas.microsoft.com/office/drawing/2014/main" id="{69FAE7E0-A5E6-4475-96EB-832D930F9054}"/>
-                  </a:ext>
-                </a:extLst>
-              </p:cNvPr>
-              <p:cNvPicPr/>
-              <p:nvPr/>
-            </p:nvPicPr>
-            <p:blipFill>
-              <a:blip r:embed="rId9"/>
-              <a:stretch>
-                <a:fillRect/>
-              </a:stretch>
-            </p:blipFill>
-            <p:spPr>
-              <a:xfrm>
-                <a:off x="4718797" y="3768618"/>
-                <a:ext cx="1141200" cy="288360"/>
-              </a:xfrm>
-              <a:prstGeom prst="rect">
-                <a:avLst/>
-              </a:prstGeom>
-            </p:spPr>
-          </p:pic>
-        </mc:Fallback>
-      </mc:AlternateContent>
-      <mc:AlternateContent xmlns:mc="http://schemas.openxmlformats.org/markup-compatibility/2006" xmlns:p14="http://schemas.microsoft.com/office/powerpoint/2010/main">
-        <mc:Choice Requires="p14">
-          <p:contentPart p14:bwMode="auto" r:id="rId10">
-            <p14:nvContentPartPr>
-              <p14:cNvPr id="10" name="Ink 9">
-                <a:extLst>
-                  <a:ext uri="{FF2B5EF4-FFF2-40B4-BE49-F238E27FC236}">
-                    <a16:creationId xmlns:a16="http://schemas.microsoft.com/office/drawing/2014/main" id="{6A3E8F80-86DC-4BE3-994A-146C3FD19420}"/>
-                  </a:ext>
-                </a:extLst>
-              </p14:cNvPr>
-              <p14:cNvContentPartPr/>
-              <p14:nvPr/>
-            </p14:nvContentPartPr>
-            <p14:xfrm>
-              <a:off x="5064397" y="4811178"/>
-              <a:ext cx="619200" cy="360"/>
-            </p14:xfrm>
-          </p:contentPart>
-        </mc:Choice>
-        <mc:Fallback xmlns="">
-          <p:pic>
-            <p:nvPicPr>
-              <p:cNvPr id="10" name="Ink 9">
-                <a:extLst>
-                  <a:ext uri="{FF2B5EF4-FFF2-40B4-BE49-F238E27FC236}">
-                    <a16:creationId xmlns:a16="http://schemas.microsoft.com/office/drawing/2014/main" id="{6A3E8F80-86DC-4BE3-994A-146C3FD19420}"/>
-                  </a:ext>
-                </a:extLst>
-              </p:cNvPr>
-              <p:cNvPicPr/>
-              <p:nvPr/>
-            </p:nvPicPr>
-            <p:blipFill>
-              <a:blip r:embed="rId11"/>
-              <a:stretch>
-                <a:fillRect/>
-              </a:stretch>
-            </p:blipFill>
-            <p:spPr>
-              <a:xfrm>
-                <a:off x="5028397" y="4739178"/>
-                <a:ext cx="690840" cy="144000"/>
-              </a:xfrm>
-              <a:prstGeom prst="rect">
-                <a:avLst/>
-              </a:prstGeom>
-            </p:spPr>
-          </p:pic>
-        </mc:Fallback>
-      </mc:AlternateContent>
-      <mc:AlternateContent xmlns:mc="http://schemas.openxmlformats.org/markup-compatibility/2006" xmlns:p14="http://schemas.microsoft.com/office/powerpoint/2010/main">
-        <mc:Choice Requires="p14">
-          <p:contentPart p14:bwMode="auto" r:id="rId12">
-            <p14:nvContentPartPr>
-              <p14:cNvPr id="11" name="Ink 10">
-                <a:extLst>
-                  <a:ext uri="{FF2B5EF4-FFF2-40B4-BE49-F238E27FC236}">
-                    <a16:creationId xmlns:a16="http://schemas.microsoft.com/office/drawing/2014/main" id="{B6249D2C-AC53-460B-8BE7-C711C817AA36}"/>
-                  </a:ext>
-                </a:extLst>
-              </p14:cNvPr>
-              <p14:cNvContentPartPr/>
-              <p14:nvPr/>
-            </p14:nvContentPartPr>
-            <p14:xfrm>
-              <a:off x="6217837" y="4839258"/>
-              <a:ext cx="900720" cy="360"/>
-            </p14:xfrm>
-          </p:contentPart>
-        </mc:Choice>
-        <mc:Fallback xmlns="">
-          <p:pic>
-            <p:nvPicPr>
-              <p:cNvPr id="11" name="Ink 10">
-                <a:extLst>
-                  <a:ext uri="{FF2B5EF4-FFF2-40B4-BE49-F238E27FC236}">
-                    <a16:creationId xmlns:a16="http://schemas.microsoft.com/office/drawing/2014/main" id="{B6249D2C-AC53-460B-8BE7-C711C817AA36}"/>
-                  </a:ext>
-                </a:extLst>
-              </p:cNvPr>
-              <p:cNvPicPr/>
-              <p:nvPr/>
-            </p:nvPicPr>
-            <p:blipFill>
-              <a:blip r:embed="rId13"/>
-              <a:stretch>
-                <a:fillRect/>
-              </a:stretch>
-            </p:blipFill>
-            <p:spPr>
-              <a:xfrm>
-                <a:off x="6181837" y="4767258"/>
-                <a:ext cx="972360" cy="144000"/>
-              </a:xfrm>
-              <a:prstGeom prst="rect">
-                <a:avLst/>
-              </a:prstGeom>
-            </p:spPr>
-          </p:pic>
-        </mc:Fallback>
-      </mc:AlternateContent>
-      <mc:AlternateContent xmlns:mc="http://schemas.openxmlformats.org/markup-compatibility/2006" xmlns:p14="http://schemas.microsoft.com/office/powerpoint/2010/main">
-        <mc:Choice Requires="p14">
-          <p:contentPart p14:bwMode="auto" r:id="rId14">
-            <p14:nvContentPartPr>
-              <p14:cNvPr id="12" name="Ink 11">
-                <a:extLst>
-                  <a:ext uri="{FF2B5EF4-FFF2-40B4-BE49-F238E27FC236}">
-                    <a16:creationId xmlns:a16="http://schemas.microsoft.com/office/drawing/2014/main" id="{7F863580-5C25-480E-A65F-055694CF27A1}"/>
-                  </a:ext>
-                </a:extLst>
-              </p14:cNvPr>
-              <p14:cNvContentPartPr/>
-              <p14:nvPr/>
-            </p14:nvContentPartPr>
-            <p14:xfrm>
-              <a:off x="9129877" y="3798138"/>
-              <a:ext cx="591120" cy="360"/>
-            </p14:xfrm>
-          </p:contentPart>
-        </mc:Choice>
-        <mc:Fallback xmlns="">
-          <p:pic>
-            <p:nvPicPr>
-              <p:cNvPr id="12" name="Ink 11">
-                <a:extLst>
-                  <a:ext uri="{FF2B5EF4-FFF2-40B4-BE49-F238E27FC236}">
-                    <a16:creationId xmlns:a16="http://schemas.microsoft.com/office/drawing/2014/main" id="{7F863580-5C25-480E-A65F-055694CF27A1}"/>
-                  </a:ext>
-                </a:extLst>
-              </p:cNvPr>
-              <p:cNvPicPr/>
-              <p:nvPr/>
-            </p:nvPicPr>
-            <p:blipFill>
-              <a:blip r:embed="rId15"/>
-              <a:stretch>
-                <a:fillRect/>
-              </a:stretch>
-            </p:blipFill>
-            <p:spPr>
-              <a:xfrm>
-                <a:off x="9093877" y="3726138"/>
-                <a:ext cx="662760" cy="144000"/>
-              </a:xfrm>
-              <a:prstGeom prst="rect">
-                <a:avLst/>
-              </a:prstGeom>
-            </p:spPr>
-          </p:pic>
-        </mc:Fallback>
-      </mc:AlternateContent>
-      <mc:AlternateContent xmlns:mc="http://schemas.openxmlformats.org/markup-compatibility/2006" xmlns:p14="http://schemas.microsoft.com/office/powerpoint/2010/main">
-        <mc:Choice Requires="p14">
-          <p:contentPart p14:bwMode="auto" r:id="rId16">
-            <p14:nvContentPartPr>
-              <p14:cNvPr id="13" name="Ink 12">
-                <a:extLst>
-                  <a:ext uri="{FF2B5EF4-FFF2-40B4-BE49-F238E27FC236}">
-                    <a16:creationId xmlns:a16="http://schemas.microsoft.com/office/drawing/2014/main" id="{92A224EB-5C45-4AAD-83E7-FBD3E37A0EB7}"/>
-                  </a:ext>
-                </a:extLst>
-              </p14:cNvPr>
-              <p14:cNvContentPartPr/>
-              <p14:nvPr/>
-            </p14:nvContentPartPr>
-            <p14:xfrm>
-              <a:off x="2236597" y="3762858"/>
-              <a:ext cx="647640" cy="51480"/>
-            </p14:xfrm>
-          </p:contentPart>
-        </mc:Choice>
-        <mc:Fallback xmlns="">
-          <p:pic>
-            <p:nvPicPr>
-              <p:cNvPr id="13" name="Ink 12">
-                <a:extLst>
-                  <a:ext uri="{FF2B5EF4-FFF2-40B4-BE49-F238E27FC236}">
-                    <a16:creationId xmlns:a16="http://schemas.microsoft.com/office/drawing/2014/main" id="{92A224EB-5C45-4AAD-83E7-FBD3E37A0EB7}"/>
-                  </a:ext>
-                </a:extLst>
-              </p:cNvPr>
-              <p:cNvPicPr/>
-              <p:nvPr/>
-            </p:nvPicPr>
-            <p:blipFill>
-              <a:blip r:embed="rId17"/>
-              <a:stretch>
-                <a:fillRect/>
-              </a:stretch>
-            </p:blipFill>
-            <p:spPr>
-              <a:xfrm>
-                <a:off x="2200597" y="3690858"/>
-                <a:ext cx="719280" cy="195120"/>
-              </a:xfrm>
-              <a:prstGeom prst="rect">
-                <a:avLst/>
-              </a:prstGeom>
-            </p:spPr>
-          </p:pic>
-        </mc:Fallback>
-      </mc:AlternateContent>
-      <mc:AlternateContent xmlns:mc="http://schemas.openxmlformats.org/markup-compatibility/2006" xmlns:p14="http://schemas.microsoft.com/office/powerpoint/2010/main">
-        <mc:Choice Requires="p14">
-          <p:contentPart p14:bwMode="auto" r:id="rId18">
-            <p14:nvContentPartPr>
-              <p14:cNvPr id="14" name="Ink 13">
-                <a:extLst>
-                  <a:ext uri="{FF2B5EF4-FFF2-40B4-BE49-F238E27FC236}">
-                    <a16:creationId xmlns:a16="http://schemas.microsoft.com/office/drawing/2014/main" id="{D19F2DC2-0B9B-478E-BC02-23AF2435FFDB}"/>
-                  </a:ext>
-                </a:extLst>
-              </p14:cNvPr>
-              <p14:cNvContentPartPr/>
-              <p14:nvPr/>
-            </p14:nvContentPartPr>
-            <p14:xfrm>
-              <a:off x="3629437" y="3798138"/>
-              <a:ext cx="605160" cy="37080"/>
-            </p14:xfrm>
-          </p:contentPart>
-        </mc:Choice>
-        <mc:Fallback xmlns="">
-          <p:pic>
-            <p:nvPicPr>
-              <p:cNvPr id="14" name="Ink 13">
-                <a:extLst>
-                  <a:ext uri="{FF2B5EF4-FFF2-40B4-BE49-F238E27FC236}">
-                    <a16:creationId xmlns:a16="http://schemas.microsoft.com/office/drawing/2014/main" id="{D19F2DC2-0B9B-478E-BC02-23AF2435FFDB}"/>
-                  </a:ext>
-                </a:extLst>
-              </p:cNvPr>
-              <p:cNvPicPr/>
-              <p:nvPr/>
-            </p:nvPicPr>
-            <p:blipFill>
-              <a:blip r:embed="rId19"/>
-              <a:stretch>
-                <a:fillRect/>
-              </a:stretch>
-            </p:blipFill>
-            <p:spPr>
-              <a:xfrm>
-                <a:off x="3593437" y="3726138"/>
-                <a:ext cx="676800" cy="180720"/>
-              </a:xfrm>
-              <a:prstGeom prst="rect">
-                <a:avLst/>
-              </a:prstGeom>
-            </p:spPr>
-          </p:pic>
-        </mc:Fallback>
-      </mc:AlternateContent>
     </p:spTree>
     <p:extLst>
       <p:ext uri="{BB962C8B-B14F-4D97-AF65-F5344CB8AC3E}">
@@ -16786,210 +14690,6 @@
           </a:prstGeom>
         </p:spPr>
       </p:pic>
-      <mc:AlternateContent xmlns:mc="http://schemas.openxmlformats.org/markup-compatibility/2006" xmlns:p14="http://schemas.microsoft.com/office/powerpoint/2010/main">
-        <mc:Choice Requires="p14">
-          <p:contentPart p14:bwMode="auto" r:id="rId3">
-            <p14:nvContentPartPr>
-              <p14:cNvPr id="5" name="Ink 4">
-                <a:extLst>
-                  <a:ext uri="{FF2B5EF4-FFF2-40B4-BE49-F238E27FC236}">
-                    <a16:creationId xmlns:a16="http://schemas.microsoft.com/office/drawing/2014/main" id="{63463B78-3653-4100-8521-1EFDCD49264D}"/>
-                  </a:ext>
-                </a:extLst>
-              </p14:cNvPr>
-              <p14:cNvContentPartPr/>
-              <p14:nvPr/>
-            </p14:nvContentPartPr>
-            <p14:xfrm>
-              <a:off x="4019640" y="1634520"/>
-              <a:ext cx="4743720" cy="157320"/>
-            </p14:xfrm>
-          </p:contentPart>
-        </mc:Choice>
-        <mc:Fallback xmlns="">
-          <p:pic>
-            <p:nvPicPr>
-              <p:cNvPr id="5" name="Ink 4">
-                <a:extLst>
-                  <a:ext uri="{FF2B5EF4-FFF2-40B4-BE49-F238E27FC236}">
-                    <a16:creationId xmlns:a16="http://schemas.microsoft.com/office/drawing/2014/main" id="{63463B78-3653-4100-8521-1EFDCD49264D}"/>
-                  </a:ext>
-                </a:extLst>
-              </p:cNvPr>
-              <p:cNvPicPr/>
-              <p:nvPr/>
-            </p:nvPicPr>
-            <p:blipFill>
-              <a:blip r:embed="rId4"/>
-              <a:stretch>
-                <a:fillRect/>
-              </a:stretch>
-            </p:blipFill>
-            <p:spPr>
-              <a:xfrm>
-                <a:off x="4000560" y="1596360"/>
-                <a:ext cx="4781520" cy="233280"/>
-              </a:xfrm>
-              <a:prstGeom prst="rect">
-                <a:avLst/>
-              </a:prstGeom>
-            </p:spPr>
-          </p:pic>
-        </mc:Fallback>
-      </mc:AlternateContent>
-      <mc:AlternateContent xmlns:mc="http://schemas.openxmlformats.org/markup-compatibility/2006" xmlns:p14="http://schemas.microsoft.com/office/powerpoint/2010/main">
-        <mc:Choice Requires="p14">
-          <p:contentPart p14:bwMode="auto" r:id="rId5">
-            <p14:nvContentPartPr>
-              <p14:cNvPr id="6" name="Ink 5">
-                <a:extLst>
-                  <a:ext uri="{FF2B5EF4-FFF2-40B4-BE49-F238E27FC236}">
-                    <a16:creationId xmlns:a16="http://schemas.microsoft.com/office/drawing/2014/main" id="{0E11571A-D87E-419B-9C97-9A5112CD18D5}"/>
-                  </a:ext>
-                </a:extLst>
-              </p14:cNvPr>
-              <p14:cNvContentPartPr/>
-              <p14:nvPr/>
-            </p14:nvContentPartPr>
-            <p14:xfrm>
-              <a:off x="8440477" y="3652588"/>
-              <a:ext cx="2279520" cy="40680"/>
-            </p14:xfrm>
-          </p:contentPart>
-        </mc:Choice>
-        <mc:Fallback xmlns="">
-          <p:pic>
-            <p:nvPicPr>
-              <p:cNvPr id="6" name="Ink 5">
-                <a:extLst>
-                  <a:ext uri="{FF2B5EF4-FFF2-40B4-BE49-F238E27FC236}">
-                    <a16:creationId xmlns:a16="http://schemas.microsoft.com/office/drawing/2014/main" id="{0E11571A-D87E-419B-9C97-9A5112CD18D5}"/>
-                  </a:ext>
-                </a:extLst>
-              </p:cNvPr>
-              <p:cNvPicPr/>
-              <p:nvPr/>
-            </p:nvPicPr>
-            <p:blipFill>
-              <a:blip r:embed="rId6"/>
-              <a:stretch>
-                <a:fillRect/>
-              </a:stretch>
-            </p:blipFill>
-            <p:spPr>
-              <a:xfrm>
-                <a:off x="8421397" y="3614428"/>
-                <a:ext cx="2317320" cy="116640"/>
-              </a:xfrm>
-              <a:prstGeom prst="rect">
-                <a:avLst/>
-              </a:prstGeom>
-            </p:spPr>
-          </p:pic>
-        </mc:Fallback>
-      </mc:AlternateContent>
-      <mc:AlternateContent xmlns:mc="http://schemas.openxmlformats.org/markup-compatibility/2006" xmlns:p14="http://schemas.microsoft.com/office/powerpoint/2010/main">
-        <mc:Choice Requires="p14">
-          <p:contentPart p14:bwMode="auto" r:id="rId7">
-            <p14:nvContentPartPr>
-              <p14:cNvPr id="7" name="Ink 6">
-                <a:extLst>
-                  <a:ext uri="{FF2B5EF4-FFF2-40B4-BE49-F238E27FC236}">
-                    <a16:creationId xmlns:a16="http://schemas.microsoft.com/office/drawing/2014/main" id="{D7F6C7D5-2212-44FA-ABDA-2036AC7ACDFA}"/>
-                  </a:ext>
-                </a:extLst>
-              </p14:cNvPr>
-              <p14:cNvContentPartPr/>
-              <p14:nvPr/>
-            </p14:nvContentPartPr>
-            <p14:xfrm>
-              <a:off x="4332877" y="4150108"/>
-              <a:ext cx="802080" cy="360"/>
-            </p14:xfrm>
-          </p:contentPart>
-        </mc:Choice>
-        <mc:Fallback xmlns="">
-          <p:pic>
-            <p:nvPicPr>
-              <p:cNvPr id="7" name="Ink 6">
-                <a:extLst>
-                  <a:ext uri="{FF2B5EF4-FFF2-40B4-BE49-F238E27FC236}">
-                    <a16:creationId xmlns:a16="http://schemas.microsoft.com/office/drawing/2014/main" id="{D7F6C7D5-2212-44FA-ABDA-2036AC7ACDFA}"/>
-                  </a:ext>
-                </a:extLst>
-              </p:cNvPr>
-              <p:cNvPicPr/>
-              <p:nvPr/>
-            </p:nvPicPr>
-            <p:blipFill>
-              <a:blip r:embed="rId8"/>
-              <a:stretch>
-                <a:fillRect/>
-              </a:stretch>
-            </p:blipFill>
-            <p:spPr>
-              <a:xfrm>
-                <a:off x="4313797" y="4111948"/>
-                <a:ext cx="839880" cy="76320"/>
-              </a:xfrm>
-              <a:prstGeom prst="rect">
-                <a:avLst/>
-              </a:prstGeom>
-            </p:spPr>
-          </p:pic>
-        </mc:Fallback>
-      </mc:AlternateContent>
-      <mc:AlternateContent xmlns:mc="http://schemas.openxmlformats.org/markup-compatibility/2006" xmlns:p14="http://schemas.microsoft.com/office/powerpoint/2010/main">
-        <mc:Choice Requires="p14">
-          <p:contentPart p14:bwMode="auto" r:id="rId9">
-            <p14:nvContentPartPr>
-              <p14:cNvPr id="8" name="Ink 7">
-                <a:extLst>
-                  <a:ext uri="{FF2B5EF4-FFF2-40B4-BE49-F238E27FC236}">
-                    <a16:creationId xmlns:a16="http://schemas.microsoft.com/office/drawing/2014/main" id="{EA00F6C4-69E9-4D7D-8E16-4AA17B7E2FDE}"/>
-                  </a:ext>
-                </a:extLst>
-              </p14:cNvPr>
-              <p14:cNvContentPartPr/>
-              <p14:nvPr/>
-            </p14:nvContentPartPr>
-            <p14:xfrm>
-              <a:off x="3685597" y="2039788"/>
-              <a:ext cx="520920" cy="29160"/>
-            </p14:xfrm>
-          </p:contentPart>
-        </mc:Choice>
-        <mc:Fallback xmlns="">
-          <p:pic>
-            <p:nvPicPr>
-              <p:cNvPr id="8" name="Ink 7">
-                <a:extLst>
-                  <a:ext uri="{FF2B5EF4-FFF2-40B4-BE49-F238E27FC236}">
-                    <a16:creationId xmlns:a16="http://schemas.microsoft.com/office/drawing/2014/main" id="{EA00F6C4-69E9-4D7D-8E16-4AA17B7E2FDE}"/>
-                  </a:ext>
-                </a:extLst>
-              </p:cNvPr>
-              <p:cNvPicPr/>
-              <p:nvPr/>
-            </p:nvPicPr>
-            <p:blipFill>
-              <a:blip r:embed="rId10"/>
-              <a:stretch>
-                <a:fillRect/>
-              </a:stretch>
-            </p:blipFill>
-            <p:spPr>
-              <a:xfrm>
-                <a:off x="3666517" y="2001628"/>
-                <a:ext cx="558720" cy="105120"/>
-              </a:xfrm>
-              <a:prstGeom prst="rect">
-                <a:avLst/>
-              </a:prstGeom>
-            </p:spPr>
-          </p:pic>
-        </mc:Fallback>
-      </mc:AlternateContent>
       <p:sp>
         <p:nvSpPr>
           <p:cNvPr id="9" name="TextBox 8">
@@ -17004,7 +14704,7 @@
         </p:nvSpPr>
         <p:spPr>
           <a:xfrm>
-            <a:off x="4386464" y="1702092"/>
+            <a:off x="4386464" y="1727756"/>
             <a:ext cx="6927647" cy="369332"/>
           </a:xfrm>
           <a:prstGeom prst="rect">
@@ -17047,7 +14747,7 @@
         </p:nvSpPr>
         <p:spPr>
           <a:xfrm>
-            <a:off x="4332877" y="2739838"/>
+            <a:off x="3564251" y="2718968"/>
             <a:ext cx="6927647" cy="369332"/>
           </a:xfrm>
           <a:prstGeom prst="rect">
@@ -17288,7 +14988,7 @@
         </p:blipFill>
         <p:spPr>
           <a:xfrm>
-            <a:off x="4174293" y="47454"/>
+            <a:off x="4174293" y="378758"/>
             <a:ext cx="7023589" cy="6908346"/>
           </a:xfrm>
           <a:prstGeom prst="rect">
@@ -17296,261 +14996,6 @@
           </a:prstGeom>
         </p:spPr>
       </p:pic>
-      <mc:AlternateContent xmlns:mc="http://schemas.openxmlformats.org/markup-compatibility/2006" xmlns:p14="http://schemas.microsoft.com/office/powerpoint/2010/main">
-        <mc:Choice Requires="p14">
-          <p:contentPart p14:bwMode="auto" r:id="rId3">
-            <p14:nvContentPartPr>
-              <p14:cNvPr id="6" name="Ink 5">
-                <a:extLst>
-                  <a:ext uri="{FF2B5EF4-FFF2-40B4-BE49-F238E27FC236}">
-                    <a16:creationId xmlns:a16="http://schemas.microsoft.com/office/drawing/2014/main" id="{3D43B716-BAE5-4DC3-82F7-53485B737E58}"/>
-                  </a:ext>
-                </a:extLst>
-              </p14:cNvPr>
-              <p14:cNvContentPartPr/>
-              <p14:nvPr/>
-            </p14:nvContentPartPr>
-            <p14:xfrm>
-              <a:off x="4684597" y="323391"/>
-              <a:ext cx="1533600" cy="85680"/>
-            </p14:xfrm>
-          </p:contentPart>
-        </mc:Choice>
-        <mc:Fallback xmlns="">
-          <p:pic>
-            <p:nvPicPr>
-              <p:cNvPr id="6" name="Ink 5">
-                <a:extLst>
-                  <a:ext uri="{FF2B5EF4-FFF2-40B4-BE49-F238E27FC236}">
-                    <a16:creationId xmlns:a16="http://schemas.microsoft.com/office/drawing/2014/main" id="{3D43B716-BAE5-4DC3-82F7-53485B737E58}"/>
-                  </a:ext>
-                </a:extLst>
-              </p:cNvPr>
-              <p:cNvPicPr/>
-              <p:nvPr/>
-            </p:nvPicPr>
-            <p:blipFill>
-              <a:blip r:embed="rId4"/>
-              <a:stretch>
-                <a:fillRect/>
-              </a:stretch>
-            </p:blipFill>
-            <p:spPr>
-              <a:xfrm>
-                <a:off x="4648597" y="251391"/>
-                <a:ext cx="1605240" cy="229320"/>
-              </a:xfrm>
-              <a:prstGeom prst="rect">
-                <a:avLst/>
-              </a:prstGeom>
-            </p:spPr>
-          </p:pic>
-        </mc:Fallback>
-      </mc:AlternateContent>
-      <mc:AlternateContent xmlns:mc="http://schemas.openxmlformats.org/markup-compatibility/2006" xmlns:p14="http://schemas.microsoft.com/office/powerpoint/2010/main">
-        <mc:Choice Requires="p14">
-          <p:contentPart p14:bwMode="auto" r:id="rId5">
-            <p14:nvContentPartPr>
-              <p14:cNvPr id="7" name="Ink 6">
-                <a:extLst>
-                  <a:ext uri="{FF2B5EF4-FFF2-40B4-BE49-F238E27FC236}">
-                    <a16:creationId xmlns:a16="http://schemas.microsoft.com/office/drawing/2014/main" id="{0C05DE17-0753-47DB-8ABA-93805DEC26C5}"/>
-                  </a:ext>
-                </a:extLst>
-              </p14:cNvPr>
-              <p14:cNvContentPartPr/>
-              <p14:nvPr/>
-            </p14:nvContentPartPr>
-            <p14:xfrm>
-              <a:off x="4670557" y="3654111"/>
-              <a:ext cx="1505520" cy="48960"/>
-            </p14:xfrm>
-          </p:contentPart>
-        </mc:Choice>
-        <mc:Fallback xmlns="">
-          <p:pic>
-            <p:nvPicPr>
-              <p:cNvPr id="7" name="Ink 6">
-                <a:extLst>
-                  <a:ext uri="{FF2B5EF4-FFF2-40B4-BE49-F238E27FC236}">
-                    <a16:creationId xmlns:a16="http://schemas.microsoft.com/office/drawing/2014/main" id="{0C05DE17-0753-47DB-8ABA-93805DEC26C5}"/>
-                  </a:ext>
-                </a:extLst>
-              </p:cNvPr>
-              <p:cNvPicPr/>
-              <p:nvPr/>
-            </p:nvPicPr>
-            <p:blipFill>
-              <a:blip r:embed="rId6"/>
-              <a:stretch>
-                <a:fillRect/>
-              </a:stretch>
-            </p:blipFill>
-            <p:spPr>
-              <a:xfrm>
-                <a:off x="4634557" y="3582111"/>
-                <a:ext cx="1577160" cy="192600"/>
-              </a:xfrm>
-              <a:prstGeom prst="rect">
-                <a:avLst/>
-              </a:prstGeom>
-            </p:spPr>
-          </p:pic>
-        </mc:Fallback>
-      </mc:AlternateContent>
-      <mc:AlternateContent xmlns:mc="http://schemas.openxmlformats.org/markup-compatibility/2006" xmlns:p14="http://schemas.microsoft.com/office/powerpoint/2010/main">
-        <mc:Choice Requires="p14">
-          <p:contentPart p14:bwMode="auto" r:id="rId7">
-            <p14:nvContentPartPr>
-              <p14:cNvPr id="8" name="Ink 7">
-                <a:extLst>
-                  <a:ext uri="{FF2B5EF4-FFF2-40B4-BE49-F238E27FC236}">
-                    <a16:creationId xmlns:a16="http://schemas.microsoft.com/office/drawing/2014/main" id="{C5D9EB47-50D7-41AA-A1DD-D1ECE72268CC}"/>
-                  </a:ext>
-                </a:extLst>
-              </p14:cNvPr>
-              <p14:cNvContentPartPr/>
-              <p14:nvPr/>
-            </p14:nvContentPartPr>
-            <p14:xfrm>
-              <a:off x="4754797" y="4892511"/>
-              <a:ext cx="1252440" cy="45720"/>
-            </p14:xfrm>
-          </p:contentPart>
-        </mc:Choice>
-        <mc:Fallback xmlns="">
-          <p:pic>
-            <p:nvPicPr>
-              <p:cNvPr id="8" name="Ink 7">
-                <a:extLst>
-                  <a:ext uri="{FF2B5EF4-FFF2-40B4-BE49-F238E27FC236}">
-                    <a16:creationId xmlns:a16="http://schemas.microsoft.com/office/drawing/2014/main" id="{C5D9EB47-50D7-41AA-A1DD-D1ECE72268CC}"/>
-                  </a:ext>
-                </a:extLst>
-              </p:cNvPr>
-              <p:cNvPicPr/>
-              <p:nvPr/>
-            </p:nvPicPr>
-            <p:blipFill>
-              <a:blip r:embed="rId8"/>
-              <a:stretch>
-                <a:fillRect/>
-              </a:stretch>
-            </p:blipFill>
-            <p:spPr>
-              <a:xfrm>
-                <a:off x="4718797" y="4820511"/>
-                <a:ext cx="1324080" cy="189360"/>
-              </a:xfrm>
-              <a:prstGeom prst="rect">
-                <a:avLst/>
-              </a:prstGeom>
-            </p:spPr>
-          </p:pic>
-        </mc:Fallback>
-      </mc:AlternateContent>
-      <mc:AlternateContent xmlns:mc="http://schemas.openxmlformats.org/markup-compatibility/2006" xmlns:p14="http://schemas.microsoft.com/office/powerpoint/2010/main">
-        <mc:Choice Requires="p14">
-          <p:contentPart p14:bwMode="auto" r:id="rId9">
-            <p14:nvContentPartPr>
-              <p14:cNvPr id="9" name="Ink 8">
-                <a:extLst>
-                  <a:ext uri="{FF2B5EF4-FFF2-40B4-BE49-F238E27FC236}">
-                    <a16:creationId xmlns:a16="http://schemas.microsoft.com/office/drawing/2014/main" id="{82F5ABA0-6658-4DB7-B948-C57DEEDD7A07}"/>
-                  </a:ext>
-                </a:extLst>
-              </p14:cNvPr>
-              <p14:cNvContentPartPr/>
-              <p14:nvPr/>
-            </p14:nvContentPartPr>
-            <p14:xfrm>
-              <a:off x="4768837" y="6063231"/>
-              <a:ext cx="2208960" cy="92520"/>
-            </p14:xfrm>
-          </p:contentPart>
-        </mc:Choice>
-        <mc:Fallback xmlns="">
-          <p:pic>
-            <p:nvPicPr>
-              <p:cNvPr id="9" name="Ink 8">
-                <a:extLst>
-                  <a:ext uri="{FF2B5EF4-FFF2-40B4-BE49-F238E27FC236}">
-                    <a16:creationId xmlns:a16="http://schemas.microsoft.com/office/drawing/2014/main" id="{82F5ABA0-6658-4DB7-B948-C57DEEDD7A07}"/>
-                  </a:ext>
-                </a:extLst>
-              </p:cNvPr>
-              <p:cNvPicPr/>
-              <p:nvPr/>
-            </p:nvPicPr>
-            <p:blipFill>
-              <a:blip r:embed="rId10"/>
-              <a:stretch>
-                <a:fillRect/>
-              </a:stretch>
-            </p:blipFill>
-            <p:spPr>
-              <a:xfrm>
-                <a:off x="4732837" y="5991231"/>
-                <a:ext cx="2280600" cy="236160"/>
-              </a:xfrm>
-              <a:prstGeom prst="rect">
-                <a:avLst/>
-              </a:prstGeom>
-            </p:spPr>
-          </p:pic>
-        </mc:Fallback>
-      </mc:AlternateContent>
-      <mc:AlternateContent xmlns:mc="http://schemas.openxmlformats.org/markup-compatibility/2006" xmlns:p14="http://schemas.microsoft.com/office/powerpoint/2010/main">
-        <mc:Choice Requires="p14">
-          <p:contentPart p14:bwMode="auto" r:id="rId11">
-            <p14:nvContentPartPr>
-              <p14:cNvPr id="4" name="Ink 3">
-                <a:extLst>
-                  <a:ext uri="{FF2B5EF4-FFF2-40B4-BE49-F238E27FC236}">
-                    <a16:creationId xmlns:a16="http://schemas.microsoft.com/office/drawing/2014/main" id="{C7E434E6-7046-4AC4-B1B1-E797A9E8420F}"/>
-                  </a:ext>
-                </a:extLst>
-              </p14:cNvPr>
-              <p14:cNvContentPartPr/>
-              <p14:nvPr/>
-            </p14:nvContentPartPr>
-            <p14:xfrm>
-              <a:off x="938880" y="3580560"/>
-              <a:ext cx="2932920" cy="2353680"/>
-            </p14:xfrm>
-          </p:contentPart>
-        </mc:Choice>
-        <mc:Fallback xmlns="">
-          <p:pic>
-            <p:nvPicPr>
-              <p:cNvPr id="4" name="Ink 3">
-                <a:extLst>
-                  <a:ext uri="{FF2B5EF4-FFF2-40B4-BE49-F238E27FC236}">
-                    <a16:creationId xmlns:a16="http://schemas.microsoft.com/office/drawing/2014/main" id="{C7E434E6-7046-4AC4-B1B1-E797A9E8420F}"/>
-                  </a:ext>
-                </a:extLst>
-              </p:cNvPr>
-              <p:cNvPicPr/>
-              <p:nvPr/>
-            </p:nvPicPr>
-            <p:blipFill>
-              <a:blip r:embed="rId12"/>
-              <a:stretch>
-                <a:fillRect/>
-              </a:stretch>
-            </p:blipFill>
-            <p:spPr>
-              <a:xfrm>
-                <a:off x="929520" y="3571200"/>
-                <a:ext cx="2951640" cy="2372400"/>
-              </a:xfrm>
-              <a:prstGeom prst="rect">
-                <a:avLst/>
-              </a:prstGeom>
-            </p:spPr>
-          </p:pic>
-        </mc:Fallback>
-      </mc:AlternateContent>
     </p:spTree>
     <p:extLst>
       <p:ext uri="{BB962C8B-B14F-4D97-AF65-F5344CB8AC3E}">
@@ -17686,57 +15131,6 @@
           </a:p>
         </p:txBody>
       </p:sp>
-      <mc:AlternateContent xmlns:mc="http://schemas.openxmlformats.org/markup-compatibility/2006" xmlns:p14="http://schemas.microsoft.com/office/powerpoint/2010/main">
-        <mc:Choice Requires="p14">
-          <p:contentPart p14:bwMode="auto" r:id="rId2">
-            <p14:nvContentPartPr>
-              <p14:cNvPr id="4" name="Ink 3">
-                <a:extLst>
-                  <a:ext uri="{FF2B5EF4-FFF2-40B4-BE49-F238E27FC236}">
-                    <a16:creationId xmlns:a16="http://schemas.microsoft.com/office/drawing/2014/main" id="{92D0E173-80F9-4D78-BBBC-78AC6C59E03B}"/>
-                  </a:ext>
-                </a:extLst>
-              </p14:cNvPr>
-              <p14:cNvContentPartPr/>
-              <p14:nvPr/>
-            </p14:nvContentPartPr>
-            <p14:xfrm>
-              <a:off x="1271160" y="2945160"/>
-              <a:ext cx="8740080" cy="1386360"/>
-            </p14:xfrm>
-          </p:contentPart>
-        </mc:Choice>
-        <mc:Fallback xmlns="">
-          <p:pic>
-            <p:nvPicPr>
-              <p:cNvPr id="4" name="Ink 3">
-                <a:extLst>
-                  <a:ext uri="{FF2B5EF4-FFF2-40B4-BE49-F238E27FC236}">
-                    <a16:creationId xmlns:a16="http://schemas.microsoft.com/office/drawing/2014/main" id="{92D0E173-80F9-4D78-BBBC-78AC6C59E03B}"/>
-                  </a:ext>
-                </a:extLst>
-              </p:cNvPr>
-              <p:cNvPicPr/>
-              <p:nvPr/>
-            </p:nvPicPr>
-            <p:blipFill>
-              <a:blip r:embed="rId3"/>
-              <a:stretch>
-                <a:fillRect/>
-              </a:stretch>
-            </p:blipFill>
-            <p:spPr>
-              <a:xfrm>
-                <a:off x="1261800" y="2935800"/>
-                <a:ext cx="8758800" cy="1405080"/>
-              </a:xfrm>
-              <a:prstGeom prst="rect">
-                <a:avLst/>
-              </a:prstGeom>
-            </p:spPr>
-          </p:pic>
-        </mc:Fallback>
-      </mc:AlternateContent>
     </p:spTree>
     <p:extLst>
       <p:ext uri="{BB962C8B-B14F-4D97-AF65-F5344CB8AC3E}">
@@ -17978,108 +15372,6 @@
           </a:p>
         </p:txBody>
       </p:sp>
-      <mc:AlternateContent xmlns:mc="http://schemas.openxmlformats.org/markup-compatibility/2006" xmlns:p14="http://schemas.microsoft.com/office/powerpoint/2010/main">
-        <mc:Choice Requires="p14">
-          <p:contentPart p14:bwMode="auto" r:id="rId3">
-            <p14:nvContentPartPr>
-              <p14:cNvPr id="4" name="Ink 3">
-                <a:extLst>
-                  <a:ext uri="{FF2B5EF4-FFF2-40B4-BE49-F238E27FC236}">
-                    <a16:creationId xmlns:a16="http://schemas.microsoft.com/office/drawing/2014/main" id="{48E4EB2C-D203-4C1F-BFE3-6C32EC7C50FA}"/>
-                  </a:ext>
-                </a:extLst>
-              </p14:cNvPr>
-              <p14:cNvContentPartPr/>
-              <p14:nvPr/>
-            </p14:nvContentPartPr>
-            <p14:xfrm>
-              <a:off x="1730437" y="5204908"/>
-              <a:ext cx="9327240" cy="84960"/>
-            </p14:xfrm>
-          </p:contentPart>
-        </mc:Choice>
-        <mc:Fallback xmlns="">
-          <p:pic>
-            <p:nvPicPr>
-              <p:cNvPr id="4" name="Ink 3">
-                <a:extLst>
-                  <a:ext uri="{FF2B5EF4-FFF2-40B4-BE49-F238E27FC236}">
-                    <a16:creationId xmlns:a16="http://schemas.microsoft.com/office/drawing/2014/main" id="{48E4EB2C-D203-4C1F-BFE3-6C32EC7C50FA}"/>
-                  </a:ext>
-                </a:extLst>
-              </p:cNvPr>
-              <p:cNvPicPr/>
-              <p:nvPr/>
-            </p:nvPicPr>
-            <p:blipFill>
-              <a:blip r:embed="rId4"/>
-              <a:stretch>
-                <a:fillRect/>
-              </a:stretch>
-            </p:blipFill>
-            <p:spPr>
-              <a:xfrm>
-                <a:off x="1694437" y="5132908"/>
-                <a:ext cx="9398880" cy="228600"/>
-              </a:xfrm>
-              <a:prstGeom prst="rect">
-                <a:avLst/>
-              </a:prstGeom>
-            </p:spPr>
-          </p:pic>
-        </mc:Fallback>
-      </mc:AlternateContent>
-      <mc:AlternateContent xmlns:mc="http://schemas.openxmlformats.org/markup-compatibility/2006" xmlns:p14="http://schemas.microsoft.com/office/powerpoint/2010/main">
-        <mc:Choice Requires="p14">
-          <p:contentPart p14:bwMode="auto" r:id="rId5">
-            <p14:nvContentPartPr>
-              <p14:cNvPr id="5" name="Ink 4">
-                <a:extLst>
-                  <a:ext uri="{FF2B5EF4-FFF2-40B4-BE49-F238E27FC236}">
-                    <a16:creationId xmlns:a16="http://schemas.microsoft.com/office/drawing/2014/main" id="{DC0C55EC-1256-4783-9410-F1FD33F0F368}"/>
-                  </a:ext>
-                </a:extLst>
-              </p14:cNvPr>
-              <p14:cNvContentPartPr/>
-              <p14:nvPr/>
-            </p14:nvContentPartPr>
-            <p14:xfrm>
-              <a:off x="1704600" y="3176280"/>
-              <a:ext cx="5706360" cy="1935000"/>
-            </p14:xfrm>
-          </p:contentPart>
-        </mc:Choice>
-        <mc:Fallback xmlns="">
-          <p:pic>
-            <p:nvPicPr>
-              <p:cNvPr id="5" name="Ink 4">
-                <a:extLst>
-                  <a:ext uri="{FF2B5EF4-FFF2-40B4-BE49-F238E27FC236}">
-                    <a16:creationId xmlns:a16="http://schemas.microsoft.com/office/drawing/2014/main" id="{DC0C55EC-1256-4783-9410-F1FD33F0F368}"/>
-                  </a:ext>
-                </a:extLst>
-              </p:cNvPr>
-              <p:cNvPicPr/>
-              <p:nvPr/>
-            </p:nvPicPr>
-            <p:blipFill>
-              <a:blip r:embed="rId6"/>
-              <a:stretch>
-                <a:fillRect/>
-              </a:stretch>
-            </p:blipFill>
-            <p:spPr>
-              <a:xfrm>
-                <a:off x="1695240" y="3166920"/>
-                <a:ext cx="5725080" cy="1953720"/>
-              </a:xfrm>
-              <a:prstGeom prst="rect">
-                <a:avLst/>
-              </a:prstGeom>
-            </p:spPr>
-          </p:pic>
-        </mc:Fallback>
-      </mc:AlternateContent>
     </p:spTree>
     <p:extLst>
       <p:ext uri="{BB962C8B-B14F-4D97-AF65-F5344CB8AC3E}">
@@ -19552,7 +16844,7 @@
         </p:blipFill>
         <p:spPr>
           <a:xfrm>
-            <a:off x="3391123" y="1564858"/>
+            <a:off x="3391123" y="1578110"/>
             <a:ext cx="7878595" cy="5293142"/>
           </a:xfrm>
           <a:prstGeom prst="rect">
@@ -19560,108 +16852,6 @@
           </a:prstGeom>
         </p:spPr>
       </p:pic>
-      <mc:AlternateContent xmlns:mc="http://schemas.openxmlformats.org/markup-compatibility/2006" xmlns:p14="http://schemas.microsoft.com/office/powerpoint/2010/main">
-        <mc:Choice Requires="p14">
-          <p:contentPart p14:bwMode="auto" r:id="rId3">
-            <p14:nvContentPartPr>
-              <p14:cNvPr id="6" name="Ink 5">
-                <a:extLst>
-                  <a:ext uri="{FF2B5EF4-FFF2-40B4-BE49-F238E27FC236}">
-                    <a16:creationId xmlns:a16="http://schemas.microsoft.com/office/drawing/2014/main" id="{6044E594-8E85-43D3-9333-D38545471668}"/>
-                  </a:ext>
-                </a:extLst>
-              </p14:cNvPr>
-              <p14:cNvContentPartPr/>
-              <p14:nvPr/>
-            </p14:nvContentPartPr>
-            <p14:xfrm>
-              <a:off x="8103157" y="2233025"/>
-              <a:ext cx="731880" cy="29880"/>
-            </p14:xfrm>
-          </p:contentPart>
-        </mc:Choice>
-        <mc:Fallback xmlns="">
-          <p:pic>
-            <p:nvPicPr>
-              <p:cNvPr id="6" name="Ink 5">
-                <a:extLst>
-                  <a:ext uri="{FF2B5EF4-FFF2-40B4-BE49-F238E27FC236}">
-                    <a16:creationId xmlns:a16="http://schemas.microsoft.com/office/drawing/2014/main" id="{6044E594-8E85-43D3-9333-D38545471668}"/>
-                  </a:ext>
-                </a:extLst>
-              </p:cNvPr>
-              <p:cNvPicPr/>
-              <p:nvPr/>
-            </p:nvPicPr>
-            <p:blipFill>
-              <a:blip r:embed="rId4"/>
-              <a:stretch>
-                <a:fillRect/>
-              </a:stretch>
-            </p:blipFill>
-            <p:spPr>
-              <a:xfrm>
-                <a:off x="8067157" y="2161025"/>
-                <a:ext cx="803520" cy="173520"/>
-              </a:xfrm>
-              <a:prstGeom prst="rect">
-                <a:avLst/>
-              </a:prstGeom>
-            </p:spPr>
-          </p:pic>
-        </mc:Fallback>
-      </mc:AlternateContent>
-      <mc:AlternateContent xmlns:mc="http://schemas.openxmlformats.org/markup-compatibility/2006" xmlns:p14="http://schemas.microsoft.com/office/powerpoint/2010/main">
-        <mc:Choice Requires="p14">
-          <p:contentPart p14:bwMode="auto" r:id="rId5">
-            <p14:nvContentPartPr>
-              <p14:cNvPr id="7" name="Ink 6">
-                <a:extLst>
-                  <a:ext uri="{FF2B5EF4-FFF2-40B4-BE49-F238E27FC236}">
-                    <a16:creationId xmlns:a16="http://schemas.microsoft.com/office/drawing/2014/main" id="{DF23AB0C-26A9-4A6E-A8C9-C21455ADE853}"/>
-                  </a:ext>
-                </a:extLst>
-              </p14:cNvPr>
-              <p14:cNvContentPartPr/>
-              <p14:nvPr/>
-            </p14:nvContentPartPr>
-            <p14:xfrm>
-              <a:off x="6105517" y="2602385"/>
-              <a:ext cx="759960" cy="38520"/>
-            </p14:xfrm>
-          </p:contentPart>
-        </mc:Choice>
-        <mc:Fallback xmlns="">
-          <p:pic>
-            <p:nvPicPr>
-              <p:cNvPr id="7" name="Ink 6">
-                <a:extLst>
-                  <a:ext uri="{FF2B5EF4-FFF2-40B4-BE49-F238E27FC236}">
-                    <a16:creationId xmlns:a16="http://schemas.microsoft.com/office/drawing/2014/main" id="{DF23AB0C-26A9-4A6E-A8C9-C21455ADE853}"/>
-                  </a:ext>
-                </a:extLst>
-              </p:cNvPr>
-              <p:cNvPicPr/>
-              <p:nvPr/>
-            </p:nvPicPr>
-            <p:blipFill>
-              <a:blip r:embed="rId6"/>
-              <a:stretch>
-                <a:fillRect/>
-              </a:stretch>
-            </p:blipFill>
-            <p:spPr>
-              <a:xfrm>
-                <a:off x="6069517" y="2530385"/>
-                <a:ext cx="831600" cy="182160"/>
-              </a:xfrm>
-              <a:prstGeom prst="rect">
-                <a:avLst/>
-              </a:prstGeom>
-            </p:spPr>
-          </p:pic>
-        </mc:Fallback>
-      </mc:AlternateContent>
     </p:spTree>
     <p:extLst>
       <p:ext uri="{BB962C8B-B14F-4D97-AF65-F5344CB8AC3E}">
@@ -20239,414 +17429,6 @@
           </a:prstGeom>
         </p:spPr>
       </p:pic>
-      <mc:AlternateContent xmlns:mc="http://schemas.openxmlformats.org/markup-compatibility/2006" xmlns:p14="http://schemas.microsoft.com/office/powerpoint/2010/main">
-        <mc:Choice Requires="p14">
-          <p:contentPart p14:bwMode="auto" r:id="rId3">
-            <p14:nvContentPartPr>
-              <p14:cNvPr id="5" name="Ink 4">
-                <a:extLst>
-                  <a:ext uri="{FF2B5EF4-FFF2-40B4-BE49-F238E27FC236}">
-                    <a16:creationId xmlns:a16="http://schemas.microsoft.com/office/drawing/2014/main" id="{47F503F7-0A80-4E38-9878-5F5E3B8B08E6}"/>
-                  </a:ext>
-                </a:extLst>
-              </p14:cNvPr>
-              <p14:cNvContentPartPr/>
-              <p14:nvPr/>
-            </p14:nvContentPartPr>
-            <p14:xfrm>
-              <a:off x="5795917" y="151698"/>
-              <a:ext cx="2644920" cy="39240"/>
-            </p14:xfrm>
-          </p:contentPart>
-        </mc:Choice>
-        <mc:Fallback xmlns="">
-          <p:pic>
-            <p:nvPicPr>
-              <p:cNvPr id="5" name="Ink 4">
-                <a:extLst>
-                  <a:ext uri="{FF2B5EF4-FFF2-40B4-BE49-F238E27FC236}">
-                    <a16:creationId xmlns:a16="http://schemas.microsoft.com/office/drawing/2014/main" id="{47F503F7-0A80-4E38-9878-5F5E3B8B08E6}"/>
-                  </a:ext>
-                </a:extLst>
-              </p:cNvPr>
-              <p:cNvPicPr/>
-              <p:nvPr/>
-            </p:nvPicPr>
-            <p:blipFill>
-              <a:blip r:embed="rId4"/>
-              <a:stretch>
-                <a:fillRect/>
-              </a:stretch>
-            </p:blipFill>
-            <p:spPr>
-              <a:xfrm>
-                <a:off x="5759917" y="79698"/>
-                <a:ext cx="2716560" cy="182880"/>
-              </a:xfrm>
-              <a:prstGeom prst="rect">
-                <a:avLst/>
-              </a:prstGeom>
-            </p:spPr>
-          </p:pic>
-        </mc:Fallback>
-      </mc:AlternateContent>
-      <mc:AlternateContent xmlns:mc="http://schemas.openxmlformats.org/markup-compatibility/2006" xmlns:p14="http://schemas.microsoft.com/office/powerpoint/2010/main">
-        <mc:Choice Requires="p14">
-          <p:contentPart p14:bwMode="auto" r:id="rId5">
-            <p14:nvContentPartPr>
-              <p14:cNvPr id="6" name="Ink 5">
-                <a:extLst>
-                  <a:ext uri="{FF2B5EF4-FFF2-40B4-BE49-F238E27FC236}">
-                    <a16:creationId xmlns:a16="http://schemas.microsoft.com/office/drawing/2014/main" id="{1A72FE6F-8A29-4473-8832-3A8B6FBE5101}"/>
-                  </a:ext>
-                </a:extLst>
-              </p14:cNvPr>
-              <p14:cNvContentPartPr/>
-              <p14:nvPr/>
-            </p14:nvContentPartPr>
-            <p14:xfrm>
-              <a:off x="2532157" y="1977618"/>
-              <a:ext cx="4994280" cy="53640"/>
-            </p14:xfrm>
-          </p:contentPart>
-        </mc:Choice>
-        <mc:Fallback xmlns="">
-          <p:pic>
-            <p:nvPicPr>
-              <p:cNvPr id="6" name="Ink 5">
-                <a:extLst>
-                  <a:ext uri="{FF2B5EF4-FFF2-40B4-BE49-F238E27FC236}">
-                    <a16:creationId xmlns:a16="http://schemas.microsoft.com/office/drawing/2014/main" id="{1A72FE6F-8A29-4473-8832-3A8B6FBE5101}"/>
-                  </a:ext>
-                </a:extLst>
-              </p:cNvPr>
-              <p:cNvPicPr/>
-              <p:nvPr/>
-            </p:nvPicPr>
-            <p:blipFill>
-              <a:blip r:embed="rId6"/>
-              <a:stretch>
-                <a:fillRect/>
-              </a:stretch>
-            </p:blipFill>
-            <p:spPr>
-              <a:xfrm>
-                <a:off x="2496157" y="1905618"/>
-                <a:ext cx="5065920" cy="197280"/>
-              </a:xfrm>
-              <a:prstGeom prst="rect">
-                <a:avLst/>
-              </a:prstGeom>
-            </p:spPr>
-          </p:pic>
-        </mc:Fallback>
-      </mc:AlternateContent>
-      <mc:AlternateContent xmlns:mc="http://schemas.openxmlformats.org/markup-compatibility/2006" xmlns:p14="http://schemas.microsoft.com/office/powerpoint/2010/main">
-        <mc:Choice Requires="p14">
-          <p:contentPart p14:bwMode="auto" r:id="rId7">
-            <p14:nvContentPartPr>
-              <p14:cNvPr id="7" name="Ink 6">
-                <a:extLst>
-                  <a:ext uri="{FF2B5EF4-FFF2-40B4-BE49-F238E27FC236}">
-                    <a16:creationId xmlns:a16="http://schemas.microsoft.com/office/drawing/2014/main" id="{108D6A7F-65BD-4B98-A16E-CFA97B246DF1}"/>
-                  </a:ext>
-                </a:extLst>
-              </p14:cNvPr>
-              <p14:cNvContentPartPr/>
-              <p14:nvPr/>
-            </p14:nvContentPartPr>
-            <p14:xfrm>
-              <a:off x="4037317" y="2223498"/>
-              <a:ext cx="1280520" cy="47520"/>
-            </p14:xfrm>
-          </p:contentPart>
-        </mc:Choice>
-        <mc:Fallback xmlns="">
-          <p:pic>
-            <p:nvPicPr>
-              <p:cNvPr id="7" name="Ink 6">
-                <a:extLst>
-                  <a:ext uri="{FF2B5EF4-FFF2-40B4-BE49-F238E27FC236}">
-                    <a16:creationId xmlns:a16="http://schemas.microsoft.com/office/drawing/2014/main" id="{108D6A7F-65BD-4B98-A16E-CFA97B246DF1}"/>
-                  </a:ext>
-                </a:extLst>
-              </p:cNvPr>
-              <p:cNvPicPr/>
-              <p:nvPr/>
-            </p:nvPicPr>
-            <p:blipFill>
-              <a:blip r:embed="rId8"/>
-              <a:stretch>
-                <a:fillRect/>
-              </a:stretch>
-            </p:blipFill>
-            <p:spPr>
-              <a:xfrm>
-                <a:off x="4001317" y="2151498"/>
-                <a:ext cx="1352160" cy="191160"/>
-              </a:xfrm>
-              <a:prstGeom prst="rect">
-                <a:avLst/>
-              </a:prstGeom>
-            </p:spPr>
-          </p:pic>
-        </mc:Fallback>
-      </mc:AlternateContent>
-      <mc:AlternateContent xmlns:mc="http://schemas.openxmlformats.org/markup-compatibility/2006" xmlns:p14="http://schemas.microsoft.com/office/powerpoint/2010/main">
-        <mc:Choice Requires="p14">
-          <p:contentPart p14:bwMode="auto" r:id="rId9">
-            <p14:nvContentPartPr>
-              <p14:cNvPr id="8" name="Ink 7">
-                <a:extLst>
-                  <a:ext uri="{FF2B5EF4-FFF2-40B4-BE49-F238E27FC236}">
-                    <a16:creationId xmlns:a16="http://schemas.microsoft.com/office/drawing/2014/main" id="{58AAAFC8-661C-4F44-8829-42203AA705F3}"/>
-                  </a:ext>
-                </a:extLst>
-              </p14:cNvPr>
-              <p14:cNvContentPartPr/>
-              <p14:nvPr/>
-            </p14:nvContentPartPr>
-            <p14:xfrm>
-              <a:off x="4009237" y="2292978"/>
-              <a:ext cx="1182240" cy="56520"/>
-            </p14:xfrm>
-          </p:contentPart>
-        </mc:Choice>
-        <mc:Fallback xmlns="">
-          <p:pic>
-            <p:nvPicPr>
-              <p:cNvPr id="8" name="Ink 7">
-                <a:extLst>
-                  <a:ext uri="{FF2B5EF4-FFF2-40B4-BE49-F238E27FC236}">
-                    <a16:creationId xmlns:a16="http://schemas.microsoft.com/office/drawing/2014/main" id="{58AAAFC8-661C-4F44-8829-42203AA705F3}"/>
-                  </a:ext>
-                </a:extLst>
-              </p:cNvPr>
-              <p:cNvPicPr/>
-              <p:nvPr/>
-            </p:nvPicPr>
-            <p:blipFill>
-              <a:blip r:embed="rId10"/>
-              <a:stretch>
-                <a:fillRect/>
-              </a:stretch>
-            </p:blipFill>
-            <p:spPr>
-              <a:xfrm>
-                <a:off x="3973237" y="2220978"/>
-                <a:ext cx="1253880" cy="200160"/>
-              </a:xfrm>
-              <a:prstGeom prst="rect">
-                <a:avLst/>
-              </a:prstGeom>
-            </p:spPr>
-          </p:pic>
-        </mc:Fallback>
-      </mc:AlternateContent>
-      <mc:AlternateContent xmlns:mc="http://schemas.openxmlformats.org/markup-compatibility/2006" xmlns:p14="http://schemas.microsoft.com/office/powerpoint/2010/main">
-        <mc:Choice Requires="p14">
-          <p:contentPart p14:bwMode="auto" r:id="rId11">
-            <p14:nvContentPartPr>
-              <p14:cNvPr id="9" name="Ink 8">
-                <a:extLst>
-                  <a:ext uri="{FF2B5EF4-FFF2-40B4-BE49-F238E27FC236}">
-                    <a16:creationId xmlns:a16="http://schemas.microsoft.com/office/drawing/2014/main" id="{D8ED9DE6-FF28-48DA-99AE-7DF6D164C99F}"/>
-                  </a:ext>
-                </a:extLst>
-              </p14:cNvPr>
-              <p14:cNvContentPartPr/>
-              <p14:nvPr/>
-            </p14:nvContentPartPr>
-            <p14:xfrm>
-              <a:off x="4009237" y="2405658"/>
-              <a:ext cx="1322640" cy="360"/>
-            </p14:xfrm>
-          </p:contentPart>
-        </mc:Choice>
-        <mc:Fallback xmlns="">
-          <p:pic>
-            <p:nvPicPr>
-              <p:cNvPr id="9" name="Ink 8">
-                <a:extLst>
-                  <a:ext uri="{FF2B5EF4-FFF2-40B4-BE49-F238E27FC236}">
-                    <a16:creationId xmlns:a16="http://schemas.microsoft.com/office/drawing/2014/main" id="{D8ED9DE6-FF28-48DA-99AE-7DF6D164C99F}"/>
-                  </a:ext>
-                </a:extLst>
-              </p:cNvPr>
-              <p:cNvPicPr/>
-              <p:nvPr/>
-            </p:nvPicPr>
-            <p:blipFill>
-              <a:blip r:embed="rId12"/>
-              <a:stretch>
-                <a:fillRect/>
-              </a:stretch>
-            </p:blipFill>
-            <p:spPr>
-              <a:xfrm>
-                <a:off x="3973237" y="2333658"/>
-                <a:ext cx="1394280" cy="144000"/>
-              </a:xfrm>
-              <a:prstGeom prst="rect">
-                <a:avLst/>
-              </a:prstGeom>
-            </p:spPr>
-          </p:pic>
-        </mc:Fallback>
-      </mc:AlternateContent>
-      <mc:AlternateContent xmlns:mc="http://schemas.openxmlformats.org/markup-compatibility/2006" xmlns:p14="http://schemas.microsoft.com/office/powerpoint/2010/main">
-        <mc:Choice Requires="p14">
-          <p:contentPart p14:bwMode="auto" r:id="rId13">
-            <p14:nvContentPartPr>
-              <p14:cNvPr id="10" name="Ink 9">
-                <a:extLst>
-                  <a:ext uri="{FF2B5EF4-FFF2-40B4-BE49-F238E27FC236}">
-                    <a16:creationId xmlns:a16="http://schemas.microsoft.com/office/drawing/2014/main" id="{C0F3FC7C-903D-4CCC-BDE7-6194D664ADDB}"/>
-                  </a:ext>
-                </a:extLst>
-              </p14:cNvPr>
-              <p14:cNvContentPartPr/>
-              <p14:nvPr/>
-            </p14:nvContentPartPr>
-            <p14:xfrm>
-              <a:off x="3896917" y="2465058"/>
-              <a:ext cx="1420920" cy="37440"/>
-            </p14:xfrm>
-          </p:contentPart>
-        </mc:Choice>
-        <mc:Fallback xmlns="">
-          <p:pic>
-            <p:nvPicPr>
-              <p:cNvPr id="10" name="Ink 9">
-                <a:extLst>
-                  <a:ext uri="{FF2B5EF4-FFF2-40B4-BE49-F238E27FC236}">
-                    <a16:creationId xmlns:a16="http://schemas.microsoft.com/office/drawing/2014/main" id="{C0F3FC7C-903D-4CCC-BDE7-6194D664ADDB}"/>
-                  </a:ext>
-                </a:extLst>
-              </p:cNvPr>
-              <p:cNvPicPr/>
-              <p:nvPr/>
-            </p:nvPicPr>
-            <p:blipFill>
-              <a:blip r:embed="rId14"/>
-              <a:stretch>
-                <a:fillRect/>
-              </a:stretch>
-            </p:blipFill>
-            <p:spPr>
-              <a:xfrm>
-                <a:off x="3860917" y="2393058"/>
-                <a:ext cx="1492560" cy="181080"/>
-              </a:xfrm>
-              <a:prstGeom prst="rect">
-                <a:avLst/>
-              </a:prstGeom>
-            </p:spPr>
-          </p:pic>
-        </mc:Fallback>
-      </mc:AlternateContent>
-      <mc:AlternateContent xmlns:mc="http://schemas.openxmlformats.org/markup-compatibility/2006" xmlns:p14="http://schemas.microsoft.com/office/powerpoint/2010/main">
-        <mc:Choice Requires="p14">
-          <p:contentPart p14:bwMode="auto" r:id="rId15">
-            <p14:nvContentPartPr>
-              <p14:cNvPr id="11" name="Ink 10">
-                <a:extLst>
-                  <a:ext uri="{FF2B5EF4-FFF2-40B4-BE49-F238E27FC236}">
-                    <a16:creationId xmlns:a16="http://schemas.microsoft.com/office/drawing/2014/main" id="{4D39A820-2DE4-4257-A7F3-8F7C155B50A6}"/>
-                  </a:ext>
-                </a:extLst>
-              </p14:cNvPr>
-              <p14:cNvContentPartPr/>
-              <p14:nvPr/>
-            </p14:nvContentPartPr>
-            <p14:xfrm>
-              <a:off x="1434877" y="5528298"/>
-              <a:ext cx="2842200" cy="85680"/>
-            </p14:xfrm>
-          </p:contentPart>
-        </mc:Choice>
-        <mc:Fallback xmlns="">
-          <p:pic>
-            <p:nvPicPr>
-              <p:cNvPr id="11" name="Ink 10">
-                <a:extLst>
-                  <a:ext uri="{FF2B5EF4-FFF2-40B4-BE49-F238E27FC236}">
-                    <a16:creationId xmlns:a16="http://schemas.microsoft.com/office/drawing/2014/main" id="{4D39A820-2DE4-4257-A7F3-8F7C155B50A6}"/>
-                  </a:ext>
-                </a:extLst>
-              </p:cNvPr>
-              <p:cNvPicPr/>
-              <p:nvPr/>
-            </p:nvPicPr>
-            <p:blipFill>
-              <a:blip r:embed="rId16"/>
-              <a:stretch>
-                <a:fillRect/>
-              </a:stretch>
-            </p:blipFill>
-            <p:spPr>
-              <a:xfrm>
-                <a:off x="1398877" y="5456298"/>
-                <a:ext cx="2913840" cy="229320"/>
-              </a:xfrm>
-              <a:prstGeom prst="rect">
-                <a:avLst/>
-              </a:prstGeom>
-            </p:spPr>
-          </p:pic>
-        </mc:Fallback>
-      </mc:AlternateContent>
-      <mc:AlternateContent xmlns:mc="http://schemas.openxmlformats.org/markup-compatibility/2006" xmlns:p14="http://schemas.microsoft.com/office/powerpoint/2010/main">
-        <mc:Choice Requires="p14">
-          <p:contentPart p14:bwMode="auto" r:id="rId17">
-            <p14:nvContentPartPr>
-              <p14:cNvPr id="12" name="Ink 11">
-                <a:extLst>
-                  <a:ext uri="{FF2B5EF4-FFF2-40B4-BE49-F238E27FC236}">
-                    <a16:creationId xmlns:a16="http://schemas.microsoft.com/office/drawing/2014/main" id="{8D104DB4-D0E2-4BBC-ACC2-68A9C7A939DD}"/>
-                  </a:ext>
-                </a:extLst>
-              </p14:cNvPr>
-              <p14:cNvContentPartPr/>
-              <p14:nvPr/>
-            </p14:nvContentPartPr>
-            <p14:xfrm>
-              <a:off x="3249637" y="5486538"/>
-              <a:ext cx="928800" cy="37440"/>
-            </p14:xfrm>
-          </p:contentPart>
-        </mc:Choice>
-        <mc:Fallback xmlns="">
-          <p:pic>
-            <p:nvPicPr>
-              <p:cNvPr id="12" name="Ink 11">
-                <a:extLst>
-                  <a:ext uri="{FF2B5EF4-FFF2-40B4-BE49-F238E27FC236}">
-                    <a16:creationId xmlns:a16="http://schemas.microsoft.com/office/drawing/2014/main" id="{8D104DB4-D0E2-4BBC-ACC2-68A9C7A939DD}"/>
-                  </a:ext>
-                </a:extLst>
-              </p:cNvPr>
-              <p:cNvPicPr/>
-              <p:nvPr/>
-            </p:nvPicPr>
-            <p:blipFill>
-              <a:blip r:embed="rId18"/>
-              <a:stretch>
-                <a:fillRect/>
-              </a:stretch>
-            </p:blipFill>
-            <p:spPr>
-              <a:xfrm>
-                <a:off x="3213637" y="5414538"/>
-                <a:ext cx="1000440" cy="181080"/>
-              </a:xfrm>
-              <a:prstGeom prst="rect">
-                <a:avLst/>
-              </a:prstGeom>
-            </p:spPr>
-          </p:pic>
-        </mc:Fallback>
-      </mc:AlternateContent>
     </p:spTree>
     <p:extLst>
       <p:ext uri="{BB962C8B-B14F-4D97-AF65-F5344CB8AC3E}">
@@ -20756,210 +17538,6 @@
           </a:prstGeom>
         </p:spPr>
       </p:pic>
-      <mc:AlternateContent xmlns:mc="http://schemas.openxmlformats.org/markup-compatibility/2006" xmlns:p14="http://schemas.microsoft.com/office/powerpoint/2010/main">
-        <mc:Choice Requires="p14">
-          <p:contentPart p14:bwMode="auto" r:id="rId3">
-            <p14:nvContentPartPr>
-              <p14:cNvPr id="5" name="Ink 4">
-                <a:extLst>
-                  <a:ext uri="{FF2B5EF4-FFF2-40B4-BE49-F238E27FC236}">
-                    <a16:creationId xmlns:a16="http://schemas.microsoft.com/office/drawing/2014/main" id="{F4D93209-EBE8-4CEA-AEF4-4F12B3F9F91D}"/>
-                  </a:ext>
-                </a:extLst>
-              </p14:cNvPr>
-              <p14:cNvContentPartPr/>
-              <p14:nvPr/>
-            </p14:nvContentPartPr>
-            <p14:xfrm>
-              <a:off x="5370257" y="851583"/>
-              <a:ext cx="4354560" cy="288000"/>
-            </p14:xfrm>
-          </p:contentPart>
-        </mc:Choice>
-        <mc:Fallback xmlns="">
-          <p:pic>
-            <p:nvPicPr>
-              <p:cNvPr id="5" name="Ink 4">
-                <a:extLst>
-                  <a:ext uri="{FF2B5EF4-FFF2-40B4-BE49-F238E27FC236}">
-                    <a16:creationId xmlns:a16="http://schemas.microsoft.com/office/drawing/2014/main" id="{F4D93209-EBE8-4CEA-AEF4-4F12B3F9F91D}"/>
-                  </a:ext>
-                </a:extLst>
-              </p:cNvPr>
-              <p:cNvPicPr/>
-              <p:nvPr/>
-            </p:nvPicPr>
-            <p:blipFill>
-              <a:blip r:embed="rId4"/>
-              <a:stretch>
-                <a:fillRect/>
-              </a:stretch>
-            </p:blipFill>
-            <p:spPr>
-              <a:xfrm>
-                <a:off x="5334257" y="779583"/>
-                <a:ext cx="4426200" cy="431640"/>
-              </a:xfrm>
-              <a:prstGeom prst="rect">
-                <a:avLst/>
-              </a:prstGeom>
-            </p:spPr>
-          </p:pic>
-        </mc:Fallback>
-      </mc:AlternateContent>
-      <mc:AlternateContent xmlns:mc="http://schemas.openxmlformats.org/markup-compatibility/2006" xmlns:p14="http://schemas.microsoft.com/office/powerpoint/2010/main">
-        <mc:Choice Requires="p14">
-          <p:contentPart p14:bwMode="auto" r:id="rId5">
-            <p14:nvContentPartPr>
-              <p14:cNvPr id="6" name="Ink 5">
-                <a:extLst>
-                  <a:ext uri="{FF2B5EF4-FFF2-40B4-BE49-F238E27FC236}">
-                    <a16:creationId xmlns:a16="http://schemas.microsoft.com/office/drawing/2014/main" id="{2B9E18D1-AD73-4311-A505-10CB26315195}"/>
-                  </a:ext>
-                </a:extLst>
-              </p14:cNvPr>
-              <p14:cNvContentPartPr/>
-              <p14:nvPr/>
-            </p14:nvContentPartPr>
-            <p14:xfrm>
-              <a:off x="667577" y="2741943"/>
-              <a:ext cx="8667000" cy="205200"/>
-            </p14:xfrm>
-          </p:contentPart>
-        </mc:Choice>
-        <mc:Fallback xmlns="">
-          <p:pic>
-            <p:nvPicPr>
-              <p:cNvPr id="6" name="Ink 5">
-                <a:extLst>
-                  <a:ext uri="{FF2B5EF4-FFF2-40B4-BE49-F238E27FC236}">
-                    <a16:creationId xmlns:a16="http://schemas.microsoft.com/office/drawing/2014/main" id="{2B9E18D1-AD73-4311-A505-10CB26315195}"/>
-                  </a:ext>
-                </a:extLst>
-              </p:cNvPr>
-              <p:cNvPicPr/>
-              <p:nvPr/>
-            </p:nvPicPr>
-            <p:blipFill>
-              <a:blip r:embed="rId6"/>
-              <a:stretch>
-                <a:fillRect/>
-              </a:stretch>
-            </p:blipFill>
-            <p:spPr>
-              <a:xfrm>
-                <a:off x="631577" y="2669943"/>
-                <a:ext cx="8738640" cy="348840"/>
-              </a:xfrm>
-              <a:prstGeom prst="rect">
-                <a:avLst/>
-              </a:prstGeom>
-            </p:spPr>
-          </p:pic>
-        </mc:Fallback>
-      </mc:AlternateContent>
-      <mc:AlternateContent xmlns:mc="http://schemas.openxmlformats.org/markup-compatibility/2006" xmlns:p14="http://schemas.microsoft.com/office/powerpoint/2010/main">
-        <mc:Choice Requires="p14">
-          <p:contentPart p14:bwMode="auto" r:id="rId7">
-            <p14:nvContentPartPr>
-              <p14:cNvPr id="7" name="Ink 6">
-                <a:extLst>
-                  <a:ext uri="{FF2B5EF4-FFF2-40B4-BE49-F238E27FC236}">
-                    <a16:creationId xmlns:a16="http://schemas.microsoft.com/office/drawing/2014/main" id="{721A9412-2AA2-49FC-B4C3-8218B767FB4A}"/>
-                  </a:ext>
-                </a:extLst>
-              </p14:cNvPr>
-              <p14:cNvContentPartPr/>
-              <p14:nvPr/>
-            </p14:nvContentPartPr>
-            <p14:xfrm>
-              <a:off x="6096017" y="2817903"/>
-              <a:ext cx="987480" cy="30600"/>
-            </p14:xfrm>
-          </p:contentPart>
-        </mc:Choice>
-        <mc:Fallback xmlns="">
-          <p:pic>
-            <p:nvPicPr>
-              <p:cNvPr id="7" name="Ink 6">
-                <a:extLst>
-                  <a:ext uri="{FF2B5EF4-FFF2-40B4-BE49-F238E27FC236}">
-                    <a16:creationId xmlns:a16="http://schemas.microsoft.com/office/drawing/2014/main" id="{721A9412-2AA2-49FC-B4C3-8218B767FB4A}"/>
-                  </a:ext>
-                </a:extLst>
-              </p:cNvPr>
-              <p:cNvPicPr/>
-              <p:nvPr/>
-            </p:nvPicPr>
-            <p:blipFill>
-              <a:blip r:embed="rId8"/>
-              <a:stretch>
-                <a:fillRect/>
-              </a:stretch>
-            </p:blipFill>
-            <p:spPr>
-              <a:xfrm>
-                <a:off x="6060017" y="2745903"/>
-                <a:ext cx="1059120" cy="174240"/>
-              </a:xfrm>
-              <a:prstGeom prst="rect">
-                <a:avLst/>
-              </a:prstGeom>
-            </p:spPr>
-          </p:pic>
-        </mc:Fallback>
-      </mc:AlternateContent>
-      <mc:AlternateContent xmlns:mc="http://schemas.openxmlformats.org/markup-compatibility/2006" xmlns:p14="http://schemas.microsoft.com/office/powerpoint/2010/main">
-        <mc:Choice Requires="p14">
-          <p:contentPart p14:bwMode="auto" r:id="rId9">
-            <p14:nvContentPartPr>
-              <p14:cNvPr id="8" name="Ink 7">
-                <a:extLst>
-                  <a:ext uri="{FF2B5EF4-FFF2-40B4-BE49-F238E27FC236}">
-                    <a16:creationId xmlns:a16="http://schemas.microsoft.com/office/drawing/2014/main" id="{D40D589D-FD15-425E-BC89-F587BABB882F}"/>
-                  </a:ext>
-                </a:extLst>
-              </p14:cNvPr>
-              <p14:cNvContentPartPr/>
-              <p14:nvPr/>
-            </p14:nvContentPartPr>
-            <p14:xfrm>
-              <a:off x="707760" y="4851000"/>
-              <a:ext cx="8812080" cy="635760"/>
-            </p14:xfrm>
-          </p:contentPart>
-        </mc:Choice>
-        <mc:Fallback xmlns="">
-          <p:pic>
-            <p:nvPicPr>
-              <p:cNvPr id="8" name="Ink 7">
-                <a:extLst>
-                  <a:ext uri="{FF2B5EF4-FFF2-40B4-BE49-F238E27FC236}">
-                    <a16:creationId xmlns:a16="http://schemas.microsoft.com/office/drawing/2014/main" id="{D40D589D-FD15-425E-BC89-F587BABB882F}"/>
-                  </a:ext>
-                </a:extLst>
-              </p:cNvPr>
-              <p:cNvPicPr/>
-              <p:nvPr/>
-            </p:nvPicPr>
-            <p:blipFill>
-              <a:blip r:embed="rId10"/>
-              <a:stretch>
-                <a:fillRect/>
-              </a:stretch>
-            </p:blipFill>
-            <p:spPr>
-              <a:xfrm>
-                <a:off x="698400" y="4841640"/>
-                <a:ext cx="8830800" cy="654480"/>
-              </a:xfrm>
-              <a:prstGeom prst="rect">
-                <a:avLst/>
-              </a:prstGeom>
-            </p:spPr>
-          </p:pic>
-        </mc:Fallback>
-      </mc:AlternateContent>
     </p:spTree>
     <p:extLst>
       <p:ext uri="{BB962C8B-B14F-4D97-AF65-F5344CB8AC3E}">
@@ -21115,159 +17693,6 @@
           </a:prstGeom>
         </p:spPr>
       </p:pic>
-      <mc:AlternateContent xmlns:mc="http://schemas.openxmlformats.org/markup-compatibility/2006" xmlns:p14="http://schemas.microsoft.com/office/powerpoint/2010/main">
-        <mc:Choice Requires="p14">
-          <p:contentPart p14:bwMode="auto" r:id="rId5">
-            <p14:nvContentPartPr>
-              <p14:cNvPr id="5" name="Ink 4">
-                <a:extLst>
-                  <a:ext uri="{FF2B5EF4-FFF2-40B4-BE49-F238E27FC236}">
-                    <a16:creationId xmlns:a16="http://schemas.microsoft.com/office/drawing/2014/main" id="{BF91E15C-869B-436D-828B-ABB19C0F6F05}"/>
-                  </a:ext>
-                </a:extLst>
-              </p14:cNvPr>
-              <p14:cNvContentPartPr/>
-              <p14:nvPr/>
-            </p14:nvContentPartPr>
-            <p14:xfrm>
-              <a:off x="196836" y="618518"/>
-              <a:ext cx="2813649" cy="579170"/>
-            </p14:xfrm>
-          </p:contentPart>
-        </mc:Choice>
-        <mc:Fallback xmlns="">
-          <p:pic>
-            <p:nvPicPr>
-              <p:cNvPr id="5" name="Ink 4">
-                <a:extLst>
-                  <a:ext uri="{FF2B5EF4-FFF2-40B4-BE49-F238E27FC236}">
-                    <a16:creationId xmlns:a16="http://schemas.microsoft.com/office/drawing/2014/main" id="{BF91E15C-869B-436D-828B-ABB19C0F6F05}"/>
-                  </a:ext>
-                </a:extLst>
-              </p:cNvPr>
-              <p:cNvPicPr/>
-              <p:nvPr/>
-            </p:nvPicPr>
-            <p:blipFill>
-              <a:blip r:embed="rId6"/>
-              <a:stretch>
-                <a:fillRect/>
-              </a:stretch>
-            </p:blipFill>
-            <p:spPr>
-              <a:xfrm>
-                <a:off x="160833" y="545205"/>
-                <a:ext cx="2885295" cy="725429"/>
-              </a:xfrm>
-              <a:prstGeom prst="rect">
-                <a:avLst/>
-              </a:prstGeom>
-            </p:spPr>
-          </p:pic>
-        </mc:Fallback>
-      </mc:AlternateContent>
-      <mc:AlternateContent xmlns:mc="http://schemas.openxmlformats.org/markup-compatibility/2006" xmlns:p14="http://schemas.microsoft.com/office/powerpoint/2010/main">
-        <mc:Choice Requires="p14">
-          <p:contentPart p14:bwMode="auto" r:id="rId7">
-            <p14:nvContentPartPr>
-              <p14:cNvPr id="6" name="Ink 5">
-                <a:extLst>
-                  <a:ext uri="{FF2B5EF4-FFF2-40B4-BE49-F238E27FC236}">
-                    <a16:creationId xmlns:a16="http://schemas.microsoft.com/office/drawing/2014/main" id="{28AAD7CD-B65E-42BA-90FE-F21779E85F35}"/>
-                  </a:ext>
-                </a:extLst>
-              </p14:cNvPr>
-              <p14:cNvContentPartPr/>
-              <p14:nvPr/>
-            </p14:nvContentPartPr>
-            <p14:xfrm>
-              <a:off x="5894197" y="2078668"/>
-              <a:ext cx="4600800" cy="74520"/>
-            </p14:xfrm>
-          </p:contentPart>
-        </mc:Choice>
-        <mc:Fallback xmlns="">
-          <p:pic>
-            <p:nvPicPr>
-              <p:cNvPr id="6" name="Ink 5">
-                <a:extLst>
-                  <a:ext uri="{FF2B5EF4-FFF2-40B4-BE49-F238E27FC236}">
-                    <a16:creationId xmlns:a16="http://schemas.microsoft.com/office/drawing/2014/main" id="{28AAD7CD-B65E-42BA-90FE-F21779E85F35}"/>
-                  </a:ext>
-                </a:extLst>
-              </p:cNvPr>
-              <p:cNvPicPr/>
-              <p:nvPr/>
-            </p:nvPicPr>
-            <p:blipFill>
-              <a:blip r:embed="rId8"/>
-              <a:stretch>
-                <a:fillRect/>
-              </a:stretch>
-            </p:blipFill>
-            <p:spPr>
-              <a:xfrm>
-                <a:off x="5858197" y="2006668"/>
-                <a:ext cx="4672440" cy="218160"/>
-              </a:xfrm>
-              <a:prstGeom prst="rect">
-                <a:avLst/>
-              </a:prstGeom>
-            </p:spPr>
-          </p:pic>
-        </mc:Fallback>
-      </mc:AlternateContent>
-      <mc:AlternateContent xmlns:mc="http://schemas.openxmlformats.org/markup-compatibility/2006" xmlns:p14="http://schemas.microsoft.com/office/powerpoint/2010/main">
-        <mc:Choice Requires="p14">
-          <p:contentPart p14:bwMode="auto" r:id="rId9">
-            <p14:nvContentPartPr>
-              <p14:cNvPr id="7" name="Ink 6">
-                <a:extLst>
-                  <a:ext uri="{FF2B5EF4-FFF2-40B4-BE49-F238E27FC236}">
-                    <a16:creationId xmlns:a16="http://schemas.microsoft.com/office/drawing/2014/main" id="{5C530777-7F79-4A17-AC72-B1F3468714F9}"/>
-                  </a:ext>
-                </a:extLst>
-              </p14:cNvPr>
-              <p14:cNvContentPartPr/>
-              <p14:nvPr/>
-            </p14:nvContentPartPr>
-            <p14:xfrm>
-              <a:off x="1434877" y="1625068"/>
-              <a:ext cx="8623800" cy="44640"/>
-            </p14:xfrm>
-          </p:contentPart>
-        </mc:Choice>
-        <mc:Fallback xmlns="">
-          <p:pic>
-            <p:nvPicPr>
-              <p:cNvPr id="7" name="Ink 6">
-                <a:extLst>
-                  <a:ext uri="{FF2B5EF4-FFF2-40B4-BE49-F238E27FC236}">
-                    <a16:creationId xmlns:a16="http://schemas.microsoft.com/office/drawing/2014/main" id="{5C530777-7F79-4A17-AC72-B1F3468714F9}"/>
-                  </a:ext>
-                </a:extLst>
-              </p:cNvPr>
-              <p:cNvPicPr/>
-              <p:nvPr/>
-            </p:nvPicPr>
-            <p:blipFill>
-              <a:blip r:embed="rId10"/>
-              <a:stretch>
-                <a:fillRect/>
-              </a:stretch>
-            </p:blipFill>
-            <p:spPr>
-              <a:xfrm>
-                <a:off x="1398877" y="1553068"/>
-                <a:ext cx="8695440" cy="188280"/>
-              </a:xfrm>
-              <a:prstGeom prst="rect">
-                <a:avLst/>
-              </a:prstGeom>
-            </p:spPr>
-          </p:pic>
-        </mc:Fallback>
-      </mc:AlternateContent>
     </p:spTree>
     <p:extLst>
       <p:ext uri="{BB962C8B-B14F-4D97-AF65-F5344CB8AC3E}">
@@ -21605,57 +18030,6 @@
           </a:p>
         </p:txBody>
       </p:sp>
-      <mc:AlternateContent xmlns:mc="http://schemas.openxmlformats.org/markup-compatibility/2006" xmlns:p14="http://schemas.microsoft.com/office/powerpoint/2010/main">
-        <mc:Choice Requires="p14">
-          <p:contentPart p14:bwMode="auto" r:id="rId2">
-            <p14:nvContentPartPr>
-              <p14:cNvPr id="4" name="Ink 3">
-                <a:extLst>
-                  <a:ext uri="{FF2B5EF4-FFF2-40B4-BE49-F238E27FC236}">
-                    <a16:creationId xmlns:a16="http://schemas.microsoft.com/office/drawing/2014/main" id="{58D04967-AC31-4025-B4AE-D29399A3156E}"/>
-                  </a:ext>
-                </a:extLst>
-              </p14:cNvPr>
-              <p14:cNvContentPartPr/>
-              <p14:nvPr/>
-            </p14:nvContentPartPr>
-            <p14:xfrm>
-              <a:off x="1357920" y="2772000"/>
-              <a:ext cx="1127160" cy="1718640"/>
-            </p14:xfrm>
-          </p:contentPart>
-        </mc:Choice>
-        <mc:Fallback xmlns="">
-          <p:pic>
-            <p:nvPicPr>
-              <p:cNvPr id="4" name="Ink 3">
-                <a:extLst>
-                  <a:ext uri="{FF2B5EF4-FFF2-40B4-BE49-F238E27FC236}">
-                    <a16:creationId xmlns:a16="http://schemas.microsoft.com/office/drawing/2014/main" id="{58D04967-AC31-4025-B4AE-D29399A3156E}"/>
-                  </a:ext>
-                </a:extLst>
-              </p:cNvPr>
-              <p:cNvPicPr/>
-              <p:nvPr/>
-            </p:nvPicPr>
-            <p:blipFill>
-              <a:blip r:embed="rId3"/>
-              <a:stretch>
-                <a:fillRect/>
-              </a:stretch>
-            </p:blipFill>
-            <p:spPr>
-              <a:xfrm>
-                <a:off x="1348560" y="2762640"/>
-                <a:ext cx="1145880" cy="1737360"/>
-              </a:xfrm>
-              <a:prstGeom prst="rect">
-                <a:avLst/>
-              </a:prstGeom>
-            </p:spPr>
-          </p:pic>
-        </mc:Fallback>
-      </mc:AlternateContent>
     </p:spTree>
     <p:extLst>
       <p:ext uri="{BB962C8B-B14F-4D97-AF65-F5344CB8AC3E}">
@@ -22369,57 +18743,6 @@
           </a:p>
         </p:txBody>
       </p:sp>
-      <mc:AlternateContent xmlns:mc="http://schemas.openxmlformats.org/markup-compatibility/2006" xmlns:p14="http://schemas.microsoft.com/office/powerpoint/2010/main">
-        <mc:Choice Requires="p14">
-          <p:contentPart p14:bwMode="auto" r:id="rId2">
-            <p14:nvContentPartPr>
-              <p14:cNvPr id="4" name="Ink 3">
-                <a:extLst>
-                  <a:ext uri="{FF2B5EF4-FFF2-40B4-BE49-F238E27FC236}">
-                    <a16:creationId xmlns:a16="http://schemas.microsoft.com/office/drawing/2014/main" id="{AEF2E523-F205-4920-BE38-8EEA103A93B4}"/>
-                  </a:ext>
-                </a:extLst>
-              </p14:cNvPr>
-              <p14:cNvContentPartPr/>
-              <p14:nvPr/>
-            </p14:nvContentPartPr>
-            <p14:xfrm>
-              <a:off x="1083240" y="2815200"/>
-              <a:ext cx="7194240" cy="1328760"/>
-            </p14:xfrm>
-          </p:contentPart>
-        </mc:Choice>
-        <mc:Fallback xmlns="">
-          <p:pic>
-            <p:nvPicPr>
-              <p:cNvPr id="4" name="Ink 3">
-                <a:extLst>
-                  <a:ext uri="{FF2B5EF4-FFF2-40B4-BE49-F238E27FC236}">
-                    <a16:creationId xmlns:a16="http://schemas.microsoft.com/office/drawing/2014/main" id="{AEF2E523-F205-4920-BE38-8EEA103A93B4}"/>
-                  </a:ext>
-                </a:extLst>
-              </p:cNvPr>
-              <p:cNvPicPr/>
-              <p:nvPr/>
-            </p:nvPicPr>
-            <p:blipFill>
-              <a:blip r:embed="rId3"/>
-              <a:stretch>
-                <a:fillRect/>
-              </a:stretch>
-            </p:blipFill>
-            <p:spPr>
-              <a:xfrm>
-                <a:off x="1073880" y="2805840"/>
-                <a:ext cx="7212960" cy="1347480"/>
-              </a:xfrm>
-              <a:prstGeom prst="rect">
-                <a:avLst/>
-              </a:prstGeom>
-            </p:spPr>
-          </p:pic>
-        </mc:Fallback>
-      </mc:AlternateContent>
     </p:spTree>
     <p:extLst>
       <p:ext uri="{BB962C8B-B14F-4D97-AF65-F5344CB8AC3E}">
@@ -22865,57 +19188,6 @@
           </a:p>
         </p:txBody>
       </p:sp>
-      <mc:AlternateContent xmlns:mc="http://schemas.openxmlformats.org/markup-compatibility/2006" xmlns:p14="http://schemas.microsoft.com/office/powerpoint/2010/main">
-        <mc:Choice Requires="p14">
-          <p:contentPart p14:bwMode="auto" r:id="rId2">
-            <p14:nvContentPartPr>
-              <p14:cNvPr id="4" name="Ink 3">
-                <a:extLst>
-                  <a:ext uri="{FF2B5EF4-FFF2-40B4-BE49-F238E27FC236}">
-                    <a16:creationId xmlns:a16="http://schemas.microsoft.com/office/drawing/2014/main" id="{97CD2BD8-FA16-4EAD-932A-6B0E67443FFC}"/>
-                  </a:ext>
-                </a:extLst>
-              </p14:cNvPr>
-              <p14:cNvContentPartPr/>
-              <p14:nvPr/>
-            </p14:nvContentPartPr>
-            <p14:xfrm>
-              <a:off x="1068840" y="2728800"/>
-              <a:ext cx="3192840" cy="1805040"/>
-            </p14:xfrm>
-          </p:contentPart>
-        </mc:Choice>
-        <mc:Fallback xmlns="">
-          <p:pic>
-            <p:nvPicPr>
-              <p:cNvPr id="4" name="Ink 3">
-                <a:extLst>
-                  <a:ext uri="{FF2B5EF4-FFF2-40B4-BE49-F238E27FC236}">
-                    <a16:creationId xmlns:a16="http://schemas.microsoft.com/office/drawing/2014/main" id="{97CD2BD8-FA16-4EAD-932A-6B0E67443FFC}"/>
-                  </a:ext>
-                </a:extLst>
-              </p:cNvPr>
-              <p:cNvPicPr/>
-              <p:nvPr/>
-            </p:nvPicPr>
-            <p:blipFill>
-              <a:blip r:embed="rId3"/>
-              <a:stretch>
-                <a:fillRect/>
-              </a:stretch>
-            </p:blipFill>
-            <p:spPr>
-              <a:xfrm>
-                <a:off x="1059480" y="2719440"/>
-                <a:ext cx="3211560" cy="1823760"/>
-              </a:xfrm>
-              <a:prstGeom prst="rect">
-                <a:avLst/>
-              </a:prstGeom>
-            </p:spPr>
-          </p:pic>
-        </mc:Fallback>
-      </mc:AlternateContent>
     </p:spTree>
     <p:extLst>
       <p:ext uri="{BB962C8B-B14F-4D97-AF65-F5344CB8AC3E}">
@@ -23192,36 +19464,6 @@
       </p:sp>
       <p:sp>
         <p:nvSpPr>
-          <p:cNvPr id="7" name="Content Placeholder 6">
-            <a:extLst>
-              <a:ext uri="{FF2B5EF4-FFF2-40B4-BE49-F238E27FC236}">
-                <a16:creationId xmlns:a16="http://schemas.microsoft.com/office/drawing/2014/main" id="{69D092ED-0EC2-4A3D-87E8-107C45EB0BED}"/>
-              </a:ext>
-            </a:extLst>
-          </p:cNvPr>
-          <p:cNvSpPr>
-            <a:spLocks noGrp="1"/>
-          </p:cNvSpPr>
-          <p:nvPr>
-            <p:ph idx="1"/>
-          </p:nvPr>
-        </p:nvSpPr>
-        <p:spPr>
-          <a:xfrm>
-            <a:off x="1228725" y="1905000"/>
-            <a:ext cx="9905999" cy="3541714"/>
-          </a:xfrm>
-        </p:spPr>
-        <p:txBody>
-          <a:bodyPr/>
-          <a:lstStyle/>
-          <a:p>
-            <a:endParaRPr lang="en-US"/>
-          </a:p>
-        </p:txBody>
-      </p:sp>
-      <p:sp>
-        <p:nvSpPr>
           <p:cNvPr id="8" name="Rectangle: Rounded Corners 7">
             <a:extLst>
               <a:ext uri="{FF2B5EF4-FFF2-40B4-BE49-F238E27FC236}">
@@ -23582,57 +19824,6 @@
           </a:p>
         </p:txBody>
       </p:sp>
-      <mc:AlternateContent xmlns:mc="http://schemas.openxmlformats.org/markup-compatibility/2006" xmlns:p14="http://schemas.microsoft.com/office/powerpoint/2010/main">
-        <mc:Choice Requires="p14">
-          <p:contentPart p14:bwMode="auto" r:id="rId3">
-            <p14:nvContentPartPr>
-              <p14:cNvPr id="10" name="Ink 9">
-                <a:extLst>
-                  <a:ext uri="{FF2B5EF4-FFF2-40B4-BE49-F238E27FC236}">
-                    <a16:creationId xmlns:a16="http://schemas.microsoft.com/office/drawing/2014/main" id="{FA2EC93D-6F3D-4867-BBD8-3E6506A8809D}"/>
-                  </a:ext>
-                </a:extLst>
-              </p14:cNvPr>
-              <p14:cNvContentPartPr/>
-              <p14:nvPr/>
-            </p14:nvContentPartPr>
-            <p14:xfrm>
-              <a:off x="2397960" y="2468880"/>
-              <a:ext cx="5749560" cy="4071960"/>
-            </p14:xfrm>
-          </p:contentPart>
-        </mc:Choice>
-        <mc:Fallback xmlns="">
-          <p:pic>
-            <p:nvPicPr>
-              <p:cNvPr id="10" name="Ink 9">
-                <a:extLst>
-                  <a:ext uri="{FF2B5EF4-FFF2-40B4-BE49-F238E27FC236}">
-                    <a16:creationId xmlns:a16="http://schemas.microsoft.com/office/drawing/2014/main" id="{FA2EC93D-6F3D-4867-BBD8-3E6506A8809D}"/>
-                  </a:ext>
-                </a:extLst>
-              </p:cNvPr>
-              <p:cNvPicPr/>
-              <p:nvPr/>
-            </p:nvPicPr>
-            <p:blipFill>
-              <a:blip r:embed="rId4"/>
-              <a:stretch>
-                <a:fillRect/>
-              </a:stretch>
-            </p:blipFill>
-            <p:spPr>
-              <a:xfrm>
-                <a:off x="2388600" y="2459520"/>
-                <a:ext cx="5768280" cy="4090680"/>
-              </a:xfrm>
-              <a:prstGeom prst="rect">
-                <a:avLst/>
-              </a:prstGeom>
-            </p:spPr>
-          </p:pic>
-        </mc:Fallback>
-      </mc:AlternateContent>
     </p:spTree>
     <p:extLst>
       <p:ext uri="{BB962C8B-B14F-4D97-AF65-F5344CB8AC3E}">
@@ -23750,108 +19941,6 @@
           </a:prstGeom>
         </p:spPr>
       </p:pic>
-      <mc:AlternateContent xmlns:mc="http://schemas.openxmlformats.org/markup-compatibility/2006" xmlns:p14="http://schemas.microsoft.com/office/powerpoint/2010/main">
-        <mc:Choice Requires="p14">
-          <p:contentPart p14:bwMode="auto" r:id="rId4">
-            <p14:nvContentPartPr>
-              <p14:cNvPr id="8" name="Ink 7">
-                <a:extLst>
-                  <a:ext uri="{FF2B5EF4-FFF2-40B4-BE49-F238E27FC236}">
-                    <a16:creationId xmlns:a16="http://schemas.microsoft.com/office/drawing/2014/main" id="{40F14C33-5DCC-4C23-8E82-379A856CAA97}"/>
-                  </a:ext>
-                </a:extLst>
-              </p14:cNvPr>
-              <p14:cNvContentPartPr/>
-              <p14:nvPr/>
-            </p14:nvContentPartPr>
-            <p14:xfrm>
-              <a:off x="3252211" y="3709135"/>
-              <a:ext cx="2842200" cy="507240"/>
-            </p14:xfrm>
-          </p:contentPart>
-        </mc:Choice>
-        <mc:Fallback xmlns="">
-          <p:pic>
-            <p:nvPicPr>
-              <p:cNvPr id="8" name="Ink 7">
-                <a:extLst>
-                  <a:ext uri="{FF2B5EF4-FFF2-40B4-BE49-F238E27FC236}">
-                    <a16:creationId xmlns:a16="http://schemas.microsoft.com/office/drawing/2014/main" id="{40F14C33-5DCC-4C23-8E82-379A856CAA97}"/>
-                  </a:ext>
-                </a:extLst>
-              </p:cNvPr>
-              <p:cNvPicPr/>
-              <p:nvPr/>
-            </p:nvPicPr>
-            <p:blipFill>
-              <a:blip r:embed="rId5"/>
-              <a:stretch>
-                <a:fillRect/>
-              </a:stretch>
-            </p:blipFill>
-            <p:spPr>
-              <a:xfrm>
-                <a:off x="3246091" y="3703015"/>
-                <a:ext cx="2854440" cy="519480"/>
-              </a:xfrm>
-              <a:prstGeom prst="rect">
-                <a:avLst/>
-              </a:prstGeom>
-            </p:spPr>
-          </p:pic>
-        </mc:Fallback>
-      </mc:AlternateContent>
-      <mc:AlternateContent xmlns:mc="http://schemas.openxmlformats.org/markup-compatibility/2006" xmlns:p14="http://schemas.microsoft.com/office/powerpoint/2010/main">
-        <mc:Choice Requires="p14">
-          <p:contentPart p14:bwMode="auto" r:id="rId6">
-            <p14:nvContentPartPr>
-              <p14:cNvPr id="11" name="Ink 10">
-                <a:extLst>
-                  <a:ext uri="{FF2B5EF4-FFF2-40B4-BE49-F238E27FC236}">
-                    <a16:creationId xmlns:a16="http://schemas.microsoft.com/office/drawing/2014/main" id="{0DB807F0-F55D-4B8F-BB23-E13A45D5BBA2}"/>
-                  </a:ext>
-                </a:extLst>
-              </p14:cNvPr>
-              <p14:cNvContentPartPr/>
-              <p14:nvPr/>
-            </p14:nvContentPartPr>
-            <p14:xfrm>
-              <a:off x="3252211" y="5319883"/>
-              <a:ext cx="2688120" cy="480240"/>
-            </p14:xfrm>
-          </p:contentPart>
-        </mc:Choice>
-        <mc:Fallback xmlns="">
-          <p:pic>
-            <p:nvPicPr>
-              <p:cNvPr id="11" name="Ink 10">
-                <a:extLst>
-                  <a:ext uri="{FF2B5EF4-FFF2-40B4-BE49-F238E27FC236}">
-                    <a16:creationId xmlns:a16="http://schemas.microsoft.com/office/drawing/2014/main" id="{0DB807F0-F55D-4B8F-BB23-E13A45D5BBA2}"/>
-                  </a:ext>
-                </a:extLst>
-              </p:cNvPr>
-              <p:cNvPicPr/>
-              <p:nvPr/>
-            </p:nvPicPr>
-            <p:blipFill>
-              <a:blip r:embed="rId7"/>
-              <a:stretch>
-                <a:fillRect/>
-              </a:stretch>
-            </p:blipFill>
-            <p:spPr>
-              <a:xfrm>
-                <a:off x="3243211" y="5310883"/>
-                <a:ext cx="2703240" cy="497880"/>
-              </a:xfrm>
-              <a:prstGeom prst="rect">
-                <a:avLst/>
-              </a:prstGeom>
-            </p:spPr>
-          </p:pic>
-        </mc:Fallback>
-      </mc:AlternateContent>
     </p:spTree>
     <p:extLst>
       <p:ext uri="{BB962C8B-B14F-4D97-AF65-F5344CB8AC3E}">
@@ -23965,261 +20054,6 @@
           </a:prstGeom>
         </p:spPr>
       </p:pic>
-      <mc:AlternateContent xmlns:mc="http://schemas.openxmlformats.org/markup-compatibility/2006" xmlns:p14="http://schemas.microsoft.com/office/powerpoint/2010/main">
-        <mc:Choice Requires="p14">
-          <p:contentPart p14:bwMode="auto" r:id="rId3">
-            <p14:nvContentPartPr>
-              <p14:cNvPr id="6" name="Ink 5">
-                <a:extLst>
-                  <a:ext uri="{FF2B5EF4-FFF2-40B4-BE49-F238E27FC236}">
-                    <a16:creationId xmlns:a16="http://schemas.microsoft.com/office/drawing/2014/main" id="{2C86290F-B4F4-4843-A5FF-4AEFA1241445}"/>
-                  </a:ext>
-                </a:extLst>
-              </p14:cNvPr>
-              <p14:cNvContentPartPr/>
-              <p14:nvPr/>
-            </p14:nvContentPartPr>
-            <p14:xfrm>
-              <a:off x="9608345" y="3857178"/>
-              <a:ext cx="1326600" cy="386640"/>
-            </p14:xfrm>
-          </p:contentPart>
-        </mc:Choice>
-        <mc:Fallback xmlns="">
-          <p:pic>
-            <p:nvPicPr>
-              <p:cNvPr id="6" name="Ink 5">
-                <a:extLst>
-                  <a:ext uri="{FF2B5EF4-FFF2-40B4-BE49-F238E27FC236}">
-                    <a16:creationId xmlns:a16="http://schemas.microsoft.com/office/drawing/2014/main" id="{2C86290F-B4F4-4843-A5FF-4AEFA1241445}"/>
-                  </a:ext>
-                </a:extLst>
-              </p:cNvPr>
-              <p:cNvPicPr/>
-              <p:nvPr/>
-            </p:nvPicPr>
-            <p:blipFill>
-              <a:blip r:embed="rId4"/>
-              <a:stretch>
-                <a:fillRect/>
-              </a:stretch>
-            </p:blipFill>
-            <p:spPr>
-              <a:xfrm>
-                <a:off x="9602225" y="3851058"/>
-                <a:ext cx="1338840" cy="398880"/>
-              </a:xfrm>
-              <a:prstGeom prst="rect">
-                <a:avLst/>
-              </a:prstGeom>
-            </p:spPr>
-          </p:pic>
-        </mc:Fallback>
-      </mc:AlternateContent>
-      <mc:AlternateContent xmlns:mc="http://schemas.openxmlformats.org/markup-compatibility/2006" xmlns:p14="http://schemas.microsoft.com/office/powerpoint/2010/main">
-        <mc:Choice Requires="p14">
-          <p:contentPart p14:bwMode="auto" r:id="rId5">
-            <p14:nvContentPartPr>
-              <p14:cNvPr id="8" name="Ink 7">
-                <a:extLst>
-                  <a:ext uri="{FF2B5EF4-FFF2-40B4-BE49-F238E27FC236}">
-                    <a16:creationId xmlns:a16="http://schemas.microsoft.com/office/drawing/2014/main" id="{CC446D81-710C-44AB-9684-A92DF28AB15F}"/>
-                  </a:ext>
-                </a:extLst>
-              </p14:cNvPr>
-              <p14:cNvContentPartPr/>
-              <p14:nvPr/>
-            </p14:nvContentPartPr>
-            <p14:xfrm>
-              <a:off x="2265065" y="4006218"/>
-              <a:ext cx="2899800" cy="469800"/>
-            </p14:xfrm>
-          </p:contentPart>
-        </mc:Choice>
-        <mc:Fallback xmlns="">
-          <p:pic>
-            <p:nvPicPr>
-              <p:cNvPr id="8" name="Ink 7">
-                <a:extLst>
-                  <a:ext uri="{FF2B5EF4-FFF2-40B4-BE49-F238E27FC236}">
-                    <a16:creationId xmlns:a16="http://schemas.microsoft.com/office/drawing/2014/main" id="{CC446D81-710C-44AB-9684-A92DF28AB15F}"/>
-                  </a:ext>
-                </a:extLst>
-              </p:cNvPr>
-              <p:cNvPicPr/>
-              <p:nvPr/>
-            </p:nvPicPr>
-            <p:blipFill>
-              <a:blip r:embed="rId6"/>
-              <a:stretch>
-                <a:fillRect/>
-              </a:stretch>
-            </p:blipFill>
-            <p:spPr>
-              <a:xfrm>
-                <a:off x="2258945" y="4000098"/>
-                <a:ext cx="2912040" cy="482040"/>
-              </a:xfrm>
-              <a:prstGeom prst="rect">
-                <a:avLst/>
-              </a:prstGeom>
-            </p:spPr>
-          </p:pic>
-        </mc:Fallback>
-      </mc:AlternateContent>
-      <mc:AlternateContent xmlns:mc="http://schemas.openxmlformats.org/markup-compatibility/2006" xmlns:p14="http://schemas.microsoft.com/office/powerpoint/2010/main">
-        <mc:Choice Requires="p14">
-          <p:contentPart p14:bwMode="auto" r:id="rId7">
-            <p14:nvContentPartPr>
-              <p14:cNvPr id="10" name="Ink 9">
-                <a:extLst>
-                  <a:ext uri="{FF2B5EF4-FFF2-40B4-BE49-F238E27FC236}">
-                    <a16:creationId xmlns:a16="http://schemas.microsoft.com/office/drawing/2014/main" id="{7C8F09E0-A633-40BD-88F1-6DF8D371FD64}"/>
-                  </a:ext>
-                </a:extLst>
-              </p14:cNvPr>
-              <p14:cNvContentPartPr/>
-              <p14:nvPr/>
-            </p14:nvContentPartPr>
-            <p14:xfrm>
-              <a:off x="2531465" y="4253538"/>
-              <a:ext cx="1311120" cy="372960"/>
-            </p14:xfrm>
-          </p:contentPart>
-        </mc:Choice>
-        <mc:Fallback xmlns="">
-          <p:pic>
-            <p:nvPicPr>
-              <p:cNvPr id="10" name="Ink 9">
-                <a:extLst>
-                  <a:ext uri="{FF2B5EF4-FFF2-40B4-BE49-F238E27FC236}">
-                    <a16:creationId xmlns:a16="http://schemas.microsoft.com/office/drawing/2014/main" id="{7C8F09E0-A633-40BD-88F1-6DF8D371FD64}"/>
-                  </a:ext>
-                </a:extLst>
-              </p:cNvPr>
-              <p:cNvPicPr/>
-              <p:nvPr/>
-            </p:nvPicPr>
-            <p:blipFill>
-              <a:blip r:embed="rId8"/>
-              <a:stretch>
-                <a:fillRect/>
-              </a:stretch>
-            </p:blipFill>
-            <p:spPr>
-              <a:xfrm>
-                <a:off x="2525345" y="4247418"/>
-                <a:ext cx="1323360" cy="385200"/>
-              </a:xfrm>
-              <a:prstGeom prst="rect">
-                <a:avLst/>
-              </a:prstGeom>
-            </p:spPr>
-          </p:pic>
-        </mc:Fallback>
-      </mc:AlternateContent>
-      <mc:AlternateContent xmlns:mc="http://schemas.openxmlformats.org/markup-compatibility/2006" xmlns:p14="http://schemas.microsoft.com/office/powerpoint/2010/main">
-        <mc:Choice Requires="p14">
-          <p:contentPart p14:bwMode="auto" r:id="rId9">
-            <p14:nvContentPartPr>
-              <p14:cNvPr id="12" name="Ink 11">
-                <a:extLst>
-                  <a:ext uri="{FF2B5EF4-FFF2-40B4-BE49-F238E27FC236}">
-                    <a16:creationId xmlns:a16="http://schemas.microsoft.com/office/drawing/2014/main" id="{E81A6903-1EB6-4DFB-9AEB-1BEC9CDBB90B}"/>
-                  </a:ext>
-                </a:extLst>
-              </p14:cNvPr>
-              <p14:cNvContentPartPr/>
-              <p14:nvPr/>
-            </p14:nvContentPartPr>
-            <p14:xfrm>
-              <a:off x="2940065" y="4825218"/>
-              <a:ext cx="3840840" cy="73080"/>
-            </p14:xfrm>
-          </p:contentPart>
-        </mc:Choice>
-        <mc:Fallback xmlns="">
-          <p:pic>
-            <p:nvPicPr>
-              <p:cNvPr id="12" name="Ink 11">
-                <a:extLst>
-                  <a:ext uri="{FF2B5EF4-FFF2-40B4-BE49-F238E27FC236}">
-                    <a16:creationId xmlns:a16="http://schemas.microsoft.com/office/drawing/2014/main" id="{E81A6903-1EB6-4DFB-9AEB-1BEC9CDBB90B}"/>
-                  </a:ext>
-                </a:extLst>
-              </p:cNvPr>
-              <p:cNvPicPr/>
-              <p:nvPr/>
-            </p:nvPicPr>
-            <p:blipFill>
-              <a:blip r:embed="rId10"/>
-              <a:stretch>
-                <a:fillRect/>
-              </a:stretch>
-            </p:blipFill>
-            <p:spPr>
-              <a:xfrm>
-                <a:off x="2933945" y="4819098"/>
-                <a:ext cx="3853080" cy="85320"/>
-              </a:xfrm>
-              <a:prstGeom prst="rect">
-                <a:avLst/>
-              </a:prstGeom>
-            </p:spPr>
-          </p:pic>
-        </mc:Fallback>
-      </mc:AlternateContent>
-      <mc:AlternateContent xmlns:mc="http://schemas.openxmlformats.org/markup-compatibility/2006" xmlns:p14="http://schemas.microsoft.com/office/powerpoint/2010/main">
-        <mc:Choice Requires="p14">
-          <p:contentPart p14:bwMode="auto" r:id="rId11">
-            <p14:nvContentPartPr>
-              <p14:cNvPr id="14" name="Ink 13">
-                <a:extLst>
-                  <a:ext uri="{FF2B5EF4-FFF2-40B4-BE49-F238E27FC236}">
-                    <a16:creationId xmlns:a16="http://schemas.microsoft.com/office/drawing/2014/main" id="{2EA64BCB-96D9-4625-B75A-55173FDDF1DF}"/>
-                  </a:ext>
-                </a:extLst>
-              </p14:cNvPr>
-              <p14:cNvContentPartPr/>
-              <p14:nvPr/>
-            </p14:nvContentPartPr>
-            <p14:xfrm>
-              <a:off x="5372225" y="4515618"/>
-              <a:ext cx="16200" cy="253800"/>
-            </p14:xfrm>
-          </p:contentPart>
-        </mc:Choice>
-        <mc:Fallback xmlns="">
-          <p:pic>
-            <p:nvPicPr>
-              <p:cNvPr id="14" name="Ink 13">
-                <a:extLst>
-                  <a:ext uri="{FF2B5EF4-FFF2-40B4-BE49-F238E27FC236}">
-                    <a16:creationId xmlns:a16="http://schemas.microsoft.com/office/drawing/2014/main" id="{2EA64BCB-96D9-4625-B75A-55173FDDF1DF}"/>
-                  </a:ext>
-                </a:extLst>
-              </p:cNvPr>
-              <p:cNvPicPr/>
-              <p:nvPr/>
-            </p:nvPicPr>
-            <p:blipFill>
-              <a:blip r:embed="rId12"/>
-              <a:stretch>
-                <a:fillRect/>
-              </a:stretch>
-            </p:blipFill>
-            <p:spPr>
-              <a:xfrm>
-                <a:off x="5366105" y="4509498"/>
-                <a:ext cx="28440" cy="266040"/>
-              </a:xfrm>
-              <a:prstGeom prst="rect">
-                <a:avLst/>
-              </a:prstGeom>
-            </p:spPr>
-          </p:pic>
-        </mc:Fallback>
-      </mc:AlternateContent>
       <p:sp>
         <p:nvSpPr>
           <p:cNvPr id="16" name="TextBox 15">
@@ -24234,7 +20068,7 @@
         </p:nvSpPr>
         <p:spPr>
           <a:xfrm>
-            <a:off x="5372224" y="4476018"/>
+            <a:off x="5460401" y="4278649"/>
             <a:ext cx="3207333" cy="646331"/>
           </a:xfrm>
           <a:prstGeom prst="rect">
@@ -24265,7 +20099,7 @@
       </p:sp>
       <mc:AlternateContent xmlns:mc="http://schemas.openxmlformats.org/markup-compatibility/2006" xmlns:p14="http://schemas.microsoft.com/office/powerpoint/2010/main">
         <mc:Choice Requires="p14">
-          <p:contentPart p14:bwMode="auto" r:id="rId13">
+          <p:contentPart p14:bwMode="auto" r:id="rId3">
             <p14:nvContentPartPr>
               <p14:cNvPr id="5" name="Ink 4">
                 <a:extLst>
@@ -25972,6 +21806,15 @@
 </file>
 
 <file path=customXml/item1.xml><?xml version="1.0" encoding="utf-8"?>
+<?mso-contentType ?>
+<FormTemplates xmlns="http://schemas.microsoft.com/sharepoint/v3/contenttype/forms">
+  <Display>DocumentLibraryForm</Display>
+  <Edit>DocumentLibraryForm</Edit>
+  <New>DocumentLibraryForm</New>
+</FormTemplates>
+</file>
+
+<file path=customXml/item2.xml><?xml version="1.0" encoding="utf-8"?>
 <ct:contentTypeSchema xmlns:ct="http://schemas.microsoft.com/office/2006/metadata/contentType" xmlns:ma="http://schemas.microsoft.com/office/2006/metadata/properties/metaAttributes" ct:_="" ma:_="" ma:contentTypeName="Document" ma:contentTypeID="0x0101005E4A05A4197C59409E7B570369F74C4E" ma:contentTypeVersion="13" ma:contentTypeDescription="Create a new document." ma:contentTypeScope="" ma:versionID="0e63d315a94f20f5a764d0041f1592d4">
   <xsd:schema xmlns:xsd="http://www.w3.org/2001/XMLSchema" xmlns:xs="http://www.w3.org/2001/XMLSchema" xmlns:p="http://schemas.microsoft.com/office/2006/metadata/properties" xmlns:ns3="314e9384-4f21-4684-9ec7-4710b26e8a94" xmlns:ns4="ccbf7843-e186-41ce-909f-780a927d0f38" targetNamespace="http://schemas.microsoft.com/office/2006/metadata/properties" ma:root="true" ma:fieldsID="33e0a4a99f71b30adcdacaccad14835e" ns3:_="" ns4:_="">
     <xsd:import namespace="314e9384-4f21-4684-9ec7-4710b26e8a94"/>
@@ -26194,15 +22037,6 @@
 </ct:contentTypeSchema>
 </file>
 
-<file path=customXml/item2.xml><?xml version="1.0" encoding="utf-8"?>
-<?mso-contentType ?>
-<FormTemplates xmlns="http://schemas.microsoft.com/sharepoint/v3/contenttype/forms">
-  <Display>DocumentLibraryForm</Display>
-  <Edit>DocumentLibraryForm</Edit>
-  <New>DocumentLibraryForm</New>
-</FormTemplates>
-</file>
-
 <file path=customXml/item3.xml><?xml version="1.0" encoding="utf-8"?>
 <p:properties xmlns:p="http://schemas.microsoft.com/office/2006/metadata/properties" xmlns:xsi="http://www.w3.org/2001/XMLSchema-instance" xmlns:pc="http://schemas.microsoft.com/office/infopath/2007/PartnerControls">
   <documentManagement/>
@@ -26210,6 +22044,14 @@
 </file>
 
 <file path=customXml/itemProps1.xml><?xml version="1.0" encoding="utf-8"?>
+<ds:datastoreItem xmlns:ds="http://schemas.openxmlformats.org/officeDocument/2006/customXml" ds:itemID="{7464BA5E-8D76-42B6-B6A3-423CCACBCB5E}">
+  <ds:schemaRefs>
+    <ds:schemaRef ds:uri="http://schemas.microsoft.com/sharepoint/v3/contenttype/forms"/>
+  </ds:schemaRefs>
+</ds:datastoreItem>
+</file>
+
+<file path=customXml/itemProps2.xml><?xml version="1.0" encoding="utf-8"?>
 <ds:datastoreItem xmlns:ds="http://schemas.openxmlformats.org/officeDocument/2006/customXml" ds:itemID="{51560B1B-B0C7-44B5-850F-BD3F667009E1}">
   <ds:schemaRefs>
     <ds:schemaRef ds:uri="http://schemas.microsoft.com/office/2006/metadata/contentType"/>
@@ -26224,14 +22066,6 @@
     <ds:schemaRef ds:uri="http://purl.org/dc/elements/1.1/"/>
     <ds:schemaRef ds:uri="http://purl.org/dc/terms/"/>
     <ds:schemaRef ds:uri="http://schemas.microsoft.com/internal/obd"/>
-  </ds:schemaRefs>
-</ds:datastoreItem>
-</file>
-
-<file path=customXml/itemProps2.xml><?xml version="1.0" encoding="utf-8"?>
-<ds:datastoreItem xmlns:ds="http://schemas.openxmlformats.org/officeDocument/2006/customXml" ds:itemID="{7464BA5E-8D76-42B6-B6A3-423CCACBCB5E}">
-  <ds:schemaRefs>
-    <ds:schemaRef ds:uri="http://schemas.microsoft.com/sharepoint/v3/contenttype/forms"/>
   </ds:schemaRefs>
 </ds:datastoreItem>
 </file>
